--- a/Output/666/test.pptx
+++ b/Output/666/test.pptx
@@ -5689,7 +5689,7 @@
           <a:lstStyle/>
           <a:p>
             <a:r>
-              <a:t>追求心仪女生的策略与技巧</a:t>
+              <a:t>如何追到喜欢的女生</a:t>
             </a:r>
           </a:p>
         </p:txBody>
@@ -5710,7 +5710,7 @@
           <a:lstStyle/>
           <a:p>
             <a:r>
-              <a:t>从了解她到赢得芳心</a:t>
+              <a:t>策略与技巧分享</a:t>
             </a:r>
           </a:p>
         </p:txBody>
@@ -5771,19 +5771,19 @@
           <a:p>
             <a:pPr/>
             <a:r>
-              <a:t>1. 第一步：了解她</a:t>
+              <a:t>1. 第一步：建立初步联系</a:t>
             </a:r>
           </a:p>
           <a:p>
             <a:pPr/>
             <a:r>
-              <a:t>2. 第二步：建立联系</a:t>
+              <a:t>2. 第二步：深入了解与增进感情</a:t>
             </a:r>
           </a:p>
           <a:p>
             <a:pPr/>
             <a:r>
-              <a:t>3. 第三步：加深感情</a:t>
+              <a:t>3. 第三步：表达你的感情</a:t>
             </a:r>
           </a:p>
           <a:p>
@@ -5828,36 +5828,19 @@
           <a:lstStyle/>
           <a:p>
             <a:r>
-              <a:t>第一步：了解她</a:t>
-            </a:r>
-          </a:p>
-        </p:txBody>
-      </p:sp>
-      <p:sp>
-        <p:nvSpPr>
-          <p:cNvPr id="3" name="Text Placeholder 2"/>
-          <p:cNvSpPr>
-            <a:spLocks noGrp="1"/>
-          </p:cNvSpPr>
-          <p:nvPr>
-            <p:ph type="body" idx="13" sz="quarter"/>
-          </p:nvPr>
-        </p:nvSpPr>
-        <p:spPr/>
-        <p:txBody>
-          <a:bodyPr/>
-          <a:lstStyle/>
-          <a:p/>
-        </p:txBody>
-      </p:sp>
-      <p:sp>
-        <p:nvSpPr>
-          <p:cNvPr id="4" name="Text Placeholder 3"/>
-          <p:cNvSpPr>
-            <a:spLocks noGrp="1"/>
-          </p:cNvSpPr>
-          <p:nvPr>
-            <p:ph type="body" idx="1"/>
+              <a:t>第一步：建立初步联系</a:t>
+            </a:r>
+          </a:p>
+        </p:txBody>
+      </p:sp>
+      <p:sp>
+        <p:nvSpPr>
+          <p:cNvPr id="3" name="Content Placeholder 2"/>
+          <p:cNvSpPr>
+            <a:spLocks noGrp="1"/>
+          </p:cNvSpPr>
+          <p:nvPr>
+            <p:ph idx="1"/>
           </p:nvPr>
         </p:nvSpPr>
         <p:spPr/>
@@ -5867,19 +5850,19 @@
           <a:p>
             <a:pPr/>
             <a:r>
-              <a:t>观察她的兴趣爱好</a:t>
+              <a:t>找到共同兴趣，作为话题切入点</a:t>
             </a:r>
           </a:p>
           <a:p>
             <a:pPr/>
             <a:r>
-              <a:t>留意她的朋友圈动态</a:t>
+              <a:t>保持自然交流，避免过度紧张</a:t>
             </a:r>
           </a:p>
           <a:p>
             <a:pPr/>
             <a:r>
-              <a:t>尝试共同话题</a:t>
+              <a:t>适当展示你的个性与优点</a:t>
             </a:r>
           </a:p>
         </p:txBody>
@@ -5918,7 +5901,7 @@
           <a:lstStyle/>
           <a:p>
             <a:r>
-              <a:t>第二步：建立联系</a:t>
+              <a:t>第二步：深入了解与增进感情</a:t>
             </a:r>
           </a:p>
         </p:txBody>
@@ -5930,35 +5913,18 @@
             <a:spLocks noGrp="1"/>
           </p:cNvSpPr>
           <p:nvPr>
-            <p:ph idx="1" sz="half"/>
-          </p:nvPr>
-        </p:nvSpPr>
-        <p:spPr/>
-        <p:txBody>
-          <a:bodyPr/>
-          <a:lstStyle/>
-          <a:p>
-            <a:r>
-              <a:t>通过社交平台或朋友介绍主动接触，找到合适的机会邀请她一起参加活动或共进晚餐，注意保持礼貌和尊重，让对方感到舒适和轻松。</a:t>
-            </a:r>
-          </a:p>
-        </p:txBody>
-      </p:sp>
-      <p:sp>
-        <p:nvSpPr>
-          <p:cNvPr id="4" name="Content Placeholder 3"/>
-          <p:cNvSpPr>
-            <a:spLocks noGrp="1"/>
-          </p:cNvSpPr>
-          <p:nvPr>
-            <p:ph idx="2" sz="half"/>
-          </p:nvPr>
-        </p:nvSpPr>
-        <p:spPr/>
-        <p:txBody>
-          <a:bodyPr/>
-          <a:lstStyle/>
-          <a:p/>
+            <p:ph idx="1"/>
+          </p:nvPr>
+        </p:nvSpPr>
+        <p:spPr/>
+        <p:txBody>
+          <a:bodyPr/>
+          <a:lstStyle/>
+          <a:p>
+            <a:r>
+              <a:t>在初步接触后，尝试通过更多活动加深了解，比如共同参加兴趣小组或活动。注意观察对方的兴趣爱好，并适时提供帮助或建议，以此增进彼此间的感情。</a:t>
+            </a:r>
+          </a:p>
         </p:txBody>
       </p:sp>
     </p:spTree>
@@ -5995,7 +5961,7 @@
           <a:lstStyle/>
           <a:p>
             <a:r>
-              <a:t>第三步：加深感情</a:t>
+              <a:t>第三步：表达你的感情</a:t>
             </a:r>
           </a:p>
         </p:txBody>
@@ -6033,12 +5999,12 @@
           <a:lstStyle/>
           <a:p>
             <a:r>
-              <a:t>共享美好时光</a:t>
-            </a:r>
-          </a:p>
-          <a:p>
-            <a:r>
-              <a:t>创造更多共同回忆，如旅行、运动或其他有意义的活动，增加彼此间的默契与理解。</a:t>
+              <a:t>时机与方式的选择</a:t>
+            </a:r>
+          </a:p>
+          <a:p>
+            <a:r>
+              <a:t>选择一个合适的时机，如她心情愉快时，向她表达你对她的好感。可以通过直接对话或写信等方式进行。重要的是要真诚，让她感受到你的真心。</a:t>
             </a:r>
           </a:p>
         </p:txBody>
@@ -6078,6 +6044,27 @@
           <a:p>
             <a:r>
               <a:t>总结</a:t>
+            </a:r>
+          </a:p>
+        </p:txBody>
+      </p:sp>
+      <p:sp>
+        <p:nvSpPr>
+          <p:cNvPr id="3" name="Content Placeholder 2"/>
+          <p:cNvSpPr>
+            <a:spLocks noGrp="1"/>
+          </p:cNvSpPr>
+          <p:nvPr>
+            <p:ph idx="1"/>
+          </p:nvPr>
+        </p:nvSpPr>
+        <p:spPr/>
+        <p:txBody>
+          <a:bodyPr/>
+          <a:lstStyle/>
+          <a:p>
+            <a:r>
+              <a:t>追女生需要耐心与细心，首先要建立起初步的联系，然后通过共同的活动增进感情，最后适时地表达自己的感情。记住，真诚是关键。</a:t>
             </a:r>
           </a:p>
         </p:txBody>

--- a/Output/666/test.pptx
+++ b/Output/666/test.pptx
@@ -5710,7 +5710,7 @@
           <a:lstStyle/>
           <a:p>
             <a:r>
-              <a:t>策略与技巧分享</a:t>
+              <a:t>实用攻略与技巧分享</a:t>
             </a:r>
           </a:p>
         </p:txBody>
@@ -5771,25 +5771,25 @@
           <a:p>
             <a:pPr/>
             <a:r>
-              <a:t>1. 第一步：建立初步联系</a:t>
+              <a:t>1. 第一步：了解与沟通</a:t>
             </a:r>
           </a:p>
           <a:p>
             <a:pPr/>
             <a:r>
-              <a:t>2. 第二步：深入了解与增进感情</a:t>
+              <a:t>2. 第二步：建立联系</a:t>
             </a:r>
           </a:p>
           <a:p>
             <a:pPr/>
             <a:r>
-              <a:t>3. 第三步：表达你的感情</a:t>
+              <a:t>3. 第三步：展现自我</a:t>
             </a:r>
           </a:p>
           <a:p>
             <a:pPr/>
             <a:r>
-              <a:t>4. 总结</a:t>
+              <a:t>4. 第四步：共同活动</a:t>
             </a:r>
           </a:p>
         </p:txBody>
@@ -5828,19 +5828,36 @@
           <a:lstStyle/>
           <a:p>
             <a:r>
-              <a:t>第一步：建立初步联系</a:t>
-            </a:r>
-          </a:p>
-        </p:txBody>
-      </p:sp>
-      <p:sp>
-        <p:nvSpPr>
-          <p:cNvPr id="3" name="Content Placeholder 2"/>
-          <p:cNvSpPr>
-            <a:spLocks noGrp="1"/>
-          </p:cNvSpPr>
-          <p:nvPr>
-            <p:ph idx="1"/>
+              <a:t>第一步：了解与沟通</a:t>
+            </a:r>
+          </a:p>
+        </p:txBody>
+      </p:sp>
+      <p:sp>
+        <p:nvSpPr>
+          <p:cNvPr id="3" name="Text Placeholder 2"/>
+          <p:cNvSpPr>
+            <a:spLocks noGrp="1"/>
+          </p:cNvSpPr>
+          <p:nvPr>
+            <p:ph type="body" idx="13"/>
+          </p:nvPr>
+        </p:nvSpPr>
+        <p:spPr/>
+        <p:txBody>
+          <a:bodyPr/>
+          <a:lstStyle/>
+          <a:p/>
+        </p:txBody>
+      </p:sp>
+      <p:sp>
+        <p:nvSpPr>
+          <p:cNvPr id="4" name="Text Placeholder 3"/>
+          <p:cNvSpPr>
+            <a:spLocks noGrp="1"/>
+          </p:cNvSpPr>
+          <p:nvPr>
+            <p:ph type="body" idx="1"/>
           </p:nvPr>
         </p:nvSpPr>
         <p:spPr/>
@@ -5850,19 +5867,19 @@
           <a:p>
             <a:pPr/>
             <a:r>
-              <a:t>找到共同兴趣，作为话题切入点</a:t>
+              <a:t>观察她的兴趣爱好</a:t>
             </a:r>
           </a:p>
           <a:p>
             <a:pPr/>
             <a:r>
-              <a:t>保持自然交流，避免过度紧张</a:t>
+              <a:t>寻找共同话题</a:t>
             </a:r>
           </a:p>
           <a:p>
             <a:pPr/>
             <a:r>
-              <a:t>适当展示你的个性与优点</a:t>
+              <a:t>保持真诚的态度</a:t>
             </a:r>
           </a:p>
         </p:txBody>
@@ -5901,28 +5918,45 @@
           <a:lstStyle/>
           <a:p>
             <a:r>
-              <a:t>第二步：深入了解与增进感情</a:t>
-            </a:r>
-          </a:p>
-        </p:txBody>
-      </p:sp>
-      <p:sp>
-        <p:nvSpPr>
-          <p:cNvPr id="3" name="Content Placeholder 2"/>
-          <p:cNvSpPr>
-            <a:spLocks noGrp="1"/>
-          </p:cNvSpPr>
-          <p:nvPr>
-            <p:ph idx="1"/>
-          </p:nvPr>
-        </p:nvSpPr>
-        <p:spPr/>
-        <p:txBody>
-          <a:bodyPr/>
-          <a:lstStyle/>
-          <a:p>
-            <a:r>
-              <a:t>在初步接触后，尝试通过更多活动加深了解，比如共同参加兴趣小组或活动。注意观察对方的兴趣爱好，并适时提供帮助或建议，以此增进彼此间的感情。</a:t>
+              <a:t>第二步：建立联系</a:t>
+            </a:r>
+          </a:p>
+        </p:txBody>
+      </p:sp>
+      <p:sp>
+        <p:nvSpPr>
+          <p:cNvPr id="3" name="Text Placeholder 2"/>
+          <p:cNvSpPr>
+            <a:spLocks noGrp="1"/>
+          </p:cNvSpPr>
+          <p:nvPr>
+            <p:ph type="body" idx="13"/>
+          </p:nvPr>
+        </p:nvSpPr>
+        <p:spPr/>
+        <p:txBody>
+          <a:bodyPr/>
+          <a:lstStyle/>
+          <a:p/>
+        </p:txBody>
+      </p:sp>
+      <p:sp>
+        <p:nvSpPr>
+          <p:cNvPr id="4" name="Text Placeholder 3"/>
+          <p:cNvSpPr>
+            <a:spLocks noGrp="1"/>
+          </p:cNvSpPr>
+          <p:nvPr>
+            <p:ph type="body" idx="1"/>
+          </p:nvPr>
+        </p:nvSpPr>
+        <p:spPr/>
+        <p:txBody>
+          <a:bodyPr/>
+          <a:lstStyle/>
+          <a:p>
+            <a:r>
+              <a:t>通过社交媒体、朋友介绍或其他方式主动接触她，保持联系频率适中，避免过于频繁而产生压力感。</a:t>
             </a:r>
           </a:p>
         </p:txBody>
@@ -5961,50 +5995,33 @@
           <a:lstStyle/>
           <a:p>
             <a:r>
-              <a:t>第三步：表达你的感情</a:t>
-            </a:r>
-          </a:p>
-        </p:txBody>
-      </p:sp>
-      <p:sp>
-        <p:nvSpPr>
-          <p:cNvPr id="3" name="Text Placeholder 2"/>
-          <p:cNvSpPr>
-            <a:spLocks noGrp="1"/>
-          </p:cNvSpPr>
-          <p:nvPr>
-            <p:ph type="body" idx="13"/>
-          </p:nvPr>
-        </p:nvSpPr>
-        <p:spPr/>
-        <p:txBody>
-          <a:bodyPr/>
-          <a:lstStyle/>
-          <a:p/>
-        </p:txBody>
-      </p:sp>
-      <p:sp>
-        <p:nvSpPr>
-          <p:cNvPr id="4" name="Text Placeholder 3"/>
-          <p:cNvSpPr>
-            <a:spLocks noGrp="1"/>
-          </p:cNvSpPr>
-          <p:nvPr>
-            <p:ph type="body" idx="1"/>
-          </p:nvPr>
-        </p:nvSpPr>
-        <p:spPr/>
-        <p:txBody>
-          <a:bodyPr/>
-          <a:lstStyle/>
-          <a:p>
-            <a:r>
-              <a:t>时机与方式的选择</a:t>
-            </a:r>
-          </a:p>
-          <a:p>
-            <a:r>
-              <a:t>选择一个合适的时机，如她心情愉快时，向她表达你对她的好感。可以通过直接对话或写信等方式进行。重要的是要真诚，让她感受到你的真心。</a:t>
+              <a:t>第三步：展现自我</a:t>
+            </a:r>
+          </a:p>
+        </p:txBody>
+      </p:sp>
+      <p:sp>
+        <p:nvSpPr>
+          <p:cNvPr id="3" name="Content Placeholder 2"/>
+          <p:cNvSpPr>
+            <a:spLocks noGrp="1"/>
+          </p:cNvSpPr>
+          <p:nvPr>
+            <p:ph idx="1"/>
+          </p:nvPr>
+        </p:nvSpPr>
+        <p:spPr/>
+        <p:txBody>
+          <a:bodyPr/>
+          <a:lstStyle/>
+          <a:p>
+            <a:r>
+              <a:t>展现个人魅力</a:t>
+            </a:r>
+          </a:p>
+          <a:p>
+            <a:r>
+              <a:t>通过自己的兴趣爱好、特长展示个性，让她看到你独特的魅力和价值。</a:t>
             </a:r>
           </a:p>
         </p:txBody>
@@ -6043,28 +6060,28 @@
           <a:lstStyle/>
           <a:p>
             <a:r>
-              <a:t>总结</a:t>
-            </a:r>
-          </a:p>
-        </p:txBody>
-      </p:sp>
-      <p:sp>
-        <p:nvSpPr>
-          <p:cNvPr id="3" name="Content Placeholder 2"/>
-          <p:cNvSpPr>
-            <a:spLocks noGrp="1"/>
-          </p:cNvSpPr>
-          <p:nvPr>
-            <p:ph idx="1"/>
-          </p:nvPr>
-        </p:nvSpPr>
-        <p:spPr/>
-        <p:txBody>
-          <a:bodyPr/>
-          <a:lstStyle/>
-          <a:p>
-            <a:r>
-              <a:t>追女生需要耐心与细心，首先要建立起初步的联系，然后通过共同的活动增进感情，最后适时地表达自己的感情。记住，真诚是关键。</a:t>
+              <a:t>第四步：共同活动</a:t>
+            </a:r>
+          </a:p>
+        </p:txBody>
+      </p:sp>
+      <p:sp>
+        <p:nvSpPr>
+          <p:cNvPr id="3" name="Text Placeholder 2"/>
+          <p:cNvSpPr>
+            <a:spLocks noGrp="1"/>
+          </p:cNvSpPr>
+          <p:nvPr>
+            <p:ph type="body" idx="1"/>
+          </p:nvPr>
+        </p:nvSpPr>
+        <p:spPr/>
+        <p:txBody>
+          <a:bodyPr/>
+          <a:lstStyle/>
+          <a:p>
+            <a:r>
+              <a:t>邀请她参与一些共同感兴趣的活动，如户外运动、看电影等，加深彼此之间的了解与感情。</a:t>
             </a:r>
           </a:p>
         </p:txBody>

--- a/Output/666/test.pptx
+++ b/Output/666/test.pptx
@@ -113,7 +113,7 @@
 </file>
 
 <file path=ppt/slideLayouts/slideLayout1.xml><?xml version="1.0" encoding="utf-8"?>
-<p:sldLayout xmlns:a="http://schemas.openxmlformats.org/drawingml/2006/main" xmlns:r="http://schemas.openxmlformats.org/officeDocument/2006/relationships" xmlns:p="http://schemas.openxmlformats.org/presentationml/2006/main" showMasterSp="0" type="title" preserve="1">
+<p:sldLayout xmlns:a="http://schemas.openxmlformats.org/drawingml/2006/main" xmlns:r="http://schemas.openxmlformats.org/officeDocument/2006/relationships" xmlns:p="http://schemas.openxmlformats.org/presentationml/2006/main" type="title" preserve="1">
   <p:cSld name="Titelfolie">
     <p:spTree>
       <p:nvGrpSpPr>
@@ -129,96 +129,164 @@
           <a:chExt cx="0" cy="0"/>
         </a:xfrm>
       </p:grpSpPr>
-      <p:pic>
-        <p:nvPicPr>
-          <p:cNvPr id="7" name="Picture 6" descr="HD-PanelTitle-GrommetsCombined.png"/>
-          <p:cNvPicPr>
-            <a:picLocks noChangeAspect="1"/>
-          </p:cNvPicPr>
+      <p:sp>
+        <p:nvSpPr>
+          <p:cNvPr id="11" name="Freeform 6"/>
+          <p:cNvSpPr/>
           <p:nvPr/>
-        </p:nvPicPr>
-        <p:blipFill>
-          <a:blip r:embed="rId2">
-            <a:extLst>
-              <a:ext uri="{28A0092B-C50C-407E-A947-70E740481C1C}">
-                <a14:useLocalDpi xmlns:a14="http://schemas.microsoft.com/office/drawing/2010/main" val="0"/>
-              </a:ext>
-            </a:extLst>
-          </a:blip>
-          <a:stretch>
-            <a:fillRect/>
-          </a:stretch>
-        </p:blipFill>
+        </p:nvSpPr>
+        <p:spPr bwMode="auto">
+          <a:xfrm>
+            <a:off x="0" y="-3175"/>
+            <a:ext cx="12192000" cy="5203825"/>
+          </a:xfrm>
+          <a:custGeom>
+            <a:avLst/>
+            <a:gdLst/>
+            <a:ahLst/>
+            <a:cxnLst/>
+            <a:rect l="0" t="0" r="r" b="b"/>
+            <a:pathLst>
+              <a:path w="5760" h="3278">
+                <a:moveTo>
+                  <a:pt x="5760" y="0"/>
+                </a:moveTo>
+                <a:lnTo>
+                  <a:pt x="0" y="0"/>
+                </a:lnTo>
+                <a:lnTo>
+                  <a:pt x="0" y="3090"/>
+                </a:lnTo>
+                <a:lnTo>
+                  <a:pt x="943" y="3090"/>
+                </a:lnTo>
+                <a:lnTo>
+                  <a:pt x="1123" y="3270"/>
+                </a:lnTo>
+                <a:lnTo>
+                  <a:pt x="1123" y="3270"/>
+                </a:lnTo>
+                <a:lnTo>
+                  <a:pt x="1127" y="3272"/>
+                </a:lnTo>
+                <a:lnTo>
+                  <a:pt x="1133" y="3275"/>
+                </a:lnTo>
+                <a:lnTo>
+                  <a:pt x="1139" y="3278"/>
+                </a:lnTo>
+                <a:lnTo>
+                  <a:pt x="1144" y="3278"/>
+                </a:lnTo>
+                <a:lnTo>
+                  <a:pt x="1150" y="3278"/>
+                </a:lnTo>
+                <a:lnTo>
+                  <a:pt x="1155" y="3275"/>
+                </a:lnTo>
+                <a:lnTo>
+                  <a:pt x="1161" y="3272"/>
+                </a:lnTo>
+                <a:lnTo>
+                  <a:pt x="1165" y="3270"/>
+                </a:lnTo>
+                <a:lnTo>
+                  <a:pt x="1345" y="3090"/>
+                </a:lnTo>
+                <a:lnTo>
+                  <a:pt x="5760" y="3090"/>
+                </a:lnTo>
+                <a:lnTo>
+                  <a:pt x="5760" y="0"/>
+                </a:lnTo>
+                <a:close/>
+              </a:path>
+            </a:pathLst>
+          </a:custGeom>
+          <a:ln/>
+          <a:effectLst/>
+          <a:extLst>
+            <a:ext uri="{91240B29-F687-4f45-9708-019B960494DF}">
+              <a14:hiddenLine xmlns:a14="http://schemas.microsoft.com/office/drawing/2010/main" xmlns="" w="9525">
+                <a:solidFill>
+                  <a:srgbClr val="000000"/>
+                </a:solidFill>
+                <a:round/>
+                <a:headEnd/>
+                <a:tailEnd/>
+              </a14:hiddenLine>
+            </a:ext>
+          </a:extLst>
+        </p:spPr>
+        <p:style>
+          <a:lnRef idx="1">
+            <a:schemeClr val="accent1"/>
+          </a:lnRef>
+          <a:fillRef idx="3">
+            <a:schemeClr val="accent1"/>
+          </a:fillRef>
+          <a:effectRef idx="2">
+            <a:schemeClr val="accent1"/>
+          </a:effectRef>
+          <a:fontRef idx="minor">
+            <a:schemeClr val="lt1"/>
+          </a:fontRef>
+        </p:style>
+      </p:sp>
+      <p:sp>
+        <p:nvSpPr>
+          <p:cNvPr id="2" name="Title 1"/>
+          <p:cNvSpPr>
+            <a:spLocks noGrp="1"/>
+          </p:cNvSpPr>
+          <p:nvPr>
+            <p:ph type="ctrTitle"/>
+          </p:nvPr>
+        </p:nvSpPr>
         <p:spPr>
           <a:xfrm>
-            <a:off x="0" y="0"/>
-            <a:ext cx="12188825" cy="6856214"/>
+            <a:off x="810001" y="1449147"/>
+            <a:ext cx="10572000" cy="2971051"/>
           </a:xfrm>
-          <a:prstGeom prst="rect">
-            <a:avLst/>
-          </a:prstGeom>
         </p:spPr>
-      </p:pic>
-      <p:sp>
-        <p:nvSpPr>
-          <p:cNvPr id="2" name="Title 1"/>
-          <p:cNvSpPr>
-            <a:spLocks noGrp="1"/>
-          </p:cNvSpPr>
-          <p:nvPr>
-            <p:ph type="ctrTitle"/>
+        <p:txBody>
+          <a:bodyPr/>
+          <a:lstStyle>
+            <a:lvl1pPr>
+              <a:defRPr sz="5400"/>
+            </a:lvl1pPr>
+          </a:lstStyle>
+          <a:p>
+            <a:r>
+              <a:rPr lang="de-DE"/>
+              <a:t>Mastertitelformat bearbeiten</a:t>
+            </a:r>
+            <a:endParaRPr lang="en-US" dirty="0"/>
+          </a:p>
+        </p:txBody>
+      </p:sp>
+      <p:sp>
+        <p:nvSpPr>
+          <p:cNvPr id="3" name="Subtitle 2"/>
+          <p:cNvSpPr>
+            <a:spLocks noGrp="1"/>
+          </p:cNvSpPr>
+          <p:nvPr>
+            <p:ph type="subTitle" idx="1"/>
           </p:nvPr>
         </p:nvSpPr>
         <p:spPr>
           <a:xfrm>
-            <a:off x="2692398" y="1871131"/>
-            <a:ext cx="6815669" cy="1515533"/>
+            <a:off x="810001" y="5280847"/>
+            <a:ext cx="10572000" cy="434974"/>
           </a:xfrm>
         </p:spPr>
         <p:txBody>
-          <a:bodyPr anchor="b">
-            <a:noAutofit/>
-          </a:bodyPr>
+          <a:bodyPr anchor="t"/>
           <a:lstStyle>
-            <a:lvl1pPr algn="ctr">
-              <a:defRPr sz="5400">
-                <a:effectLst/>
-              </a:defRPr>
-            </a:lvl1pPr>
-          </a:lstStyle>
-          <a:p>
-            <a:r>
-              <a:rPr lang="de-DE"/>
-              <a:t>Mastertitelformat bearbeiten</a:t>
-            </a:r>
-            <a:endParaRPr lang="en-US" dirty="0"/>
-          </a:p>
-        </p:txBody>
-      </p:sp>
-      <p:sp>
-        <p:nvSpPr>
-          <p:cNvPr id="3" name="Subtitle 2"/>
-          <p:cNvSpPr>
-            <a:spLocks noGrp="1"/>
-          </p:cNvSpPr>
-          <p:nvPr>
-            <p:ph type="subTitle" idx="1"/>
-          </p:nvPr>
-        </p:nvSpPr>
-        <p:spPr>
-          <a:xfrm>
-            <a:off x="2692398" y="3657597"/>
-            <a:ext cx="6815669" cy="1320802"/>
-          </a:xfrm>
-        </p:spPr>
-        <p:txBody>
-          <a:bodyPr anchor="t">
-            <a:normAutofit/>
-          </a:bodyPr>
-          <a:lstStyle>
-            <a:lvl1pPr marL="0" indent="0" algn="ctr">
-              <a:buNone/>
-              <a:defRPr sz="2100">
+            <a:lvl1pPr marL="0" indent="0" algn="l">
+              <a:buNone/>
+              <a:defRPr>
                 <a:solidFill>
                   <a:schemeClr val="tx1"/>
                 </a:solidFill>
@@ -324,17 +392,12 @@
             <p:ph type="dt" sz="half" idx="10"/>
           </p:nvPr>
         </p:nvSpPr>
-        <p:spPr>
-          <a:xfrm>
-            <a:off x="7983232" y="5037663"/>
-            <a:ext cx="897467" cy="279400"/>
-          </a:xfrm>
-        </p:spPr>
-        <p:txBody>
-          <a:bodyPr/>
-          <a:lstStyle/>
-          <a:p>
-            <a:fld id="{B61BEF0D-F0BB-DE4B-95CE-6DB70DBA9567}" type="datetimeFigureOut">
+        <p:spPr/>
+        <p:txBody>
+          <a:bodyPr/>
+          <a:lstStyle/>
+          <a:p>
+            <a:fld id="{08B9EBBA-996F-894A-B54A-D6246ED52CEA}" type="datetimeFigureOut">
               <a:rPr lang="en-US" dirty="0"/>
               <a:pPr/>
               <a:t>3/7/2023</a:t>
@@ -353,12 +416,7 @@
             <p:ph type="ftr" sz="quarter" idx="11"/>
           </p:nvPr>
         </p:nvSpPr>
-        <p:spPr>
-          <a:xfrm>
-            <a:off x="2692397" y="5037663"/>
-            <a:ext cx="5214635" cy="279400"/>
-          </a:xfrm>
-        </p:spPr>
+        <p:spPr/>
         <p:txBody>
           <a:bodyPr/>
           <a:lstStyle/>
@@ -377,12 +435,7 @@
             <p:ph type="sldNum" sz="quarter" idx="12"/>
           </p:nvPr>
         </p:nvSpPr>
-        <p:spPr>
-          <a:xfrm>
-            <a:off x="8956900" y="5037663"/>
-            <a:ext cx="551167" cy="279400"/>
-          </a:xfrm>
-        </p:spPr>
+        <p:spPr/>
         <p:txBody>
           <a:bodyPr/>
           <a:lstStyle/>
@@ -396,44 +449,6 @@
           </a:p>
         </p:txBody>
       </p:sp>
-      <p:cxnSp>
-        <p:nvCxnSpPr>
-          <p:cNvPr id="15" name="Straight Connector 14"/>
-          <p:cNvCxnSpPr/>
-          <p:nvPr/>
-        </p:nvCxnSpPr>
-        <p:spPr>
-          <a:xfrm>
-            <a:off x="2692399" y="3522131"/>
-            <a:ext cx="6815668" cy="0"/>
-          </a:xfrm>
-          <a:prstGeom prst="line">
-            <a:avLst/>
-          </a:prstGeom>
-          <a:ln>
-            <a:solidFill>
-              <a:schemeClr val="accent1">
-                <a:lumMod val="60000"/>
-                <a:lumOff val="40000"/>
-              </a:schemeClr>
-            </a:solidFill>
-          </a:ln>
-        </p:spPr>
-        <p:style>
-          <a:lnRef idx="2">
-            <a:schemeClr val="accent1"/>
-          </a:lnRef>
-          <a:fillRef idx="0">
-            <a:schemeClr val="accent1"/>
-          </a:fillRef>
-          <a:effectRef idx="1">
-            <a:schemeClr val="accent1"/>
-          </a:effectRef>
-          <a:fontRef idx="minor">
-            <a:schemeClr val="tx1"/>
-          </a:fontRef>
-        </p:style>
-      </p:cxnSp>
     </p:spTree>
   </p:cSld>
   <p:clrMapOvr>
@@ -471,8 +486,8 @@
         </p:nvSpPr>
         <p:spPr>
           <a:xfrm>
-            <a:off x="1295401" y="4815415"/>
-            <a:ext cx="9609666" cy="566738"/>
+            <a:off x="810000" y="4800600"/>
+            <a:ext cx="10561418" cy="566738"/>
           </a:xfrm>
         </p:spPr>
         <p:txBody>
@@ -480,7 +495,7 @@
             <a:normAutofit/>
           </a:bodyPr>
           <a:lstStyle>
-            <a:lvl1pPr algn="ctr">
+            <a:lvl1pPr algn="l">
               <a:defRPr sz="2400" b="0"/>
             </a:lvl1pPr>
           </a:lstStyle>
@@ -495,82 +510,116 @@
       </p:sp>
       <p:sp>
         <p:nvSpPr>
-          <p:cNvPr id="3" name="Picture Placeholder 2"/>
+          <p:cNvPr id="15" name="Picture Placeholder 14"/>
           <p:cNvSpPr>
             <a:spLocks noGrp="1" noChangeAspect="1"/>
           </p:cNvSpPr>
           <p:nvPr>
-            <p:ph type="pic" idx="1"/>
-          </p:nvPr>
-        </p:nvSpPr>
-        <p:spPr>
+            <p:ph type="pic" sz="quarter" idx="13"/>
+          </p:nvPr>
+        </p:nvSpPr>
+        <p:spPr bwMode="auto">
           <a:xfrm>
-            <a:off x="1041427" y="1041399"/>
-            <a:ext cx="10105972" cy="3335869"/>
+            <a:off x="0" y="0"/>
+            <a:ext cx="12192000" cy="4800600"/>
           </a:xfrm>
-          <a:prstGeom prst="roundRect">
-            <a:avLst>
-              <a:gd name="adj" fmla="val 0"/>
-            </a:avLst>
-          </a:prstGeom>
-          <a:ln w="57150" cmpd="thickThin">
+          <a:custGeom>
+            <a:avLst/>
+            <a:gdLst/>
+            <a:ahLst/>
+            <a:cxnLst/>
+            <a:rect l="0" t="0" r="r" b="b"/>
+            <a:pathLst>
+              <a:path w="5760" h="3289">
+                <a:moveTo>
+                  <a:pt x="5760" y="0"/>
+                </a:moveTo>
+                <a:lnTo>
+                  <a:pt x="0" y="0"/>
+                </a:lnTo>
+                <a:lnTo>
+                  <a:pt x="0" y="3100"/>
+                </a:lnTo>
+                <a:lnTo>
+                  <a:pt x="943" y="3100"/>
+                </a:lnTo>
+                <a:lnTo>
+                  <a:pt x="1123" y="3281"/>
+                </a:lnTo>
+                <a:lnTo>
+                  <a:pt x="1123" y="3281"/>
+                </a:lnTo>
+                <a:lnTo>
+                  <a:pt x="1127" y="3283"/>
+                </a:lnTo>
+                <a:lnTo>
+                  <a:pt x="1133" y="3286"/>
+                </a:lnTo>
+                <a:lnTo>
+                  <a:pt x="1139" y="3289"/>
+                </a:lnTo>
+                <a:lnTo>
+                  <a:pt x="1144" y="3289"/>
+                </a:lnTo>
+                <a:lnTo>
+                  <a:pt x="1150" y="3289"/>
+                </a:lnTo>
+                <a:lnTo>
+                  <a:pt x="1155" y="3286"/>
+                </a:lnTo>
+                <a:lnTo>
+                  <a:pt x="1161" y="3283"/>
+                </a:lnTo>
+                <a:lnTo>
+                  <a:pt x="1165" y="3281"/>
+                </a:lnTo>
+                <a:lnTo>
+                  <a:pt x="1345" y="3100"/>
+                </a:lnTo>
+                <a:lnTo>
+                  <a:pt x="5760" y="3100"/>
+                </a:lnTo>
+                <a:lnTo>
+                  <a:pt x="5760" y="0"/>
+                </a:lnTo>
+                <a:close/>
+              </a:path>
+            </a:pathLst>
+          </a:custGeom>
+          <a:noFill/>
+          <a:ln>
             <a:solidFill>
-              <a:schemeClr val="tx1">
-                <a:lumMod val="50000"/>
-                <a:lumOff val="50000"/>
-              </a:schemeClr>
+              <a:schemeClr val="tx2"/>
             </a:solidFill>
-            <a:miter lim="800000"/>
           </a:ln>
-          <a:effectLst>
-            <a:innerShdw blurRad="57150" dist="38100" dir="14460000">
-              <a:srgbClr val="000000">
-                <a:alpha val="70000"/>
-              </a:srgbClr>
-            </a:innerShdw>
-          </a:effectLst>
         </p:spPr>
-        <p:txBody>
-          <a:bodyPr anchor="t">
+        <p:style>
+          <a:lnRef idx="1">
+            <a:schemeClr val="accent1"/>
+          </a:lnRef>
+          <a:fillRef idx="3">
+            <a:schemeClr val="accent1"/>
+          </a:fillRef>
+          <a:effectRef idx="2">
+            <a:schemeClr val="accent1"/>
+          </a:effectRef>
+          <a:fontRef idx="minor">
+            <a:schemeClr val="lt1"/>
+          </a:fontRef>
+        </p:style>
+        <p:txBody>
+          <a:bodyPr wrap="square" numCol="1" anchor="t" anchorCtr="0" compatLnSpc="1">
+            <a:prstTxWarp prst="textNoShape">
+              <a:avLst/>
+            </a:prstTxWarp>
             <a:normAutofit/>
           </a:bodyPr>
           <a:lstStyle>
             <a:lvl1pPr marL="0" indent="0" algn="ctr">
+              <a:buFontTx/>
               <a:buNone/>
               <a:defRPr sz="1600"/>
             </a:lvl1pPr>
-            <a:lvl2pPr marL="457200" indent="0">
-              <a:buNone/>
-              <a:defRPr sz="1600"/>
-            </a:lvl2pPr>
-            <a:lvl3pPr marL="914400" indent="0">
-              <a:buNone/>
-              <a:defRPr sz="1600"/>
-            </a:lvl3pPr>
-            <a:lvl4pPr marL="1371600" indent="0">
-              <a:buNone/>
-              <a:defRPr sz="1600"/>
-            </a:lvl4pPr>
-            <a:lvl5pPr marL="1828800" indent="0">
-              <a:buNone/>
-              <a:defRPr sz="1600"/>
-            </a:lvl5pPr>
-            <a:lvl6pPr marL="2286000" indent="0">
-              <a:buNone/>
-              <a:defRPr sz="1600"/>
-            </a:lvl6pPr>
-            <a:lvl7pPr marL="2743200" indent="0">
-              <a:buNone/>
-              <a:defRPr sz="1600"/>
-            </a:lvl7pPr>
-            <a:lvl8pPr marL="3200400" indent="0">
-              <a:buNone/>
-              <a:defRPr sz="1600"/>
-            </a:lvl8pPr>
-            <a:lvl9pPr marL="3657600" indent="0">
-              <a:buNone/>
-              <a:defRPr sz="1600"/>
-            </a:lvl9pPr>
           </a:lstStyle>
           <a:p>
             <a:r>
@@ -593,8 +642,8 @@
         </p:nvSpPr>
         <p:spPr>
           <a:xfrm>
-            <a:off x="1295401" y="5382153"/>
-            <a:ext cx="9609666" cy="493712"/>
+            <a:off x="810000" y="5367338"/>
+            <a:ext cx="10561418" cy="493712"/>
           </a:xfrm>
         </p:spPr>
         <p:txBody>
@@ -602,9 +651,9 @@
             <a:normAutofit/>
           </a:bodyPr>
           <a:lstStyle>
-            <a:lvl1pPr marL="0" indent="0" algn="ctr">
-              <a:buNone/>
-              <a:defRPr sz="1400"/>
+            <a:lvl1pPr marL="0" indent="0">
+              <a:buNone/>
+              <a:defRPr sz="1200"/>
             </a:lvl1pPr>
             <a:lvl2pPr marL="457200" indent="0">
               <a:buNone/>
@@ -663,7 +712,7 @@
           <a:bodyPr/>
           <a:lstStyle/>
           <a:p>
-            <a:fld id="{B61BEF0D-F0BB-DE4B-95CE-6DB70DBA9567}" type="datetimeFigureOut">
+            <a:fld id="{18C79C5D-2A6F-F04D-97DA-BEF2467B64E4}" type="datetimeFigureOut">
               <a:rPr lang="en-US" dirty="0"/>
               <a:pPr/>
               <a:t>3/7/2023</a:t>
@@ -724,289 +773,6 @@
 </file>
 
 <file path=ppt/slideLayouts/slideLayout11.xml><?xml version="1.0" encoding="utf-8"?>
-<p:sldLayout xmlns:a="http://schemas.openxmlformats.org/drawingml/2006/main" xmlns:r="http://schemas.openxmlformats.org/officeDocument/2006/relationships" xmlns:p="http://schemas.openxmlformats.org/presentationml/2006/main" preserve="1">
-  <p:cSld name="Titel und Beschriftung">
-    <p:spTree>
-      <p:nvGrpSpPr>
-        <p:cNvPr id="1" name=""/>
-        <p:cNvGrpSpPr/>
-        <p:nvPr/>
-      </p:nvGrpSpPr>
-      <p:grpSpPr>
-        <a:xfrm>
-          <a:off x="0" y="0"/>
-          <a:ext cx="0" cy="0"/>
-          <a:chOff x="0" y="0"/>
-          <a:chExt cx="0" cy="0"/>
-        </a:xfrm>
-      </p:grpSpPr>
-      <p:sp>
-        <p:nvSpPr>
-          <p:cNvPr id="2" name="Title 1"/>
-          <p:cNvSpPr>
-            <a:spLocks noGrp="1"/>
-          </p:cNvSpPr>
-          <p:nvPr>
-            <p:ph type="title"/>
-          </p:nvPr>
-        </p:nvSpPr>
-        <p:spPr>
-          <a:xfrm>
-            <a:off x="1303868" y="982132"/>
-            <a:ext cx="9592732" cy="2954868"/>
-          </a:xfrm>
-        </p:spPr>
-        <p:txBody>
-          <a:bodyPr anchor="ctr">
-            <a:normAutofit/>
-          </a:bodyPr>
-          <a:lstStyle>
-            <a:lvl1pPr algn="ctr">
-              <a:defRPr sz="3200" b="0" cap="none"/>
-            </a:lvl1pPr>
-          </a:lstStyle>
-          <a:p>
-            <a:r>
-              <a:rPr lang="de-DE"/>
-              <a:t>Mastertitelformat bearbeiten</a:t>
-            </a:r>
-            <a:endParaRPr lang="en-US" dirty="0"/>
-          </a:p>
-        </p:txBody>
-      </p:sp>
-      <p:sp>
-        <p:nvSpPr>
-          <p:cNvPr id="3" name="Text Placeholder 2"/>
-          <p:cNvSpPr>
-            <a:spLocks noGrp="1"/>
-          </p:cNvSpPr>
-          <p:nvPr>
-            <p:ph type="body" idx="1"/>
-          </p:nvPr>
-        </p:nvSpPr>
-        <p:spPr>
-          <a:xfrm>
-            <a:off x="1303868" y="4343399"/>
-            <a:ext cx="9592732" cy="1532467"/>
-          </a:xfrm>
-        </p:spPr>
-        <p:txBody>
-          <a:bodyPr anchor="ctr">
-            <a:normAutofit/>
-          </a:bodyPr>
-          <a:lstStyle>
-            <a:lvl1pPr marL="0" indent="0" algn="ctr">
-              <a:buNone/>
-              <a:defRPr sz="2000">
-                <a:solidFill>
-                  <a:schemeClr val="tx1"/>
-                </a:solidFill>
-              </a:defRPr>
-            </a:lvl1pPr>
-            <a:lvl2pPr marL="457200" indent="0">
-              <a:buNone/>
-              <a:defRPr sz="1800">
-                <a:solidFill>
-                  <a:schemeClr val="tx1">
-                    <a:tint val="75000"/>
-                  </a:schemeClr>
-                </a:solidFill>
-              </a:defRPr>
-            </a:lvl2pPr>
-            <a:lvl3pPr marL="914400" indent="0">
-              <a:buNone/>
-              <a:defRPr sz="1600">
-                <a:solidFill>
-                  <a:schemeClr val="tx1">
-                    <a:tint val="75000"/>
-                  </a:schemeClr>
-                </a:solidFill>
-              </a:defRPr>
-            </a:lvl3pPr>
-            <a:lvl4pPr marL="1371600" indent="0">
-              <a:buNone/>
-              <a:defRPr sz="1400">
-                <a:solidFill>
-                  <a:schemeClr val="tx1">
-                    <a:tint val="75000"/>
-                  </a:schemeClr>
-                </a:solidFill>
-              </a:defRPr>
-            </a:lvl4pPr>
-            <a:lvl5pPr marL="1828800" indent="0">
-              <a:buNone/>
-              <a:defRPr sz="1400">
-                <a:solidFill>
-                  <a:schemeClr val="tx1">
-                    <a:tint val="75000"/>
-                  </a:schemeClr>
-                </a:solidFill>
-              </a:defRPr>
-            </a:lvl5pPr>
-            <a:lvl6pPr marL="2286000" indent="0">
-              <a:buNone/>
-              <a:defRPr sz="1400">
-                <a:solidFill>
-                  <a:schemeClr val="tx1">
-                    <a:tint val="75000"/>
-                  </a:schemeClr>
-                </a:solidFill>
-              </a:defRPr>
-            </a:lvl6pPr>
-            <a:lvl7pPr marL="2743200" indent="0">
-              <a:buNone/>
-              <a:defRPr sz="1400">
-                <a:solidFill>
-                  <a:schemeClr val="tx1">
-                    <a:tint val="75000"/>
-                  </a:schemeClr>
-                </a:solidFill>
-              </a:defRPr>
-            </a:lvl7pPr>
-            <a:lvl8pPr marL="3200400" indent="0">
-              <a:buNone/>
-              <a:defRPr sz="1400">
-                <a:solidFill>
-                  <a:schemeClr val="tx1">
-                    <a:tint val="75000"/>
-                  </a:schemeClr>
-                </a:solidFill>
-              </a:defRPr>
-            </a:lvl8pPr>
-            <a:lvl9pPr marL="3657600" indent="0">
-              <a:buNone/>
-              <a:defRPr sz="1400">
-                <a:solidFill>
-                  <a:schemeClr val="tx1">
-                    <a:tint val="75000"/>
-                  </a:schemeClr>
-                </a:solidFill>
-              </a:defRPr>
-            </a:lvl9pPr>
-          </a:lstStyle>
-          <a:p>
-            <a:pPr lvl="0"/>
-            <a:r>
-              <a:rPr lang="de-DE"/>
-              <a:t>Mastertextformat bearbeiten</a:t>
-            </a:r>
-          </a:p>
-        </p:txBody>
-      </p:sp>
-      <p:sp>
-        <p:nvSpPr>
-          <p:cNvPr id="4" name="Date Placeholder 3"/>
-          <p:cNvSpPr>
-            <a:spLocks noGrp="1"/>
-          </p:cNvSpPr>
-          <p:nvPr>
-            <p:ph type="dt" sz="half" idx="10"/>
-          </p:nvPr>
-        </p:nvSpPr>
-        <p:spPr/>
-        <p:txBody>
-          <a:bodyPr/>
-          <a:lstStyle/>
-          <a:p>
-            <a:fld id="{B61BEF0D-F0BB-DE4B-95CE-6DB70DBA9567}" type="datetimeFigureOut">
-              <a:rPr lang="en-US" dirty="0"/>
-              <a:pPr/>
-              <a:t>3/7/2023</a:t>
-            </a:fld>
-            <a:endParaRPr lang="en-US" dirty="0"/>
-          </a:p>
-        </p:txBody>
-      </p:sp>
-      <p:sp>
-        <p:nvSpPr>
-          <p:cNvPr id="5" name="Footer Placeholder 4"/>
-          <p:cNvSpPr>
-            <a:spLocks noGrp="1"/>
-          </p:cNvSpPr>
-          <p:nvPr>
-            <p:ph type="ftr" sz="quarter" idx="11"/>
-          </p:nvPr>
-        </p:nvSpPr>
-        <p:spPr/>
-        <p:txBody>
-          <a:bodyPr/>
-          <a:lstStyle/>
-          <a:p>
-            <a:endParaRPr lang="en-US" dirty="0"/>
-          </a:p>
-        </p:txBody>
-      </p:sp>
-      <p:sp>
-        <p:nvSpPr>
-          <p:cNvPr id="6" name="Slide Number Placeholder 5"/>
-          <p:cNvSpPr>
-            <a:spLocks noGrp="1"/>
-          </p:cNvSpPr>
-          <p:nvPr>
-            <p:ph type="sldNum" sz="quarter" idx="12"/>
-          </p:nvPr>
-        </p:nvSpPr>
-        <p:spPr/>
-        <p:txBody>
-          <a:bodyPr/>
-          <a:lstStyle/>
-          <a:p>
-            <a:fld id="{D57F1E4F-1CFF-5643-939E-217C01CDF565}" type="slidenum">
-              <a:rPr lang="en-US" dirty="0"/>
-              <a:pPr/>
-              <a:t>‹Nr.›</a:t>
-            </a:fld>
-            <a:endParaRPr lang="en-US" dirty="0"/>
-          </a:p>
-        </p:txBody>
-      </p:sp>
-      <p:cxnSp>
-        <p:nvCxnSpPr>
-          <p:cNvPr id="15" name="Straight Connector 14"/>
-          <p:cNvCxnSpPr/>
-          <p:nvPr/>
-        </p:nvCxnSpPr>
-        <p:spPr>
-          <a:xfrm>
-            <a:off x="1396169" y="4140199"/>
-            <a:ext cx="9407298" cy="0"/>
-          </a:xfrm>
-          <a:prstGeom prst="line">
-            <a:avLst/>
-          </a:prstGeom>
-          <a:ln w="15875">
-            <a:solidFill>
-              <a:schemeClr val="accent1">
-                <a:lumMod val="60000"/>
-                <a:lumOff val="40000"/>
-              </a:schemeClr>
-            </a:solidFill>
-          </a:ln>
-        </p:spPr>
-        <p:style>
-          <a:lnRef idx="2">
-            <a:schemeClr val="accent1"/>
-          </a:lnRef>
-          <a:fillRef idx="0">
-            <a:schemeClr val="accent1"/>
-          </a:fillRef>
-          <a:effectRef idx="1">
-            <a:schemeClr val="accent1"/>
-          </a:effectRef>
-          <a:fontRef idx="minor">
-            <a:schemeClr val="tx1"/>
-          </a:fontRef>
-        </p:style>
-      </p:cxnSp>
-    </p:spTree>
-  </p:cSld>
-  <p:clrMapOvr>
-    <a:masterClrMapping/>
-  </p:clrMapOvr>
-</p:sldLayout>
-</file>
-
-<file path=ppt/slideLayouts/slideLayout12.xml><?xml version="1.0" encoding="utf-8"?>
 <p:sldLayout xmlns:a="http://schemas.openxmlformats.org/drawingml/2006/main" xmlns:r="http://schemas.openxmlformats.org/officeDocument/2006/relationships" xmlns:p="http://schemas.openxmlformats.org/presentationml/2006/main" preserve="1">
   <p:cSld name="Zitat mit Beschriftung">
     <p:spTree>
@@ -1025,6 +791,214 @@
       </p:grpSpPr>
       <p:sp>
         <p:nvSpPr>
+          <p:cNvPr id="8" name="Freeform 6"/>
+          <p:cNvSpPr>
+            <a:spLocks noChangeAspect="1"/>
+          </p:cNvSpPr>
+          <p:nvPr/>
+        </p:nvSpPr>
+        <p:spPr bwMode="auto">
+          <a:xfrm>
+            <a:off x="631697" y="1081456"/>
+            <a:ext cx="6332416" cy="3239188"/>
+          </a:xfrm>
+          <a:custGeom>
+            <a:avLst/>
+            <a:gdLst/>
+            <a:ahLst/>
+            <a:cxnLst/>
+            <a:rect l="0" t="0" r="r" b="b"/>
+            <a:pathLst>
+              <a:path w="3384" h="2308">
+                <a:moveTo>
+                  <a:pt x="3340" y="0"/>
+                </a:moveTo>
+                <a:lnTo>
+                  <a:pt x="44" y="0"/>
+                </a:lnTo>
+                <a:lnTo>
+                  <a:pt x="44" y="0"/>
+                </a:lnTo>
+                <a:lnTo>
+                  <a:pt x="34" y="0"/>
+                </a:lnTo>
+                <a:lnTo>
+                  <a:pt x="26" y="4"/>
+                </a:lnTo>
+                <a:lnTo>
+                  <a:pt x="20" y="8"/>
+                </a:lnTo>
+                <a:lnTo>
+                  <a:pt x="12" y="12"/>
+                </a:lnTo>
+                <a:lnTo>
+                  <a:pt x="8" y="20"/>
+                </a:lnTo>
+                <a:lnTo>
+                  <a:pt x="4" y="26"/>
+                </a:lnTo>
+                <a:lnTo>
+                  <a:pt x="0" y="34"/>
+                </a:lnTo>
+                <a:lnTo>
+                  <a:pt x="0" y="44"/>
+                </a:lnTo>
+                <a:lnTo>
+                  <a:pt x="0" y="2076"/>
+                </a:lnTo>
+                <a:lnTo>
+                  <a:pt x="0" y="2076"/>
+                </a:lnTo>
+                <a:lnTo>
+                  <a:pt x="0" y="2086"/>
+                </a:lnTo>
+                <a:lnTo>
+                  <a:pt x="4" y="2094"/>
+                </a:lnTo>
+                <a:lnTo>
+                  <a:pt x="8" y="2100"/>
+                </a:lnTo>
+                <a:lnTo>
+                  <a:pt x="12" y="2108"/>
+                </a:lnTo>
+                <a:lnTo>
+                  <a:pt x="20" y="2112"/>
+                </a:lnTo>
+                <a:lnTo>
+                  <a:pt x="26" y="2116"/>
+                </a:lnTo>
+                <a:lnTo>
+                  <a:pt x="34" y="2120"/>
+                </a:lnTo>
+                <a:lnTo>
+                  <a:pt x="44" y="2120"/>
+                </a:lnTo>
+                <a:lnTo>
+                  <a:pt x="474" y="2120"/>
+                </a:lnTo>
+                <a:lnTo>
+                  <a:pt x="650" y="2296"/>
+                </a:lnTo>
+                <a:lnTo>
+                  <a:pt x="650" y="2296"/>
+                </a:lnTo>
+                <a:lnTo>
+                  <a:pt x="656" y="2300"/>
+                </a:lnTo>
+                <a:lnTo>
+                  <a:pt x="664" y="2304"/>
+                </a:lnTo>
+                <a:lnTo>
+                  <a:pt x="672" y="2308"/>
+                </a:lnTo>
+                <a:lnTo>
+                  <a:pt x="680" y="2308"/>
+                </a:lnTo>
+                <a:lnTo>
+                  <a:pt x="688" y="2308"/>
+                </a:lnTo>
+                <a:lnTo>
+                  <a:pt x="696" y="2304"/>
+                </a:lnTo>
+                <a:lnTo>
+                  <a:pt x="704" y="2300"/>
+                </a:lnTo>
+                <a:lnTo>
+                  <a:pt x="710" y="2296"/>
+                </a:lnTo>
+                <a:lnTo>
+                  <a:pt x="886" y="2120"/>
+                </a:lnTo>
+                <a:lnTo>
+                  <a:pt x="3340" y="2120"/>
+                </a:lnTo>
+                <a:lnTo>
+                  <a:pt x="3340" y="2120"/>
+                </a:lnTo>
+                <a:lnTo>
+                  <a:pt x="3350" y="2120"/>
+                </a:lnTo>
+                <a:lnTo>
+                  <a:pt x="3358" y="2116"/>
+                </a:lnTo>
+                <a:lnTo>
+                  <a:pt x="3364" y="2112"/>
+                </a:lnTo>
+                <a:lnTo>
+                  <a:pt x="3372" y="2108"/>
+                </a:lnTo>
+                <a:lnTo>
+                  <a:pt x="3376" y="2100"/>
+                </a:lnTo>
+                <a:lnTo>
+                  <a:pt x="3380" y="2094"/>
+                </a:lnTo>
+                <a:lnTo>
+                  <a:pt x="3384" y="2086"/>
+                </a:lnTo>
+                <a:lnTo>
+                  <a:pt x="3384" y="2076"/>
+                </a:lnTo>
+                <a:lnTo>
+                  <a:pt x="3384" y="44"/>
+                </a:lnTo>
+                <a:lnTo>
+                  <a:pt x="3384" y="44"/>
+                </a:lnTo>
+                <a:lnTo>
+                  <a:pt x="3384" y="34"/>
+                </a:lnTo>
+                <a:lnTo>
+                  <a:pt x="3380" y="26"/>
+                </a:lnTo>
+                <a:lnTo>
+                  <a:pt x="3376" y="20"/>
+                </a:lnTo>
+                <a:lnTo>
+                  <a:pt x="3372" y="12"/>
+                </a:lnTo>
+                <a:lnTo>
+                  <a:pt x="3364" y="8"/>
+                </a:lnTo>
+                <a:lnTo>
+                  <a:pt x="3358" y="4"/>
+                </a:lnTo>
+                <a:lnTo>
+                  <a:pt x="3350" y="0"/>
+                </a:lnTo>
+                <a:lnTo>
+                  <a:pt x="3340" y="0"/>
+                </a:lnTo>
+                <a:lnTo>
+                  <a:pt x="3340" y="0"/>
+                </a:lnTo>
+                <a:close/>
+              </a:path>
+            </a:pathLst>
+          </a:custGeom>
+          <a:ln>
+            <a:solidFill>
+              <a:schemeClr val="accent1"/>
+            </a:solidFill>
+          </a:ln>
+        </p:spPr>
+        <p:style>
+          <a:lnRef idx="1">
+            <a:schemeClr val="accent1"/>
+          </a:lnRef>
+          <a:fillRef idx="3">
+            <a:schemeClr val="accent1"/>
+          </a:fillRef>
+          <a:effectRef idx="2">
+            <a:schemeClr val="accent1"/>
+          </a:effectRef>
+          <a:fontRef idx="minor">
+            <a:schemeClr val="lt1"/>
+          </a:fontRef>
+        </p:style>
+      </p:sp>
+      <p:sp>
+        <p:nvSpPr>
           <p:cNvPr id="2" name="Title 1"/>
           <p:cNvSpPr>
             <a:spLocks noGrp="1"/>
@@ -1035,112 +1009,50 @@
         </p:nvSpPr>
         <p:spPr>
           <a:xfrm>
-            <a:off x="1446213" y="982132"/>
-            <a:ext cx="9296398" cy="2370668"/>
+            <a:off x="850985" y="1238502"/>
+            <a:ext cx="5893840" cy="2645912"/>
           </a:xfrm>
         </p:spPr>
         <p:txBody>
-          <a:bodyPr anchor="ctr">
-            <a:normAutofit/>
+          <a:bodyPr anchor="b"/>
+          <a:lstStyle>
+            <a:lvl1pPr algn="l">
+              <a:defRPr sz="4200" b="1" cap="none"/>
+            </a:lvl1pPr>
+          </a:lstStyle>
+          <a:p>
+            <a:r>
+              <a:rPr lang="de-DE"/>
+              <a:t>Mastertitelformat bearbeiten</a:t>
+            </a:r>
+            <a:endParaRPr lang="en-US" dirty="0"/>
+          </a:p>
+        </p:txBody>
+      </p:sp>
+      <p:sp>
+        <p:nvSpPr>
+          <p:cNvPr id="3" name="Text Placeholder 2"/>
+          <p:cNvSpPr>
+            <a:spLocks noGrp="1"/>
+          </p:cNvSpPr>
+          <p:nvPr>
+            <p:ph type="body" idx="1"/>
+          </p:nvPr>
+        </p:nvSpPr>
+        <p:spPr>
+          <a:xfrm>
+            <a:off x="853190" y="4443680"/>
+            <a:ext cx="5891636" cy="713241"/>
+          </a:xfrm>
+        </p:spPr>
+        <p:txBody>
+          <a:bodyPr anchor="t">
+            <a:noAutofit/>
           </a:bodyPr>
           <a:lstStyle>
-            <a:lvl1pPr algn="ctr">
-              <a:defRPr sz="3200" b="0" cap="none">
-                <a:solidFill>
-                  <a:schemeClr val="tx1"/>
-                </a:solidFill>
-              </a:defRPr>
-            </a:lvl1pPr>
-          </a:lstStyle>
-          <a:p>
-            <a:r>
-              <a:rPr lang="de-DE"/>
-              <a:t>Mastertitelformat bearbeiten</a:t>
-            </a:r>
-            <a:endParaRPr lang="en-US" dirty="0"/>
-          </a:p>
-        </p:txBody>
-      </p:sp>
-      <p:sp>
-        <p:nvSpPr>
-          <p:cNvPr id="10" name="Text Placeholder 9"/>
-          <p:cNvSpPr>
-            <a:spLocks noGrp="1"/>
-          </p:cNvSpPr>
-          <p:nvPr>
-            <p:ph type="body" sz="quarter" idx="13"/>
-          </p:nvPr>
-        </p:nvSpPr>
-        <p:spPr>
-          <a:xfrm>
-            <a:off x="1674812" y="3352800"/>
-            <a:ext cx="8839202" cy="584200"/>
-          </a:xfrm>
-        </p:spPr>
-        <p:txBody>
-          <a:bodyPr anchor="ctr">
-            <a:normAutofit/>
-          </a:bodyPr>
-          <a:lstStyle>
-            <a:lvl1pPr marL="0" indent="0" algn="r">
-              <a:buFontTx/>
-              <a:buNone/>
-              <a:defRPr sz="2000"/>
-            </a:lvl1pPr>
-            <a:lvl2pPr marL="457200" indent="0">
-              <a:buFontTx/>
-              <a:buNone/>
-              <a:defRPr/>
-            </a:lvl2pPr>
-            <a:lvl3pPr marL="914400" indent="0">
-              <a:buFontTx/>
-              <a:buNone/>
-              <a:defRPr/>
-            </a:lvl3pPr>
-            <a:lvl4pPr marL="1371600" indent="0">
-              <a:buFontTx/>
-              <a:buNone/>
-              <a:defRPr/>
-            </a:lvl4pPr>
-            <a:lvl5pPr marL="1828800" indent="0">
-              <a:buFontTx/>
-              <a:buNone/>
-              <a:defRPr/>
-            </a:lvl5pPr>
-          </a:lstStyle>
-          <a:p>
-            <a:pPr lvl="0"/>
-            <a:r>
-              <a:rPr lang="de-DE"/>
-              <a:t>Mastertextformat bearbeiten</a:t>
-            </a:r>
-          </a:p>
-        </p:txBody>
-      </p:sp>
-      <p:sp>
-        <p:nvSpPr>
-          <p:cNvPr id="3" name="Text Placeholder 2"/>
-          <p:cNvSpPr>
-            <a:spLocks noGrp="1"/>
-          </p:cNvSpPr>
-          <p:nvPr>
-            <p:ph type="body" idx="1"/>
-          </p:nvPr>
-        </p:nvSpPr>
-        <p:spPr>
-          <a:xfrm>
-            <a:off x="1295401" y="4343399"/>
-            <a:ext cx="9609666" cy="1532467"/>
-          </a:xfrm>
-        </p:spPr>
-        <p:txBody>
-          <a:bodyPr anchor="ctr">
-            <a:normAutofit/>
-          </a:bodyPr>
-          <a:lstStyle>
-            <a:lvl1pPr marL="0" indent="0" algn="ctr">
-              <a:buNone/>
-              <a:defRPr sz="2000">
+            <a:lvl1pPr marL="0" indent="0" algn="l">
+              <a:buNone/>
+              <a:defRPr sz="1800">
                 <a:solidFill>
                   <a:schemeClr val="tx1"/>
                 </a:solidFill>
@@ -1238,6 +1150,40 @@
       </p:sp>
       <p:sp>
         <p:nvSpPr>
+          <p:cNvPr id="9" name="Text Placeholder 5"/>
+          <p:cNvSpPr>
+            <a:spLocks noGrp="1"/>
+          </p:cNvSpPr>
+          <p:nvPr>
+            <p:ph type="body" sz="quarter" idx="16"/>
+          </p:nvPr>
+        </p:nvSpPr>
+        <p:spPr>
+          <a:xfrm>
+            <a:off x="7574642" y="1081456"/>
+            <a:ext cx="3810001" cy="4075465"/>
+          </a:xfrm>
+        </p:spPr>
+        <p:txBody>
+          <a:bodyPr anchor="t"/>
+          <a:lstStyle>
+            <a:lvl1pPr marL="0" indent="0">
+              <a:buFontTx/>
+              <a:buNone/>
+              <a:defRPr/>
+            </a:lvl1pPr>
+          </a:lstStyle>
+          <a:p>
+            <a:pPr lvl="0"/>
+            <a:r>
+              <a:rPr lang="de-DE"/>
+              <a:t>Mastertextformat bearbeiten</a:t>
+            </a:r>
+          </a:p>
+        </p:txBody>
+      </p:sp>
+      <p:sp>
+        <p:nvSpPr>
           <p:cNvPr id="4" name="Date Placeholder 3"/>
           <p:cNvSpPr>
             <a:spLocks noGrp="1"/>
@@ -1251,7 +1197,7 @@
           <a:bodyPr/>
           <a:lstStyle/>
           <a:p>
-            <a:fld id="{B61BEF0D-F0BB-DE4B-95CE-6DB70DBA9567}" type="datetimeFigureOut">
+            <a:fld id="{8DFA1846-DA80-1C48-A609-854EA85C59AD}" type="datetimeFigureOut">
               <a:rPr lang="en-US" dirty="0"/>
               <a:pPr/>
               <a:t>3/7/2023</a:t>
@@ -1303,112 +1249,6 @@
           </a:p>
         </p:txBody>
       </p:sp>
-      <p:sp>
-        <p:nvSpPr>
-          <p:cNvPr id="14" name="TextBox 13"/>
-          <p:cNvSpPr txBox="1"/>
-          <p:nvPr/>
-        </p:nvSpPr>
-        <p:spPr>
-          <a:xfrm>
-            <a:off x="862013" y="879961"/>
-            <a:ext cx="609600" cy="584776"/>
-          </a:xfrm>
-          <a:prstGeom prst="rect">
-            <a:avLst/>
-          </a:prstGeom>
-        </p:spPr>
-        <p:txBody>
-          <a:bodyPr vert="horz" lIns="91440" tIns="45720" rIns="91440" bIns="45720" rtlCol="0" anchor="ctr">
-            <a:noAutofit/>
-          </a:bodyPr>
-          <a:lstStyle/>
-          <a:p>
-            <a:pPr lvl="0"/>
-            <a:r>
-              <a:rPr lang="en-US" sz="8000" dirty="0">
-                <a:solidFill>
-                  <a:schemeClr val="tx1"/>
-                </a:solidFill>
-                <a:effectLst/>
-              </a:rPr>
-              <a:t>“</a:t>
-            </a:r>
-          </a:p>
-        </p:txBody>
-      </p:sp>
-      <p:sp>
-        <p:nvSpPr>
-          <p:cNvPr id="15" name="TextBox 14"/>
-          <p:cNvSpPr txBox="1"/>
-          <p:nvPr/>
-        </p:nvSpPr>
-        <p:spPr>
-          <a:xfrm>
-            <a:off x="10600267" y="2827870"/>
-            <a:ext cx="609600" cy="584776"/>
-          </a:xfrm>
-          <a:prstGeom prst="rect">
-            <a:avLst/>
-          </a:prstGeom>
-        </p:spPr>
-        <p:txBody>
-          <a:bodyPr vert="horz" lIns="91440" tIns="45720" rIns="91440" bIns="45720" rtlCol="0" anchor="ctr">
-            <a:noAutofit/>
-          </a:bodyPr>
-          <a:lstStyle/>
-          <a:p>
-            <a:pPr lvl="0" algn="r"/>
-            <a:r>
-              <a:rPr lang="en-US" sz="8000" dirty="0">
-                <a:solidFill>
-                  <a:schemeClr val="tx1"/>
-                </a:solidFill>
-                <a:effectLst/>
-              </a:rPr>
-              <a:t>”</a:t>
-            </a:r>
-          </a:p>
-        </p:txBody>
-      </p:sp>
-      <p:cxnSp>
-        <p:nvCxnSpPr>
-          <p:cNvPr id="19" name="Straight Connector 18"/>
-          <p:cNvCxnSpPr/>
-          <p:nvPr/>
-        </p:nvCxnSpPr>
-        <p:spPr>
-          <a:xfrm>
-            <a:off x="1396169" y="4140199"/>
-            <a:ext cx="9407298" cy="0"/>
-          </a:xfrm>
-          <a:prstGeom prst="line">
-            <a:avLst/>
-          </a:prstGeom>
-          <a:ln w="15875">
-            <a:solidFill>
-              <a:schemeClr val="accent1">
-                <a:lumMod val="60000"/>
-                <a:lumOff val="40000"/>
-              </a:schemeClr>
-            </a:solidFill>
-          </a:ln>
-        </p:spPr>
-        <p:style>
-          <a:lnRef idx="2">
-            <a:schemeClr val="accent1"/>
-          </a:lnRef>
-          <a:fillRef idx="0">
-            <a:schemeClr val="accent1"/>
-          </a:fillRef>
-          <a:effectRef idx="1">
-            <a:schemeClr val="accent1"/>
-          </a:effectRef>
-          <a:fontRef idx="minor">
-            <a:schemeClr val="tx1"/>
-          </a:fontRef>
-        </p:style>
-      </p:cxnSp>
     </p:spTree>
   </p:cSld>
   <p:clrMapOvr>
@@ -1417,7 +1257,7 @@
 </p:sldLayout>
 </file>
 
-<file path=ppt/slideLayouts/slideLayout13.xml><?xml version="1.0" encoding="utf-8"?>
+<file path=ppt/slideLayouts/slideLayout12.xml><?xml version="1.0" encoding="utf-8"?>
 <p:sldLayout xmlns:a="http://schemas.openxmlformats.org/drawingml/2006/main" xmlns:r="http://schemas.openxmlformats.org/officeDocument/2006/relationships" xmlns:p="http://schemas.openxmlformats.org/presentationml/2006/main" preserve="1">
   <p:cSld name="Namenskarte">
     <p:spTree>
@@ -1436,7 +1276,215 @@
       </p:grpSpPr>
       <p:sp>
         <p:nvSpPr>
-          <p:cNvPr id="2" name="Title 1"/>
+          <p:cNvPr id="9" name="Freeform 6"/>
+          <p:cNvSpPr>
+            <a:spLocks noChangeAspect="1"/>
+          </p:cNvSpPr>
+          <p:nvPr/>
+        </p:nvSpPr>
+        <p:spPr bwMode="auto">
+          <a:xfrm>
+            <a:off x="1140884" y="2286585"/>
+            <a:ext cx="4895115" cy="2503972"/>
+          </a:xfrm>
+          <a:custGeom>
+            <a:avLst/>
+            <a:gdLst/>
+            <a:ahLst/>
+            <a:cxnLst/>
+            <a:rect l="0" t="0" r="r" b="b"/>
+            <a:pathLst>
+              <a:path w="3384" h="2308">
+                <a:moveTo>
+                  <a:pt x="3340" y="0"/>
+                </a:moveTo>
+                <a:lnTo>
+                  <a:pt x="44" y="0"/>
+                </a:lnTo>
+                <a:lnTo>
+                  <a:pt x="44" y="0"/>
+                </a:lnTo>
+                <a:lnTo>
+                  <a:pt x="34" y="0"/>
+                </a:lnTo>
+                <a:lnTo>
+                  <a:pt x="26" y="4"/>
+                </a:lnTo>
+                <a:lnTo>
+                  <a:pt x="20" y="8"/>
+                </a:lnTo>
+                <a:lnTo>
+                  <a:pt x="12" y="12"/>
+                </a:lnTo>
+                <a:lnTo>
+                  <a:pt x="8" y="20"/>
+                </a:lnTo>
+                <a:lnTo>
+                  <a:pt x="4" y="26"/>
+                </a:lnTo>
+                <a:lnTo>
+                  <a:pt x="0" y="34"/>
+                </a:lnTo>
+                <a:lnTo>
+                  <a:pt x="0" y="44"/>
+                </a:lnTo>
+                <a:lnTo>
+                  <a:pt x="0" y="2076"/>
+                </a:lnTo>
+                <a:lnTo>
+                  <a:pt x="0" y="2076"/>
+                </a:lnTo>
+                <a:lnTo>
+                  <a:pt x="0" y="2086"/>
+                </a:lnTo>
+                <a:lnTo>
+                  <a:pt x="4" y="2094"/>
+                </a:lnTo>
+                <a:lnTo>
+                  <a:pt x="8" y="2100"/>
+                </a:lnTo>
+                <a:lnTo>
+                  <a:pt x="12" y="2108"/>
+                </a:lnTo>
+                <a:lnTo>
+                  <a:pt x="20" y="2112"/>
+                </a:lnTo>
+                <a:lnTo>
+                  <a:pt x="26" y="2116"/>
+                </a:lnTo>
+                <a:lnTo>
+                  <a:pt x="34" y="2120"/>
+                </a:lnTo>
+                <a:lnTo>
+                  <a:pt x="44" y="2120"/>
+                </a:lnTo>
+                <a:lnTo>
+                  <a:pt x="474" y="2120"/>
+                </a:lnTo>
+                <a:lnTo>
+                  <a:pt x="650" y="2296"/>
+                </a:lnTo>
+                <a:lnTo>
+                  <a:pt x="650" y="2296"/>
+                </a:lnTo>
+                <a:lnTo>
+                  <a:pt x="656" y="2300"/>
+                </a:lnTo>
+                <a:lnTo>
+                  <a:pt x="664" y="2304"/>
+                </a:lnTo>
+                <a:lnTo>
+                  <a:pt x="672" y="2308"/>
+                </a:lnTo>
+                <a:lnTo>
+                  <a:pt x="680" y="2308"/>
+                </a:lnTo>
+                <a:lnTo>
+                  <a:pt x="688" y="2308"/>
+                </a:lnTo>
+                <a:lnTo>
+                  <a:pt x="696" y="2304"/>
+                </a:lnTo>
+                <a:lnTo>
+                  <a:pt x="704" y="2300"/>
+                </a:lnTo>
+                <a:lnTo>
+                  <a:pt x="710" y="2296"/>
+                </a:lnTo>
+                <a:lnTo>
+                  <a:pt x="886" y="2120"/>
+                </a:lnTo>
+                <a:lnTo>
+                  <a:pt x="3340" y="2120"/>
+                </a:lnTo>
+                <a:lnTo>
+                  <a:pt x="3340" y="2120"/>
+                </a:lnTo>
+                <a:lnTo>
+                  <a:pt x="3350" y="2120"/>
+                </a:lnTo>
+                <a:lnTo>
+                  <a:pt x="3358" y="2116"/>
+                </a:lnTo>
+                <a:lnTo>
+                  <a:pt x="3364" y="2112"/>
+                </a:lnTo>
+                <a:lnTo>
+                  <a:pt x="3372" y="2108"/>
+                </a:lnTo>
+                <a:lnTo>
+                  <a:pt x="3376" y="2100"/>
+                </a:lnTo>
+                <a:lnTo>
+                  <a:pt x="3380" y="2094"/>
+                </a:lnTo>
+                <a:lnTo>
+                  <a:pt x="3384" y="2086"/>
+                </a:lnTo>
+                <a:lnTo>
+                  <a:pt x="3384" y="2076"/>
+                </a:lnTo>
+                <a:lnTo>
+                  <a:pt x="3384" y="44"/>
+                </a:lnTo>
+                <a:lnTo>
+                  <a:pt x="3384" y="44"/>
+                </a:lnTo>
+                <a:lnTo>
+                  <a:pt x="3384" y="34"/>
+                </a:lnTo>
+                <a:lnTo>
+                  <a:pt x="3380" y="26"/>
+                </a:lnTo>
+                <a:lnTo>
+                  <a:pt x="3376" y="20"/>
+                </a:lnTo>
+                <a:lnTo>
+                  <a:pt x="3372" y="12"/>
+                </a:lnTo>
+                <a:lnTo>
+                  <a:pt x="3364" y="8"/>
+                </a:lnTo>
+                <a:lnTo>
+                  <a:pt x="3358" y="4"/>
+                </a:lnTo>
+                <a:lnTo>
+                  <a:pt x="3350" y="0"/>
+                </a:lnTo>
+                <a:lnTo>
+                  <a:pt x="3340" y="0"/>
+                </a:lnTo>
+                <a:lnTo>
+                  <a:pt x="3340" y="0"/>
+                </a:lnTo>
+                <a:close/>
+              </a:path>
+            </a:pathLst>
+          </a:custGeom>
+          <a:ln>
+            <a:solidFill>
+              <a:schemeClr val="accent1"/>
+            </a:solidFill>
+          </a:ln>
+        </p:spPr>
+        <p:style>
+          <a:lnRef idx="1">
+            <a:schemeClr val="accent1"/>
+          </a:lnRef>
+          <a:fillRef idx="3">
+            <a:schemeClr val="accent1"/>
+          </a:fillRef>
+          <a:effectRef idx="2">
+            <a:schemeClr val="accent1"/>
+          </a:effectRef>
+          <a:fontRef idx="minor">
+            <a:schemeClr val="lt1"/>
+          </a:fontRef>
+        </p:style>
+      </p:sp>
+      <p:sp>
+        <p:nvSpPr>
+          <p:cNvPr id="38" name="Title 1"/>
           <p:cNvSpPr>
             <a:spLocks noGrp="1"/>
           </p:cNvSpPr>
@@ -1446,17 +1494,15 @@
         </p:nvSpPr>
         <p:spPr>
           <a:xfrm>
-            <a:off x="1295402" y="3308581"/>
-            <a:ext cx="9609668" cy="1468800"/>
+            <a:off x="1357089" y="2435957"/>
+            <a:ext cx="4382521" cy="2007789"/>
           </a:xfrm>
         </p:spPr>
         <p:txBody>
-          <a:bodyPr anchor="b">
-            <a:normAutofit/>
-          </a:bodyPr>
+          <a:bodyPr/>
           <a:lstStyle>
-            <a:lvl1pPr algn="l">
-              <a:defRPr sz="3200" b="0" cap="none"/>
+            <a:lvl1pPr>
+              <a:defRPr sz="3200"/>
             </a:lvl1pPr>
           </a:lstStyle>
           <a:p>
@@ -1470,113 +1516,28 @@
       </p:sp>
       <p:sp>
         <p:nvSpPr>
-          <p:cNvPr id="3" name="Text Placeholder 2"/>
-          <p:cNvSpPr>
-            <a:spLocks noGrp="1"/>
-          </p:cNvSpPr>
-          <p:nvPr>
-            <p:ph type="body" idx="1"/>
+          <p:cNvPr id="6" name="Text Placeholder 5"/>
+          <p:cNvSpPr>
+            <a:spLocks noGrp="1"/>
+          </p:cNvSpPr>
+          <p:nvPr>
+            <p:ph type="body" sz="quarter" idx="16"/>
           </p:nvPr>
         </p:nvSpPr>
         <p:spPr>
           <a:xfrm>
-            <a:off x="1295401" y="4777381"/>
-            <a:ext cx="9609668" cy="860400"/>
+            <a:off x="6156000" y="2286000"/>
+            <a:ext cx="4880300" cy="2295525"/>
           </a:xfrm>
         </p:spPr>
         <p:txBody>
-          <a:bodyPr anchor="t">
-            <a:normAutofit/>
-          </a:bodyPr>
+          <a:bodyPr anchor="t"/>
           <a:lstStyle>
-            <a:lvl1pPr marL="0" indent="0" algn="l">
-              <a:buNone/>
-              <a:defRPr sz="2000">
-                <a:solidFill>
-                  <a:schemeClr val="tx1"/>
-                </a:solidFill>
-              </a:defRPr>
+            <a:lvl1pPr marL="0" indent="0">
+              <a:buFontTx/>
+              <a:buNone/>
+              <a:defRPr/>
             </a:lvl1pPr>
-            <a:lvl2pPr marL="457200" indent="0">
-              <a:buNone/>
-              <a:defRPr sz="1800">
-                <a:solidFill>
-                  <a:schemeClr val="tx1">
-                    <a:tint val="75000"/>
-                  </a:schemeClr>
-                </a:solidFill>
-              </a:defRPr>
-            </a:lvl2pPr>
-            <a:lvl3pPr marL="914400" indent="0">
-              <a:buNone/>
-              <a:defRPr sz="1600">
-                <a:solidFill>
-                  <a:schemeClr val="tx1">
-                    <a:tint val="75000"/>
-                  </a:schemeClr>
-                </a:solidFill>
-              </a:defRPr>
-            </a:lvl3pPr>
-            <a:lvl4pPr marL="1371600" indent="0">
-              <a:buNone/>
-              <a:defRPr sz="1400">
-                <a:solidFill>
-                  <a:schemeClr val="tx1">
-                    <a:tint val="75000"/>
-                  </a:schemeClr>
-                </a:solidFill>
-              </a:defRPr>
-            </a:lvl4pPr>
-            <a:lvl5pPr marL="1828800" indent="0">
-              <a:buNone/>
-              <a:defRPr sz="1400">
-                <a:solidFill>
-                  <a:schemeClr val="tx1">
-                    <a:tint val="75000"/>
-                  </a:schemeClr>
-                </a:solidFill>
-              </a:defRPr>
-            </a:lvl5pPr>
-            <a:lvl6pPr marL="2286000" indent="0">
-              <a:buNone/>
-              <a:defRPr sz="1400">
-                <a:solidFill>
-                  <a:schemeClr val="tx1">
-                    <a:tint val="75000"/>
-                  </a:schemeClr>
-                </a:solidFill>
-              </a:defRPr>
-            </a:lvl6pPr>
-            <a:lvl7pPr marL="2743200" indent="0">
-              <a:buNone/>
-              <a:defRPr sz="1400">
-                <a:solidFill>
-                  <a:schemeClr val="tx1">
-                    <a:tint val="75000"/>
-                  </a:schemeClr>
-                </a:solidFill>
-              </a:defRPr>
-            </a:lvl7pPr>
-            <a:lvl8pPr marL="3200400" indent="0">
-              <a:buNone/>
-              <a:defRPr sz="1400">
-                <a:solidFill>
-                  <a:schemeClr val="tx1">
-                    <a:tint val="75000"/>
-                  </a:schemeClr>
-                </a:solidFill>
-              </a:defRPr>
-            </a:lvl8pPr>
-            <a:lvl9pPr marL="3657600" indent="0">
-              <a:buNone/>
-              <a:defRPr sz="1400">
-                <a:solidFill>
-                  <a:schemeClr val="tx1">
-                    <a:tint val="75000"/>
-                  </a:schemeClr>
-                </a:solidFill>
-              </a:defRPr>
-            </a:lvl9pPr>
           </a:lstStyle>
           <a:p>
             <a:pPr lvl="0"/>
@@ -1589,7 +1550,7 @@
       </p:sp>
       <p:sp>
         <p:nvSpPr>
-          <p:cNvPr id="4" name="Date Placeholder 3"/>
+          <p:cNvPr id="2" name="Date Placeholder 1"/>
           <p:cNvSpPr>
             <a:spLocks noGrp="1"/>
           </p:cNvSpPr>
@@ -1602,7 +1563,7 @@
           <a:bodyPr/>
           <a:lstStyle/>
           <a:p>
-            <a:fld id="{B61BEF0D-F0BB-DE4B-95CE-6DB70DBA9567}" type="datetimeFigureOut">
+            <a:fld id="{FBF54567-0DE4-3F47-BF90-CB84690072F9}" type="datetimeFigureOut">
               <a:rPr lang="en-US" dirty="0"/>
               <a:pPr/>
               <a:t>3/7/2023</a:t>
@@ -1613,7 +1574,7 @@
       </p:sp>
       <p:sp>
         <p:nvSpPr>
-          <p:cNvPr id="5" name="Footer Placeholder 4"/>
+          <p:cNvPr id="3" name="Footer Placeholder 2"/>
           <p:cNvSpPr>
             <a:spLocks noGrp="1"/>
           </p:cNvSpPr>
@@ -1632,7 +1593,7 @@
       </p:sp>
       <p:sp>
         <p:nvSpPr>
-          <p:cNvPr id="6" name="Slide Number Placeholder 5"/>
+          <p:cNvPr id="4" name="Slide Number Placeholder 3"/>
           <p:cNvSpPr>
             <a:spLocks noGrp="1"/>
           </p:cNvSpPr>
@@ -1662,890 +1623,7 @@
 </p:sldLayout>
 </file>
 
-<file path=ppt/slideLayouts/slideLayout14.xml><?xml version="1.0" encoding="utf-8"?>
-<p:sldLayout xmlns:a="http://schemas.openxmlformats.org/drawingml/2006/main" xmlns:r="http://schemas.openxmlformats.org/officeDocument/2006/relationships" xmlns:p="http://schemas.openxmlformats.org/presentationml/2006/main" preserve="1">
-  <p:cSld name="Namenskarte für Zitat">
-    <p:spTree>
-      <p:nvGrpSpPr>
-        <p:cNvPr id="1" name=""/>
-        <p:cNvGrpSpPr/>
-        <p:nvPr/>
-      </p:nvGrpSpPr>
-      <p:grpSpPr>
-        <a:xfrm>
-          <a:off x="0" y="0"/>
-          <a:ext cx="0" cy="0"/>
-          <a:chOff x="0" y="0"/>
-          <a:chExt cx="0" cy="0"/>
-        </a:xfrm>
-      </p:grpSpPr>
-      <p:sp>
-        <p:nvSpPr>
-          <p:cNvPr id="2" name="Title 1"/>
-          <p:cNvSpPr>
-            <a:spLocks noGrp="1"/>
-          </p:cNvSpPr>
-          <p:nvPr>
-            <p:ph type="title"/>
-          </p:nvPr>
-        </p:nvSpPr>
-        <p:spPr>
-          <a:xfrm>
-            <a:off x="1446213" y="982132"/>
-            <a:ext cx="9296398" cy="2243668"/>
-          </a:xfrm>
-        </p:spPr>
-        <p:txBody>
-          <a:bodyPr anchor="ctr">
-            <a:normAutofit/>
-          </a:bodyPr>
-          <a:lstStyle>
-            <a:lvl1pPr algn="ctr">
-              <a:defRPr sz="3200" b="0" cap="none">
-                <a:solidFill>
-                  <a:schemeClr val="tx1"/>
-                </a:solidFill>
-              </a:defRPr>
-            </a:lvl1pPr>
-          </a:lstStyle>
-          <a:p>
-            <a:r>
-              <a:rPr lang="de-DE"/>
-              <a:t>Mastertitelformat bearbeiten</a:t>
-            </a:r>
-            <a:endParaRPr lang="en-US" dirty="0"/>
-          </a:p>
-        </p:txBody>
-      </p:sp>
-      <p:sp>
-        <p:nvSpPr>
-          <p:cNvPr id="14" name="Text Placeholder 2"/>
-          <p:cNvSpPr>
-            <a:spLocks noGrp="1"/>
-          </p:cNvSpPr>
-          <p:nvPr>
-            <p:ph type="body" idx="13"/>
-          </p:nvPr>
-        </p:nvSpPr>
-        <p:spPr>
-          <a:xfrm>
-            <a:off x="1295401" y="3639312"/>
-            <a:ext cx="9609668" cy="886968"/>
-          </a:xfrm>
-        </p:spPr>
-        <p:txBody>
-          <a:bodyPr anchor="b">
-            <a:normAutofit/>
-          </a:bodyPr>
-          <a:lstStyle>
-            <a:lvl1pPr marL="0" indent="0" algn="l">
-              <a:spcBef>
-                <a:spcPts val="0"/>
-              </a:spcBef>
-              <a:buNone/>
-              <a:defRPr sz="2400">
-                <a:solidFill>
-                  <a:schemeClr val="tx1"/>
-                </a:solidFill>
-              </a:defRPr>
-            </a:lvl1pPr>
-            <a:lvl2pPr marL="457200" indent="0">
-              <a:buNone/>
-              <a:defRPr sz="1800">
-                <a:solidFill>
-                  <a:schemeClr val="tx1">
-                    <a:tint val="75000"/>
-                  </a:schemeClr>
-                </a:solidFill>
-              </a:defRPr>
-            </a:lvl2pPr>
-            <a:lvl3pPr marL="914400" indent="0">
-              <a:buNone/>
-              <a:defRPr sz="1600">
-                <a:solidFill>
-                  <a:schemeClr val="tx1">
-                    <a:tint val="75000"/>
-                  </a:schemeClr>
-                </a:solidFill>
-              </a:defRPr>
-            </a:lvl3pPr>
-            <a:lvl4pPr marL="1371600" indent="0">
-              <a:buNone/>
-              <a:defRPr sz="1400">
-                <a:solidFill>
-                  <a:schemeClr val="tx1">
-                    <a:tint val="75000"/>
-                  </a:schemeClr>
-                </a:solidFill>
-              </a:defRPr>
-            </a:lvl4pPr>
-            <a:lvl5pPr marL="1828800" indent="0">
-              <a:buNone/>
-              <a:defRPr sz="1400">
-                <a:solidFill>
-                  <a:schemeClr val="tx1">
-                    <a:tint val="75000"/>
-                  </a:schemeClr>
-                </a:solidFill>
-              </a:defRPr>
-            </a:lvl5pPr>
-            <a:lvl6pPr marL="2286000" indent="0">
-              <a:buNone/>
-              <a:defRPr sz="1400">
-                <a:solidFill>
-                  <a:schemeClr val="tx1">
-                    <a:tint val="75000"/>
-                  </a:schemeClr>
-                </a:solidFill>
-              </a:defRPr>
-            </a:lvl6pPr>
-            <a:lvl7pPr marL="2743200" indent="0">
-              <a:buNone/>
-              <a:defRPr sz="1400">
-                <a:solidFill>
-                  <a:schemeClr val="tx1">
-                    <a:tint val="75000"/>
-                  </a:schemeClr>
-                </a:solidFill>
-              </a:defRPr>
-            </a:lvl7pPr>
-            <a:lvl8pPr marL="3200400" indent="0">
-              <a:buNone/>
-              <a:defRPr sz="1400">
-                <a:solidFill>
-                  <a:schemeClr val="tx1">
-                    <a:tint val="75000"/>
-                  </a:schemeClr>
-                </a:solidFill>
-              </a:defRPr>
-            </a:lvl8pPr>
-            <a:lvl9pPr marL="3657600" indent="0">
-              <a:buNone/>
-              <a:defRPr sz="1400">
-                <a:solidFill>
-                  <a:schemeClr val="tx1">
-                    <a:tint val="75000"/>
-                  </a:schemeClr>
-                </a:solidFill>
-              </a:defRPr>
-            </a:lvl9pPr>
-          </a:lstStyle>
-          <a:p>
-            <a:pPr lvl="0"/>
-            <a:r>
-              <a:rPr lang="de-DE"/>
-              <a:t>Mastertextformat bearbeiten</a:t>
-            </a:r>
-          </a:p>
-        </p:txBody>
-      </p:sp>
-      <p:sp>
-        <p:nvSpPr>
-          <p:cNvPr id="3" name="Text Placeholder 2"/>
-          <p:cNvSpPr>
-            <a:spLocks noGrp="1"/>
-          </p:cNvSpPr>
-          <p:nvPr>
-            <p:ph type="body" idx="1"/>
-          </p:nvPr>
-        </p:nvSpPr>
-        <p:spPr>
-          <a:xfrm>
-            <a:off x="1295401" y="4529667"/>
-            <a:ext cx="9609668" cy="1346200"/>
-          </a:xfrm>
-        </p:spPr>
-        <p:txBody>
-          <a:bodyPr anchor="t">
-            <a:normAutofit/>
-          </a:bodyPr>
-          <a:lstStyle>
-            <a:lvl1pPr marL="0" indent="0" algn="l">
-              <a:buNone/>
-              <a:defRPr sz="1800">
-                <a:solidFill>
-                  <a:schemeClr val="tx1"/>
-                </a:solidFill>
-              </a:defRPr>
-            </a:lvl1pPr>
-            <a:lvl2pPr marL="457200" indent="0">
-              <a:buNone/>
-              <a:defRPr sz="1800">
-                <a:solidFill>
-                  <a:schemeClr val="tx1">
-                    <a:tint val="75000"/>
-                  </a:schemeClr>
-                </a:solidFill>
-              </a:defRPr>
-            </a:lvl2pPr>
-            <a:lvl3pPr marL="914400" indent="0">
-              <a:buNone/>
-              <a:defRPr sz="1600">
-                <a:solidFill>
-                  <a:schemeClr val="tx1">
-                    <a:tint val="75000"/>
-                  </a:schemeClr>
-                </a:solidFill>
-              </a:defRPr>
-            </a:lvl3pPr>
-            <a:lvl4pPr marL="1371600" indent="0">
-              <a:buNone/>
-              <a:defRPr sz="1400">
-                <a:solidFill>
-                  <a:schemeClr val="tx1">
-                    <a:tint val="75000"/>
-                  </a:schemeClr>
-                </a:solidFill>
-              </a:defRPr>
-            </a:lvl4pPr>
-            <a:lvl5pPr marL="1828800" indent="0">
-              <a:buNone/>
-              <a:defRPr sz="1400">
-                <a:solidFill>
-                  <a:schemeClr val="tx1">
-                    <a:tint val="75000"/>
-                  </a:schemeClr>
-                </a:solidFill>
-              </a:defRPr>
-            </a:lvl5pPr>
-            <a:lvl6pPr marL="2286000" indent="0">
-              <a:buNone/>
-              <a:defRPr sz="1400">
-                <a:solidFill>
-                  <a:schemeClr val="tx1">
-                    <a:tint val="75000"/>
-                  </a:schemeClr>
-                </a:solidFill>
-              </a:defRPr>
-            </a:lvl6pPr>
-            <a:lvl7pPr marL="2743200" indent="0">
-              <a:buNone/>
-              <a:defRPr sz="1400">
-                <a:solidFill>
-                  <a:schemeClr val="tx1">
-                    <a:tint val="75000"/>
-                  </a:schemeClr>
-                </a:solidFill>
-              </a:defRPr>
-            </a:lvl7pPr>
-            <a:lvl8pPr marL="3200400" indent="0">
-              <a:buNone/>
-              <a:defRPr sz="1400">
-                <a:solidFill>
-                  <a:schemeClr val="tx1">
-                    <a:tint val="75000"/>
-                  </a:schemeClr>
-                </a:solidFill>
-              </a:defRPr>
-            </a:lvl8pPr>
-            <a:lvl9pPr marL="3657600" indent="0">
-              <a:buNone/>
-              <a:defRPr sz="1400">
-                <a:solidFill>
-                  <a:schemeClr val="tx1">
-                    <a:tint val="75000"/>
-                  </a:schemeClr>
-                </a:solidFill>
-              </a:defRPr>
-            </a:lvl9pPr>
-          </a:lstStyle>
-          <a:p>
-            <a:pPr lvl="0"/>
-            <a:r>
-              <a:rPr lang="de-DE"/>
-              <a:t>Mastertextformat bearbeiten</a:t>
-            </a:r>
-          </a:p>
-        </p:txBody>
-      </p:sp>
-      <p:sp>
-        <p:nvSpPr>
-          <p:cNvPr id="4" name="Date Placeholder 3"/>
-          <p:cNvSpPr>
-            <a:spLocks noGrp="1"/>
-          </p:cNvSpPr>
-          <p:nvPr>
-            <p:ph type="dt" sz="half" idx="10"/>
-          </p:nvPr>
-        </p:nvSpPr>
-        <p:spPr/>
-        <p:txBody>
-          <a:bodyPr/>
-          <a:lstStyle/>
-          <a:p>
-            <a:fld id="{B61BEF0D-F0BB-DE4B-95CE-6DB70DBA9567}" type="datetimeFigureOut">
-              <a:rPr lang="en-US" dirty="0"/>
-              <a:pPr/>
-              <a:t>3/7/2023</a:t>
-            </a:fld>
-            <a:endParaRPr lang="en-US" dirty="0"/>
-          </a:p>
-        </p:txBody>
-      </p:sp>
-      <p:sp>
-        <p:nvSpPr>
-          <p:cNvPr id="5" name="Footer Placeholder 4"/>
-          <p:cNvSpPr>
-            <a:spLocks noGrp="1"/>
-          </p:cNvSpPr>
-          <p:nvPr>
-            <p:ph type="ftr" sz="quarter" idx="11"/>
-          </p:nvPr>
-        </p:nvSpPr>
-        <p:spPr/>
-        <p:txBody>
-          <a:bodyPr/>
-          <a:lstStyle/>
-          <a:p>
-            <a:endParaRPr lang="en-US" dirty="0"/>
-          </a:p>
-        </p:txBody>
-      </p:sp>
-      <p:sp>
-        <p:nvSpPr>
-          <p:cNvPr id="6" name="Slide Number Placeholder 5"/>
-          <p:cNvSpPr>
-            <a:spLocks noGrp="1"/>
-          </p:cNvSpPr>
-          <p:nvPr>
-            <p:ph type="sldNum" sz="quarter" idx="12"/>
-          </p:nvPr>
-        </p:nvSpPr>
-        <p:spPr/>
-        <p:txBody>
-          <a:bodyPr/>
-          <a:lstStyle/>
-          <a:p>
-            <a:fld id="{D57F1E4F-1CFF-5643-939E-217C01CDF565}" type="slidenum">
-              <a:rPr lang="en-US" dirty="0"/>
-              <a:pPr/>
-              <a:t>‹Nr.›</a:t>
-            </a:fld>
-            <a:endParaRPr lang="en-US" dirty="0"/>
-          </a:p>
-        </p:txBody>
-      </p:sp>
-      <p:sp>
-        <p:nvSpPr>
-          <p:cNvPr id="12" name="TextBox 11"/>
-          <p:cNvSpPr txBox="1"/>
-          <p:nvPr/>
-        </p:nvSpPr>
-        <p:spPr>
-          <a:xfrm>
-            <a:off x="862013" y="879961"/>
-            <a:ext cx="609600" cy="584776"/>
-          </a:xfrm>
-          <a:prstGeom prst="rect">
-            <a:avLst/>
-          </a:prstGeom>
-        </p:spPr>
-        <p:txBody>
-          <a:bodyPr vert="horz" lIns="91440" tIns="45720" rIns="91440" bIns="45720" rtlCol="0" anchor="ctr">
-            <a:noAutofit/>
-          </a:bodyPr>
-          <a:lstStyle/>
-          <a:p>
-            <a:pPr lvl="0"/>
-            <a:r>
-              <a:rPr lang="en-US" sz="8000" dirty="0">
-                <a:solidFill>
-                  <a:schemeClr val="tx1"/>
-                </a:solidFill>
-                <a:effectLst/>
-              </a:rPr>
-              <a:t>“</a:t>
-            </a:r>
-          </a:p>
-        </p:txBody>
-      </p:sp>
-      <p:sp>
-        <p:nvSpPr>
-          <p:cNvPr id="13" name="TextBox 12"/>
-          <p:cNvSpPr txBox="1"/>
-          <p:nvPr/>
-        </p:nvSpPr>
-        <p:spPr>
-          <a:xfrm>
-            <a:off x="10600267" y="2599261"/>
-            <a:ext cx="609600" cy="584776"/>
-          </a:xfrm>
-          <a:prstGeom prst="rect">
-            <a:avLst/>
-          </a:prstGeom>
-        </p:spPr>
-        <p:txBody>
-          <a:bodyPr vert="horz" lIns="91440" tIns="45720" rIns="91440" bIns="45720" rtlCol="0" anchor="ctr">
-            <a:noAutofit/>
-          </a:bodyPr>
-          <a:lstStyle/>
-          <a:p>
-            <a:pPr lvl="0" algn="r"/>
-            <a:r>
-              <a:rPr lang="en-US" sz="8000" dirty="0">
-                <a:solidFill>
-                  <a:schemeClr val="tx1"/>
-                </a:solidFill>
-                <a:effectLst/>
-              </a:rPr>
-              <a:t>”</a:t>
-            </a:r>
-          </a:p>
-        </p:txBody>
-      </p:sp>
-      <p:cxnSp>
-        <p:nvCxnSpPr>
-          <p:cNvPr id="26" name="Straight Connector 25"/>
-          <p:cNvCxnSpPr/>
-          <p:nvPr/>
-        </p:nvCxnSpPr>
-        <p:spPr>
-          <a:xfrm>
-            <a:off x="1396169" y="3429000"/>
-            <a:ext cx="9407298" cy="0"/>
-          </a:xfrm>
-          <a:prstGeom prst="line">
-            <a:avLst/>
-          </a:prstGeom>
-          <a:ln w="15875">
-            <a:solidFill>
-              <a:schemeClr val="accent1">
-                <a:lumMod val="60000"/>
-                <a:lumOff val="40000"/>
-              </a:schemeClr>
-            </a:solidFill>
-          </a:ln>
-        </p:spPr>
-        <p:style>
-          <a:lnRef idx="2">
-            <a:schemeClr val="accent1"/>
-          </a:lnRef>
-          <a:fillRef idx="0">
-            <a:schemeClr val="accent1"/>
-          </a:fillRef>
-          <a:effectRef idx="1">
-            <a:schemeClr val="accent1"/>
-          </a:effectRef>
-          <a:fontRef idx="minor">
-            <a:schemeClr val="tx1"/>
-          </a:fontRef>
-        </p:style>
-      </p:cxnSp>
-    </p:spTree>
-  </p:cSld>
-  <p:clrMapOvr>
-    <a:masterClrMapping/>
-  </p:clrMapOvr>
-</p:sldLayout>
-</file>
-
-<file path=ppt/slideLayouts/slideLayout15.xml><?xml version="1.0" encoding="utf-8"?>
-<p:sldLayout xmlns:a="http://schemas.openxmlformats.org/drawingml/2006/main" xmlns:r="http://schemas.openxmlformats.org/officeDocument/2006/relationships" xmlns:p="http://schemas.openxmlformats.org/presentationml/2006/main" preserve="1">
-  <p:cSld name="Wahr oder Falsch">
-    <p:spTree>
-      <p:nvGrpSpPr>
-        <p:cNvPr id="1" name=""/>
-        <p:cNvGrpSpPr/>
-        <p:nvPr/>
-      </p:nvGrpSpPr>
-      <p:grpSpPr>
-        <a:xfrm>
-          <a:off x="0" y="0"/>
-          <a:ext cx="0" cy="0"/>
-          <a:chOff x="0" y="0"/>
-          <a:chExt cx="0" cy="0"/>
-        </a:xfrm>
-      </p:grpSpPr>
-      <p:sp>
-        <p:nvSpPr>
-          <p:cNvPr id="2" name="Title 1"/>
-          <p:cNvSpPr>
-            <a:spLocks noGrp="1"/>
-          </p:cNvSpPr>
-          <p:nvPr>
-            <p:ph type="title"/>
-          </p:nvPr>
-        </p:nvSpPr>
-        <p:spPr>
-          <a:xfrm>
-            <a:off x="1295401" y="982132"/>
-            <a:ext cx="9609666" cy="2243668"/>
-          </a:xfrm>
-        </p:spPr>
-        <p:txBody>
-          <a:bodyPr vert="horz" lIns="91440" tIns="45720" rIns="91440" bIns="45720" rtlCol="0" anchor="ctr">
-            <a:normAutofit/>
-          </a:bodyPr>
-          <a:lstStyle>
-            <a:lvl1pPr>
-              <a:defRPr lang="en-US" b="0" dirty="0"/>
-            </a:lvl1pPr>
-          </a:lstStyle>
-          <a:p>
-            <a:pPr marL="0" lvl="0"/>
-            <a:r>
-              <a:rPr lang="de-DE"/>
-              <a:t>Mastertitelformat bearbeiten</a:t>
-            </a:r>
-            <a:endParaRPr lang="en-US" dirty="0"/>
-          </a:p>
-        </p:txBody>
-      </p:sp>
-      <p:sp>
-        <p:nvSpPr>
-          <p:cNvPr id="11" name="Text Placeholder 2"/>
-          <p:cNvSpPr>
-            <a:spLocks noGrp="1"/>
-          </p:cNvSpPr>
-          <p:nvPr>
-            <p:ph type="body" idx="13"/>
-          </p:nvPr>
-        </p:nvSpPr>
-        <p:spPr>
-          <a:xfrm>
-            <a:off x="1295401" y="3630168"/>
-            <a:ext cx="9609668" cy="841248"/>
-          </a:xfrm>
-        </p:spPr>
-        <p:txBody>
-          <a:bodyPr anchor="b">
-            <a:normAutofit/>
-          </a:bodyPr>
-          <a:lstStyle>
-            <a:lvl1pPr marL="0" indent="0" algn="l">
-              <a:spcBef>
-                <a:spcPts val="0"/>
-              </a:spcBef>
-              <a:buNone/>
-              <a:defRPr sz="2800">
-                <a:solidFill>
-                  <a:schemeClr val="tx1"/>
-                </a:solidFill>
-              </a:defRPr>
-            </a:lvl1pPr>
-            <a:lvl2pPr marL="457200" indent="0">
-              <a:buNone/>
-              <a:defRPr sz="1800">
-                <a:solidFill>
-                  <a:schemeClr val="tx1">
-                    <a:tint val="75000"/>
-                  </a:schemeClr>
-                </a:solidFill>
-              </a:defRPr>
-            </a:lvl2pPr>
-            <a:lvl3pPr marL="914400" indent="0">
-              <a:buNone/>
-              <a:defRPr sz="1600">
-                <a:solidFill>
-                  <a:schemeClr val="tx1">
-                    <a:tint val="75000"/>
-                  </a:schemeClr>
-                </a:solidFill>
-              </a:defRPr>
-            </a:lvl3pPr>
-            <a:lvl4pPr marL="1371600" indent="0">
-              <a:buNone/>
-              <a:defRPr sz="1400">
-                <a:solidFill>
-                  <a:schemeClr val="tx1">
-                    <a:tint val="75000"/>
-                  </a:schemeClr>
-                </a:solidFill>
-              </a:defRPr>
-            </a:lvl4pPr>
-            <a:lvl5pPr marL="1828800" indent="0">
-              <a:buNone/>
-              <a:defRPr sz="1400">
-                <a:solidFill>
-                  <a:schemeClr val="tx1">
-                    <a:tint val="75000"/>
-                  </a:schemeClr>
-                </a:solidFill>
-              </a:defRPr>
-            </a:lvl5pPr>
-            <a:lvl6pPr marL="2286000" indent="0">
-              <a:buNone/>
-              <a:defRPr sz="1400">
-                <a:solidFill>
-                  <a:schemeClr val="tx1">
-                    <a:tint val="75000"/>
-                  </a:schemeClr>
-                </a:solidFill>
-              </a:defRPr>
-            </a:lvl6pPr>
-            <a:lvl7pPr marL="2743200" indent="0">
-              <a:buNone/>
-              <a:defRPr sz="1400">
-                <a:solidFill>
-                  <a:schemeClr val="tx1">
-                    <a:tint val="75000"/>
-                  </a:schemeClr>
-                </a:solidFill>
-              </a:defRPr>
-            </a:lvl7pPr>
-            <a:lvl8pPr marL="3200400" indent="0">
-              <a:buNone/>
-              <a:defRPr sz="1400">
-                <a:solidFill>
-                  <a:schemeClr val="tx1">
-                    <a:tint val="75000"/>
-                  </a:schemeClr>
-                </a:solidFill>
-              </a:defRPr>
-            </a:lvl8pPr>
-            <a:lvl9pPr marL="3657600" indent="0">
-              <a:buNone/>
-              <a:defRPr sz="1400">
-                <a:solidFill>
-                  <a:schemeClr val="tx1">
-                    <a:tint val="75000"/>
-                  </a:schemeClr>
-                </a:solidFill>
-              </a:defRPr>
-            </a:lvl9pPr>
-          </a:lstStyle>
-          <a:p>
-            <a:pPr lvl="0"/>
-            <a:r>
-              <a:rPr lang="de-DE"/>
-              <a:t>Mastertextformat bearbeiten</a:t>
-            </a:r>
-          </a:p>
-        </p:txBody>
-      </p:sp>
-      <p:sp>
-        <p:nvSpPr>
-          <p:cNvPr id="3" name="Text Placeholder 2"/>
-          <p:cNvSpPr>
-            <a:spLocks noGrp="1"/>
-          </p:cNvSpPr>
-          <p:nvPr>
-            <p:ph type="body" idx="1"/>
-          </p:nvPr>
-        </p:nvSpPr>
-        <p:spPr>
-          <a:xfrm>
-            <a:off x="1295400" y="4470399"/>
-            <a:ext cx="9609670" cy="1405467"/>
-          </a:xfrm>
-        </p:spPr>
-        <p:txBody>
-          <a:bodyPr anchor="t">
-            <a:normAutofit/>
-          </a:bodyPr>
-          <a:lstStyle>
-            <a:lvl1pPr marL="0" indent="0" algn="l">
-              <a:buNone/>
-              <a:defRPr sz="1800">
-                <a:solidFill>
-                  <a:schemeClr val="tx1"/>
-                </a:solidFill>
-              </a:defRPr>
-            </a:lvl1pPr>
-            <a:lvl2pPr marL="457200" indent="0">
-              <a:buNone/>
-              <a:defRPr sz="1800">
-                <a:solidFill>
-                  <a:schemeClr val="tx1">
-                    <a:tint val="75000"/>
-                  </a:schemeClr>
-                </a:solidFill>
-              </a:defRPr>
-            </a:lvl2pPr>
-            <a:lvl3pPr marL="914400" indent="0">
-              <a:buNone/>
-              <a:defRPr sz="1600">
-                <a:solidFill>
-                  <a:schemeClr val="tx1">
-                    <a:tint val="75000"/>
-                  </a:schemeClr>
-                </a:solidFill>
-              </a:defRPr>
-            </a:lvl3pPr>
-            <a:lvl4pPr marL="1371600" indent="0">
-              <a:buNone/>
-              <a:defRPr sz="1400">
-                <a:solidFill>
-                  <a:schemeClr val="tx1">
-                    <a:tint val="75000"/>
-                  </a:schemeClr>
-                </a:solidFill>
-              </a:defRPr>
-            </a:lvl4pPr>
-            <a:lvl5pPr marL="1828800" indent="0">
-              <a:buNone/>
-              <a:defRPr sz="1400">
-                <a:solidFill>
-                  <a:schemeClr val="tx1">
-                    <a:tint val="75000"/>
-                  </a:schemeClr>
-                </a:solidFill>
-              </a:defRPr>
-            </a:lvl5pPr>
-            <a:lvl6pPr marL="2286000" indent="0">
-              <a:buNone/>
-              <a:defRPr sz="1400">
-                <a:solidFill>
-                  <a:schemeClr val="tx1">
-                    <a:tint val="75000"/>
-                  </a:schemeClr>
-                </a:solidFill>
-              </a:defRPr>
-            </a:lvl6pPr>
-            <a:lvl7pPr marL="2743200" indent="0">
-              <a:buNone/>
-              <a:defRPr sz="1400">
-                <a:solidFill>
-                  <a:schemeClr val="tx1">
-                    <a:tint val="75000"/>
-                  </a:schemeClr>
-                </a:solidFill>
-              </a:defRPr>
-            </a:lvl7pPr>
-            <a:lvl8pPr marL="3200400" indent="0">
-              <a:buNone/>
-              <a:defRPr sz="1400">
-                <a:solidFill>
-                  <a:schemeClr val="tx1">
-                    <a:tint val="75000"/>
-                  </a:schemeClr>
-                </a:solidFill>
-              </a:defRPr>
-            </a:lvl8pPr>
-            <a:lvl9pPr marL="3657600" indent="0">
-              <a:buNone/>
-              <a:defRPr sz="1400">
-                <a:solidFill>
-                  <a:schemeClr val="tx1">
-                    <a:tint val="75000"/>
-                  </a:schemeClr>
-                </a:solidFill>
-              </a:defRPr>
-            </a:lvl9pPr>
-          </a:lstStyle>
-          <a:p>
-            <a:pPr lvl="0"/>
-            <a:r>
-              <a:rPr lang="de-DE"/>
-              <a:t>Mastertextformat bearbeiten</a:t>
-            </a:r>
-          </a:p>
-        </p:txBody>
-      </p:sp>
-      <p:sp>
-        <p:nvSpPr>
-          <p:cNvPr id="4" name="Date Placeholder 3"/>
-          <p:cNvSpPr>
-            <a:spLocks noGrp="1"/>
-          </p:cNvSpPr>
-          <p:nvPr>
-            <p:ph type="dt" sz="half" idx="10"/>
-          </p:nvPr>
-        </p:nvSpPr>
-        <p:spPr/>
-        <p:txBody>
-          <a:bodyPr/>
-          <a:lstStyle/>
-          <a:p>
-            <a:fld id="{B61BEF0D-F0BB-DE4B-95CE-6DB70DBA9567}" type="datetimeFigureOut">
-              <a:rPr lang="en-US" dirty="0"/>
-              <a:pPr/>
-              <a:t>3/7/2023</a:t>
-            </a:fld>
-            <a:endParaRPr lang="en-US" dirty="0"/>
-          </a:p>
-        </p:txBody>
-      </p:sp>
-      <p:sp>
-        <p:nvSpPr>
-          <p:cNvPr id="5" name="Footer Placeholder 4"/>
-          <p:cNvSpPr>
-            <a:spLocks noGrp="1"/>
-          </p:cNvSpPr>
-          <p:nvPr>
-            <p:ph type="ftr" sz="quarter" idx="11"/>
-          </p:nvPr>
-        </p:nvSpPr>
-        <p:spPr/>
-        <p:txBody>
-          <a:bodyPr/>
-          <a:lstStyle/>
-          <a:p>
-            <a:endParaRPr lang="en-US" dirty="0"/>
-          </a:p>
-        </p:txBody>
-      </p:sp>
-      <p:sp>
-        <p:nvSpPr>
-          <p:cNvPr id="6" name="Slide Number Placeholder 5"/>
-          <p:cNvSpPr>
-            <a:spLocks noGrp="1"/>
-          </p:cNvSpPr>
-          <p:nvPr>
-            <p:ph type="sldNum" sz="quarter" idx="12"/>
-          </p:nvPr>
-        </p:nvSpPr>
-        <p:spPr/>
-        <p:txBody>
-          <a:bodyPr/>
-          <a:lstStyle/>
-          <a:p>
-            <a:fld id="{D57F1E4F-1CFF-5643-939E-217C01CDF565}" type="slidenum">
-              <a:rPr lang="en-US" dirty="0"/>
-              <a:pPr/>
-              <a:t>‹Nr.›</a:t>
-            </a:fld>
-            <a:endParaRPr lang="en-US" dirty="0"/>
-          </a:p>
-        </p:txBody>
-      </p:sp>
-      <p:cxnSp>
-        <p:nvCxnSpPr>
-          <p:cNvPr id="15" name="Straight Connector 14"/>
-          <p:cNvCxnSpPr/>
-          <p:nvPr/>
-        </p:nvCxnSpPr>
-        <p:spPr>
-          <a:xfrm>
-            <a:off x="1396169" y="3429000"/>
-            <a:ext cx="9407298" cy="0"/>
-          </a:xfrm>
-          <a:prstGeom prst="line">
-            <a:avLst/>
-          </a:prstGeom>
-          <a:ln w="15875">
-            <a:solidFill>
-              <a:schemeClr val="accent1">
-                <a:lumMod val="60000"/>
-                <a:lumOff val="40000"/>
-              </a:schemeClr>
-            </a:solidFill>
-          </a:ln>
-        </p:spPr>
-        <p:style>
-          <a:lnRef idx="2">
-            <a:schemeClr val="accent1"/>
-          </a:lnRef>
-          <a:fillRef idx="0">
-            <a:schemeClr val="accent1"/>
-          </a:fillRef>
-          <a:effectRef idx="1">
-            <a:schemeClr val="accent1"/>
-          </a:effectRef>
-          <a:fontRef idx="minor">
-            <a:schemeClr val="tx1"/>
-          </a:fontRef>
-        </p:style>
-      </p:cxnSp>
-    </p:spTree>
-  </p:cSld>
-  <p:clrMapOvr>
-    <a:masterClrMapping/>
-  </p:clrMapOvr>
-</p:sldLayout>
-</file>
-
-<file path=ppt/slideLayouts/slideLayout16.xml><?xml version="1.0" encoding="utf-8"?>
+<file path=ppt/slideLayouts/slideLayout13.xml><?xml version="1.0" encoding="utf-8"?>
 <p:sldLayout xmlns:a="http://schemas.openxmlformats.org/drawingml/2006/main" xmlns:r="http://schemas.openxmlformats.org/officeDocument/2006/relationships" xmlns:p="http://schemas.openxmlformats.org/presentationml/2006/main" type="vertTx" preserve="1">
   <p:cSld name="Titel und vertikaler Text">
     <p:spTree>
@@ -2564,6 +1642,109 @@
       </p:grpSpPr>
       <p:sp>
         <p:nvSpPr>
+          <p:cNvPr id="7" name="Freeform 6"/>
+          <p:cNvSpPr/>
+          <p:nvPr/>
+        </p:nvSpPr>
+        <p:spPr bwMode="auto">
+          <a:xfrm>
+            <a:off x="0" y="0"/>
+            <a:ext cx="12192000" cy="2185988"/>
+          </a:xfrm>
+          <a:custGeom>
+            <a:avLst/>
+            <a:gdLst/>
+            <a:ahLst/>
+            <a:cxnLst/>
+            <a:rect l="0" t="0" r="r" b="b"/>
+            <a:pathLst>
+              <a:path w="5760" h="1377">
+                <a:moveTo>
+                  <a:pt x="5760" y="0"/>
+                </a:moveTo>
+                <a:lnTo>
+                  <a:pt x="0" y="0"/>
+                </a:lnTo>
+                <a:lnTo>
+                  <a:pt x="0" y="1189"/>
+                </a:lnTo>
+                <a:lnTo>
+                  <a:pt x="943" y="1189"/>
+                </a:lnTo>
+                <a:lnTo>
+                  <a:pt x="1123" y="1369"/>
+                </a:lnTo>
+                <a:lnTo>
+                  <a:pt x="1123" y="1369"/>
+                </a:lnTo>
+                <a:lnTo>
+                  <a:pt x="1127" y="1371"/>
+                </a:lnTo>
+                <a:lnTo>
+                  <a:pt x="1133" y="1374"/>
+                </a:lnTo>
+                <a:lnTo>
+                  <a:pt x="1139" y="1377"/>
+                </a:lnTo>
+                <a:lnTo>
+                  <a:pt x="1144" y="1377"/>
+                </a:lnTo>
+                <a:lnTo>
+                  <a:pt x="1150" y="1377"/>
+                </a:lnTo>
+                <a:lnTo>
+                  <a:pt x="1155" y="1374"/>
+                </a:lnTo>
+                <a:lnTo>
+                  <a:pt x="1161" y="1371"/>
+                </a:lnTo>
+                <a:lnTo>
+                  <a:pt x="1165" y="1369"/>
+                </a:lnTo>
+                <a:lnTo>
+                  <a:pt x="1345" y="1189"/>
+                </a:lnTo>
+                <a:lnTo>
+                  <a:pt x="5760" y="1189"/>
+                </a:lnTo>
+                <a:lnTo>
+                  <a:pt x="5760" y="0"/>
+                </a:lnTo>
+                <a:close/>
+              </a:path>
+            </a:pathLst>
+          </a:custGeom>
+          <a:ln/>
+          <a:extLst>
+            <a:ext uri="{91240B29-F687-4f45-9708-019B960494DF}">
+              <a14:hiddenLine xmlns:a14="http://schemas.microsoft.com/office/drawing/2010/main" xmlns="" w="9525">
+                <a:solidFill>
+                  <a:srgbClr val="000000"/>
+                </a:solidFill>
+                <a:round/>
+                <a:headEnd/>
+                <a:tailEnd/>
+              </a14:hiddenLine>
+            </a:ext>
+          </a:extLst>
+        </p:spPr>
+        <p:style>
+          <a:lnRef idx="1">
+            <a:schemeClr val="accent1"/>
+          </a:lnRef>
+          <a:fillRef idx="3">
+            <a:schemeClr val="accent1"/>
+          </a:fillRef>
+          <a:effectRef idx="2">
+            <a:schemeClr val="accent1"/>
+          </a:effectRef>
+          <a:fontRef idx="minor">
+            <a:schemeClr val="lt1"/>
+          </a:fontRef>
+        </p:style>
+      </p:sp>
+      <p:sp>
+        <p:nvSpPr>
           <p:cNvPr id="2" name="Title 1"/>
           <p:cNvSpPr>
             <a:spLocks noGrp="1"/>
@@ -2575,11 +1756,7 @@
         <p:spPr/>
         <p:txBody>
           <a:bodyPr/>
-          <a:lstStyle>
-            <a:lvl1pPr algn="ctr">
-              <a:defRPr/>
-            </a:lvl1pPr>
-          </a:lstStyle>
+          <a:lstStyle/>
           <a:p>
             <a:r>
               <a:rPr lang="de-DE"/>
@@ -2656,7 +1833,7 @@
           <a:bodyPr/>
           <a:lstStyle/>
           <a:p>
-            <a:fld id="{B61BEF0D-F0BB-DE4B-95CE-6DB70DBA9567}" type="datetimeFigureOut">
+            <a:fld id="{C6C52C72-DE31-F449-A4ED-4C594FD91407}" type="datetimeFigureOut">
               <a:rPr lang="en-US" dirty="0"/>
               <a:pPr/>
               <a:t>3/7/2023</a:t>
@@ -2708,44 +1885,6 @@
           </a:p>
         </p:txBody>
       </p:sp>
-      <p:cxnSp>
-        <p:nvCxnSpPr>
-          <p:cNvPr id="14" name="Straight Connector 13"/>
-          <p:cNvCxnSpPr/>
-          <p:nvPr/>
-        </p:nvCxnSpPr>
-        <p:spPr>
-          <a:xfrm>
-            <a:off x="1396169" y="2421466"/>
-            <a:ext cx="9407298" cy="0"/>
-          </a:xfrm>
-          <a:prstGeom prst="line">
-            <a:avLst/>
-          </a:prstGeom>
-          <a:ln w="15875">
-            <a:solidFill>
-              <a:schemeClr val="accent1">
-                <a:lumMod val="60000"/>
-                <a:lumOff val="40000"/>
-              </a:schemeClr>
-            </a:solidFill>
-          </a:ln>
-        </p:spPr>
-        <p:style>
-          <a:lnRef idx="2">
-            <a:schemeClr val="accent1"/>
-          </a:lnRef>
-          <a:fillRef idx="0">
-            <a:schemeClr val="accent1"/>
-          </a:fillRef>
-          <a:effectRef idx="1">
-            <a:schemeClr val="accent1"/>
-          </a:effectRef>
-          <a:fontRef idx="minor">
-            <a:schemeClr val="tx1"/>
-          </a:fontRef>
-        </p:style>
-      </p:cxnSp>
     </p:spTree>
   </p:cSld>
   <p:clrMapOvr>
@@ -2754,7 +1893,7 @@
 </p:sldLayout>
 </file>
 
-<file path=ppt/slideLayouts/slideLayout17.xml><?xml version="1.0" encoding="utf-8"?>
+<file path=ppt/slideLayouts/slideLayout14.xml><?xml version="1.0" encoding="utf-8"?>
 <p:sldLayout xmlns:a="http://schemas.openxmlformats.org/drawingml/2006/main" xmlns:r="http://schemas.openxmlformats.org/officeDocument/2006/relationships" xmlns:p="http://schemas.openxmlformats.org/presentationml/2006/main" type="vertTitleAndTx" preserve="1">
   <p:cSld name="Vertikaler Titel und Text">
     <p:spTree>
@@ -2773,6 +1912,111 @@
       </p:grpSpPr>
       <p:sp>
         <p:nvSpPr>
+          <p:cNvPr id="12" name="Freeform 6"/>
+          <p:cNvSpPr>
+            <a:spLocks noChangeAspect="1"/>
+          </p:cNvSpPr>
+          <p:nvPr/>
+        </p:nvSpPr>
+        <p:spPr bwMode="auto">
+          <a:xfrm>
+            <a:off x="7669651" y="446089"/>
+            <a:ext cx="4522349" cy="5414962"/>
+          </a:xfrm>
+          <a:custGeom>
+            <a:avLst/>
+            <a:gdLst/>
+            <a:ahLst/>
+            <a:cxnLst/>
+            <a:rect l="0" t="0" r="r" b="b"/>
+            <a:pathLst>
+              <a:path w="2879" h="4320">
+                <a:moveTo>
+                  <a:pt x="183" y="0"/>
+                </a:moveTo>
+                <a:lnTo>
+                  <a:pt x="183" y="1197"/>
+                </a:lnTo>
+                <a:lnTo>
+                  <a:pt x="8" y="1372"/>
+                </a:lnTo>
+                <a:lnTo>
+                  <a:pt x="8" y="1372"/>
+                </a:lnTo>
+                <a:lnTo>
+                  <a:pt x="6" y="1376"/>
+                </a:lnTo>
+                <a:lnTo>
+                  <a:pt x="3" y="1382"/>
+                </a:lnTo>
+                <a:lnTo>
+                  <a:pt x="0" y="1387"/>
+                </a:lnTo>
+                <a:lnTo>
+                  <a:pt x="0" y="1393"/>
+                </a:lnTo>
+                <a:lnTo>
+                  <a:pt x="0" y="1399"/>
+                </a:lnTo>
+                <a:lnTo>
+                  <a:pt x="3" y="1404"/>
+                </a:lnTo>
+                <a:lnTo>
+                  <a:pt x="6" y="1410"/>
+                </a:lnTo>
+                <a:lnTo>
+                  <a:pt x="8" y="1414"/>
+                </a:lnTo>
+                <a:lnTo>
+                  <a:pt x="183" y="1589"/>
+                </a:lnTo>
+                <a:lnTo>
+                  <a:pt x="183" y="4320"/>
+                </a:lnTo>
+                <a:lnTo>
+                  <a:pt x="2879" y="4320"/>
+                </a:lnTo>
+                <a:lnTo>
+                  <a:pt x="2879" y="0"/>
+                </a:lnTo>
+                <a:lnTo>
+                  <a:pt x="183" y="0"/>
+                </a:lnTo>
+                <a:close/>
+              </a:path>
+            </a:pathLst>
+          </a:custGeom>
+          <a:ln/>
+          <a:extLst>
+            <a:ext uri="{91240B29-F687-4f45-9708-019B960494DF}">
+              <a14:hiddenLine xmlns:a14="http://schemas.microsoft.com/office/drawing/2010/main" xmlns="" w="9525">
+                <a:solidFill>
+                  <a:srgbClr val="000000"/>
+                </a:solidFill>
+                <a:round/>
+                <a:headEnd/>
+                <a:tailEnd/>
+              </a14:hiddenLine>
+            </a:ext>
+          </a:extLst>
+        </p:spPr>
+        <p:style>
+          <a:lnRef idx="1">
+            <a:schemeClr val="accent1"/>
+          </a:lnRef>
+          <a:fillRef idx="3">
+            <a:schemeClr val="accent1"/>
+          </a:fillRef>
+          <a:effectRef idx="2">
+            <a:schemeClr val="accent1"/>
+          </a:effectRef>
+          <a:fontRef idx="minor">
+            <a:schemeClr val="lt1"/>
+          </a:fontRef>
+        </p:style>
+      </p:sp>
+      <p:sp>
+        <p:nvSpPr>
           <p:cNvPr id="2" name="Vertical Title 1"/>
           <p:cNvSpPr>
             <a:spLocks noGrp="1"/>
@@ -2783,8 +2027,8 @@
         </p:nvSpPr>
         <p:spPr>
           <a:xfrm>
-            <a:off x="8999356" y="982131"/>
-            <a:ext cx="1890895" cy="4893735"/>
+            <a:off x="8183540" y="586171"/>
+            <a:ext cx="2494791" cy="5134798"/>
           </a:xfrm>
         </p:spPr>
         <p:txBody>
@@ -2811,8 +2055,8 @@
         </p:nvSpPr>
         <p:spPr>
           <a:xfrm>
-            <a:off x="1295398" y="982132"/>
-            <a:ext cx="7433025" cy="4893734"/>
+            <a:off x="810001" y="446089"/>
+            <a:ext cx="6611540" cy="5414962"/>
           </a:xfrm>
         </p:spPr>
         <p:txBody>
@@ -2871,7 +2115,7 @@
           <a:bodyPr/>
           <a:lstStyle/>
           <a:p>
-            <a:fld id="{B61BEF0D-F0BB-DE4B-95CE-6DB70DBA9567}" type="datetimeFigureOut">
+            <a:fld id="{ED62726E-379B-B349-9EED-81ED093FA806}" type="datetimeFigureOut">
               <a:rPr lang="en-US" dirty="0"/>
               <a:pPr/>
               <a:t>3/7/2023</a:t>
@@ -2923,44 +2167,6 @@
           </a:p>
         </p:txBody>
       </p:sp>
-      <p:cxnSp>
-        <p:nvCxnSpPr>
-          <p:cNvPr id="14" name="Straight Connector 13"/>
-          <p:cNvCxnSpPr/>
-          <p:nvPr/>
-        </p:nvCxnSpPr>
-        <p:spPr>
-          <a:xfrm>
-            <a:off x="8863890" y="990600"/>
-            <a:ext cx="0" cy="4876800"/>
-          </a:xfrm>
-          <a:prstGeom prst="line">
-            <a:avLst/>
-          </a:prstGeom>
-          <a:ln w="15875">
-            <a:solidFill>
-              <a:schemeClr val="accent1">
-                <a:lumMod val="60000"/>
-                <a:lumOff val="40000"/>
-              </a:schemeClr>
-            </a:solidFill>
-          </a:ln>
-        </p:spPr>
-        <p:style>
-          <a:lnRef idx="2">
-            <a:schemeClr val="accent1"/>
-          </a:lnRef>
-          <a:fillRef idx="0">
-            <a:schemeClr val="accent1"/>
-          </a:fillRef>
-          <a:effectRef idx="1">
-            <a:schemeClr val="accent1"/>
-          </a:effectRef>
-          <a:fontRef idx="minor">
-            <a:schemeClr val="tx1"/>
-          </a:fontRef>
-        </p:style>
-      </p:cxnSp>
     </p:spTree>
   </p:cSld>
   <p:clrMapOvr>
@@ -2986,44 +2192,109 @@
           <a:chExt cx="0" cy="0"/>
         </a:xfrm>
       </p:grpSpPr>
-      <p:cxnSp>
-        <p:nvCxnSpPr>
-          <p:cNvPr id="7" name="Straight Connector 6"/>
-          <p:cNvCxnSpPr/>
+      <p:sp>
+        <p:nvSpPr>
+          <p:cNvPr id="11" name="Freeform 6"/>
+          <p:cNvSpPr/>
           <p:nvPr/>
-        </p:nvCxnSpPr>
-        <p:spPr>
+        </p:nvSpPr>
+        <p:spPr bwMode="auto">
           <a:xfrm>
-            <a:off x="1396169" y="2421466"/>
-            <a:ext cx="9407298" cy="0"/>
+            <a:off x="0" y="0"/>
+            <a:ext cx="12192000" cy="2185988"/>
           </a:xfrm>
-          <a:prstGeom prst="line">
+          <a:custGeom>
             <a:avLst/>
-          </a:prstGeom>
-          <a:ln>
-            <a:solidFill>
-              <a:schemeClr val="accent1">
-                <a:lumMod val="60000"/>
-                <a:lumOff val="40000"/>
-              </a:schemeClr>
-            </a:solidFill>
-          </a:ln>
+            <a:gdLst/>
+            <a:ahLst/>
+            <a:cxnLst/>
+            <a:rect l="0" t="0" r="r" b="b"/>
+            <a:pathLst>
+              <a:path w="5760" h="1377">
+                <a:moveTo>
+                  <a:pt x="5760" y="0"/>
+                </a:moveTo>
+                <a:lnTo>
+                  <a:pt x="0" y="0"/>
+                </a:lnTo>
+                <a:lnTo>
+                  <a:pt x="0" y="1189"/>
+                </a:lnTo>
+                <a:lnTo>
+                  <a:pt x="943" y="1189"/>
+                </a:lnTo>
+                <a:lnTo>
+                  <a:pt x="1123" y="1369"/>
+                </a:lnTo>
+                <a:lnTo>
+                  <a:pt x="1123" y="1369"/>
+                </a:lnTo>
+                <a:lnTo>
+                  <a:pt x="1127" y="1371"/>
+                </a:lnTo>
+                <a:lnTo>
+                  <a:pt x="1133" y="1374"/>
+                </a:lnTo>
+                <a:lnTo>
+                  <a:pt x="1139" y="1377"/>
+                </a:lnTo>
+                <a:lnTo>
+                  <a:pt x="1144" y="1377"/>
+                </a:lnTo>
+                <a:lnTo>
+                  <a:pt x="1150" y="1377"/>
+                </a:lnTo>
+                <a:lnTo>
+                  <a:pt x="1155" y="1374"/>
+                </a:lnTo>
+                <a:lnTo>
+                  <a:pt x="1161" y="1371"/>
+                </a:lnTo>
+                <a:lnTo>
+                  <a:pt x="1165" y="1369"/>
+                </a:lnTo>
+                <a:lnTo>
+                  <a:pt x="1345" y="1189"/>
+                </a:lnTo>
+                <a:lnTo>
+                  <a:pt x="5760" y="1189"/>
+                </a:lnTo>
+                <a:lnTo>
+                  <a:pt x="5760" y="0"/>
+                </a:lnTo>
+                <a:close/>
+              </a:path>
+            </a:pathLst>
+          </a:custGeom>
+          <a:ln/>
+          <a:extLst>
+            <a:ext uri="{91240B29-F687-4f45-9708-019B960494DF}">
+              <a14:hiddenLine xmlns:a14="http://schemas.microsoft.com/office/drawing/2010/main" xmlns="" w="9525">
+                <a:solidFill>
+                  <a:srgbClr val="000000"/>
+                </a:solidFill>
+                <a:round/>
+                <a:headEnd/>
+                <a:tailEnd/>
+              </a14:hiddenLine>
+            </a:ext>
+          </a:extLst>
         </p:spPr>
         <p:style>
-          <a:lnRef idx="2">
+          <a:lnRef idx="1">
             <a:schemeClr val="accent1"/>
           </a:lnRef>
-          <a:fillRef idx="0">
+          <a:fillRef idx="3">
             <a:schemeClr val="accent1"/>
           </a:fillRef>
-          <a:effectRef idx="1">
+          <a:effectRef idx="2">
             <a:schemeClr val="accent1"/>
           </a:effectRef>
           <a:fontRef idx="minor">
-            <a:schemeClr val="tx1"/>
+            <a:schemeClr val="lt1"/>
           </a:fontRef>
         </p:style>
-      </p:cxnSp>
+      </p:sp>
       <p:sp>
         <p:nvSpPr>
           <p:cNvPr id="2" name="Title 1"/>
@@ -3034,88 +2305,99 @@
             <p:ph type="title"/>
           </p:nvPr>
         </p:nvSpPr>
+        <p:spPr>
+          <a:xfrm>
+            <a:off x="810000" y="447188"/>
+            <a:ext cx="10571998" cy="970450"/>
+          </a:xfrm>
+        </p:spPr>
+        <p:txBody>
+          <a:bodyPr/>
+          <a:lstStyle/>
+          <a:p>
+            <a:r>
+              <a:rPr lang="de-DE"/>
+              <a:t>Mastertitelformat bearbeiten</a:t>
+            </a:r>
+            <a:endParaRPr lang="en-US" dirty="0"/>
+          </a:p>
+        </p:txBody>
+      </p:sp>
+      <p:sp>
+        <p:nvSpPr>
+          <p:cNvPr id="3" name="Content Placeholder 2"/>
+          <p:cNvSpPr>
+            <a:spLocks noGrp="1"/>
+          </p:cNvSpPr>
+          <p:nvPr>
+            <p:ph idx="1"/>
+          </p:nvPr>
+        </p:nvSpPr>
+        <p:spPr>
+          <a:xfrm>
+            <a:off x="818712" y="2222287"/>
+            <a:ext cx="10554574" cy="3636511"/>
+          </a:xfrm>
+        </p:spPr>
+        <p:txBody>
+          <a:bodyPr/>
+          <a:lstStyle/>
+          <a:p>
+            <a:pPr lvl="0"/>
+            <a:r>
+              <a:rPr lang="de-DE"/>
+              <a:t>Mastertextformat bearbeiten</a:t>
+            </a:r>
+          </a:p>
+          <a:p>
+            <a:pPr lvl="1"/>
+            <a:r>
+              <a:rPr lang="de-DE"/>
+              <a:t>Zweite Ebene</a:t>
+            </a:r>
+          </a:p>
+          <a:p>
+            <a:pPr lvl="2"/>
+            <a:r>
+              <a:rPr lang="de-DE"/>
+              <a:t>Dritte Ebene</a:t>
+            </a:r>
+          </a:p>
+          <a:p>
+            <a:pPr lvl="3"/>
+            <a:r>
+              <a:rPr lang="de-DE"/>
+              <a:t>Vierte Ebene</a:t>
+            </a:r>
+          </a:p>
+          <a:p>
+            <a:pPr lvl="4"/>
+            <a:r>
+              <a:rPr lang="de-DE"/>
+              <a:t>Fünfte Ebene</a:t>
+            </a:r>
+            <a:endParaRPr lang="en-US" dirty="0"/>
+          </a:p>
+        </p:txBody>
+      </p:sp>
+      <p:sp>
+        <p:nvSpPr>
+          <p:cNvPr id="4" name="Date Placeholder 3"/>
+          <p:cNvSpPr>
+            <a:spLocks noGrp="1"/>
+          </p:cNvSpPr>
+          <p:nvPr>
+            <p:ph type="dt" sz="half" idx="10"/>
+          </p:nvPr>
+        </p:nvSpPr>
         <p:spPr/>
         <p:txBody>
           <a:bodyPr/>
           <a:lstStyle/>
           <a:p>
-            <a:r>
-              <a:rPr lang="de-DE"/>
-              <a:t>Mastertitelformat bearbeiten</a:t>
-            </a:r>
-            <a:endParaRPr lang="en-US" dirty="0"/>
-          </a:p>
-        </p:txBody>
-      </p:sp>
-      <p:sp>
-        <p:nvSpPr>
-          <p:cNvPr id="3" name="Content Placeholder 2"/>
-          <p:cNvSpPr>
-            <a:spLocks noGrp="1"/>
-          </p:cNvSpPr>
-          <p:nvPr>
-            <p:ph idx="1"/>
-          </p:nvPr>
-        </p:nvSpPr>
-        <p:spPr/>
-        <p:txBody>
-          <a:bodyPr/>
-          <a:lstStyle/>
-          <a:p>
-            <a:pPr lvl="0"/>
-            <a:r>
-              <a:rPr lang="de-DE"/>
-              <a:t>Mastertextformat bearbeiten</a:t>
-            </a:r>
-          </a:p>
-          <a:p>
-            <a:pPr lvl="1"/>
-            <a:r>
-              <a:rPr lang="de-DE"/>
-              <a:t>Zweite Ebene</a:t>
-            </a:r>
-          </a:p>
-          <a:p>
-            <a:pPr lvl="2"/>
-            <a:r>
-              <a:rPr lang="de-DE"/>
-              <a:t>Dritte Ebene</a:t>
-            </a:r>
-          </a:p>
-          <a:p>
-            <a:pPr lvl="3"/>
-            <a:r>
-              <a:rPr lang="de-DE"/>
-              <a:t>Vierte Ebene</a:t>
-            </a:r>
-          </a:p>
-          <a:p>
-            <a:pPr lvl="4"/>
-            <a:r>
-              <a:rPr lang="de-DE"/>
-              <a:t>Fünfte Ebene</a:t>
-            </a:r>
-            <a:endParaRPr lang="en-US" dirty="0"/>
-          </a:p>
-        </p:txBody>
-      </p:sp>
-      <p:sp>
-        <p:nvSpPr>
-          <p:cNvPr id="4" name="Date Placeholder 3"/>
-          <p:cNvSpPr>
-            <a:spLocks noGrp="1"/>
-          </p:cNvSpPr>
-          <p:nvPr>
-            <p:ph type="dt" sz="half" idx="10"/>
-          </p:nvPr>
-        </p:nvSpPr>
-        <p:spPr/>
-        <p:txBody>
-          <a:bodyPr/>
-          <a:lstStyle/>
-          <a:p>
-            <a:fld id="{05BFA754-D5C3-4E66-96A6-867B257F58DC}" type="datetimeFigureOut">
+            <a:fld id="{9B3A1323-8D79-1946-B0D7-40001CF92E9D}" type="datetimeFigureOut">
               <a:rPr lang="en-US" dirty="0"/>
+              <a:pPr/>
               <a:t>3/7/2023</a:t>
             </a:fld>
             <a:endParaRPr lang="en-US" dirty="0"/>
@@ -3156,8 +2438,9 @@
           <a:bodyPr/>
           <a:lstStyle/>
           <a:p>
-            <a:fld id="{5D84065D-F351-4B03-BD91-D8A6B8D4B362}" type="slidenum">
+            <a:fld id="{D57F1E4F-1CFF-5643-939E-217C01CDF565}" type="slidenum">
               <a:rPr lang="en-US" dirty="0"/>
+              <a:pPr/>
               <a:t>‹Nr.›</a:t>
             </a:fld>
             <a:endParaRPr lang="en-US" dirty="0"/>
@@ -3191,6 +2474,103 @@
       </p:grpSpPr>
       <p:sp>
         <p:nvSpPr>
+          <p:cNvPr id="10" name="Freeform 7"/>
+          <p:cNvSpPr/>
+          <p:nvPr/>
+        </p:nvSpPr>
+        <p:spPr bwMode="auto">
+          <a:xfrm>
+            <a:off x="0" y="1"/>
+            <a:ext cx="12192000" cy="5203825"/>
+          </a:xfrm>
+          <a:custGeom>
+            <a:avLst/>
+            <a:gdLst/>
+            <a:ahLst/>
+            <a:cxnLst/>
+            <a:rect l="0" t="0" r="r" b="b"/>
+            <a:pathLst>
+              <a:path w="5760" h="3278">
+                <a:moveTo>
+                  <a:pt x="0" y="0"/>
+                </a:moveTo>
+                <a:lnTo>
+                  <a:pt x="5760" y="0"/>
+                </a:lnTo>
+                <a:lnTo>
+                  <a:pt x="5760" y="3090"/>
+                </a:lnTo>
+                <a:lnTo>
+                  <a:pt x="4817" y="3090"/>
+                </a:lnTo>
+                <a:lnTo>
+                  <a:pt x="4637" y="3270"/>
+                </a:lnTo>
+                <a:lnTo>
+                  <a:pt x="4637" y="3270"/>
+                </a:lnTo>
+                <a:lnTo>
+                  <a:pt x="4633" y="3272"/>
+                </a:lnTo>
+                <a:lnTo>
+                  <a:pt x="4627" y="3275"/>
+                </a:lnTo>
+                <a:lnTo>
+                  <a:pt x="4621" y="3278"/>
+                </a:lnTo>
+                <a:lnTo>
+                  <a:pt x="4616" y="3278"/>
+                </a:lnTo>
+                <a:lnTo>
+                  <a:pt x="4610" y="3278"/>
+                </a:lnTo>
+                <a:lnTo>
+                  <a:pt x="4605" y="3275"/>
+                </a:lnTo>
+                <a:lnTo>
+                  <a:pt x="4599" y="3272"/>
+                </a:lnTo>
+                <a:lnTo>
+                  <a:pt x="4595" y="3270"/>
+                </a:lnTo>
+                <a:lnTo>
+                  <a:pt x="4415" y="3090"/>
+                </a:lnTo>
+                <a:lnTo>
+                  <a:pt x="0" y="3090"/>
+                </a:lnTo>
+                <a:lnTo>
+                  <a:pt x="0" y="0"/>
+                </a:lnTo>
+                <a:lnTo>
+                  <a:pt x="0" y="0"/>
+                </a:lnTo>
+                <a:close/>
+              </a:path>
+            </a:pathLst>
+          </a:custGeom>
+          <a:ln>
+            <a:headEnd/>
+            <a:tailEnd/>
+          </a:ln>
+        </p:spPr>
+        <p:style>
+          <a:lnRef idx="1">
+            <a:schemeClr val="accent1"/>
+          </a:lnRef>
+          <a:fillRef idx="3">
+            <a:schemeClr val="accent1"/>
+          </a:fillRef>
+          <a:effectRef idx="2">
+            <a:schemeClr val="accent1"/>
+          </a:effectRef>
+          <a:fontRef idx="minor">
+            <a:schemeClr val="lt1"/>
+          </a:fontRef>
+        </p:style>
+      </p:sp>
+      <p:sp>
+        <p:nvSpPr>
           <p:cNvPr id="2" name="Title 1"/>
           <p:cNvSpPr>
             <a:spLocks noGrp="1"/>
@@ -3201,52 +2581,50 @@
         </p:nvSpPr>
         <p:spPr>
           <a:xfrm>
-            <a:off x="2015069" y="1752606"/>
-            <a:ext cx="8158688" cy="1822514"/>
+            <a:off x="810000" y="2951396"/>
+            <a:ext cx="10561418" cy="1468800"/>
           </a:xfrm>
         </p:spPr>
         <p:txBody>
-          <a:bodyPr anchor="b">
-            <a:normAutofit/>
+          <a:bodyPr anchor="b"/>
+          <a:lstStyle>
+            <a:lvl1pPr algn="r">
+              <a:defRPr sz="4800" b="1" cap="none"/>
+            </a:lvl1pPr>
+          </a:lstStyle>
+          <a:p>
+            <a:r>
+              <a:rPr lang="de-DE"/>
+              <a:t>Mastertitelformat bearbeiten</a:t>
+            </a:r>
+            <a:endParaRPr lang="en-US" dirty="0"/>
+          </a:p>
+        </p:txBody>
+      </p:sp>
+      <p:sp>
+        <p:nvSpPr>
+          <p:cNvPr id="3" name="Text Placeholder 2"/>
+          <p:cNvSpPr>
+            <a:spLocks noGrp="1"/>
+          </p:cNvSpPr>
+          <p:nvPr>
+            <p:ph type="body" idx="1"/>
+          </p:nvPr>
+        </p:nvSpPr>
+        <p:spPr>
+          <a:xfrm>
+            <a:off x="810000" y="5281201"/>
+            <a:ext cx="10561418" cy="433955"/>
+          </a:xfrm>
+        </p:spPr>
+        <p:txBody>
+          <a:bodyPr anchor="t">
+            <a:noAutofit/>
           </a:bodyPr>
           <a:lstStyle>
-            <a:lvl1pPr algn="ctr">
-              <a:defRPr sz="4400" b="0" cap="none"/>
-            </a:lvl1pPr>
-          </a:lstStyle>
-          <a:p>
-            <a:r>
-              <a:rPr lang="de-DE"/>
-              <a:t>Mastertitelformat bearbeiten</a:t>
-            </a:r>
-            <a:endParaRPr lang="en-US" dirty="0"/>
-          </a:p>
-        </p:txBody>
-      </p:sp>
-      <p:sp>
-        <p:nvSpPr>
-          <p:cNvPr id="3" name="Text Placeholder 2"/>
-          <p:cNvSpPr>
-            <a:spLocks noGrp="1"/>
-          </p:cNvSpPr>
-          <p:nvPr>
-            <p:ph type="body" idx="1"/>
-          </p:nvPr>
-        </p:nvSpPr>
-        <p:spPr>
-          <a:xfrm>
-            <a:off x="2015067" y="3846051"/>
-            <a:ext cx="8158690" cy="954547"/>
-          </a:xfrm>
-        </p:spPr>
-        <p:txBody>
-          <a:bodyPr anchor="t">
-            <a:normAutofit/>
-          </a:bodyPr>
-          <a:lstStyle>
-            <a:lvl1pPr marL="0" indent="0" algn="ctr">
-              <a:buNone/>
-              <a:defRPr sz="2400">
+            <a:lvl1pPr marL="0" indent="0" algn="r">
+              <a:buNone/>
+              <a:defRPr sz="1800">
                 <a:solidFill>
                   <a:schemeClr val="tx1"/>
                 </a:solidFill>
@@ -3357,7 +2735,7 @@
           <a:bodyPr/>
           <a:lstStyle/>
           <a:p>
-            <a:fld id="{B61BEF0D-F0BB-DE4B-95CE-6DB70DBA9567}" type="datetimeFigureOut">
+            <a:fld id="{8DFA1846-DA80-1C48-A609-854EA85C59AD}" type="datetimeFigureOut">
               <a:rPr lang="en-US" dirty="0"/>
               <a:pPr/>
               <a:t>3/7/2023</a:t>
@@ -3409,44 +2787,6 @@
           </a:p>
         </p:txBody>
       </p:sp>
-      <p:cxnSp>
-        <p:nvCxnSpPr>
-          <p:cNvPr id="16" name="Straight Connector 15"/>
-          <p:cNvCxnSpPr/>
-          <p:nvPr/>
-        </p:nvCxnSpPr>
-        <p:spPr>
-          <a:xfrm>
-            <a:off x="2012723" y="3710585"/>
-            <a:ext cx="8163380" cy="0"/>
-          </a:xfrm>
-          <a:prstGeom prst="line">
-            <a:avLst/>
-          </a:prstGeom>
-          <a:ln w="15875">
-            <a:solidFill>
-              <a:schemeClr val="accent1">
-                <a:lumMod val="60000"/>
-                <a:lumOff val="40000"/>
-              </a:schemeClr>
-            </a:solidFill>
-          </a:ln>
-        </p:spPr>
-        <p:style>
-          <a:lnRef idx="2">
-            <a:schemeClr val="accent1"/>
-          </a:lnRef>
-          <a:fillRef idx="0">
-            <a:schemeClr val="accent1"/>
-          </a:fillRef>
-          <a:effectRef idx="1">
-            <a:schemeClr val="accent1"/>
-          </a:effectRef>
-          <a:fontRef idx="minor">
-            <a:schemeClr val="tx1"/>
-          </a:fontRef>
-        </p:style>
-      </p:cxnSp>
     </p:spTree>
   </p:cSld>
   <p:clrMapOvr>
@@ -3472,44 +2812,109 @@
           <a:chExt cx="0" cy="0"/>
         </a:xfrm>
       </p:grpSpPr>
-      <p:cxnSp>
-        <p:nvCxnSpPr>
-          <p:cNvPr id="8" name="Straight Connector 7"/>
-          <p:cNvCxnSpPr/>
+      <p:sp>
+        <p:nvSpPr>
+          <p:cNvPr id="8" name="Freeform 6"/>
+          <p:cNvSpPr/>
           <p:nvPr/>
-        </p:nvCxnSpPr>
-        <p:spPr>
+        </p:nvSpPr>
+        <p:spPr bwMode="auto">
           <a:xfrm>
-            <a:off x="1396169" y="2421466"/>
-            <a:ext cx="9407298" cy="0"/>
+            <a:off x="0" y="0"/>
+            <a:ext cx="12192000" cy="2185988"/>
           </a:xfrm>
-          <a:prstGeom prst="line">
+          <a:custGeom>
             <a:avLst/>
-          </a:prstGeom>
-          <a:ln w="15875">
-            <a:solidFill>
-              <a:schemeClr val="accent1">
-                <a:lumMod val="60000"/>
-                <a:lumOff val="40000"/>
-              </a:schemeClr>
-            </a:solidFill>
-          </a:ln>
+            <a:gdLst/>
+            <a:ahLst/>
+            <a:cxnLst/>
+            <a:rect l="0" t="0" r="r" b="b"/>
+            <a:pathLst>
+              <a:path w="5760" h="1377">
+                <a:moveTo>
+                  <a:pt x="5760" y="0"/>
+                </a:moveTo>
+                <a:lnTo>
+                  <a:pt x="0" y="0"/>
+                </a:lnTo>
+                <a:lnTo>
+                  <a:pt x="0" y="1189"/>
+                </a:lnTo>
+                <a:lnTo>
+                  <a:pt x="943" y="1189"/>
+                </a:lnTo>
+                <a:lnTo>
+                  <a:pt x="1123" y="1369"/>
+                </a:lnTo>
+                <a:lnTo>
+                  <a:pt x="1123" y="1369"/>
+                </a:lnTo>
+                <a:lnTo>
+                  <a:pt x="1127" y="1371"/>
+                </a:lnTo>
+                <a:lnTo>
+                  <a:pt x="1133" y="1374"/>
+                </a:lnTo>
+                <a:lnTo>
+                  <a:pt x="1139" y="1377"/>
+                </a:lnTo>
+                <a:lnTo>
+                  <a:pt x="1144" y="1377"/>
+                </a:lnTo>
+                <a:lnTo>
+                  <a:pt x="1150" y="1377"/>
+                </a:lnTo>
+                <a:lnTo>
+                  <a:pt x="1155" y="1374"/>
+                </a:lnTo>
+                <a:lnTo>
+                  <a:pt x="1161" y="1371"/>
+                </a:lnTo>
+                <a:lnTo>
+                  <a:pt x="1165" y="1369"/>
+                </a:lnTo>
+                <a:lnTo>
+                  <a:pt x="1345" y="1189"/>
+                </a:lnTo>
+                <a:lnTo>
+                  <a:pt x="5760" y="1189"/>
+                </a:lnTo>
+                <a:lnTo>
+                  <a:pt x="5760" y="0"/>
+                </a:lnTo>
+                <a:close/>
+              </a:path>
+            </a:pathLst>
+          </a:custGeom>
+          <a:ln/>
+          <a:extLst>
+            <a:ext uri="{91240B29-F687-4f45-9708-019B960494DF}">
+              <a14:hiddenLine xmlns:a14="http://schemas.microsoft.com/office/drawing/2010/main" xmlns="" w="9525">
+                <a:solidFill>
+                  <a:srgbClr val="000000"/>
+                </a:solidFill>
+                <a:round/>
+                <a:headEnd/>
+                <a:tailEnd/>
+              </a14:hiddenLine>
+            </a:ext>
+          </a:extLst>
         </p:spPr>
         <p:style>
-          <a:lnRef idx="2">
+          <a:lnRef idx="1">
             <a:schemeClr val="accent1"/>
           </a:lnRef>
-          <a:fillRef idx="0">
+          <a:fillRef idx="3">
             <a:schemeClr val="accent1"/>
           </a:fillRef>
-          <a:effectRef idx="1">
+          <a:effectRef idx="2">
             <a:schemeClr val="accent1"/>
           </a:effectRef>
           <a:fontRef idx="minor">
-            <a:schemeClr val="tx1"/>
+            <a:schemeClr val="lt1"/>
           </a:fontRef>
         </p:style>
-      </p:cxnSp>
+      </p:sp>
       <p:sp>
         <p:nvSpPr>
           <p:cNvPr id="2" name="Title 1"/>
@@ -3545,8 +2950,8 @@
         </p:nvSpPr>
         <p:spPr>
           <a:xfrm>
-            <a:off x="1298448" y="2560320"/>
-            <a:ext cx="4718304" cy="3310128"/>
+            <a:off x="818712" y="2222287"/>
+            <a:ext cx="5185873" cy="3638763"/>
           </a:xfrm>
         </p:spPr>
         <p:txBody>
@@ -3604,8 +3009,8 @@
         </p:nvSpPr>
         <p:spPr>
           <a:xfrm>
-            <a:off x="6181344" y="2560320"/>
-            <a:ext cx="4718304" cy="3310128"/>
+            <a:off x="6187415" y="2222287"/>
+            <a:ext cx="5194583" cy="3638764"/>
           </a:xfrm>
         </p:spPr>
         <p:txBody>
@@ -3666,8 +3071,9 @@
           <a:bodyPr/>
           <a:lstStyle/>
           <a:p>
-            <a:fld id="{05BFA754-D5C3-4E66-96A6-867B257F58DC}" type="datetimeFigureOut">
+            <a:fld id="{57302355-E14B-8545-A8F8-0FE83CC9D524}" type="datetimeFigureOut">
               <a:rPr lang="en-US" dirty="0"/>
+              <a:pPr/>
               <a:t>3/7/2023</a:t>
             </a:fld>
             <a:endParaRPr lang="en-US" dirty="0"/>
@@ -3708,8 +3114,9 @@
           <a:bodyPr/>
           <a:lstStyle/>
           <a:p>
-            <a:fld id="{5D84065D-F351-4B03-BD91-D8A6B8D4B362}" type="slidenum">
+            <a:fld id="{D57F1E4F-1CFF-5643-939E-217C01CDF565}" type="slidenum">
               <a:rPr lang="en-US" dirty="0"/>
+              <a:pPr/>
               <a:t>‹Nr.›</a:t>
             </a:fld>
             <a:endParaRPr lang="en-US" dirty="0"/>
@@ -3743,6 +3150,109 @@
       </p:grpSpPr>
       <p:sp>
         <p:nvSpPr>
+          <p:cNvPr id="10" name="Freeform 6"/>
+          <p:cNvSpPr/>
+          <p:nvPr/>
+        </p:nvSpPr>
+        <p:spPr bwMode="auto">
+          <a:xfrm>
+            <a:off x="0" y="0"/>
+            <a:ext cx="12192000" cy="2185988"/>
+          </a:xfrm>
+          <a:custGeom>
+            <a:avLst/>
+            <a:gdLst/>
+            <a:ahLst/>
+            <a:cxnLst/>
+            <a:rect l="0" t="0" r="r" b="b"/>
+            <a:pathLst>
+              <a:path w="5760" h="1377">
+                <a:moveTo>
+                  <a:pt x="5760" y="0"/>
+                </a:moveTo>
+                <a:lnTo>
+                  <a:pt x="0" y="0"/>
+                </a:lnTo>
+                <a:lnTo>
+                  <a:pt x="0" y="1189"/>
+                </a:lnTo>
+                <a:lnTo>
+                  <a:pt x="943" y="1189"/>
+                </a:lnTo>
+                <a:lnTo>
+                  <a:pt x="1123" y="1369"/>
+                </a:lnTo>
+                <a:lnTo>
+                  <a:pt x="1123" y="1369"/>
+                </a:lnTo>
+                <a:lnTo>
+                  <a:pt x="1127" y="1371"/>
+                </a:lnTo>
+                <a:lnTo>
+                  <a:pt x="1133" y="1374"/>
+                </a:lnTo>
+                <a:lnTo>
+                  <a:pt x="1139" y="1377"/>
+                </a:lnTo>
+                <a:lnTo>
+                  <a:pt x="1144" y="1377"/>
+                </a:lnTo>
+                <a:lnTo>
+                  <a:pt x="1150" y="1377"/>
+                </a:lnTo>
+                <a:lnTo>
+                  <a:pt x="1155" y="1374"/>
+                </a:lnTo>
+                <a:lnTo>
+                  <a:pt x="1161" y="1371"/>
+                </a:lnTo>
+                <a:lnTo>
+                  <a:pt x="1165" y="1369"/>
+                </a:lnTo>
+                <a:lnTo>
+                  <a:pt x="1345" y="1189"/>
+                </a:lnTo>
+                <a:lnTo>
+                  <a:pt x="5760" y="1189"/>
+                </a:lnTo>
+                <a:lnTo>
+                  <a:pt x="5760" y="0"/>
+                </a:lnTo>
+                <a:close/>
+              </a:path>
+            </a:pathLst>
+          </a:custGeom>
+          <a:ln/>
+          <a:extLst>
+            <a:ext uri="{91240B29-F687-4f45-9708-019B960494DF}">
+              <a14:hiddenLine xmlns:a14="http://schemas.microsoft.com/office/drawing/2010/main" xmlns="" w="9525">
+                <a:solidFill>
+                  <a:srgbClr val="000000"/>
+                </a:solidFill>
+                <a:round/>
+                <a:headEnd/>
+                <a:tailEnd/>
+              </a14:hiddenLine>
+            </a:ext>
+          </a:extLst>
+        </p:spPr>
+        <p:style>
+          <a:lnRef idx="1">
+            <a:schemeClr val="accent1"/>
+          </a:lnRef>
+          <a:fillRef idx="3">
+            <a:schemeClr val="accent1"/>
+          </a:fillRef>
+          <a:effectRef idx="2">
+            <a:schemeClr val="accent1"/>
+          </a:effectRef>
+          <a:fontRef idx="minor">
+            <a:schemeClr val="lt1"/>
+          </a:fontRef>
+        </p:style>
+      </p:sp>
+      <p:sp>
+        <p:nvSpPr>
           <p:cNvPr id="2" name="Title 1"/>
           <p:cNvSpPr>
             <a:spLocks noGrp="1"/>
@@ -3780,8 +3290,8 @@
         </p:nvSpPr>
         <p:spPr>
           <a:xfrm>
-            <a:off x="1295400" y="2658533"/>
-            <a:ext cx="4718304" cy="576262"/>
+            <a:off x="814728" y="2174875"/>
+            <a:ext cx="5189857" cy="576262"/>
           </a:xfrm>
         </p:spPr>
         <p:txBody>
@@ -3789,13 +3299,9 @@
             <a:noAutofit/>
           </a:bodyPr>
           <a:lstStyle>
-            <a:lvl1pPr marL="0" indent="0">
-              <a:buNone/>
-              <a:defRPr sz="2800" b="0">
-                <a:solidFill>
-                  <a:schemeClr val="accent1"/>
-                </a:solidFill>
-              </a:defRPr>
+            <a:lvl1pPr marL="0" indent="0" algn="ctr">
+              <a:buNone/>
+              <a:defRPr sz="2000" b="0"/>
             </a:lvl1pPr>
             <a:lvl2pPr marL="457200" indent="0">
               <a:buNone/>
@@ -3851,8 +3357,8 @@
         </p:nvSpPr>
         <p:spPr>
           <a:xfrm>
-            <a:off x="1295400" y="3243262"/>
-            <a:ext cx="4718304" cy="2632605"/>
+            <a:off x="814729" y="2751138"/>
+            <a:ext cx="5189856" cy="3109913"/>
           </a:xfrm>
         </p:spPr>
         <p:txBody>
@@ -3910,8 +3416,8 @@
         </p:nvSpPr>
         <p:spPr>
           <a:xfrm>
-            <a:off x="6180671" y="2658533"/>
-            <a:ext cx="4718304" cy="576262"/>
+            <a:off x="6187415" y="2174875"/>
+            <a:ext cx="5194583" cy="576262"/>
           </a:xfrm>
         </p:spPr>
         <p:txBody>
@@ -3919,13 +3425,9 @@
             <a:noAutofit/>
           </a:bodyPr>
           <a:lstStyle>
-            <a:lvl1pPr marL="0" indent="0">
-              <a:buNone/>
-              <a:defRPr sz="2800" b="0">
-                <a:solidFill>
-                  <a:schemeClr val="accent1"/>
-                </a:solidFill>
-              </a:defRPr>
+            <a:lvl1pPr marL="0" indent="0" algn="ctr">
+              <a:buNone/>
+              <a:defRPr sz="2000" b="0"/>
             </a:lvl1pPr>
             <a:lvl2pPr marL="457200" indent="0">
               <a:buNone/>
@@ -3981,8 +3483,8 @@
         </p:nvSpPr>
         <p:spPr>
           <a:xfrm>
-            <a:off x="6180671" y="3243262"/>
-            <a:ext cx="4718304" cy="2632605"/>
+            <a:off x="6187415" y="2751138"/>
+            <a:ext cx="5194583" cy="3109913"/>
           </a:xfrm>
         </p:spPr>
         <p:txBody>
@@ -4043,7 +3545,7 @@
           <a:bodyPr/>
           <a:lstStyle/>
           <a:p>
-            <a:fld id="{B61BEF0D-F0BB-DE4B-95CE-6DB70DBA9567}" type="datetimeFigureOut">
+            <a:fld id="{02640F58-564D-2B4F-AE67-E407BA4FCF45}" type="datetimeFigureOut">
               <a:rPr lang="en-US" dirty="0"/>
               <a:pPr/>
               <a:t>3/7/2023</a:t>
@@ -4095,44 +3597,6 @@
           </a:p>
         </p:txBody>
       </p:sp>
-      <p:cxnSp>
-        <p:nvCxnSpPr>
-          <p:cNvPr id="18" name="Straight Connector 17"/>
-          <p:cNvCxnSpPr/>
-          <p:nvPr/>
-        </p:nvCxnSpPr>
-        <p:spPr>
-          <a:xfrm>
-            <a:off x="1396169" y="2421466"/>
-            <a:ext cx="9407298" cy="0"/>
-          </a:xfrm>
-          <a:prstGeom prst="line">
-            <a:avLst/>
-          </a:prstGeom>
-          <a:ln w="15875">
-            <a:solidFill>
-              <a:schemeClr val="accent1">
-                <a:lumMod val="60000"/>
-                <a:lumOff val="40000"/>
-              </a:schemeClr>
-            </a:solidFill>
-          </a:ln>
-        </p:spPr>
-        <p:style>
-          <a:lnRef idx="2">
-            <a:schemeClr val="accent1"/>
-          </a:lnRef>
-          <a:fillRef idx="0">
-            <a:schemeClr val="accent1"/>
-          </a:fillRef>
-          <a:effectRef idx="1">
-            <a:schemeClr val="accent1"/>
-          </a:effectRef>
-          <a:fontRef idx="minor">
-            <a:schemeClr val="tx1"/>
-          </a:fontRef>
-        </p:style>
-      </p:cxnSp>
     </p:spTree>
   </p:cSld>
   <p:clrMapOvr>
@@ -4160,6 +3624,109 @@
       </p:grpSpPr>
       <p:sp>
         <p:nvSpPr>
+          <p:cNvPr id="6" name="Freeform 6"/>
+          <p:cNvSpPr/>
+          <p:nvPr/>
+        </p:nvSpPr>
+        <p:spPr bwMode="auto">
+          <a:xfrm>
+            <a:off x="0" y="0"/>
+            <a:ext cx="12192000" cy="2185988"/>
+          </a:xfrm>
+          <a:custGeom>
+            <a:avLst/>
+            <a:gdLst/>
+            <a:ahLst/>
+            <a:cxnLst/>
+            <a:rect l="0" t="0" r="r" b="b"/>
+            <a:pathLst>
+              <a:path w="5760" h="1377">
+                <a:moveTo>
+                  <a:pt x="5760" y="0"/>
+                </a:moveTo>
+                <a:lnTo>
+                  <a:pt x="0" y="0"/>
+                </a:lnTo>
+                <a:lnTo>
+                  <a:pt x="0" y="1189"/>
+                </a:lnTo>
+                <a:lnTo>
+                  <a:pt x="943" y="1189"/>
+                </a:lnTo>
+                <a:lnTo>
+                  <a:pt x="1123" y="1369"/>
+                </a:lnTo>
+                <a:lnTo>
+                  <a:pt x="1123" y="1369"/>
+                </a:lnTo>
+                <a:lnTo>
+                  <a:pt x="1127" y="1371"/>
+                </a:lnTo>
+                <a:lnTo>
+                  <a:pt x="1133" y="1374"/>
+                </a:lnTo>
+                <a:lnTo>
+                  <a:pt x="1139" y="1377"/>
+                </a:lnTo>
+                <a:lnTo>
+                  <a:pt x="1144" y="1377"/>
+                </a:lnTo>
+                <a:lnTo>
+                  <a:pt x="1150" y="1377"/>
+                </a:lnTo>
+                <a:lnTo>
+                  <a:pt x="1155" y="1374"/>
+                </a:lnTo>
+                <a:lnTo>
+                  <a:pt x="1161" y="1371"/>
+                </a:lnTo>
+                <a:lnTo>
+                  <a:pt x="1165" y="1369"/>
+                </a:lnTo>
+                <a:lnTo>
+                  <a:pt x="1345" y="1189"/>
+                </a:lnTo>
+                <a:lnTo>
+                  <a:pt x="5760" y="1189"/>
+                </a:lnTo>
+                <a:lnTo>
+                  <a:pt x="5760" y="0"/>
+                </a:lnTo>
+                <a:close/>
+              </a:path>
+            </a:pathLst>
+          </a:custGeom>
+          <a:ln/>
+          <a:extLst>
+            <a:ext uri="{91240B29-F687-4f45-9708-019B960494DF}">
+              <a14:hiddenLine xmlns:a14="http://schemas.microsoft.com/office/drawing/2010/main" xmlns="" w="9525">
+                <a:solidFill>
+                  <a:srgbClr val="000000"/>
+                </a:solidFill>
+                <a:round/>
+                <a:headEnd/>
+                <a:tailEnd/>
+              </a14:hiddenLine>
+            </a:ext>
+          </a:extLst>
+        </p:spPr>
+        <p:style>
+          <a:lnRef idx="1">
+            <a:schemeClr val="accent1"/>
+          </a:lnRef>
+          <a:fillRef idx="3">
+            <a:schemeClr val="accent1"/>
+          </a:fillRef>
+          <a:effectRef idx="2">
+            <a:schemeClr val="accent1"/>
+          </a:effectRef>
+          <a:fontRef idx="minor">
+            <a:schemeClr val="lt1"/>
+          </a:fontRef>
+        </p:style>
+      </p:sp>
+      <p:sp>
+        <p:nvSpPr>
           <p:cNvPr id="2" name="Title 1"/>
           <p:cNvSpPr>
             <a:spLocks noGrp="1"/>
@@ -4196,7 +3763,7 @@
           <a:bodyPr/>
           <a:lstStyle/>
           <a:p>
-            <a:fld id="{B61BEF0D-F0BB-DE4B-95CE-6DB70DBA9567}" type="datetimeFigureOut">
+            <a:fld id="{F13A34C8-038E-2045-AF43-DF7DBB8E0E9E}" type="datetimeFigureOut">
               <a:rPr lang="en-US" dirty="0"/>
               <a:pPr/>
               <a:t>3/7/2023</a:t>
@@ -4248,44 +3815,6 @@
           </a:p>
         </p:txBody>
       </p:sp>
-      <p:cxnSp>
-        <p:nvCxnSpPr>
-          <p:cNvPr id="14" name="Straight Connector 13"/>
-          <p:cNvCxnSpPr/>
-          <p:nvPr/>
-        </p:nvCxnSpPr>
-        <p:spPr>
-          <a:xfrm>
-            <a:off x="1396169" y="2421466"/>
-            <a:ext cx="9407298" cy="0"/>
-          </a:xfrm>
-          <a:prstGeom prst="line">
-            <a:avLst/>
-          </a:prstGeom>
-          <a:ln w="15875">
-            <a:solidFill>
-              <a:schemeClr val="accent1">
-                <a:lumMod val="60000"/>
-                <a:lumOff val="40000"/>
-              </a:schemeClr>
-            </a:solidFill>
-          </a:ln>
-        </p:spPr>
-        <p:style>
-          <a:lnRef idx="2">
-            <a:schemeClr val="accent1"/>
-          </a:lnRef>
-          <a:fillRef idx="0">
-            <a:schemeClr val="accent1"/>
-          </a:fillRef>
-          <a:effectRef idx="1">
-            <a:schemeClr val="accent1"/>
-          </a:effectRef>
-          <a:fontRef idx="minor">
-            <a:schemeClr val="tx1"/>
-          </a:fontRef>
-        </p:style>
-      </p:cxnSp>
     </p:spTree>
   </p:cSld>
   <p:clrMapOvr>
@@ -4326,7 +3855,7 @@
           <a:bodyPr/>
           <a:lstStyle/>
           <a:p>
-            <a:fld id="{B61BEF0D-F0BB-DE4B-95CE-6DB70DBA9567}" type="datetimeFigureOut">
+            <a:fld id="{8818C68F-D26B-8F47-958C-23B49CF8A634}" type="datetimeFigureOut">
               <a:rPr lang="en-US" dirty="0"/>
               <a:pPr/>
               <a:t>3/7/2023</a:t>
@@ -4405,6 +3934,222 @@
       </p:grpSpPr>
       <p:sp>
         <p:nvSpPr>
+          <p:cNvPr id="12" name="Freeform 6"/>
+          <p:cNvSpPr>
+            <a:spLocks noChangeAspect="1"/>
+          </p:cNvSpPr>
+          <p:nvPr/>
+        </p:nvSpPr>
+        <p:spPr bwMode="auto">
+          <a:xfrm>
+            <a:off x="1073151" y="446087"/>
+            <a:ext cx="3547533" cy="1814651"/>
+          </a:xfrm>
+          <a:custGeom>
+            <a:avLst/>
+            <a:gdLst/>
+            <a:ahLst/>
+            <a:cxnLst/>
+            <a:rect l="0" t="0" r="r" b="b"/>
+            <a:pathLst>
+              <a:path w="3384" h="2308">
+                <a:moveTo>
+                  <a:pt x="3340" y="0"/>
+                </a:moveTo>
+                <a:lnTo>
+                  <a:pt x="44" y="0"/>
+                </a:lnTo>
+                <a:lnTo>
+                  <a:pt x="44" y="0"/>
+                </a:lnTo>
+                <a:lnTo>
+                  <a:pt x="34" y="0"/>
+                </a:lnTo>
+                <a:lnTo>
+                  <a:pt x="26" y="4"/>
+                </a:lnTo>
+                <a:lnTo>
+                  <a:pt x="20" y="8"/>
+                </a:lnTo>
+                <a:lnTo>
+                  <a:pt x="12" y="12"/>
+                </a:lnTo>
+                <a:lnTo>
+                  <a:pt x="8" y="20"/>
+                </a:lnTo>
+                <a:lnTo>
+                  <a:pt x="4" y="26"/>
+                </a:lnTo>
+                <a:lnTo>
+                  <a:pt x="0" y="34"/>
+                </a:lnTo>
+                <a:lnTo>
+                  <a:pt x="0" y="44"/>
+                </a:lnTo>
+                <a:lnTo>
+                  <a:pt x="0" y="2076"/>
+                </a:lnTo>
+                <a:lnTo>
+                  <a:pt x="0" y="2076"/>
+                </a:lnTo>
+                <a:lnTo>
+                  <a:pt x="0" y="2086"/>
+                </a:lnTo>
+                <a:lnTo>
+                  <a:pt x="4" y="2094"/>
+                </a:lnTo>
+                <a:lnTo>
+                  <a:pt x="8" y="2100"/>
+                </a:lnTo>
+                <a:lnTo>
+                  <a:pt x="12" y="2108"/>
+                </a:lnTo>
+                <a:lnTo>
+                  <a:pt x="20" y="2112"/>
+                </a:lnTo>
+                <a:lnTo>
+                  <a:pt x="26" y="2116"/>
+                </a:lnTo>
+                <a:lnTo>
+                  <a:pt x="34" y="2120"/>
+                </a:lnTo>
+                <a:lnTo>
+                  <a:pt x="44" y="2120"/>
+                </a:lnTo>
+                <a:lnTo>
+                  <a:pt x="474" y="2120"/>
+                </a:lnTo>
+                <a:lnTo>
+                  <a:pt x="650" y="2296"/>
+                </a:lnTo>
+                <a:lnTo>
+                  <a:pt x="650" y="2296"/>
+                </a:lnTo>
+                <a:lnTo>
+                  <a:pt x="656" y="2300"/>
+                </a:lnTo>
+                <a:lnTo>
+                  <a:pt x="664" y="2304"/>
+                </a:lnTo>
+                <a:lnTo>
+                  <a:pt x="672" y="2308"/>
+                </a:lnTo>
+                <a:lnTo>
+                  <a:pt x="680" y="2308"/>
+                </a:lnTo>
+                <a:lnTo>
+                  <a:pt x="688" y="2308"/>
+                </a:lnTo>
+                <a:lnTo>
+                  <a:pt x="696" y="2304"/>
+                </a:lnTo>
+                <a:lnTo>
+                  <a:pt x="704" y="2300"/>
+                </a:lnTo>
+                <a:lnTo>
+                  <a:pt x="710" y="2296"/>
+                </a:lnTo>
+                <a:lnTo>
+                  <a:pt x="886" y="2120"/>
+                </a:lnTo>
+                <a:lnTo>
+                  <a:pt x="3340" y="2120"/>
+                </a:lnTo>
+                <a:lnTo>
+                  <a:pt x="3340" y="2120"/>
+                </a:lnTo>
+                <a:lnTo>
+                  <a:pt x="3350" y="2120"/>
+                </a:lnTo>
+                <a:lnTo>
+                  <a:pt x="3358" y="2116"/>
+                </a:lnTo>
+                <a:lnTo>
+                  <a:pt x="3364" y="2112"/>
+                </a:lnTo>
+                <a:lnTo>
+                  <a:pt x="3372" y="2108"/>
+                </a:lnTo>
+                <a:lnTo>
+                  <a:pt x="3376" y="2100"/>
+                </a:lnTo>
+                <a:lnTo>
+                  <a:pt x="3380" y="2094"/>
+                </a:lnTo>
+                <a:lnTo>
+                  <a:pt x="3384" y="2086"/>
+                </a:lnTo>
+                <a:lnTo>
+                  <a:pt x="3384" y="2076"/>
+                </a:lnTo>
+                <a:lnTo>
+                  <a:pt x="3384" y="44"/>
+                </a:lnTo>
+                <a:lnTo>
+                  <a:pt x="3384" y="44"/>
+                </a:lnTo>
+                <a:lnTo>
+                  <a:pt x="3384" y="34"/>
+                </a:lnTo>
+                <a:lnTo>
+                  <a:pt x="3380" y="26"/>
+                </a:lnTo>
+                <a:lnTo>
+                  <a:pt x="3376" y="20"/>
+                </a:lnTo>
+                <a:lnTo>
+                  <a:pt x="3372" y="12"/>
+                </a:lnTo>
+                <a:lnTo>
+                  <a:pt x="3364" y="8"/>
+                </a:lnTo>
+                <a:lnTo>
+                  <a:pt x="3358" y="4"/>
+                </a:lnTo>
+                <a:lnTo>
+                  <a:pt x="3350" y="0"/>
+                </a:lnTo>
+                <a:lnTo>
+                  <a:pt x="3340" y="0"/>
+                </a:lnTo>
+                <a:lnTo>
+                  <a:pt x="3340" y="0"/>
+                </a:lnTo>
+                <a:close/>
+              </a:path>
+            </a:pathLst>
+          </a:custGeom>
+          <a:ln/>
+          <a:extLst>
+            <a:ext uri="{91240B29-F687-4f45-9708-019B960494DF}">
+              <a14:hiddenLine xmlns:a14="http://schemas.microsoft.com/office/drawing/2010/main" xmlns="" w="9525">
+                <a:solidFill>
+                  <a:srgbClr val="000000"/>
+                </a:solidFill>
+                <a:round/>
+                <a:headEnd/>
+                <a:tailEnd/>
+              </a14:hiddenLine>
+            </a:ext>
+          </a:extLst>
+        </p:spPr>
+        <p:style>
+          <a:lnRef idx="1">
+            <a:schemeClr val="accent1"/>
+          </a:lnRef>
+          <a:fillRef idx="3">
+            <a:schemeClr val="accent1"/>
+          </a:fillRef>
+          <a:effectRef idx="2">
+            <a:schemeClr val="accent1"/>
+          </a:effectRef>
+          <a:fontRef idx="minor">
+            <a:schemeClr val="lt1"/>
+          </a:fontRef>
+        </p:style>
+      </p:sp>
+      <p:sp>
+        <p:nvSpPr>
           <p:cNvPr id="2" name="Title 1"/>
           <p:cNvSpPr>
             <a:spLocks noGrp="1"/>
@@ -4415,111 +4160,107 @@
         </p:nvSpPr>
         <p:spPr>
           <a:xfrm>
-            <a:off x="1293811" y="1388534"/>
-            <a:ext cx="3718455" cy="1371600"/>
+            <a:off x="1073151" y="446088"/>
+            <a:ext cx="3547533" cy="1618396"/>
           </a:xfrm>
         </p:spPr>
         <p:txBody>
-          <a:bodyPr anchor="b">
+          <a:bodyPr anchor="b"/>
+          <a:lstStyle>
+            <a:lvl1pPr algn="l">
+              <a:defRPr sz="2000" b="1"/>
+            </a:lvl1pPr>
+          </a:lstStyle>
+          <a:p>
+            <a:r>
+              <a:rPr lang="de-DE"/>
+              <a:t>Mastertitelformat bearbeiten</a:t>
+            </a:r>
+            <a:endParaRPr lang="en-US" dirty="0"/>
+          </a:p>
+        </p:txBody>
+      </p:sp>
+      <p:sp>
+        <p:nvSpPr>
+          <p:cNvPr id="3" name="Content Placeholder 2"/>
+          <p:cNvSpPr>
+            <a:spLocks noGrp="1"/>
+          </p:cNvSpPr>
+          <p:nvPr>
+            <p:ph idx="1"/>
+          </p:nvPr>
+        </p:nvSpPr>
+        <p:spPr>
+          <a:xfrm>
+            <a:off x="4855633" y="446088"/>
+            <a:ext cx="6252633" cy="5414963"/>
+          </a:xfrm>
+        </p:spPr>
+        <p:txBody>
+          <a:bodyPr>
             <a:normAutofit/>
           </a:bodyPr>
-          <a:lstStyle>
-            <a:lvl1pPr algn="ctr">
-              <a:defRPr sz="2400" b="0"/>
-            </a:lvl1pPr>
-          </a:lstStyle>
-          <a:p>
-            <a:r>
-              <a:rPr lang="de-DE"/>
-              <a:t>Mastertitelformat bearbeiten</a:t>
-            </a:r>
-            <a:endParaRPr lang="en-US" dirty="0"/>
-          </a:p>
-        </p:txBody>
-      </p:sp>
-      <p:sp>
-        <p:nvSpPr>
-          <p:cNvPr id="3" name="Content Placeholder 2"/>
-          <p:cNvSpPr>
-            <a:spLocks noGrp="1"/>
-          </p:cNvSpPr>
-          <p:nvPr>
-            <p:ph idx="1"/>
+          <a:lstStyle/>
+          <a:p>
+            <a:pPr lvl="0"/>
+            <a:r>
+              <a:rPr lang="de-DE"/>
+              <a:t>Mastertextformat bearbeiten</a:t>
+            </a:r>
+          </a:p>
+          <a:p>
+            <a:pPr lvl="1"/>
+            <a:r>
+              <a:rPr lang="de-DE"/>
+              <a:t>Zweite Ebene</a:t>
+            </a:r>
+          </a:p>
+          <a:p>
+            <a:pPr lvl="2"/>
+            <a:r>
+              <a:rPr lang="de-DE"/>
+              <a:t>Dritte Ebene</a:t>
+            </a:r>
+          </a:p>
+          <a:p>
+            <a:pPr lvl="3"/>
+            <a:r>
+              <a:rPr lang="de-DE"/>
+              <a:t>Vierte Ebene</a:t>
+            </a:r>
+          </a:p>
+          <a:p>
+            <a:pPr lvl="4"/>
+            <a:r>
+              <a:rPr lang="de-DE"/>
+              <a:t>Fünfte Ebene</a:t>
+            </a:r>
+            <a:endParaRPr lang="en-US" dirty="0"/>
+          </a:p>
+        </p:txBody>
+      </p:sp>
+      <p:sp>
+        <p:nvSpPr>
+          <p:cNvPr id="4" name="Text Placeholder 3"/>
+          <p:cNvSpPr>
+            <a:spLocks noGrp="1"/>
+          </p:cNvSpPr>
+          <p:nvPr>
+            <p:ph type="body" sz="half" idx="2"/>
           </p:nvPr>
         </p:nvSpPr>
         <p:spPr>
           <a:xfrm>
-            <a:off x="5418668" y="982131"/>
-            <a:ext cx="5469466" cy="4893735"/>
+            <a:off x="1073151" y="2260738"/>
+            <a:ext cx="3547533" cy="3600311"/>
           </a:xfrm>
         </p:spPr>
         <p:txBody>
-          <a:bodyPr anchor="ctr">
-            <a:normAutofit/>
-          </a:bodyPr>
-          <a:lstStyle/>
-          <a:p>
-            <a:pPr lvl="0"/>
-            <a:r>
-              <a:rPr lang="de-DE"/>
-              <a:t>Mastertextformat bearbeiten</a:t>
-            </a:r>
-          </a:p>
-          <a:p>
-            <a:pPr lvl="1"/>
-            <a:r>
-              <a:rPr lang="de-DE"/>
-              <a:t>Zweite Ebene</a:t>
-            </a:r>
-          </a:p>
-          <a:p>
-            <a:pPr lvl="2"/>
-            <a:r>
-              <a:rPr lang="de-DE"/>
-              <a:t>Dritte Ebene</a:t>
-            </a:r>
-          </a:p>
-          <a:p>
-            <a:pPr lvl="3"/>
-            <a:r>
-              <a:rPr lang="de-DE"/>
-              <a:t>Vierte Ebene</a:t>
-            </a:r>
-          </a:p>
-          <a:p>
-            <a:pPr lvl="4"/>
-            <a:r>
-              <a:rPr lang="de-DE"/>
-              <a:t>Fünfte Ebene</a:t>
-            </a:r>
-            <a:endParaRPr lang="en-US" dirty="0"/>
-          </a:p>
-        </p:txBody>
-      </p:sp>
-      <p:sp>
-        <p:nvSpPr>
-          <p:cNvPr id="4" name="Text Placeholder 3"/>
-          <p:cNvSpPr>
-            <a:spLocks noGrp="1"/>
-          </p:cNvSpPr>
-          <p:nvPr>
-            <p:ph type="body" sz="half" idx="2"/>
-          </p:nvPr>
-        </p:nvSpPr>
-        <p:spPr>
-          <a:xfrm>
-            <a:off x="1293811" y="3031065"/>
-            <a:ext cx="3718455" cy="2438404"/>
-          </a:xfrm>
-        </p:spPr>
-        <p:txBody>
-          <a:bodyPr anchor="t">
-            <a:normAutofit/>
-          </a:bodyPr>
+          <a:bodyPr/>
           <a:lstStyle>
-            <a:lvl1pPr marL="0" indent="0" algn="ctr">
-              <a:buNone/>
-              <a:defRPr sz="1600"/>
+            <a:lvl1pPr marL="0" indent="0">
+              <a:buNone/>
+              <a:defRPr sz="1400"/>
             </a:lvl1pPr>
             <a:lvl2pPr marL="457200" indent="0">
               <a:buNone/>
@@ -4578,7 +4319,7 @@
           <a:bodyPr/>
           <a:lstStyle/>
           <a:p>
-            <a:fld id="{B61BEF0D-F0BB-DE4B-95CE-6DB70DBA9567}" type="datetimeFigureOut">
+            <a:fld id="{D0DF5E60-9974-AC48-9591-99C2BB44B7CF}" type="datetimeFigureOut">
               <a:rPr lang="en-US" dirty="0"/>
               <a:pPr/>
               <a:t>3/7/2023</a:t>
@@ -4630,44 +4371,6 @@
           </a:p>
         </p:txBody>
       </p:sp>
-      <p:cxnSp>
-        <p:nvCxnSpPr>
-          <p:cNvPr id="16" name="Straight Connector 15"/>
-          <p:cNvCxnSpPr/>
-          <p:nvPr/>
-        </p:nvCxnSpPr>
-        <p:spPr>
-          <a:xfrm>
-            <a:off x="1396169" y="2912533"/>
-            <a:ext cx="3514498" cy="0"/>
-          </a:xfrm>
-          <a:prstGeom prst="line">
-            <a:avLst/>
-          </a:prstGeom>
-          <a:ln w="15875">
-            <a:solidFill>
-              <a:schemeClr val="accent1">
-                <a:lumMod val="60000"/>
-                <a:lumOff val="40000"/>
-              </a:schemeClr>
-            </a:solidFill>
-          </a:ln>
-        </p:spPr>
-        <p:style>
-          <a:lnRef idx="2">
-            <a:schemeClr val="accent1"/>
-          </a:lnRef>
-          <a:fillRef idx="0">
-            <a:schemeClr val="accent1"/>
-          </a:fillRef>
-          <a:effectRef idx="1">
-            <a:schemeClr val="accent1"/>
-          </a:effectRef>
-          <a:fontRef idx="minor">
-            <a:schemeClr val="tx1"/>
-          </a:fontRef>
-        </p:style>
-      </p:cxnSp>
     </p:spTree>
   </p:cSld>
   <p:clrMapOvr>
@@ -4705,8 +4408,8 @@
         </p:nvSpPr>
         <p:spPr>
           <a:xfrm>
-            <a:off x="1295399" y="1883832"/>
-            <a:ext cx="6241816" cy="1371600"/>
+            <a:off x="814728" y="727522"/>
+            <a:ext cx="4852988" cy="1617163"/>
           </a:xfrm>
         </p:spPr>
         <p:txBody>
@@ -4714,8 +4417,8 @@
             <a:normAutofit/>
           </a:bodyPr>
           <a:lstStyle>
-            <a:lvl1pPr algn="ctr">
-              <a:defRPr sz="2800" b="0"/>
+            <a:lvl1pPr algn="l">
+              <a:defRPr sz="2400" b="0"/>
             </a:lvl1pPr>
           </a:lstStyle>
           <a:p>
@@ -4729,116 +4432,140 @@
       </p:sp>
       <p:sp>
         <p:nvSpPr>
-          <p:cNvPr id="17" name="Picture Placeholder 2"/>
+          <p:cNvPr id="9" name="Picture Placeholder 11"/>
           <p:cNvSpPr>
             <a:spLocks noGrp="1" noChangeAspect="1"/>
           </p:cNvSpPr>
           <p:nvPr>
-            <p:ph type="pic" idx="1"/>
+            <p:ph type="pic" sz="quarter" idx="13"/>
+          </p:nvPr>
+        </p:nvSpPr>
+        <p:spPr bwMode="auto">
+          <a:xfrm>
+            <a:off x="6098117" y="0"/>
+            <a:ext cx="6093883" cy="6858000"/>
+          </a:xfrm>
+          <a:custGeom>
+            <a:avLst/>
+            <a:gdLst/>
+            <a:ahLst/>
+            <a:cxnLst/>
+            <a:rect l="0" t="0" r="r" b="b"/>
+            <a:pathLst>
+              <a:path w="2879" h="4320">
+                <a:moveTo>
+                  <a:pt x="183" y="0"/>
+                </a:moveTo>
+                <a:lnTo>
+                  <a:pt x="183" y="1197"/>
+                </a:lnTo>
+                <a:lnTo>
+                  <a:pt x="8" y="1372"/>
+                </a:lnTo>
+                <a:lnTo>
+                  <a:pt x="8" y="1372"/>
+                </a:lnTo>
+                <a:lnTo>
+                  <a:pt x="6" y="1376"/>
+                </a:lnTo>
+                <a:lnTo>
+                  <a:pt x="3" y="1382"/>
+                </a:lnTo>
+                <a:lnTo>
+                  <a:pt x="0" y="1387"/>
+                </a:lnTo>
+                <a:lnTo>
+                  <a:pt x="0" y="1393"/>
+                </a:lnTo>
+                <a:lnTo>
+                  <a:pt x="0" y="1399"/>
+                </a:lnTo>
+                <a:lnTo>
+                  <a:pt x="3" y="1404"/>
+                </a:lnTo>
+                <a:lnTo>
+                  <a:pt x="6" y="1410"/>
+                </a:lnTo>
+                <a:lnTo>
+                  <a:pt x="8" y="1414"/>
+                </a:lnTo>
+                <a:lnTo>
+                  <a:pt x="183" y="1589"/>
+                </a:lnTo>
+                <a:lnTo>
+                  <a:pt x="183" y="4320"/>
+                </a:lnTo>
+                <a:lnTo>
+                  <a:pt x="2879" y="4320"/>
+                </a:lnTo>
+                <a:lnTo>
+                  <a:pt x="2879" y="0"/>
+                </a:lnTo>
+                <a:lnTo>
+                  <a:pt x="183" y="0"/>
+                </a:lnTo>
+                <a:close/>
+              </a:path>
+            </a:pathLst>
+          </a:custGeom>
+          <a:noFill/>
+          <a:ln w="9525">
+            <a:solidFill>
+              <a:schemeClr val="tx2"/>
+            </a:solidFill>
+            <a:round/>
+            <a:headEnd/>
+            <a:tailEnd/>
+          </a:ln>
+          <a:effectLst/>
+        </p:spPr>
+        <p:txBody>
+          <a:bodyPr wrap="square" numCol="1" anchor="t" anchorCtr="0" compatLnSpc="1">
+            <a:prstTxWarp prst="textNoShape">
+              <a:avLst/>
+            </a:prstTxWarp>
+            <a:normAutofit/>
+          </a:bodyPr>
+          <a:lstStyle>
+            <a:lvl1pPr algn="ctr">
+              <a:buFontTx/>
+              <a:buNone/>
+              <a:defRPr sz="1400"/>
+            </a:lvl1pPr>
+          </a:lstStyle>
+          <a:p>
+            <a:r>
+              <a:rPr lang="de-DE"/>
+              <a:t>Bild durch Klicken auf Symbol hinzufügen</a:t>
+            </a:r>
+            <a:endParaRPr lang="en-US" dirty="0"/>
+          </a:p>
+        </p:txBody>
+      </p:sp>
+      <p:sp>
+        <p:nvSpPr>
+          <p:cNvPr id="4" name="Text Placeholder 3"/>
+          <p:cNvSpPr>
+            <a:spLocks noGrp="1"/>
+          </p:cNvSpPr>
+          <p:nvPr>
+            <p:ph type="body" sz="half" idx="2"/>
           </p:nvPr>
         </p:nvSpPr>
         <p:spPr>
           <a:xfrm>
-            <a:off x="8094831" y="1041400"/>
-            <a:ext cx="3063347" cy="4775200"/>
+            <a:off x="814728" y="2344684"/>
+            <a:ext cx="4852988" cy="3516365"/>
           </a:xfrm>
-          <a:prstGeom prst="roundRect">
-            <a:avLst>
-              <a:gd name="adj" fmla="val 0"/>
-            </a:avLst>
-          </a:prstGeom>
-          <a:ln w="57150" cmpd="thickThin">
-            <a:solidFill>
-              <a:schemeClr val="tx1">
-                <a:lumMod val="50000"/>
-                <a:lumOff val="50000"/>
-              </a:schemeClr>
-            </a:solidFill>
-            <a:miter lim="800000"/>
-          </a:ln>
-          <a:effectLst>
-            <a:innerShdw blurRad="57150" dist="38100" dir="14460000">
-              <a:srgbClr val="000000">
-                <a:alpha val="70000"/>
-              </a:srgbClr>
-            </a:innerShdw>
-          </a:effectLst>
         </p:spPr>
         <p:txBody>
           <a:bodyPr anchor="t">
             <a:normAutofit/>
           </a:bodyPr>
           <a:lstStyle>
-            <a:lvl1pPr marL="0" indent="0" algn="ctr">
-              <a:buNone/>
-              <a:defRPr sz="1600"/>
-            </a:lvl1pPr>
-            <a:lvl2pPr marL="457200" indent="0">
-              <a:buNone/>
-              <a:defRPr sz="1600"/>
-            </a:lvl2pPr>
-            <a:lvl3pPr marL="914400" indent="0">
-              <a:buNone/>
-              <a:defRPr sz="1600"/>
-            </a:lvl3pPr>
-            <a:lvl4pPr marL="1371600" indent="0">
-              <a:buNone/>
-              <a:defRPr sz="1600"/>
-            </a:lvl4pPr>
-            <a:lvl5pPr marL="1828800" indent="0">
-              <a:buNone/>
-              <a:defRPr sz="1600"/>
-            </a:lvl5pPr>
-            <a:lvl6pPr marL="2286000" indent="0">
-              <a:buNone/>
-              <a:defRPr sz="1600"/>
-            </a:lvl6pPr>
-            <a:lvl7pPr marL="2743200" indent="0">
-              <a:buNone/>
-              <a:defRPr sz="1600"/>
-            </a:lvl7pPr>
-            <a:lvl8pPr marL="3200400" indent="0">
-              <a:buNone/>
-              <a:defRPr sz="1600"/>
-            </a:lvl8pPr>
-            <a:lvl9pPr marL="3657600" indent="0">
-              <a:buNone/>
-              <a:defRPr sz="1600"/>
-            </a:lvl9pPr>
-          </a:lstStyle>
-          <a:p>
-            <a:r>
-              <a:rPr lang="de-DE"/>
-              <a:t>Bild durch Klicken auf Symbol hinzufügen</a:t>
-            </a:r>
-            <a:endParaRPr lang="en-US" dirty="0"/>
-          </a:p>
-        </p:txBody>
-      </p:sp>
-      <p:sp>
-        <p:nvSpPr>
-          <p:cNvPr id="4" name="Text Placeholder 3"/>
-          <p:cNvSpPr>
-            <a:spLocks noGrp="1"/>
-          </p:cNvSpPr>
-          <p:nvPr>
-            <p:ph type="body" sz="half" idx="2"/>
-          </p:nvPr>
-        </p:nvSpPr>
-        <p:spPr>
-          <a:xfrm>
-            <a:off x="1295399" y="3255432"/>
-            <a:ext cx="6241816" cy="1828800"/>
-          </a:xfrm>
-        </p:spPr>
-        <p:txBody>
-          <a:bodyPr anchor="t">
-            <a:normAutofit/>
-          </a:bodyPr>
-          <a:lstStyle>
-            <a:lvl1pPr marL="0" indent="0" algn="ctr">
-              <a:buNone/>
-              <a:defRPr sz="1800"/>
+            <a:lvl1pPr marL="0" indent="0">
+              <a:buNone/>
+              <a:defRPr sz="1200"/>
             </a:lvl1pPr>
             <a:lvl2pPr marL="457200" indent="0">
               <a:buNone/>
@@ -4892,12 +4619,17 @@
             <p:ph type="dt" sz="half" idx="10"/>
           </p:nvPr>
         </p:nvSpPr>
-        <p:spPr/>
-        <p:txBody>
-          <a:bodyPr/>
-          <a:lstStyle/>
-          <a:p>
-            <a:fld id="{B61BEF0D-F0BB-DE4B-95CE-6DB70DBA9567}" type="datetimeFigureOut">
+        <p:spPr>
+          <a:xfrm>
+            <a:off x="3885810" y="6041362"/>
+            <a:ext cx="976879" cy="365125"/>
+          </a:xfrm>
+        </p:spPr>
+        <p:txBody>
+          <a:bodyPr/>
+          <a:lstStyle/>
+          <a:p>
+            <a:fld id="{18C79C5D-2A6F-F04D-97DA-BEF2467B64E4}" type="datetimeFigureOut">
               <a:rPr lang="en-US" dirty="0"/>
               <a:pPr/>
               <a:t>3/7/2023</a:t>
@@ -4916,7 +4648,12 @@
             <p:ph type="ftr" sz="quarter" idx="11"/>
           </p:nvPr>
         </p:nvSpPr>
-        <p:spPr/>
+        <p:spPr>
+          <a:xfrm>
+            <a:off x="590396" y="6041362"/>
+            <a:ext cx="3295413" cy="365125"/>
+          </a:xfrm>
+        </p:spPr>
         <p:txBody>
           <a:bodyPr/>
           <a:lstStyle/>
@@ -4935,7 +4672,12 @@
             <p:ph type="sldNum" sz="quarter" idx="12"/>
           </p:nvPr>
         </p:nvSpPr>
-        <p:spPr/>
+        <p:spPr>
+          <a:xfrm>
+            <a:off x="4862689" y="5915888"/>
+            <a:ext cx="1062155" cy="490599"/>
+          </a:xfrm>
+        </p:spPr>
         <p:txBody>
           <a:bodyPr/>
           <a:lstStyle/>
@@ -4961,8 +4703,8 @@
 <p:sldMaster xmlns:a="http://schemas.openxmlformats.org/drawingml/2006/main" xmlns:r="http://schemas.openxmlformats.org/officeDocument/2006/relationships" xmlns:p="http://schemas.openxmlformats.org/presentationml/2006/main">
   <p:cSld>
     <p:bg>
-      <p:bgRef idx="1003">
-        <a:schemeClr val="bg1"/>
+      <p:bgRef idx="1001">
+        <a:schemeClr val="bg2"/>
       </p:bgRef>
     </p:bg>
     <p:spTree>
@@ -4979,240 +4721,217 @@
           <a:chExt cx="0" cy="0"/>
         </a:xfrm>
       </p:grpSpPr>
-      <p:pic>
-        <p:nvPicPr>
-          <p:cNvPr id="7" name="Picture 6" descr="HD-PanelContent-GrommetsCombined.png"/>
-          <p:cNvPicPr>
-            <a:picLocks noChangeAspect="1"/>
-          </p:cNvPicPr>
-          <p:nvPr/>
-        </p:nvPicPr>
-        <p:blipFill>
-          <a:blip r:embed="rId19">
-            <a:extLst>
-              <a:ext uri="{28A0092B-C50C-407E-A947-70E740481C1C}">
-                <a14:useLocalDpi xmlns:a14="http://schemas.microsoft.com/office/drawing/2010/main" val="0"/>
-              </a:ext>
-            </a:extLst>
-          </a:blip>
-          <a:stretch>
-            <a:fillRect/>
-          </a:stretch>
-        </p:blipFill>
+      <p:sp>
+        <p:nvSpPr>
+          <p:cNvPr id="2" name="Title Placeholder 1"/>
+          <p:cNvSpPr>
+            <a:spLocks noGrp="1"/>
+          </p:cNvSpPr>
+          <p:nvPr>
+            <p:ph type="title"/>
+          </p:nvPr>
+        </p:nvSpPr>
         <p:spPr>
           <a:xfrm>
-            <a:off x="0" y="0"/>
-            <a:ext cx="12188825" cy="6856214"/>
+            <a:off x="810000" y="447188"/>
+            <a:ext cx="10571998" cy="970450"/>
+          </a:xfrm>
+          <a:prstGeom prst="rect">
+            <a:avLst/>
+          </a:prstGeom>
+          <a:effectLst>
+            <a:outerShdw blurRad="50800" dir="14400000">
+              <a:srgbClr val="000000">
+                <a:alpha val="60000"/>
+              </a:srgbClr>
+            </a:outerShdw>
+          </a:effectLst>
+        </p:spPr>
+        <p:txBody>
+          <a:bodyPr vert="horz" lIns="91440" tIns="45720" rIns="91440" bIns="45720" rtlCol="0" anchor="b">
+            <a:noAutofit/>
+          </a:bodyPr>
+          <a:lstStyle/>
+          <a:p>
+            <a:r>
+              <a:rPr lang="de-DE"/>
+              <a:t>Mastertitelformat bearbeiten</a:t>
+            </a:r>
+            <a:endParaRPr lang="en-US" dirty="0"/>
+          </a:p>
+        </p:txBody>
+      </p:sp>
+      <p:sp>
+        <p:nvSpPr>
+          <p:cNvPr id="3" name="Text Placeholder 2"/>
+          <p:cNvSpPr>
+            <a:spLocks noGrp="1"/>
+          </p:cNvSpPr>
+          <p:nvPr>
+            <p:ph type="body" idx="1"/>
+          </p:nvPr>
+        </p:nvSpPr>
+        <p:spPr>
+          <a:xfrm>
+            <a:off x="810000" y="2184401"/>
+            <a:ext cx="10563285" cy="3674397"/>
+          </a:xfrm>
+          <a:prstGeom prst="rect">
+            <a:avLst/>
+          </a:prstGeom>
+          <a:effectLst>
+            <a:outerShdw blurRad="50800" dir="14400000">
+              <a:srgbClr val="000000">
+                <a:alpha val="40000"/>
+              </a:srgbClr>
+            </a:outerShdw>
+          </a:effectLst>
+        </p:spPr>
+        <p:txBody>
+          <a:bodyPr vert="horz" lIns="91440" tIns="45720" rIns="91440" bIns="45720" rtlCol="0" anchor="ctr">
+            <a:normAutofit/>
+          </a:bodyPr>
+          <a:lstStyle/>
+          <a:p>
+            <a:pPr lvl="0"/>
+            <a:r>
+              <a:rPr lang="de-DE"/>
+              <a:t>Mastertextformat bearbeiten</a:t>
+            </a:r>
+          </a:p>
+          <a:p>
+            <a:pPr lvl="1"/>
+            <a:r>
+              <a:rPr lang="de-DE"/>
+              <a:t>Zweite Ebene</a:t>
+            </a:r>
+          </a:p>
+          <a:p>
+            <a:pPr lvl="2"/>
+            <a:r>
+              <a:rPr lang="de-DE"/>
+              <a:t>Dritte Ebene</a:t>
+            </a:r>
+          </a:p>
+          <a:p>
+            <a:pPr lvl="3"/>
+            <a:r>
+              <a:rPr lang="de-DE"/>
+              <a:t>Vierte Ebene</a:t>
+            </a:r>
+          </a:p>
+          <a:p>
+            <a:pPr lvl="4"/>
+            <a:r>
+              <a:rPr lang="de-DE"/>
+              <a:t>Fünfte Ebene</a:t>
+            </a:r>
+            <a:endParaRPr lang="en-US" dirty="0"/>
+          </a:p>
+        </p:txBody>
+      </p:sp>
+      <p:sp>
+        <p:nvSpPr>
+          <p:cNvPr id="5" name="Footer Placeholder 4"/>
+          <p:cNvSpPr>
+            <a:spLocks noGrp="1"/>
+          </p:cNvSpPr>
+          <p:nvPr>
+            <p:ph type="ftr" sz="quarter" idx="3"/>
+          </p:nvPr>
+        </p:nvSpPr>
+        <p:spPr>
+          <a:xfrm>
+            <a:off x="451514" y="6041362"/>
+            <a:ext cx="8644320" cy="365125"/>
           </a:xfrm>
           <a:prstGeom prst="rect">
             <a:avLst/>
           </a:prstGeom>
         </p:spPr>
-      </p:pic>
-      <p:sp>
-        <p:nvSpPr>
-          <p:cNvPr id="2" name="Title Placeholder 1"/>
-          <p:cNvSpPr>
-            <a:spLocks noGrp="1"/>
-          </p:cNvSpPr>
-          <p:nvPr>
-            <p:ph type="title"/>
+        <p:txBody>
+          <a:bodyPr vert="horz" lIns="91440" tIns="45720" rIns="91440" bIns="45720" rtlCol="0" anchor="b"/>
+          <a:lstStyle>
+            <a:lvl1pPr algn="l">
+              <a:defRPr sz="900">
+                <a:solidFill>
+                  <a:schemeClr val="tx1"/>
+                </a:solidFill>
+              </a:defRPr>
+            </a:lvl1pPr>
+          </a:lstStyle>
+          <a:p>
+            <a:endParaRPr lang="en-US" dirty="0"/>
+          </a:p>
+        </p:txBody>
+      </p:sp>
+      <p:sp>
+        <p:nvSpPr>
+          <p:cNvPr id="4" name="Date Placeholder 3"/>
+          <p:cNvSpPr>
+            <a:spLocks noGrp="1"/>
+          </p:cNvSpPr>
+          <p:nvPr>
+            <p:ph type="dt" sz="half" idx="2"/>
           </p:nvPr>
         </p:nvSpPr>
         <p:spPr>
           <a:xfrm>
-            <a:off x="1295402" y="982132"/>
-            <a:ext cx="9601196" cy="1303867"/>
-          </a:xfrm>
-          <a:prstGeom prst="rect">
-            <a:avLst/>
-          </a:prstGeom>
-          <a:effectLst/>
-        </p:spPr>
-        <p:txBody>
-          <a:bodyPr vert="horz" lIns="91440" tIns="45720" rIns="91440" bIns="45720" rtlCol="0" anchor="ctr">
-            <a:normAutofit/>
-          </a:bodyPr>
-          <a:lstStyle/>
-          <a:p>
-            <a:r>
-              <a:rPr lang="de-DE"/>
-              <a:t>Mastertitelformat bearbeiten</a:t>
-            </a:r>
-            <a:endParaRPr lang="en-US" dirty="0"/>
-          </a:p>
-        </p:txBody>
-      </p:sp>
-      <p:sp>
-        <p:nvSpPr>
-          <p:cNvPr id="3" name="Text Placeholder 2"/>
-          <p:cNvSpPr>
-            <a:spLocks noGrp="1"/>
-          </p:cNvSpPr>
-          <p:nvPr>
-            <p:ph type="body" idx="1"/>
-          </p:nvPr>
-        </p:nvSpPr>
-        <p:spPr>
-          <a:xfrm>
-            <a:off x="1295401" y="2556932"/>
-            <a:ext cx="9601196" cy="3318936"/>
+            <a:off x="9334626" y="6041362"/>
+            <a:ext cx="1343706" cy="365125"/>
           </a:xfrm>
           <a:prstGeom prst="rect">
             <a:avLst/>
           </a:prstGeom>
         </p:spPr>
         <p:txBody>
-          <a:bodyPr vert="horz" lIns="91440" tIns="45720" rIns="91440" bIns="45720" rtlCol="0" anchor="t">
-            <a:normAutofit/>
-          </a:bodyPr>
-          <a:lstStyle/>
-          <a:p>
-            <a:pPr lvl="0"/>
-            <a:r>
-              <a:rPr lang="de-DE"/>
-              <a:t>Mastertextformat bearbeiten</a:t>
-            </a:r>
-          </a:p>
-          <a:p>
-            <a:pPr lvl="1"/>
-            <a:r>
-              <a:rPr lang="de-DE"/>
-              <a:t>Zweite Ebene</a:t>
-            </a:r>
-          </a:p>
-          <a:p>
-            <a:pPr lvl="2"/>
-            <a:r>
-              <a:rPr lang="de-DE"/>
-              <a:t>Dritte Ebene</a:t>
-            </a:r>
-          </a:p>
-          <a:p>
-            <a:pPr lvl="3"/>
-            <a:r>
-              <a:rPr lang="de-DE"/>
-              <a:t>Vierte Ebene</a:t>
-            </a:r>
-          </a:p>
-          <a:p>
-            <a:pPr lvl="4"/>
-            <a:r>
-              <a:rPr lang="de-DE"/>
-              <a:t>Fünfte Ebene</a:t>
-            </a:r>
-            <a:endParaRPr lang="en-US" dirty="0"/>
-          </a:p>
-        </p:txBody>
-      </p:sp>
-      <p:sp>
-        <p:nvSpPr>
-          <p:cNvPr id="4" name="Date Placeholder 3"/>
-          <p:cNvSpPr>
-            <a:spLocks noGrp="1"/>
-          </p:cNvSpPr>
-          <p:nvPr>
-            <p:ph type="dt" sz="half" idx="2"/>
+          <a:bodyPr vert="horz" lIns="91440" tIns="45720" rIns="91440" bIns="45720" rtlCol="0" anchor="b"/>
+          <a:lstStyle>
+            <a:lvl1pPr algn="r">
+              <a:defRPr sz="900">
+                <a:solidFill>
+                  <a:schemeClr val="tx1"/>
+                </a:solidFill>
+              </a:defRPr>
+            </a:lvl1pPr>
+          </a:lstStyle>
+          <a:p>
+            <a:fld id="{09B482E8-6E0E-1B4F-B1FD-C69DB9E858D9}" type="datetimeFigureOut">
+              <a:rPr lang="en-US" dirty="0"/>
+              <a:pPr/>
+              <a:t>3/7/2023</a:t>
+            </a:fld>
+            <a:endParaRPr lang="en-US" dirty="0"/>
+          </a:p>
+        </p:txBody>
+      </p:sp>
+      <p:sp>
+        <p:nvSpPr>
+          <p:cNvPr id="6" name="Slide Number Placeholder 5"/>
+          <p:cNvSpPr>
+            <a:spLocks noGrp="1"/>
+          </p:cNvSpPr>
+          <p:nvPr>
+            <p:ph type="sldNum" sz="quarter" idx="4"/>
           </p:nvPr>
         </p:nvSpPr>
         <p:spPr>
           <a:xfrm>
-            <a:off x="8677501" y="5969000"/>
-            <a:ext cx="1600200" cy="279400"/>
+            <a:off x="10678331" y="5915888"/>
+            <a:ext cx="1062155" cy="490599"/>
           </a:xfrm>
           <a:prstGeom prst="rect">
             <a:avLst/>
           </a:prstGeom>
         </p:spPr>
         <p:txBody>
-          <a:bodyPr vert="horz" lIns="91440" tIns="45720" rIns="91440" bIns="45720" rtlCol="0" anchor="ctr"/>
+          <a:bodyPr vert="horz" lIns="91440" tIns="45720" rIns="91440" bIns="10800" rtlCol="0" anchor="b"/>
           <a:lstStyle>
             <a:lvl1pPr algn="r">
-              <a:defRPr sz="1000" b="0" i="0">
+              <a:defRPr sz="2000">
                 <a:solidFill>
-                  <a:schemeClr val="tx1"/>
+                  <a:schemeClr val="accent1"/>
                 </a:solidFill>
-                <a:effectLst/>
-                <a:latin typeface="+mn-lt"/>
-              </a:defRPr>
-            </a:lvl1pPr>
-          </a:lstStyle>
-          <a:p>
-            <a:fld id="{B61BEF0D-F0BB-DE4B-95CE-6DB70DBA9567}" type="datetimeFigureOut">
-              <a:rPr lang="en-US" dirty="0"/>
-              <a:pPr/>
-              <a:t>3/7/2023</a:t>
-            </a:fld>
-            <a:endParaRPr lang="en-US" dirty="0"/>
-          </a:p>
-        </p:txBody>
-      </p:sp>
-      <p:sp>
-        <p:nvSpPr>
-          <p:cNvPr id="5" name="Footer Placeholder 4"/>
-          <p:cNvSpPr>
-            <a:spLocks noGrp="1"/>
-          </p:cNvSpPr>
-          <p:nvPr>
-            <p:ph type="ftr" sz="quarter" idx="3"/>
-          </p:nvPr>
-        </p:nvSpPr>
-        <p:spPr>
-          <a:xfrm>
-            <a:off x="1295401" y="5969000"/>
-            <a:ext cx="7305900" cy="279400"/>
-          </a:xfrm>
-          <a:prstGeom prst="rect">
-            <a:avLst/>
-          </a:prstGeom>
-        </p:spPr>
-        <p:txBody>
-          <a:bodyPr vert="horz" lIns="91440" tIns="45720" rIns="91440" bIns="45720" rtlCol="0" anchor="ctr"/>
-          <a:lstStyle>
-            <a:lvl1pPr algn="l">
-              <a:defRPr sz="1000" b="0" i="0">
-                <a:solidFill>
-                  <a:schemeClr val="tx1"/>
-                </a:solidFill>
-                <a:effectLst/>
-                <a:latin typeface="+mn-lt"/>
-              </a:defRPr>
-            </a:lvl1pPr>
-          </a:lstStyle>
-          <a:p>
-            <a:endParaRPr lang="en-US" dirty="0"/>
-          </a:p>
-        </p:txBody>
-      </p:sp>
-      <p:sp>
-        <p:nvSpPr>
-          <p:cNvPr id="6" name="Slide Number Placeholder 5"/>
-          <p:cNvSpPr>
-            <a:spLocks noGrp="1"/>
-          </p:cNvSpPr>
-          <p:nvPr>
-            <p:ph type="sldNum" sz="quarter" idx="4"/>
-          </p:nvPr>
-        </p:nvSpPr>
-        <p:spPr>
-          <a:xfrm>
-            <a:off x="10353901" y="5969000"/>
-            <a:ext cx="542697" cy="279400"/>
-          </a:xfrm>
-          <a:prstGeom prst="rect">
-            <a:avLst/>
-          </a:prstGeom>
-        </p:spPr>
-        <p:txBody>
-          <a:bodyPr vert="horz" lIns="91440" tIns="45720" rIns="91440" bIns="45720" rtlCol="0" anchor="ctr"/>
-          <a:lstStyle>
-            <a:lvl1pPr algn="r">
-              <a:defRPr sz="1000" b="0" i="0">
-                <a:solidFill>
-                  <a:schemeClr val="tx1"/>
-                </a:solidFill>
-                <a:effectLst/>
-                <a:latin typeface="+mn-lt"/>
               </a:defRPr>
             </a:lvl1pPr>
           </a:lstStyle>
@@ -5228,44 +4947,35 @@
       </p:sp>
     </p:spTree>
   </p:cSld>
-  <p:clrMap bg1="lt1" tx1="dk1" bg2="lt2" tx2="dk2" accent1="accent1" accent2="accent2" accent3="accent3" accent4="accent4" accent5="accent5" accent6="accent6" hlink="hlink" folHlink="folHlink"/>
+  <p:clrMap bg1="dk1" tx1="lt1" bg2="dk2" tx2="lt2" accent1="accent1" accent2="accent2" accent3="accent3" accent4="accent4" accent5="accent5" accent6="accent6" hlink="hlink" folHlink="folHlink"/>
   <p:sldLayoutIdLst>
     <p:sldLayoutId id="2147483649" r:id="rId1"/>
-    <p:sldLayoutId id="2147483668" r:id="rId2"/>
+    <p:sldLayoutId id="2147483650" r:id="rId2"/>
     <p:sldLayoutId id="2147483651" r:id="rId3"/>
-    <p:sldLayoutId id="2147483669" r:id="rId4"/>
+    <p:sldLayoutId id="2147483652" r:id="rId4"/>
     <p:sldLayoutId id="2147483653" r:id="rId5"/>
     <p:sldLayoutId id="2147483654" r:id="rId6"/>
     <p:sldLayoutId id="2147483655" r:id="rId7"/>
     <p:sldLayoutId id="2147483656" r:id="rId8"/>
-    <p:sldLayoutId id="2147483660" r:id="rId9"/>
+    <p:sldLayoutId id="2147483663" r:id="rId9"/>
     <p:sldLayoutId id="2147483657" r:id="rId10"/>
-    <p:sldLayoutId id="2147483663" r:id="rId11"/>
-    <p:sldLayoutId id="2147483664" r:id="rId12"/>
-    <p:sldLayoutId id="2147483665" r:id="rId13"/>
-    <p:sldLayoutId id="2147483666" r:id="rId14"/>
-    <p:sldLayoutId id="2147483667" r:id="rId15"/>
-    <p:sldLayoutId id="2147483658" r:id="rId16"/>
-    <p:sldLayoutId id="2147483659" r:id="rId17"/>
+    <p:sldLayoutId id="2147483666" r:id="rId11"/>
+    <p:sldLayoutId id="2147483661" r:id="rId12"/>
+    <p:sldLayoutId id="2147483658" r:id="rId13"/>
+    <p:sldLayoutId id="2147483659" r:id="rId14"/>
   </p:sldLayoutIdLst>
+  <p:hf sldNum="0" hdr="0" ftr="0" dt="0"/>
   <p:txStyles>
     <p:titleStyle>
-      <a:lvl1pPr algn="ctr" defTabSz="457200" rtl="0" eaLnBrk="1" latinLnBrk="0" hangingPunct="1">
+      <a:lvl1pPr algn="l" defTabSz="457200" rtl="0" eaLnBrk="1" latinLnBrk="0" hangingPunct="1">
         <a:spcBef>
           <a:spcPct val="0"/>
         </a:spcBef>
         <a:buNone/>
-        <a:defRPr sz="4400" kern="1200" cap="none">
-          <a:ln w="3175" cmpd="sng">
-            <a:noFill/>
-          </a:ln>
+        <a:defRPr sz="4000" b="1" kern="1200">
           <a:solidFill>
-            <a:schemeClr val="tx1">
-              <a:lumMod val="85000"/>
-              <a:lumOff val="15000"/>
-            </a:schemeClr>
+            <a:srgbClr val="FEFEFE"/>
           </a:solidFill>
-          <a:effectLst/>
           <a:latin typeface="+mj-lt"/>
           <a:ea typeface="+mj-ea"/>
           <a:cs typeface="+mj-cs"/>
@@ -5329,7 +5039,7 @@
       </a:lvl9pPr>
     </p:titleStyle>
     <p:bodyStyle>
-      <a:lvl1pPr marL="285750" indent="-285750" algn="l" defTabSz="457200" rtl="0" eaLnBrk="1" latinLnBrk="0" hangingPunct="1">
+      <a:lvl1pPr marL="342900" indent="-342900" algn="l" defTabSz="457200" rtl="0" eaLnBrk="1" latinLnBrk="0" hangingPunct="1">
         <a:spcBef>
           <a:spcPct val="20000"/>
         </a:spcBef>
@@ -5339,17 +5049,12 @@
         <a:buClr>
           <a:schemeClr val="accent1"/>
         </a:buClr>
-        <a:buSzPct val="115000"/>
-        <a:buFont typeface="Arial"/>
-        <a:buChar char="•"/>
-        <a:defRPr sz="2400" kern="1200" cap="none">
+        <a:buFont typeface="Wingdings 2" charset="2"/>
+        <a:buChar char=""/>
+        <a:defRPr sz="1800" kern="1200">
           <a:solidFill>
-            <a:schemeClr val="tx1">
-              <a:lumMod val="85000"/>
-              <a:lumOff val="15000"/>
-            </a:schemeClr>
+            <a:schemeClr val="tx1"/>
           </a:solidFill>
-          <a:effectLst/>
           <a:latin typeface="+mn-lt"/>
           <a:ea typeface="+mn-ea"/>
           <a:cs typeface="+mn-cs"/>
@@ -5365,23 +5070,18 @@
         <a:buClr>
           <a:schemeClr val="accent1"/>
         </a:buClr>
-        <a:buSzPct val="115000"/>
-        <a:buFont typeface="Arial"/>
-        <a:buChar char="•"/>
-        <a:defRPr sz="2000" kern="1200" cap="none">
+        <a:buFont typeface="Wingdings 2" charset="2"/>
+        <a:buChar char=""/>
+        <a:defRPr sz="1600" kern="1200">
           <a:solidFill>
-            <a:schemeClr val="tx1">
-              <a:lumMod val="85000"/>
-              <a:lumOff val="15000"/>
-            </a:schemeClr>
+            <a:schemeClr val="tx1"/>
           </a:solidFill>
-          <a:effectLst/>
           <a:latin typeface="+mn-lt"/>
           <a:ea typeface="+mn-ea"/>
           <a:cs typeface="+mn-cs"/>
         </a:defRPr>
       </a:lvl2pPr>
-      <a:lvl3pPr marL="1200150" indent="-285750" algn="l" defTabSz="457200" rtl="0" eaLnBrk="1" latinLnBrk="0" hangingPunct="1">
+      <a:lvl3pPr marL="1143000" indent="-228600" algn="l" defTabSz="457200" rtl="0" eaLnBrk="1" latinLnBrk="0" hangingPunct="1">
         <a:spcBef>
           <a:spcPct val="20000"/>
         </a:spcBef>
@@ -5391,23 +5091,18 @@
         <a:buClr>
           <a:schemeClr val="accent1"/>
         </a:buClr>
-        <a:buSzPct val="115000"/>
-        <a:buFont typeface="Arial"/>
-        <a:buChar char="•"/>
-        <a:defRPr sz="1800" kern="1200" cap="none">
+        <a:buFont typeface="Wingdings 2" charset="2"/>
+        <a:buChar char=""/>
+        <a:defRPr sz="1400" kern="1200">
           <a:solidFill>
-            <a:schemeClr val="tx1">
-              <a:lumMod val="85000"/>
-              <a:lumOff val="15000"/>
-            </a:schemeClr>
+            <a:schemeClr val="tx1"/>
           </a:solidFill>
-          <a:effectLst/>
           <a:latin typeface="+mn-lt"/>
           <a:ea typeface="+mn-ea"/>
           <a:cs typeface="+mn-cs"/>
         </a:defRPr>
       </a:lvl3pPr>
-      <a:lvl4pPr marL="1543050" indent="-171450" algn="l" defTabSz="457200" rtl="0" eaLnBrk="1" latinLnBrk="0" hangingPunct="1">
+      <a:lvl4pPr marL="1600200" indent="-228600" algn="l" defTabSz="457200" rtl="0" eaLnBrk="1" latinLnBrk="0" hangingPunct="1">
         <a:spcBef>
           <a:spcPct val="20000"/>
         </a:spcBef>
@@ -5417,23 +5112,18 @@
         <a:buClr>
           <a:schemeClr val="accent1"/>
         </a:buClr>
-        <a:buSzPct val="115000"/>
-        <a:buFont typeface="Arial"/>
-        <a:buChar char="•"/>
-        <a:defRPr sz="1600" kern="1200" cap="none">
+        <a:buFont typeface="Wingdings 2" charset="2"/>
+        <a:buChar char=""/>
+        <a:defRPr sz="1200" kern="1200">
           <a:solidFill>
-            <a:schemeClr val="tx1">
-              <a:lumMod val="85000"/>
-              <a:lumOff val="15000"/>
-            </a:schemeClr>
+            <a:schemeClr val="tx1"/>
           </a:solidFill>
-          <a:effectLst/>
           <a:latin typeface="+mn-lt"/>
           <a:ea typeface="+mn-ea"/>
           <a:cs typeface="+mn-cs"/>
         </a:defRPr>
       </a:lvl4pPr>
-      <a:lvl5pPr marL="2000250" indent="-171450" algn="l" defTabSz="457200" rtl="0" eaLnBrk="1" latinLnBrk="0" hangingPunct="1">
+      <a:lvl5pPr marL="2057400" indent="-228600" algn="l" defTabSz="457200" rtl="0" eaLnBrk="1" latinLnBrk="0" hangingPunct="1">
         <a:spcBef>
           <a:spcPct val="20000"/>
         </a:spcBef>
@@ -5443,23 +5133,18 @@
         <a:buClr>
           <a:schemeClr val="accent1"/>
         </a:buClr>
-        <a:buSzPct val="115000"/>
-        <a:buFont typeface="Arial"/>
-        <a:buChar char="•"/>
-        <a:defRPr sz="1400" kern="1200" cap="none">
+        <a:buFont typeface="Wingdings 2" charset="2"/>
+        <a:buChar char=""/>
+        <a:defRPr sz="1200" kern="1200">
           <a:solidFill>
-            <a:schemeClr val="tx1">
-              <a:lumMod val="85000"/>
-              <a:lumOff val="15000"/>
-            </a:schemeClr>
+            <a:schemeClr val="tx1"/>
           </a:solidFill>
-          <a:effectLst/>
           <a:latin typeface="+mn-lt"/>
           <a:ea typeface="+mn-ea"/>
           <a:cs typeface="+mn-cs"/>
         </a:defRPr>
       </a:lvl5pPr>
-      <a:lvl6pPr marL="2514600" indent="-228600" algn="l" defTabSz="457200" rtl="0" eaLnBrk="1" latinLnBrk="0" hangingPunct="1">
+      <a:lvl6pPr marL="2400000" indent="-228600" algn="l" defTabSz="457200" rtl="0" eaLnBrk="1" latinLnBrk="0" hangingPunct="1">
         <a:spcBef>
           <a:spcPct val="20000"/>
         </a:spcBef>
@@ -5469,23 +5154,18 @@
         <a:buClr>
           <a:schemeClr val="accent1"/>
         </a:buClr>
-        <a:buSzPct val="115000"/>
-        <a:buFont typeface="Arial"/>
-        <a:buChar char="•"/>
-        <a:defRPr sz="1400" kern="1200" cap="none">
+        <a:buFont typeface="Wingdings 2" charset="2"/>
+        <a:buChar char=""/>
+        <a:defRPr sz="1200" kern="1200">
           <a:solidFill>
-            <a:schemeClr val="tx1">
-              <a:lumMod val="85000"/>
-              <a:lumOff val="15000"/>
-            </a:schemeClr>
+            <a:schemeClr val="tx1"/>
           </a:solidFill>
-          <a:effectLst/>
           <a:latin typeface="+mn-lt"/>
           <a:ea typeface="+mn-ea"/>
           <a:cs typeface="+mn-cs"/>
         </a:defRPr>
       </a:lvl6pPr>
-      <a:lvl7pPr marL="2971800" indent="-228600" algn="l" defTabSz="457200" rtl="0" eaLnBrk="1" latinLnBrk="0" hangingPunct="1">
+      <a:lvl7pPr marL="2800000" indent="-228600" algn="l" defTabSz="457200" rtl="0" eaLnBrk="1" latinLnBrk="0" hangingPunct="1">
         <a:spcBef>
           <a:spcPct val="20000"/>
         </a:spcBef>
@@ -5495,23 +5175,18 @@
         <a:buClr>
           <a:schemeClr val="accent1"/>
         </a:buClr>
-        <a:buSzPct val="115000"/>
-        <a:buFont typeface="Arial"/>
-        <a:buChar char="•"/>
-        <a:defRPr sz="1400" kern="1200" cap="none">
+        <a:buFont typeface="Wingdings 2" charset="2"/>
+        <a:buChar char=""/>
+        <a:defRPr sz="1200" kern="1200">
           <a:solidFill>
-            <a:schemeClr val="tx1">
-              <a:lumMod val="85000"/>
-              <a:lumOff val="15000"/>
-            </a:schemeClr>
+            <a:schemeClr val="tx1"/>
           </a:solidFill>
-          <a:effectLst/>
           <a:latin typeface="+mn-lt"/>
           <a:ea typeface="+mn-ea"/>
           <a:cs typeface="+mn-cs"/>
         </a:defRPr>
       </a:lvl7pPr>
-      <a:lvl8pPr marL="3429000" indent="-228600" algn="l" defTabSz="457200" rtl="0" eaLnBrk="1" latinLnBrk="0" hangingPunct="1">
+      <a:lvl8pPr marL="3200000" indent="-228600" algn="l" defTabSz="457200" rtl="0" eaLnBrk="1" latinLnBrk="0" hangingPunct="1">
         <a:spcBef>
           <a:spcPct val="20000"/>
         </a:spcBef>
@@ -5521,23 +5196,18 @@
         <a:buClr>
           <a:schemeClr val="accent1"/>
         </a:buClr>
-        <a:buSzPct val="115000"/>
-        <a:buFont typeface="Arial"/>
-        <a:buChar char="•"/>
-        <a:defRPr sz="1400" kern="1200" cap="none">
+        <a:buFont typeface="Wingdings 2" charset="2"/>
+        <a:buChar char=""/>
+        <a:defRPr sz="1200" kern="1200">
           <a:solidFill>
-            <a:schemeClr val="tx1">
-              <a:lumMod val="85000"/>
-              <a:lumOff val="15000"/>
-            </a:schemeClr>
+            <a:schemeClr val="tx1"/>
           </a:solidFill>
-          <a:effectLst/>
           <a:latin typeface="+mn-lt"/>
           <a:ea typeface="+mn-ea"/>
           <a:cs typeface="+mn-cs"/>
         </a:defRPr>
       </a:lvl8pPr>
-      <a:lvl9pPr marL="3886200" indent="-228600" algn="l" defTabSz="457200" rtl="0" eaLnBrk="1" latinLnBrk="0" hangingPunct="1">
+      <a:lvl9pPr marL="3600000" indent="-228600" algn="l" defTabSz="457200" rtl="0" eaLnBrk="1" latinLnBrk="0" hangingPunct="1">
         <a:spcBef>
           <a:spcPct val="20000"/>
         </a:spcBef>
@@ -5547,17 +5217,12 @@
         <a:buClr>
           <a:schemeClr val="accent1"/>
         </a:buClr>
-        <a:buSzPct val="115000"/>
-        <a:buFont typeface="Arial"/>
-        <a:buChar char="•"/>
-        <a:defRPr sz="1400" kern="1200" cap="none">
+        <a:buFont typeface="Wingdings 2" charset="2"/>
+        <a:buChar char=""/>
+        <a:defRPr sz="1200" kern="1200">
           <a:solidFill>
-            <a:schemeClr val="tx1">
-              <a:lumMod val="85000"/>
-              <a:lumOff val="15000"/>
-            </a:schemeClr>
+            <a:schemeClr val="tx1"/>
           </a:solidFill>
-          <a:effectLst/>
           <a:latin typeface="+mn-lt"/>
           <a:ea typeface="+mn-ea"/>
           <a:cs typeface="+mn-cs"/>
@@ -5710,7 +5375,7 @@
           <a:lstStyle/>
           <a:p>
             <a:r>
-              <a:t>实用攻略与技巧分享</a:t>
+              <a:t>恋爱攻略指南</a:t>
             </a:r>
           </a:p>
         </p:txBody>
@@ -5771,7 +5436,7 @@
           <a:p>
             <a:pPr/>
             <a:r>
-              <a:t>1. 第一步：了解与沟通</a:t>
+              <a:t>1. 第一步：了解她</a:t>
             </a:r>
           </a:p>
           <a:p>
@@ -5783,13 +5448,13 @@
           <a:p>
             <a:pPr/>
             <a:r>
-              <a:t>3. 第三步：展现自我</a:t>
+              <a:t>3. 第三步：展现自己</a:t>
             </a:r>
           </a:p>
           <a:p>
             <a:pPr/>
             <a:r>
-              <a:t>4. 第四步：共同活动</a:t>
+              <a:t>4. 总结</a:t>
             </a:r>
           </a:p>
         </p:txBody>
@@ -5828,58 +5493,7 @@
           <a:lstStyle/>
           <a:p>
             <a:r>
-              <a:t>第一步：了解与沟通</a:t>
-            </a:r>
-          </a:p>
-        </p:txBody>
-      </p:sp>
-      <p:sp>
-        <p:nvSpPr>
-          <p:cNvPr id="3" name="Text Placeholder 2"/>
-          <p:cNvSpPr>
-            <a:spLocks noGrp="1"/>
-          </p:cNvSpPr>
-          <p:nvPr>
-            <p:ph type="body" idx="13"/>
-          </p:nvPr>
-        </p:nvSpPr>
-        <p:spPr/>
-        <p:txBody>
-          <a:bodyPr/>
-          <a:lstStyle/>
-          <a:p/>
-        </p:txBody>
-      </p:sp>
-      <p:sp>
-        <p:nvSpPr>
-          <p:cNvPr id="4" name="Text Placeholder 3"/>
-          <p:cNvSpPr>
-            <a:spLocks noGrp="1"/>
-          </p:cNvSpPr>
-          <p:nvPr>
-            <p:ph type="body" idx="1"/>
-          </p:nvPr>
-        </p:nvSpPr>
-        <p:spPr/>
-        <p:txBody>
-          <a:bodyPr/>
-          <a:lstStyle/>
-          <a:p>
-            <a:pPr/>
-            <a:r>
-              <a:t>观察她的兴趣爱好</a:t>
-            </a:r>
-          </a:p>
-          <a:p>
-            <a:pPr/>
-            <a:r>
-              <a:t>寻找共同话题</a:t>
-            </a:r>
-          </a:p>
-          <a:p>
-            <a:pPr/>
-            <a:r>
-              <a:t>保持真诚的态度</a:t>
+              <a:t>第一步：了解她</a:t>
             </a:r>
           </a:p>
         </p:txBody>
@@ -5925,20 +5539,15 @@
       </p:sp>
       <p:sp>
         <p:nvSpPr>
-          <p:cNvPr id="3" name="Text Placeholder 2"/>
-          <p:cNvSpPr>
-            <a:spLocks noGrp="1"/>
-          </p:cNvSpPr>
-          <p:nvPr>
-            <p:ph type="body" idx="13"/>
+          <p:cNvPr id="3" name="Picture Placeholder 2"/>
+          <p:cNvSpPr>
+            <a:spLocks noGrp="1"/>
+          </p:cNvSpPr>
+          <p:nvPr>
+            <p:ph type="pic" idx="13" sz="quarter"/>
           </p:nvPr>
         </p:nvSpPr>
         <p:spPr/>
-        <p:txBody>
-          <a:bodyPr/>
-          <a:lstStyle/>
-          <a:p/>
-        </p:txBody>
       </p:sp>
       <p:sp>
         <p:nvSpPr>
@@ -5947,7 +5556,7 @@
             <a:spLocks noGrp="1"/>
           </p:cNvSpPr>
           <p:nvPr>
-            <p:ph type="body" idx="1"/>
+            <p:ph type="body" idx="2" sz="half"/>
           </p:nvPr>
         </p:nvSpPr>
         <p:spPr/>
@@ -5956,7 +5565,7 @@
           <a:lstStyle/>
           <a:p>
             <a:r>
-              <a:t>通过社交媒体、朋友介绍或其他方式主动接触她，保持联系频率适中，避免过于频繁而产生压力感。</a:t>
+              <a:t>通过共同的兴趣和话题，逐渐加深彼此的了解，让对方感觉到你的真诚和关心。可以通过社交媒体、聚会或共同活动来增加互动的机会。</a:t>
             </a:r>
           </a:p>
         </p:txBody>
@@ -5995,33 +5604,7 @@
           <a:lstStyle/>
           <a:p>
             <a:r>
-              <a:t>第三步：展现自我</a:t>
-            </a:r>
-          </a:p>
-        </p:txBody>
-      </p:sp>
-      <p:sp>
-        <p:nvSpPr>
-          <p:cNvPr id="3" name="Content Placeholder 2"/>
-          <p:cNvSpPr>
-            <a:spLocks noGrp="1"/>
-          </p:cNvSpPr>
-          <p:nvPr>
-            <p:ph idx="1"/>
-          </p:nvPr>
-        </p:nvSpPr>
-        <p:spPr/>
-        <p:txBody>
-          <a:bodyPr/>
-          <a:lstStyle/>
-          <a:p>
-            <a:r>
-              <a:t>展现个人魅力</a:t>
-            </a:r>
-          </a:p>
-          <a:p>
-            <a:r>
-              <a:t>通过自己的兴趣爱好、特长展示个性，让她看到你独特的魅力和价值。</a:t>
+              <a:t>第三步：展现自己</a:t>
             </a:r>
           </a:p>
         </p:txBody>
@@ -6060,19 +5643,19 @@
           <a:lstStyle/>
           <a:p>
             <a:r>
-              <a:t>第四步：共同活动</a:t>
-            </a:r>
-          </a:p>
-        </p:txBody>
-      </p:sp>
-      <p:sp>
-        <p:nvSpPr>
-          <p:cNvPr id="3" name="Text Placeholder 2"/>
-          <p:cNvSpPr>
-            <a:spLocks noGrp="1"/>
-          </p:cNvSpPr>
-          <p:nvPr>
-            <p:ph type="body" idx="1"/>
+              <a:t>总结</a:t>
+            </a:r>
+          </a:p>
+        </p:txBody>
+      </p:sp>
+      <p:sp>
+        <p:nvSpPr>
+          <p:cNvPr id="3" name="Content Placeholder 2"/>
+          <p:cNvSpPr>
+            <a:spLocks noGrp="1"/>
+          </p:cNvSpPr>
+          <p:nvPr>
+            <p:ph idx="1"/>
           </p:nvPr>
         </p:nvSpPr>
         <p:spPr/>
@@ -6081,7 +5664,7 @@
           <a:lstStyle/>
           <a:p>
             <a:r>
-              <a:t>邀请她参与一些共同感兴趣的活动，如户外运动、看电影等，加深彼此之间的了解与感情。</a:t>
+              <a:t>追到喜欢的女生需要耐心和细心，最重要的是保持真实自我，通过真诚的交流和行动赢得对方的心。</a:t>
             </a:r>
           </a:p>
         </p:txBody>
@@ -6095,9 +5678,9 @@
 </file>
 
 <file path=ppt/theme/theme1.xml><?xml version="1.0" encoding="utf-8"?>
-<a:theme xmlns:a="http://schemas.openxmlformats.org/drawingml/2006/main" name="Organisch">
+<a:theme xmlns:a="http://schemas.openxmlformats.org/drawingml/2006/main" name="Zitierfähig">
   <a:themeElements>
-    <a:clrScheme name="Organic">
+    <a:clrScheme name="Quotable">
       <a:dk1>
         <a:sysClr val="windowText" lastClr="000000"/>
       </a:dk1>
@@ -6108,45 +5691,45 @@
         <a:srgbClr val="212121"/>
       </a:dk2>
       <a:lt2>
-        <a:srgbClr val="DADADA"/>
+        <a:srgbClr val="636363"/>
       </a:lt2>
       <a:accent1>
-        <a:srgbClr val="D9B247"/>
+        <a:srgbClr val="00C6BB"/>
       </a:accent1>
       <a:accent2>
-        <a:srgbClr val="CC702D"/>
+        <a:srgbClr val="6FEBA0"/>
       </a:accent2>
       <a:accent3>
-        <a:srgbClr val="B53A31"/>
+        <a:srgbClr val="B6DF5E"/>
       </a:accent3>
       <a:accent4>
-        <a:srgbClr val="815F56"/>
+        <a:srgbClr val="EFB251"/>
       </a:accent4>
       <a:accent5>
-        <a:srgbClr val="AE9E7C"/>
+        <a:srgbClr val="EF755F"/>
       </a:accent5>
       <a:accent6>
-        <a:srgbClr val="7B8865"/>
+        <a:srgbClr val="ED515C"/>
       </a:accent6>
       <a:hlink>
-        <a:srgbClr val="BB7826"/>
+        <a:srgbClr val="8F8F8F"/>
       </a:hlink>
       <a:folHlink>
-        <a:srgbClr val="CF9C5F"/>
+        <a:srgbClr val="A5A5A5"/>
       </a:folHlink>
     </a:clrScheme>
-    <a:fontScheme name="Organic">
+    <a:fontScheme name="Quotable">
       <a:majorFont>
-        <a:latin typeface="Garamond" panose="02020404030301010803"/>
+        <a:latin typeface="Century Gothic" panose="020B0502020202020204"/>
         <a:ea typeface=""/>
         <a:cs typeface=""/>
-        <a:font script="Jpan" typeface="ＭＳ Ｐゴシック"/>
-        <a:font script="Hang" typeface="돋움"/>
-        <a:font script="Hans" typeface="方正舒体"/>
-        <a:font script="Hant" typeface="微軟正黑體"/>
-        <a:font script="Arab" typeface="Arial"/>
-        <a:font script="Hebr" typeface="Arial"/>
-        <a:font script="Thai" typeface="Cordia New"/>
+        <a:font script="Jpan" typeface="ＭＳ ゴシック"/>
+        <a:font script="Hang" typeface="맑은 고딕"/>
+        <a:font script="Hans" typeface="宋体"/>
+        <a:font script="Hant" typeface="新細明體"/>
+        <a:font script="Arab" typeface="Tahoma"/>
+        <a:font script="Hebr" typeface="Gisha"/>
+        <a:font script="Thai" typeface="DilleniaUPC"/>
         <a:font script="Ethi" typeface="Nyala"/>
         <a:font script="Beng" typeface="Vrinda"/>
         <a:font script="Gujr" typeface="Shruti"/>
@@ -6167,25 +5750,25 @@
         <a:font script="Laoo" typeface="DokChampa"/>
         <a:font script="Sinh" typeface="Iskoola Pota"/>
         <a:font script="Mong" typeface="Mongolian Baiti"/>
-        <a:font script="Viet" typeface="Arial"/>
+        <a:font script="Viet" typeface="Tahoma"/>
         <a:font script="Uigh" typeface="Microsoft Uighur"/>
         <a:font script="Geor" typeface="Sylfaen"/>
       </a:majorFont>
       <a:minorFont>
-        <a:latin typeface="Garamond" panose="02020404030301010803"/>
+        <a:latin typeface="Century Gothic" panose="020B0502020202020204"/>
         <a:ea typeface=""/>
         <a:cs typeface=""/>
-        <a:font script="Jpan" typeface="ＭＳ Ｐ明朝"/>
-        <a:font script="Hang" typeface="바탕"/>
-        <a:font script="Hans" typeface="方正舒体"/>
+        <a:font script="Jpan" typeface="ＭＳ ゴシック"/>
+        <a:font script="Hang" typeface="맑은 고딕"/>
+        <a:font script="Hans" typeface="宋体"/>
         <a:font script="Hant" typeface="新細明體"/>
-        <a:font script="Arab" typeface="Times New Roman"/>
-        <a:font script="Hebr" typeface="Times New Roman"/>
-        <a:font script="Thai" typeface="Angsana New"/>
+        <a:font script="Arab" typeface="Tahoma"/>
+        <a:font script="Hebr" typeface="Gisha"/>
+        <a:font script="Thai" typeface="DilleniaUPC"/>
         <a:font script="Ethi" typeface="Nyala"/>
         <a:font script="Beng" typeface="Vrinda"/>
         <a:font script="Gujr" typeface="Shruti"/>
-        <a:font script="Khmr" typeface="MoolBoran"/>
+        <a:font script="Khmr" typeface="DaunPenh"/>
         <a:font script="Knda" typeface="Tunga"/>
         <a:font script="Guru" typeface="Raavi"/>
         <a:font script="Cans" typeface="Euphemia"/>
@@ -6202,12 +5785,12 @@
         <a:font script="Laoo" typeface="DokChampa"/>
         <a:font script="Sinh" typeface="Iskoola Pota"/>
         <a:font script="Mong" typeface="Mongolian Baiti"/>
-        <a:font script="Viet" typeface="Times New Roman"/>
+        <a:font script="Viet" typeface="Verdana"/>
         <a:font script="Uigh" typeface="Microsoft Uighur"/>
         <a:font script="Geor" typeface="Sylfaen"/>
       </a:minorFont>
     </a:fontScheme>
-    <a:fmtScheme name="Organic">
+    <a:fmtScheme name="Quotable">
       <a:fillStyleLst>
         <a:solidFill>
           <a:schemeClr val="phClr"/>
@@ -6216,30 +5799,28 @@
           <a:gsLst>
             <a:gs pos="0">
               <a:schemeClr val="phClr">
-                <a:tint val="60000"/>
-                <a:lumMod val="110000"/>
+                <a:tint val="80000"/>
+                <a:lumMod val="105000"/>
               </a:schemeClr>
             </a:gs>
             <a:gs pos="100000">
               <a:schemeClr val="phClr">
-                <a:tint val="82000"/>
+                <a:tint val="90000"/>
               </a:schemeClr>
             </a:gs>
           </a:gsLst>
           <a:lin ang="5400000" scaled="0"/>
         </a:gradFill>
-        <a:blipFill>
+        <a:blipFill rotWithShape="1">
           <a:blip xmlns:r="http://schemas.openxmlformats.org/officeDocument/2006/relationships" r:embed="rId1">
             <a:duotone>
               <a:schemeClr val="phClr">
-                <a:shade val="74000"/>
-                <a:satMod val="130000"/>
-                <a:lumMod val="90000"/>
+                <a:tint val="98000"/>
+                <a:lumMod val="102000"/>
               </a:schemeClr>
               <a:schemeClr val="phClr">
-                <a:tint val="94000"/>
-                <a:satMod val="120000"/>
-                <a:lumMod val="104000"/>
+                <a:shade val="98000"/>
+                <a:lumMod val="98000"/>
               </a:schemeClr>
             </a:duotone>
           </a:blip>
@@ -6247,19 +5828,19 @@
         </a:blipFill>
       </a:fillStyleLst>
       <a:lnStyleLst>
-        <a:ln w="9525" cap="flat" cmpd="sng" algn="ctr">
+        <a:ln w="9525" cap="rnd" cmpd="sng" algn="ctr">
           <a:solidFill>
             <a:schemeClr val="phClr"/>
           </a:solidFill>
           <a:prstDash val="solid"/>
         </a:ln>
-        <a:ln w="15875" cap="flat" cmpd="sng" algn="ctr">
+        <a:ln w="15875" cap="rnd" cmpd="sng" algn="ctr">
           <a:solidFill>
             <a:schemeClr val="phClr"/>
           </a:solidFill>
           <a:prstDash val="solid"/>
         </a:ln>
-        <a:ln w="25400" cap="flat" cmpd="sng" algn="ctr">
+        <a:ln w="25400" cap="rnd" cmpd="sng" algn="ctr">
           <a:solidFill>
             <a:schemeClr val="phClr"/>
           </a:solidFill>
@@ -6271,21 +5852,15 @@
           <a:effectLst/>
         </a:effectStyle>
         <a:effectStyle>
-          <a:effectLst>
-            <a:innerShdw blurRad="25400" dist="12700" dir="13500000">
-              <a:srgbClr val="000000">
-                <a:alpha val="45000"/>
-              </a:srgbClr>
-            </a:innerShdw>
-          </a:effectLst>
+          <a:effectLst/>
         </a:effectStyle>
         <a:effectStyle>
           <a:effectLst>
-            <a:outerShdw blurRad="38100" dist="25400" dir="5400000" rotWithShape="0">
+            <a:innerShdw blurRad="63500" dist="25400" dir="13500000">
               <a:srgbClr val="000000">
-                <a:alpha val="60000"/>
+                <a:alpha val="75000"/>
               </a:srgbClr>
-            </a:outerShdw>
+            </a:innerShdw>
           </a:effectLst>
         </a:effectStyle>
       </a:effectStyleLst>
@@ -6297,23 +5872,35 @@
           <a:gsLst>
             <a:gs pos="0">
               <a:schemeClr val="phClr">
-                <a:tint val="90000"/>
-                <a:lumMod val="110000"/>
+                <a:tint val="100000"/>
               </a:schemeClr>
             </a:gs>
             <a:gs pos="100000">
               <a:schemeClr val="phClr">
-                <a:shade val="88000"/>
-                <a:lumMod val="98000"/>
+                <a:tint val="84000"/>
+                <a:shade val="84000"/>
+                <a:lumMod val="90000"/>
               </a:schemeClr>
             </a:gs>
           </a:gsLst>
           <a:lin ang="5400000" scaled="0"/>
         </a:gradFill>
-        <a:blipFill>
-          <a:blip xmlns:r="http://schemas.openxmlformats.org/officeDocument/2006/relationships" r:embed="rId2"/>
-          <a:stretch/>
-        </a:blipFill>
+        <a:gradFill rotWithShape="1">
+          <a:gsLst>
+            <a:gs pos="0">
+              <a:schemeClr val="phClr">
+                <a:tint val="84000"/>
+                <a:shade val="90000"/>
+                <a:satMod val="120000"/>
+                <a:lumMod val="90000"/>
+              </a:schemeClr>
+            </a:gs>
+            <a:gs pos="100000">
+              <a:schemeClr val="phClr"/>
+            </a:gs>
+          </a:gsLst>
+          <a:lin ang="5400000" scaled="0"/>
+        </a:gradFill>
       </a:bgFillStyleLst>
     </a:fmtScheme>
   </a:themeElements>
@@ -6321,7 +5908,7 @@
   <a:extraClrSchemeLst/>
   <a:extLst>
     <a:ext uri="{05A4C25C-085E-4340-85A3-A5531E510DB2}">
-      <thm15:themeFamily xmlns:thm15="http://schemas.microsoft.com/office/thememl/2012/main" name="Organic" id="{28CDC826-8792-45C0-861B-85EB3ADEDA33}" vid="{E4E49EB0-FB00-41F5-9359-4843D783A23D}"/>
+      <thm15:themeFamily xmlns:thm15="http://schemas.microsoft.com/office/thememl/2012/main" name="Quotable" id="{39EC5628-30ED-4578-ACD8-9820EDB8E15A}" vid="{6F3559E9-1A4C-49D8-94D4-F41003531C49}"/>
     </a:ext>
   </a:extLst>
 </a:theme>

--- a/Output/666/test.pptx
+++ b/Output/666/test.pptx
@@ -113,7 +113,7 @@
 </file>
 
 <file path=ppt/slideLayouts/slideLayout1.xml><?xml version="1.0" encoding="utf-8"?>
-<p:sldLayout xmlns:a="http://schemas.openxmlformats.org/drawingml/2006/main" xmlns:r="http://schemas.openxmlformats.org/officeDocument/2006/relationships" xmlns:p="http://schemas.openxmlformats.org/presentationml/2006/main" type="title" preserve="1">
+<p:sldLayout xmlns:a="http://schemas.openxmlformats.org/drawingml/2006/main" xmlns:r="http://schemas.openxmlformats.org/officeDocument/2006/relationships" xmlns:p="http://schemas.openxmlformats.org/presentationml/2006/main" showMasterSp="0" type="title" preserve="1">
   <p:cSld name="Titelfolie">
     <p:spTree>
       <p:nvGrpSpPr>
@@ -129,131 +129,61 @@
           <a:chExt cx="0" cy="0"/>
         </a:xfrm>
       </p:grpSpPr>
-      <p:sp>
-        <p:nvSpPr>
-          <p:cNvPr id="11" name="Freeform 6"/>
-          <p:cNvSpPr/>
+      <p:pic>
+        <p:nvPicPr>
+          <p:cNvPr id="7" name="Picture 6" descr="HD-PanelTitle-GrommetsCombined.png"/>
+          <p:cNvPicPr>
+            <a:picLocks noChangeAspect="1"/>
+          </p:cNvPicPr>
           <p:nvPr/>
-        </p:nvSpPr>
-        <p:spPr bwMode="auto">
-          <a:xfrm>
-            <a:off x="0" y="-3175"/>
-            <a:ext cx="12192000" cy="5203825"/>
-          </a:xfrm>
-          <a:custGeom>
-            <a:avLst/>
-            <a:gdLst/>
-            <a:ahLst/>
-            <a:cxnLst/>
-            <a:rect l="0" t="0" r="r" b="b"/>
-            <a:pathLst>
-              <a:path w="5760" h="3278">
-                <a:moveTo>
-                  <a:pt x="5760" y="0"/>
-                </a:moveTo>
-                <a:lnTo>
-                  <a:pt x="0" y="0"/>
-                </a:lnTo>
-                <a:lnTo>
-                  <a:pt x="0" y="3090"/>
-                </a:lnTo>
-                <a:lnTo>
-                  <a:pt x="943" y="3090"/>
-                </a:lnTo>
-                <a:lnTo>
-                  <a:pt x="1123" y="3270"/>
-                </a:lnTo>
-                <a:lnTo>
-                  <a:pt x="1123" y="3270"/>
-                </a:lnTo>
-                <a:lnTo>
-                  <a:pt x="1127" y="3272"/>
-                </a:lnTo>
-                <a:lnTo>
-                  <a:pt x="1133" y="3275"/>
-                </a:lnTo>
-                <a:lnTo>
-                  <a:pt x="1139" y="3278"/>
-                </a:lnTo>
-                <a:lnTo>
-                  <a:pt x="1144" y="3278"/>
-                </a:lnTo>
-                <a:lnTo>
-                  <a:pt x="1150" y="3278"/>
-                </a:lnTo>
-                <a:lnTo>
-                  <a:pt x="1155" y="3275"/>
-                </a:lnTo>
-                <a:lnTo>
-                  <a:pt x="1161" y="3272"/>
-                </a:lnTo>
-                <a:lnTo>
-                  <a:pt x="1165" y="3270"/>
-                </a:lnTo>
-                <a:lnTo>
-                  <a:pt x="1345" y="3090"/>
-                </a:lnTo>
-                <a:lnTo>
-                  <a:pt x="5760" y="3090"/>
-                </a:lnTo>
-                <a:lnTo>
-                  <a:pt x="5760" y="0"/>
-                </a:lnTo>
-                <a:close/>
-              </a:path>
-            </a:pathLst>
-          </a:custGeom>
-          <a:ln/>
-          <a:effectLst/>
-          <a:extLst>
-            <a:ext uri="{91240B29-F687-4f45-9708-019B960494DF}">
-              <a14:hiddenLine xmlns:a14="http://schemas.microsoft.com/office/drawing/2010/main" xmlns="" w="9525">
-                <a:solidFill>
-                  <a:srgbClr val="000000"/>
-                </a:solidFill>
-                <a:round/>
-                <a:headEnd/>
-                <a:tailEnd/>
-              </a14:hiddenLine>
-            </a:ext>
-          </a:extLst>
-        </p:spPr>
-        <p:style>
-          <a:lnRef idx="1">
-            <a:schemeClr val="accent1"/>
-          </a:lnRef>
-          <a:fillRef idx="3">
-            <a:schemeClr val="accent1"/>
-          </a:fillRef>
-          <a:effectRef idx="2">
-            <a:schemeClr val="accent1"/>
-          </a:effectRef>
-          <a:fontRef idx="minor">
-            <a:schemeClr val="lt1"/>
-          </a:fontRef>
-        </p:style>
-      </p:sp>
-      <p:sp>
-        <p:nvSpPr>
-          <p:cNvPr id="2" name="Title 1"/>
-          <p:cNvSpPr>
-            <a:spLocks noGrp="1"/>
-          </p:cNvSpPr>
-          <p:nvPr>
-            <p:ph type="ctrTitle"/>
-          </p:nvPr>
-        </p:nvSpPr>
+        </p:nvPicPr>
+        <p:blipFill>
+          <a:blip r:embed="rId2">
+            <a:extLst>
+              <a:ext uri="{28A0092B-C50C-407E-A947-70E740481C1C}">
+                <a14:useLocalDpi xmlns:a14="http://schemas.microsoft.com/office/drawing/2010/main" val="0"/>
+              </a:ext>
+            </a:extLst>
+          </a:blip>
+          <a:stretch>
+            <a:fillRect/>
+          </a:stretch>
+        </p:blipFill>
         <p:spPr>
           <a:xfrm>
-            <a:off x="810001" y="1449147"/>
-            <a:ext cx="10572000" cy="2971051"/>
+            <a:off x="0" y="0"/>
+            <a:ext cx="12188825" cy="6856214"/>
+          </a:xfrm>
+          <a:prstGeom prst="rect">
+            <a:avLst/>
+          </a:prstGeom>
+        </p:spPr>
+      </p:pic>
+      <p:sp>
+        <p:nvSpPr>
+          <p:cNvPr id="2" name="Title 1"/>
+          <p:cNvSpPr>
+            <a:spLocks noGrp="1"/>
+          </p:cNvSpPr>
+          <p:nvPr>
+            <p:ph type="ctrTitle"/>
+          </p:nvPr>
+        </p:nvSpPr>
+        <p:spPr>
+          <a:xfrm>
+            <a:off x="2692398" y="1871131"/>
+            <a:ext cx="6815669" cy="1515533"/>
           </a:xfrm>
         </p:spPr>
         <p:txBody>
-          <a:bodyPr/>
+          <a:bodyPr anchor="b">
+            <a:noAutofit/>
+          </a:bodyPr>
           <a:lstStyle>
-            <a:lvl1pPr>
-              <a:defRPr sz="5400"/>
+            <a:lvl1pPr algn="ctr">
+              <a:defRPr sz="5400">
+                <a:effectLst/>
+              </a:defRPr>
             </a:lvl1pPr>
           </a:lstStyle>
           <a:p>
@@ -277,16 +207,18 @@
         </p:nvSpPr>
         <p:spPr>
           <a:xfrm>
-            <a:off x="810001" y="5280847"/>
-            <a:ext cx="10572000" cy="434974"/>
+            <a:off x="2692398" y="3657597"/>
+            <a:ext cx="6815669" cy="1320802"/>
           </a:xfrm>
         </p:spPr>
         <p:txBody>
-          <a:bodyPr anchor="t"/>
+          <a:bodyPr anchor="t">
+            <a:normAutofit/>
+          </a:bodyPr>
           <a:lstStyle>
-            <a:lvl1pPr marL="0" indent="0" algn="l">
-              <a:buNone/>
-              <a:defRPr>
+            <a:lvl1pPr marL="0" indent="0" algn="ctr">
+              <a:buNone/>
+              <a:defRPr sz="2100">
                 <a:solidFill>
                   <a:schemeClr val="tx1"/>
                 </a:solidFill>
@@ -392,12 +324,17 @@
             <p:ph type="dt" sz="half" idx="10"/>
           </p:nvPr>
         </p:nvSpPr>
-        <p:spPr/>
-        <p:txBody>
-          <a:bodyPr/>
-          <a:lstStyle/>
-          <a:p>
-            <a:fld id="{08B9EBBA-996F-894A-B54A-D6246ED52CEA}" type="datetimeFigureOut">
+        <p:spPr>
+          <a:xfrm>
+            <a:off x="7983232" y="5037663"/>
+            <a:ext cx="897467" cy="279400"/>
+          </a:xfrm>
+        </p:spPr>
+        <p:txBody>
+          <a:bodyPr/>
+          <a:lstStyle/>
+          <a:p>
+            <a:fld id="{B61BEF0D-F0BB-DE4B-95CE-6DB70DBA9567}" type="datetimeFigureOut">
               <a:rPr lang="en-US" dirty="0"/>
               <a:pPr/>
               <a:t>3/7/2023</a:t>
@@ -416,7 +353,12 @@
             <p:ph type="ftr" sz="quarter" idx="11"/>
           </p:nvPr>
         </p:nvSpPr>
-        <p:spPr/>
+        <p:spPr>
+          <a:xfrm>
+            <a:off x="2692397" y="5037663"/>
+            <a:ext cx="5214635" cy="279400"/>
+          </a:xfrm>
+        </p:spPr>
         <p:txBody>
           <a:bodyPr/>
           <a:lstStyle/>
@@ -435,7 +377,12 @@
             <p:ph type="sldNum" sz="quarter" idx="12"/>
           </p:nvPr>
         </p:nvSpPr>
-        <p:spPr/>
+        <p:spPr>
+          <a:xfrm>
+            <a:off x="8956900" y="5037663"/>
+            <a:ext cx="551167" cy="279400"/>
+          </a:xfrm>
+        </p:spPr>
         <p:txBody>
           <a:bodyPr/>
           <a:lstStyle/>
@@ -449,6 +396,44 @@
           </a:p>
         </p:txBody>
       </p:sp>
+      <p:cxnSp>
+        <p:nvCxnSpPr>
+          <p:cNvPr id="15" name="Straight Connector 14"/>
+          <p:cNvCxnSpPr/>
+          <p:nvPr/>
+        </p:nvCxnSpPr>
+        <p:spPr>
+          <a:xfrm>
+            <a:off x="2692399" y="3522131"/>
+            <a:ext cx="6815668" cy="0"/>
+          </a:xfrm>
+          <a:prstGeom prst="line">
+            <a:avLst/>
+          </a:prstGeom>
+          <a:ln>
+            <a:solidFill>
+              <a:schemeClr val="accent1">
+                <a:lumMod val="60000"/>
+                <a:lumOff val="40000"/>
+              </a:schemeClr>
+            </a:solidFill>
+          </a:ln>
+        </p:spPr>
+        <p:style>
+          <a:lnRef idx="2">
+            <a:schemeClr val="accent1"/>
+          </a:lnRef>
+          <a:fillRef idx="0">
+            <a:schemeClr val="accent1"/>
+          </a:fillRef>
+          <a:effectRef idx="1">
+            <a:schemeClr val="accent1"/>
+          </a:effectRef>
+          <a:fontRef idx="minor">
+            <a:schemeClr val="tx1"/>
+          </a:fontRef>
+        </p:style>
+      </p:cxnSp>
     </p:spTree>
   </p:cSld>
   <p:clrMapOvr>
@@ -486,8 +471,8 @@
         </p:nvSpPr>
         <p:spPr>
           <a:xfrm>
-            <a:off x="810000" y="4800600"/>
-            <a:ext cx="10561418" cy="566738"/>
+            <a:off x="1295401" y="4815415"/>
+            <a:ext cx="9609666" cy="566738"/>
           </a:xfrm>
         </p:spPr>
         <p:txBody>
@@ -495,7 +480,7 @@
             <a:normAutofit/>
           </a:bodyPr>
           <a:lstStyle>
-            <a:lvl1pPr algn="l">
+            <a:lvl1pPr algn="ctr">
               <a:defRPr sz="2400" b="0"/>
             </a:lvl1pPr>
           </a:lstStyle>
@@ -510,116 +495,82 @@
       </p:sp>
       <p:sp>
         <p:nvSpPr>
-          <p:cNvPr id="15" name="Picture Placeholder 14"/>
+          <p:cNvPr id="3" name="Picture Placeholder 2"/>
           <p:cNvSpPr>
             <a:spLocks noGrp="1" noChangeAspect="1"/>
           </p:cNvSpPr>
           <p:nvPr>
-            <p:ph type="pic" sz="quarter" idx="13"/>
-          </p:nvPr>
-        </p:nvSpPr>
-        <p:spPr bwMode="auto">
+            <p:ph type="pic" idx="1"/>
+          </p:nvPr>
+        </p:nvSpPr>
+        <p:spPr>
           <a:xfrm>
-            <a:off x="0" y="0"/>
-            <a:ext cx="12192000" cy="4800600"/>
+            <a:off x="1041427" y="1041399"/>
+            <a:ext cx="10105972" cy="3335869"/>
           </a:xfrm>
-          <a:custGeom>
-            <a:avLst/>
-            <a:gdLst/>
-            <a:ahLst/>
-            <a:cxnLst/>
-            <a:rect l="0" t="0" r="r" b="b"/>
-            <a:pathLst>
-              <a:path w="5760" h="3289">
-                <a:moveTo>
-                  <a:pt x="5760" y="0"/>
-                </a:moveTo>
-                <a:lnTo>
-                  <a:pt x="0" y="0"/>
-                </a:lnTo>
-                <a:lnTo>
-                  <a:pt x="0" y="3100"/>
-                </a:lnTo>
-                <a:lnTo>
-                  <a:pt x="943" y="3100"/>
-                </a:lnTo>
-                <a:lnTo>
-                  <a:pt x="1123" y="3281"/>
-                </a:lnTo>
-                <a:lnTo>
-                  <a:pt x="1123" y="3281"/>
-                </a:lnTo>
-                <a:lnTo>
-                  <a:pt x="1127" y="3283"/>
-                </a:lnTo>
-                <a:lnTo>
-                  <a:pt x="1133" y="3286"/>
-                </a:lnTo>
-                <a:lnTo>
-                  <a:pt x="1139" y="3289"/>
-                </a:lnTo>
-                <a:lnTo>
-                  <a:pt x="1144" y="3289"/>
-                </a:lnTo>
-                <a:lnTo>
-                  <a:pt x="1150" y="3289"/>
-                </a:lnTo>
-                <a:lnTo>
-                  <a:pt x="1155" y="3286"/>
-                </a:lnTo>
-                <a:lnTo>
-                  <a:pt x="1161" y="3283"/>
-                </a:lnTo>
-                <a:lnTo>
-                  <a:pt x="1165" y="3281"/>
-                </a:lnTo>
-                <a:lnTo>
-                  <a:pt x="1345" y="3100"/>
-                </a:lnTo>
-                <a:lnTo>
-                  <a:pt x="5760" y="3100"/>
-                </a:lnTo>
-                <a:lnTo>
-                  <a:pt x="5760" y="0"/>
-                </a:lnTo>
-                <a:close/>
-              </a:path>
-            </a:pathLst>
-          </a:custGeom>
-          <a:noFill/>
-          <a:ln>
+          <a:prstGeom prst="roundRect">
+            <a:avLst>
+              <a:gd name="adj" fmla="val 0"/>
+            </a:avLst>
+          </a:prstGeom>
+          <a:ln w="57150" cmpd="thickThin">
             <a:solidFill>
-              <a:schemeClr val="tx2"/>
+              <a:schemeClr val="tx1">
+                <a:lumMod val="50000"/>
+                <a:lumOff val="50000"/>
+              </a:schemeClr>
             </a:solidFill>
+            <a:miter lim="800000"/>
           </a:ln>
+          <a:effectLst>
+            <a:innerShdw blurRad="57150" dist="38100" dir="14460000">
+              <a:srgbClr val="000000">
+                <a:alpha val="70000"/>
+              </a:srgbClr>
+            </a:innerShdw>
+          </a:effectLst>
         </p:spPr>
-        <p:style>
-          <a:lnRef idx="1">
-            <a:schemeClr val="accent1"/>
-          </a:lnRef>
-          <a:fillRef idx="3">
-            <a:schemeClr val="accent1"/>
-          </a:fillRef>
-          <a:effectRef idx="2">
-            <a:schemeClr val="accent1"/>
-          </a:effectRef>
-          <a:fontRef idx="minor">
-            <a:schemeClr val="lt1"/>
-          </a:fontRef>
-        </p:style>
-        <p:txBody>
-          <a:bodyPr wrap="square" numCol="1" anchor="t" anchorCtr="0" compatLnSpc="1">
-            <a:prstTxWarp prst="textNoShape">
-              <a:avLst/>
-            </a:prstTxWarp>
+        <p:txBody>
+          <a:bodyPr anchor="t">
             <a:normAutofit/>
           </a:bodyPr>
           <a:lstStyle>
             <a:lvl1pPr marL="0" indent="0" algn="ctr">
-              <a:buFontTx/>
               <a:buNone/>
               <a:defRPr sz="1600"/>
             </a:lvl1pPr>
+            <a:lvl2pPr marL="457200" indent="0">
+              <a:buNone/>
+              <a:defRPr sz="1600"/>
+            </a:lvl2pPr>
+            <a:lvl3pPr marL="914400" indent="0">
+              <a:buNone/>
+              <a:defRPr sz="1600"/>
+            </a:lvl3pPr>
+            <a:lvl4pPr marL="1371600" indent="0">
+              <a:buNone/>
+              <a:defRPr sz="1600"/>
+            </a:lvl4pPr>
+            <a:lvl5pPr marL="1828800" indent="0">
+              <a:buNone/>
+              <a:defRPr sz="1600"/>
+            </a:lvl5pPr>
+            <a:lvl6pPr marL="2286000" indent="0">
+              <a:buNone/>
+              <a:defRPr sz="1600"/>
+            </a:lvl6pPr>
+            <a:lvl7pPr marL="2743200" indent="0">
+              <a:buNone/>
+              <a:defRPr sz="1600"/>
+            </a:lvl7pPr>
+            <a:lvl8pPr marL="3200400" indent="0">
+              <a:buNone/>
+              <a:defRPr sz="1600"/>
+            </a:lvl8pPr>
+            <a:lvl9pPr marL="3657600" indent="0">
+              <a:buNone/>
+              <a:defRPr sz="1600"/>
+            </a:lvl9pPr>
           </a:lstStyle>
           <a:p>
             <a:r>
@@ -642,8 +593,8 @@
         </p:nvSpPr>
         <p:spPr>
           <a:xfrm>
-            <a:off x="810000" y="5367338"/>
-            <a:ext cx="10561418" cy="493712"/>
+            <a:off x="1295401" y="5382153"/>
+            <a:ext cx="9609666" cy="493712"/>
           </a:xfrm>
         </p:spPr>
         <p:txBody>
@@ -651,9 +602,9 @@
             <a:normAutofit/>
           </a:bodyPr>
           <a:lstStyle>
-            <a:lvl1pPr marL="0" indent="0">
-              <a:buNone/>
-              <a:defRPr sz="1200"/>
+            <a:lvl1pPr marL="0" indent="0" algn="ctr">
+              <a:buNone/>
+              <a:defRPr sz="1400"/>
             </a:lvl1pPr>
             <a:lvl2pPr marL="457200" indent="0">
               <a:buNone/>
@@ -712,7 +663,7 @@
           <a:bodyPr/>
           <a:lstStyle/>
           <a:p>
-            <a:fld id="{18C79C5D-2A6F-F04D-97DA-BEF2467B64E4}" type="datetimeFigureOut">
+            <a:fld id="{B61BEF0D-F0BB-DE4B-95CE-6DB70DBA9567}" type="datetimeFigureOut">
               <a:rPr lang="en-US" dirty="0"/>
               <a:pPr/>
               <a:t>3/7/2023</a:t>
@@ -773,6 +724,289 @@
 </file>
 
 <file path=ppt/slideLayouts/slideLayout11.xml><?xml version="1.0" encoding="utf-8"?>
+<p:sldLayout xmlns:a="http://schemas.openxmlformats.org/drawingml/2006/main" xmlns:r="http://schemas.openxmlformats.org/officeDocument/2006/relationships" xmlns:p="http://schemas.openxmlformats.org/presentationml/2006/main" preserve="1">
+  <p:cSld name="Titel und Beschriftung">
+    <p:spTree>
+      <p:nvGrpSpPr>
+        <p:cNvPr id="1" name=""/>
+        <p:cNvGrpSpPr/>
+        <p:nvPr/>
+      </p:nvGrpSpPr>
+      <p:grpSpPr>
+        <a:xfrm>
+          <a:off x="0" y="0"/>
+          <a:ext cx="0" cy="0"/>
+          <a:chOff x="0" y="0"/>
+          <a:chExt cx="0" cy="0"/>
+        </a:xfrm>
+      </p:grpSpPr>
+      <p:sp>
+        <p:nvSpPr>
+          <p:cNvPr id="2" name="Title 1"/>
+          <p:cNvSpPr>
+            <a:spLocks noGrp="1"/>
+          </p:cNvSpPr>
+          <p:nvPr>
+            <p:ph type="title"/>
+          </p:nvPr>
+        </p:nvSpPr>
+        <p:spPr>
+          <a:xfrm>
+            <a:off x="1303868" y="982132"/>
+            <a:ext cx="9592732" cy="2954868"/>
+          </a:xfrm>
+        </p:spPr>
+        <p:txBody>
+          <a:bodyPr anchor="ctr">
+            <a:normAutofit/>
+          </a:bodyPr>
+          <a:lstStyle>
+            <a:lvl1pPr algn="ctr">
+              <a:defRPr sz="3200" b="0" cap="none"/>
+            </a:lvl1pPr>
+          </a:lstStyle>
+          <a:p>
+            <a:r>
+              <a:rPr lang="de-DE"/>
+              <a:t>Mastertitelformat bearbeiten</a:t>
+            </a:r>
+            <a:endParaRPr lang="en-US" dirty="0"/>
+          </a:p>
+        </p:txBody>
+      </p:sp>
+      <p:sp>
+        <p:nvSpPr>
+          <p:cNvPr id="3" name="Text Placeholder 2"/>
+          <p:cNvSpPr>
+            <a:spLocks noGrp="1"/>
+          </p:cNvSpPr>
+          <p:nvPr>
+            <p:ph type="body" idx="1"/>
+          </p:nvPr>
+        </p:nvSpPr>
+        <p:spPr>
+          <a:xfrm>
+            <a:off x="1303868" y="4343399"/>
+            <a:ext cx="9592732" cy="1532467"/>
+          </a:xfrm>
+        </p:spPr>
+        <p:txBody>
+          <a:bodyPr anchor="ctr">
+            <a:normAutofit/>
+          </a:bodyPr>
+          <a:lstStyle>
+            <a:lvl1pPr marL="0" indent="0" algn="ctr">
+              <a:buNone/>
+              <a:defRPr sz="2000">
+                <a:solidFill>
+                  <a:schemeClr val="tx1"/>
+                </a:solidFill>
+              </a:defRPr>
+            </a:lvl1pPr>
+            <a:lvl2pPr marL="457200" indent="0">
+              <a:buNone/>
+              <a:defRPr sz="1800">
+                <a:solidFill>
+                  <a:schemeClr val="tx1">
+                    <a:tint val="75000"/>
+                  </a:schemeClr>
+                </a:solidFill>
+              </a:defRPr>
+            </a:lvl2pPr>
+            <a:lvl3pPr marL="914400" indent="0">
+              <a:buNone/>
+              <a:defRPr sz="1600">
+                <a:solidFill>
+                  <a:schemeClr val="tx1">
+                    <a:tint val="75000"/>
+                  </a:schemeClr>
+                </a:solidFill>
+              </a:defRPr>
+            </a:lvl3pPr>
+            <a:lvl4pPr marL="1371600" indent="0">
+              <a:buNone/>
+              <a:defRPr sz="1400">
+                <a:solidFill>
+                  <a:schemeClr val="tx1">
+                    <a:tint val="75000"/>
+                  </a:schemeClr>
+                </a:solidFill>
+              </a:defRPr>
+            </a:lvl4pPr>
+            <a:lvl5pPr marL="1828800" indent="0">
+              <a:buNone/>
+              <a:defRPr sz="1400">
+                <a:solidFill>
+                  <a:schemeClr val="tx1">
+                    <a:tint val="75000"/>
+                  </a:schemeClr>
+                </a:solidFill>
+              </a:defRPr>
+            </a:lvl5pPr>
+            <a:lvl6pPr marL="2286000" indent="0">
+              <a:buNone/>
+              <a:defRPr sz="1400">
+                <a:solidFill>
+                  <a:schemeClr val="tx1">
+                    <a:tint val="75000"/>
+                  </a:schemeClr>
+                </a:solidFill>
+              </a:defRPr>
+            </a:lvl6pPr>
+            <a:lvl7pPr marL="2743200" indent="0">
+              <a:buNone/>
+              <a:defRPr sz="1400">
+                <a:solidFill>
+                  <a:schemeClr val="tx1">
+                    <a:tint val="75000"/>
+                  </a:schemeClr>
+                </a:solidFill>
+              </a:defRPr>
+            </a:lvl7pPr>
+            <a:lvl8pPr marL="3200400" indent="0">
+              <a:buNone/>
+              <a:defRPr sz="1400">
+                <a:solidFill>
+                  <a:schemeClr val="tx1">
+                    <a:tint val="75000"/>
+                  </a:schemeClr>
+                </a:solidFill>
+              </a:defRPr>
+            </a:lvl8pPr>
+            <a:lvl9pPr marL="3657600" indent="0">
+              <a:buNone/>
+              <a:defRPr sz="1400">
+                <a:solidFill>
+                  <a:schemeClr val="tx1">
+                    <a:tint val="75000"/>
+                  </a:schemeClr>
+                </a:solidFill>
+              </a:defRPr>
+            </a:lvl9pPr>
+          </a:lstStyle>
+          <a:p>
+            <a:pPr lvl="0"/>
+            <a:r>
+              <a:rPr lang="de-DE"/>
+              <a:t>Mastertextformat bearbeiten</a:t>
+            </a:r>
+          </a:p>
+        </p:txBody>
+      </p:sp>
+      <p:sp>
+        <p:nvSpPr>
+          <p:cNvPr id="4" name="Date Placeholder 3"/>
+          <p:cNvSpPr>
+            <a:spLocks noGrp="1"/>
+          </p:cNvSpPr>
+          <p:nvPr>
+            <p:ph type="dt" sz="half" idx="10"/>
+          </p:nvPr>
+        </p:nvSpPr>
+        <p:spPr/>
+        <p:txBody>
+          <a:bodyPr/>
+          <a:lstStyle/>
+          <a:p>
+            <a:fld id="{B61BEF0D-F0BB-DE4B-95CE-6DB70DBA9567}" type="datetimeFigureOut">
+              <a:rPr lang="en-US" dirty="0"/>
+              <a:pPr/>
+              <a:t>3/7/2023</a:t>
+            </a:fld>
+            <a:endParaRPr lang="en-US" dirty="0"/>
+          </a:p>
+        </p:txBody>
+      </p:sp>
+      <p:sp>
+        <p:nvSpPr>
+          <p:cNvPr id="5" name="Footer Placeholder 4"/>
+          <p:cNvSpPr>
+            <a:spLocks noGrp="1"/>
+          </p:cNvSpPr>
+          <p:nvPr>
+            <p:ph type="ftr" sz="quarter" idx="11"/>
+          </p:nvPr>
+        </p:nvSpPr>
+        <p:spPr/>
+        <p:txBody>
+          <a:bodyPr/>
+          <a:lstStyle/>
+          <a:p>
+            <a:endParaRPr lang="en-US" dirty="0"/>
+          </a:p>
+        </p:txBody>
+      </p:sp>
+      <p:sp>
+        <p:nvSpPr>
+          <p:cNvPr id="6" name="Slide Number Placeholder 5"/>
+          <p:cNvSpPr>
+            <a:spLocks noGrp="1"/>
+          </p:cNvSpPr>
+          <p:nvPr>
+            <p:ph type="sldNum" sz="quarter" idx="12"/>
+          </p:nvPr>
+        </p:nvSpPr>
+        <p:spPr/>
+        <p:txBody>
+          <a:bodyPr/>
+          <a:lstStyle/>
+          <a:p>
+            <a:fld id="{D57F1E4F-1CFF-5643-939E-217C01CDF565}" type="slidenum">
+              <a:rPr lang="en-US" dirty="0"/>
+              <a:pPr/>
+              <a:t>‹Nr.›</a:t>
+            </a:fld>
+            <a:endParaRPr lang="en-US" dirty="0"/>
+          </a:p>
+        </p:txBody>
+      </p:sp>
+      <p:cxnSp>
+        <p:nvCxnSpPr>
+          <p:cNvPr id="15" name="Straight Connector 14"/>
+          <p:cNvCxnSpPr/>
+          <p:nvPr/>
+        </p:nvCxnSpPr>
+        <p:spPr>
+          <a:xfrm>
+            <a:off x="1396169" y="4140199"/>
+            <a:ext cx="9407298" cy="0"/>
+          </a:xfrm>
+          <a:prstGeom prst="line">
+            <a:avLst/>
+          </a:prstGeom>
+          <a:ln w="15875">
+            <a:solidFill>
+              <a:schemeClr val="accent1">
+                <a:lumMod val="60000"/>
+                <a:lumOff val="40000"/>
+              </a:schemeClr>
+            </a:solidFill>
+          </a:ln>
+        </p:spPr>
+        <p:style>
+          <a:lnRef idx="2">
+            <a:schemeClr val="accent1"/>
+          </a:lnRef>
+          <a:fillRef idx="0">
+            <a:schemeClr val="accent1"/>
+          </a:fillRef>
+          <a:effectRef idx="1">
+            <a:schemeClr val="accent1"/>
+          </a:effectRef>
+          <a:fontRef idx="minor">
+            <a:schemeClr val="tx1"/>
+          </a:fontRef>
+        </p:style>
+      </p:cxnSp>
+    </p:spTree>
+  </p:cSld>
+  <p:clrMapOvr>
+    <a:masterClrMapping/>
+  </p:clrMapOvr>
+</p:sldLayout>
+</file>
+
+<file path=ppt/slideLayouts/slideLayout12.xml><?xml version="1.0" encoding="utf-8"?>
 <p:sldLayout xmlns:a="http://schemas.openxmlformats.org/drawingml/2006/main" xmlns:r="http://schemas.openxmlformats.org/officeDocument/2006/relationships" xmlns:p="http://schemas.openxmlformats.org/presentationml/2006/main" preserve="1">
   <p:cSld name="Zitat mit Beschriftung">
     <p:spTree>
@@ -791,214 +1025,6 @@
       </p:grpSpPr>
       <p:sp>
         <p:nvSpPr>
-          <p:cNvPr id="8" name="Freeform 6"/>
-          <p:cNvSpPr>
-            <a:spLocks noChangeAspect="1"/>
-          </p:cNvSpPr>
-          <p:nvPr/>
-        </p:nvSpPr>
-        <p:spPr bwMode="auto">
-          <a:xfrm>
-            <a:off x="631697" y="1081456"/>
-            <a:ext cx="6332416" cy="3239188"/>
-          </a:xfrm>
-          <a:custGeom>
-            <a:avLst/>
-            <a:gdLst/>
-            <a:ahLst/>
-            <a:cxnLst/>
-            <a:rect l="0" t="0" r="r" b="b"/>
-            <a:pathLst>
-              <a:path w="3384" h="2308">
-                <a:moveTo>
-                  <a:pt x="3340" y="0"/>
-                </a:moveTo>
-                <a:lnTo>
-                  <a:pt x="44" y="0"/>
-                </a:lnTo>
-                <a:lnTo>
-                  <a:pt x="44" y="0"/>
-                </a:lnTo>
-                <a:lnTo>
-                  <a:pt x="34" y="0"/>
-                </a:lnTo>
-                <a:lnTo>
-                  <a:pt x="26" y="4"/>
-                </a:lnTo>
-                <a:lnTo>
-                  <a:pt x="20" y="8"/>
-                </a:lnTo>
-                <a:lnTo>
-                  <a:pt x="12" y="12"/>
-                </a:lnTo>
-                <a:lnTo>
-                  <a:pt x="8" y="20"/>
-                </a:lnTo>
-                <a:lnTo>
-                  <a:pt x="4" y="26"/>
-                </a:lnTo>
-                <a:lnTo>
-                  <a:pt x="0" y="34"/>
-                </a:lnTo>
-                <a:lnTo>
-                  <a:pt x="0" y="44"/>
-                </a:lnTo>
-                <a:lnTo>
-                  <a:pt x="0" y="2076"/>
-                </a:lnTo>
-                <a:lnTo>
-                  <a:pt x="0" y="2076"/>
-                </a:lnTo>
-                <a:lnTo>
-                  <a:pt x="0" y="2086"/>
-                </a:lnTo>
-                <a:lnTo>
-                  <a:pt x="4" y="2094"/>
-                </a:lnTo>
-                <a:lnTo>
-                  <a:pt x="8" y="2100"/>
-                </a:lnTo>
-                <a:lnTo>
-                  <a:pt x="12" y="2108"/>
-                </a:lnTo>
-                <a:lnTo>
-                  <a:pt x="20" y="2112"/>
-                </a:lnTo>
-                <a:lnTo>
-                  <a:pt x="26" y="2116"/>
-                </a:lnTo>
-                <a:lnTo>
-                  <a:pt x="34" y="2120"/>
-                </a:lnTo>
-                <a:lnTo>
-                  <a:pt x="44" y="2120"/>
-                </a:lnTo>
-                <a:lnTo>
-                  <a:pt x="474" y="2120"/>
-                </a:lnTo>
-                <a:lnTo>
-                  <a:pt x="650" y="2296"/>
-                </a:lnTo>
-                <a:lnTo>
-                  <a:pt x="650" y="2296"/>
-                </a:lnTo>
-                <a:lnTo>
-                  <a:pt x="656" y="2300"/>
-                </a:lnTo>
-                <a:lnTo>
-                  <a:pt x="664" y="2304"/>
-                </a:lnTo>
-                <a:lnTo>
-                  <a:pt x="672" y="2308"/>
-                </a:lnTo>
-                <a:lnTo>
-                  <a:pt x="680" y="2308"/>
-                </a:lnTo>
-                <a:lnTo>
-                  <a:pt x="688" y="2308"/>
-                </a:lnTo>
-                <a:lnTo>
-                  <a:pt x="696" y="2304"/>
-                </a:lnTo>
-                <a:lnTo>
-                  <a:pt x="704" y="2300"/>
-                </a:lnTo>
-                <a:lnTo>
-                  <a:pt x="710" y="2296"/>
-                </a:lnTo>
-                <a:lnTo>
-                  <a:pt x="886" y="2120"/>
-                </a:lnTo>
-                <a:lnTo>
-                  <a:pt x="3340" y="2120"/>
-                </a:lnTo>
-                <a:lnTo>
-                  <a:pt x="3340" y="2120"/>
-                </a:lnTo>
-                <a:lnTo>
-                  <a:pt x="3350" y="2120"/>
-                </a:lnTo>
-                <a:lnTo>
-                  <a:pt x="3358" y="2116"/>
-                </a:lnTo>
-                <a:lnTo>
-                  <a:pt x="3364" y="2112"/>
-                </a:lnTo>
-                <a:lnTo>
-                  <a:pt x="3372" y="2108"/>
-                </a:lnTo>
-                <a:lnTo>
-                  <a:pt x="3376" y="2100"/>
-                </a:lnTo>
-                <a:lnTo>
-                  <a:pt x="3380" y="2094"/>
-                </a:lnTo>
-                <a:lnTo>
-                  <a:pt x="3384" y="2086"/>
-                </a:lnTo>
-                <a:lnTo>
-                  <a:pt x="3384" y="2076"/>
-                </a:lnTo>
-                <a:lnTo>
-                  <a:pt x="3384" y="44"/>
-                </a:lnTo>
-                <a:lnTo>
-                  <a:pt x="3384" y="44"/>
-                </a:lnTo>
-                <a:lnTo>
-                  <a:pt x="3384" y="34"/>
-                </a:lnTo>
-                <a:lnTo>
-                  <a:pt x="3380" y="26"/>
-                </a:lnTo>
-                <a:lnTo>
-                  <a:pt x="3376" y="20"/>
-                </a:lnTo>
-                <a:lnTo>
-                  <a:pt x="3372" y="12"/>
-                </a:lnTo>
-                <a:lnTo>
-                  <a:pt x="3364" y="8"/>
-                </a:lnTo>
-                <a:lnTo>
-                  <a:pt x="3358" y="4"/>
-                </a:lnTo>
-                <a:lnTo>
-                  <a:pt x="3350" y="0"/>
-                </a:lnTo>
-                <a:lnTo>
-                  <a:pt x="3340" y="0"/>
-                </a:lnTo>
-                <a:lnTo>
-                  <a:pt x="3340" y="0"/>
-                </a:lnTo>
-                <a:close/>
-              </a:path>
-            </a:pathLst>
-          </a:custGeom>
-          <a:ln>
-            <a:solidFill>
-              <a:schemeClr val="accent1"/>
-            </a:solidFill>
-          </a:ln>
-        </p:spPr>
-        <p:style>
-          <a:lnRef idx="1">
-            <a:schemeClr val="accent1"/>
-          </a:lnRef>
-          <a:fillRef idx="3">
-            <a:schemeClr val="accent1"/>
-          </a:fillRef>
-          <a:effectRef idx="2">
-            <a:schemeClr val="accent1"/>
-          </a:effectRef>
-          <a:fontRef idx="minor">
-            <a:schemeClr val="lt1"/>
-          </a:fontRef>
-        </p:style>
-      </p:sp>
-      <p:sp>
-        <p:nvSpPr>
           <p:cNvPr id="2" name="Title 1"/>
           <p:cNvSpPr>
             <a:spLocks noGrp="1"/>
@@ -1009,15 +1035,21 @@
         </p:nvSpPr>
         <p:spPr>
           <a:xfrm>
-            <a:off x="850985" y="1238502"/>
-            <a:ext cx="5893840" cy="2645912"/>
+            <a:off x="1446213" y="982132"/>
+            <a:ext cx="9296398" cy="2370668"/>
           </a:xfrm>
         </p:spPr>
         <p:txBody>
-          <a:bodyPr anchor="b"/>
+          <a:bodyPr anchor="ctr">
+            <a:normAutofit/>
+          </a:bodyPr>
           <a:lstStyle>
-            <a:lvl1pPr algn="l">
-              <a:defRPr sz="4200" b="1" cap="none"/>
+            <a:lvl1pPr algn="ctr">
+              <a:defRPr sz="3200" b="0" cap="none">
+                <a:solidFill>
+                  <a:schemeClr val="tx1"/>
+                </a:solidFill>
+              </a:defRPr>
             </a:lvl1pPr>
           </a:lstStyle>
           <a:p>
@@ -1031,64 +1063,120 @@
       </p:sp>
       <p:sp>
         <p:nvSpPr>
-          <p:cNvPr id="3" name="Text Placeholder 2"/>
-          <p:cNvSpPr>
-            <a:spLocks noGrp="1"/>
-          </p:cNvSpPr>
-          <p:nvPr>
-            <p:ph type="body" idx="1"/>
+          <p:cNvPr id="10" name="Text Placeholder 9"/>
+          <p:cNvSpPr>
+            <a:spLocks noGrp="1"/>
+          </p:cNvSpPr>
+          <p:nvPr>
+            <p:ph type="body" sz="quarter" idx="13"/>
           </p:nvPr>
         </p:nvSpPr>
         <p:spPr>
           <a:xfrm>
-            <a:off x="853190" y="4443680"/>
-            <a:ext cx="5891636" cy="713241"/>
+            <a:off x="1674812" y="3352800"/>
+            <a:ext cx="8839202" cy="584200"/>
           </a:xfrm>
         </p:spPr>
         <p:txBody>
-          <a:bodyPr anchor="t">
-            <a:noAutofit/>
+          <a:bodyPr anchor="ctr">
+            <a:normAutofit/>
           </a:bodyPr>
           <a:lstStyle>
-            <a:lvl1pPr marL="0" indent="0" algn="l">
-              <a:buNone/>
-              <a:defRPr sz="1800">
-                <a:solidFill>
-                  <a:schemeClr val="tx1"/>
-                </a:solidFill>
-              </a:defRPr>
+            <a:lvl1pPr marL="0" indent="0" algn="r">
+              <a:buFontTx/>
+              <a:buNone/>
+              <a:defRPr sz="2000"/>
             </a:lvl1pPr>
             <a:lvl2pPr marL="457200" indent="0">
-              <a:buNone/>
-              <a:defRPr sz="1800">
-                <a:solidFill>
-                  <a:schemeClr val="tx1">
-                    <a:tint val="75000"/>
-                  </a:schemeClr>
-                </a:solidFill>
-              </a:defRPr>
+              <a:buFontTx/>
+              <a:buNone/>
+              <a:defRPr/>
             </a:lvl2pPr>
             <a:lvl3pPr marL="914400" indent="0">
-              <a:buNone/>
-              <a:defRPr sz="1600">
-                <a:solidFill>
-                  <a:schemeClr val="tx1">
-                    <a:tint val="75000"/>
-                  </a:schemeClr>
-                </a:solidFill>
-              </a:defRPr>
+              <a:buFontTx/>
+              <a:buNone/>
+              <a:defRPr/>
             </a:lvl3pPr>
             <a:lvl4pPr marL="1371600" indent="0">
-              <a:buNone/>
-              <a:defRPr sz="1400">
-                <a:solidFill>
-                  <a:schemeClr val="tx1">
-                    <a:tint val="75000"/>
-                  </a:schemeClr>
-                </a:solidFill>
-              </a:defRPr>
+              <a:buFontTx/>
+              <a:buNone/>
+              <a:defRPr/>
             </a:lvl4pPr>
             <a:lvl5pPr marL="1828800" indent="0">
+              <a:buFontTx/>
+              <a:buNone/>
+              <a:defRPr/>
+            </a:lvl5pPr>
+          </a:lstStyle>
+          <a:p>
+            <a:pPr lvl="0"/>
+            <a:r>
+              <a:rPr lang="de-DE"/>
+              <a:t>Mastertextformat bearbeiten</a:t>
+            </a:r>
+          </a:p>
+        </p:txBody>
+      </p:sp>
+      <p:sp>
+        <p:nvSpPr>
+          <p:cNvPr id="3" name="Text Placeholder 2"/>
+          <p:cNvSpPr>
+            <a:spLocks noGrp="1"/>
+          </p:cNvSpPr>
+          <p:nvPr>
+            <p:ph type="body" idx="1"/>
+          </p:nvPr>
+        </p:nvSpPr>
+        <p:spPr>
+          <a:xfrm>
+            <a:off x="1295401" y="4343399"/>
+            <a:ext cx="9609666" cy="1532467"/>
+          </a:xfrm>
+        </p:spPr>
+        <p:txBody>
+          <a:bodyPr anchor="ctr">
+            <a:normAutofit/>
+          </a:bodyPr>
+          <a:lstStyle>
+            <a:lvl1pPr marL="0" indent="0" algn="ctr">
+              <a:buNone/>
+              <a:defRPr sz="2000">
+                <a:solidFill>
+                  <a:schemeClr val="tx1"/>
+                </a:solidFill>
+              </a:defRPr>
+            </a:lvl1pPr>
+            <a:lvl2pPr marL="457200" indent="0">
+              <a:buNone/>
+              <a:defRPr sz="1800">
+                <a:solidFill>
+                  <a:schemeClr val="tx1">
+                    <a:tint val="75000"/>
+                  </a:schemeClr>
+                </a:solidFill>
+              </a:defRPr>
+            </a:lvl2pPr>
+            <a:lvl3pPr marL="914400" indent="0">
+              <a:buNone/>
+              <a:defRPr sz="1600">
+                <a:solidFill>
+                  <a:schemeClr val="tx1">
+                    <a:tint val="75000"/>
+                  </a:schemeClr>
+                </a:solidFill>
+              </a:defRPr>
+            </a:lvl3pPr>
+            <a:lvl4pPr marL="1371600" indent="0">
+              <a:buNone/>
+              <a:defRPr sz="1400">
+                <a:solidFill>
+                  <a:schemeClr val="tx1">
+                    <a:tint val="75000"/>
+                  </a:schemeClr>
+                </a:solidFill>
+              </a:defRPr>
+            </a:lvl4pPr>
+            <a:lvl5pPr marL="1828800" indent="0">
               <a:buNone/>
               <a:defRPr sz="1400">
                 <a:solidFill>
@@ -1150,40 +1238,6 @@
       </p:sp>
       <p:sp>
         <p:nvSpPr>
-          <p:cNvPr id="9" name="Text Placeholder 5"/>
-          <p:cNvSpPr>
-            <a:spLocks noGrp="1"/>
-          </p:cNvSpPr>
-          <p:nvPr>
-            <p:ph type="body" sz="quarter" idx="16"/>
-          </p:nvPr>
-        </p:nvSpPr>
-        <p:spPr>
-          <a:xfrm>
-            <a:off x="7574642" y="1081456"/>
-            <a:ext cx="3810001" cy="4075465"/>
-          </a:xfrm>
-        </p:spPr>
-        <p:txBody>
-          <a:bodyPr anchor="t"/>
-          <a:lstStyle>
-            <a:lvl1pPr marL="0" indent="0">
-              <a:buFontTx/>
-              <a:buNone/>
-              <a:defRPr/>
-            </a:lvl1pPr>
-          </a:lstStyle>
-          <a:p>
-            <a:pPr lvl="0"/>
-            <a:r>
-              <a:rPr lang="de-DE"/>
-              <a:t>Mastertextformat bearbeiten</a:t>
-            </a:r>
-          </a:p>
-        </p:txBody>
-      </p:sp>
-      <p:sp>
-        <p:nvSpPr>
           <p:cNvPr id="4" name="Date Placeholder 3"/>
           <p:cNvSpPr>
             <a:spLocks noGrp="1"/>
@@ -1197,7 +1251,7 @@
           <a:bodyPr/>
           <a:lstStyle/>
           <a:p>
-            <a:fld id="{8DFA1846-DA80-1C48-A609-854EA85C59AD}" type="datetimeFigureOut">
+            <a:fld id="{B61BEF0D-F0BB-DE4B-95CE-6DB70DBA9567}" type="datetimeFigureOut">
               <a:rPr lang="en-US" dirty="0"/>
               <a:pPr/>
               <a:t>3/7/2023</a:t>
@@ -1249,6 +1303,112 @@
           </a:p>
         </p:txBody>
       </p:sp>
+      <p:sp>
+        <p:nvSpPr>
+          <p:cNvPr id="14" name="TextBox 13"/>
+          <p:cNvSpPr txBox="1"/>
+          <p:nvPr/>
+        </p:nvSpPr>
+        <p:spPr>
+          <a:xfrm>
+            <a:off x="862013" y="879961"/>
+            <a:ext cx="609600" cy="584776"/>
+          </a:xfrm>
+          <a:prstGeom prst="rect">
+            <a:avLst/>
+          </a:prstGeom>
+        </p:spPr>
+        <p:txBody>
+          <a:bodyPr vert="horz" lIns="91440" tIns="45720" rIns="91440" bIns="45720" rtlCol="0" anchor="ctr">
+            <a:noAutofit/>
+          </a:bodyPr>
+          <a:lstStyle/>
+          <a:p>
+            <a:pPr lvl="0"/>
+            <a:r>
+              <a:rPr lang="en-US" sz="8000" dirty="0">
+                <a:solidFill>
+                  <a:schemeClr val="tx1"/>
+                </a:solidFill>
+                <a:effectLst/>
+              </a:rPr>
+              <a:t>“</a:t>
+            </a:r>
+          </a:p>
+        </p:txBody>
+      </p:sp>
+      <p:sp>
+        <p:nvSpPr>
+          <p:cNvPr id="15" name="TextBox 14"/>
+          <p:cNvSpPr txBox="1"/>
+          <p:nvPr/>
+        </p:nvSpPr>
+        <p:spPr>
+          <a:xfrm>
+            <a:off x="10600267" y="2827870"/>
+            <a:ext cx="609600" cy="584776"/>
+          </a:xfrm>
+          <a:prstGeom prst="rect">
+            <a:avLst/>
+          </a:prstGeom>
+        </p:spPr>
+        <p:txBody>
+          <a:bodyPr vert="horz" lIns="91440" tIns="45720" rIns="91440" bIns="45720" rtlCol="0" anchor="ctr">
+            <a:noAutofit/>
+          </a:bodyPr>
+          <a:lstStyle/>
+          <a:p>
+            <a:pPr lvl="0" algn="r"/>
+            <a:r>
+              <a:rPr lang="en-US" sz="8000" dirty="0">
+                <a:solidFill>
+                  <a:schemeClr val="tx1"/>
+                </a:solidFill>
+                <a:effectLst/>
+              </a:rPr>
+              <a:t>”</a:t>
+            </a:r>
+          </a:p>
+        </p:txBody>
+      </p:sp>
+      <p:cxnSp>
+        <p:nvCxnSpPr>
+          <p:cNvPr id="19" name="Straight Connector 18"/>
+          <p:cNvCxnSpPr/>
+          <p:nvPr/>
+        </p:nvCxnSpPr>
+        <p:spPr>
+          <a:xfrm>
+            <a:off x="1396169" y="4140199"/>
+            <a:ext cx="9407298" cy="0"/>
+          </a:xfrm>
+          <a:prstGeom prst="line">
+            <a:avLst/>
+          </a:prstGeom>
+          <a:ln w="15875">
+            <a:solidFill>
+              <a:schemeClr val="accent1">
+                <a:lumMod val="60000"/>
+                <a:lumOff val="40000"/>
+              </a:schemeClr>
+            </a:solidFill>
+          </a:ln>
+        </p:spPr>
+        <p:style>
+          <a:lnRef idx="2">
+            <a:schemeClr val="accent1"/>
+          </a:lnRef>
+          <a:fillRef idx="0">
+            <a:schemeClr val="accent1"/>
+          </a:fillRef>
+          <a:effectRef idx="1">
+            <a:schemeClr val="accent1"/>
+          </a:effectRef>
+          <a:fontRef idx="minor">
+            <a:schemeClr val="tx1"/>
+          </a:fontRef>
+        </p:style>
+      </p:cxnSp>
     </p:spTree>
   </p:cSld>
   <p:clrMapOvr>
@@ -1257,7 +1417,7 @@
 </p:sldLayout>
 </file>
 
-<file path=ppt/slideLayouts/slideLayout12.xml><?xml version="1.0" encoding="utf-8"?>
+<file path=ppt/slideLayouts/slideLayout13.xml><?xml version="1.0" encoding="utf-8"?>
 <p:sldLayout xmlns:a="http://schemas.openxmlformats.org/drawingml/2006/main" xmlns:r="http://schemas.openxmlformats.org/officeDocument/2006/relationships" xmlns:p="http://schemas.openxmlformats.org/presentationml/2006/main" preserve="1">
   <p:cSld name="Namenskarte">
     <p:spTree>
@@ -1276,215 +1436,7 @@
       </p:grpSpPr>
       <p:sp>
         <p:nvSpPr>
-          <p:cNvPr id="9" name="Freeform 6"/>
-          <p:cNvSpPr>
-            <a:spLocks noChangeAspect="1"/>
-          </p:cNvSpPr>
-          <p:nvPr/>
-        </p:nvSpPr>
-        <p:spPr bwMode="auto">
-          <a:xfrm>
-            <a:off x="1140884" y="2286585"/>
-            <a:ext cx="4895115" cy="2503972"/>
-          </a:xfrm>
-          <a:custGeom>
-            <a:avLst/>
-            <a:gdLst/>
-            <a:ahLst/>
-            <a:cxnLst/>
-            <a:rect l="0" t="0" r="r" b="b"/>
-            <a:pathLst>
-              <a:path w="3384" h="2308">
-                <a:moveTo>
-                  <a:pt x="3340" y="0"/>
-                </a:moveTo>
-                <a:lnTo>
-                  <a:pt x="44" y="0"/>
-                </a:lnTo>
-                <a:lnTo>
-                  <a:pt x="44" y="0"/>
-                </a:lnTo>
-                <a:lnTo>
-                  <a:pt x="34" y="0"/>
-                </a:lnTo>
-                <a:lnTo>
-                  <a:pt x="26" y="4"/>
-                </a:lnTo>
-                <a:lnTo>
-                  <a:pt x="20" y="8"/>
-                </a:lnTo>
-                <a:lnTo>
-                  <a:pt x="12" y="12"/>
-                </a:lnTo>
-                <a:lnTo>
-                  <a:pt x="8" y="20"/>
-                </a:lnTo>
-                <a:lnTo>
-                  <a:pt x="4" y="26"/>
-                </a:lnTo>
-                <a:lnTo>
-                  <a:pt x="0" y="34"/>
-                </a:lnTo>
-                <a:lnTo>
-                  <a:pt x="0" y="44"/>
-                </a:lnTo>
-                <a:lnTo>
-                  <a:pt x="0" y="2076"/>
-                </a:lnTo>
-                <a:lnTo>
-                  <a:pt x="0" y="2076"/>
-                </a:lnTo>
-                <a:lnTo>
-                  <a:pt x="0" y="2086"/>
-                </a:lnTo>
-                <a:lnTo>
-                  <a:pt x="4" y="2094"/>
-                </a:lnTo>
-                <a:lnTo>
-                  <a:pt x="8" y="2100"/>
-                </a:lnTo>
-                <a:lnTo>
-                  <a:pt x="12" y="2108"/>
-                </a:lnTo>
-                <a:lnTo>
-                  <a:pt x="20" y="2112"/>
-                </a:lnTo>
-                <a:lnTo>
-                  <a:pt x="26" y="2116"/>
-                </a:lnTo>
-                <a:lnTo>
-                  <a:pt x="34" y="2120"/>
-                </a:lnTo>
-                <a:lnTo>
-                  <a:pt x="44" y="2120"/>
-                </a:lnTo>
-                <a:lnTo>
-                  <a:pt x="474" y="2120"/>
-                </a:lnTo>
-                <a:lnTo>
-                  <a:pt x="650" y="2296"/>
-                </a:lnTo>
-                <a:lnTo>
-                  <a:pt x="650" y="2296"/>
-                </a:lnTo>
-                <a:lnTo>
-                  <a:pt x="656" y="2300"/>
-                </a:lnTo>
-                <a:lnTo>
-                  <a:pt x="664" y="2304"/>
-                </a:lnTo>
-                <a:lnTo>
-                  <a:pt x="672" y="2308"/>
-                </a:lnTo>
-                <a:lnTo>
-                  <a:pt x="680" y="2308"/>
-                </a:lnTo>
-                <a:lnTo>
-                  <a:pt x="688" y="2308"/>
-                </a:lnTo>
-                <a:lnTo>
-                  <a:pt x="696" y="2304"/>
-                </a:lnTo>
-                <a:lnTo>
-                  <a:pt x="704" y="2300"/>
-                </a:lnTo>
-                <a:lnTo>
-                  <a:pt x="710" y="2296"/>
-                </a:lnTo>
-                <a:lnTo>
-                  <a:pt x="886" y="2120"/>
-                </a:lnTo>
-                <a:lnTo>
-                  <a:pt x="3340" y="2120"/>
-                </a:lnTo>
-                <a:lnTo>
-                  <a:pt x="3340" y="2120"/>
-                </a:lnTo>
-                <a:lnTo>
-                  <a:pt x="3350" y="2120"/>
-                </a:lnTo>
-                <a:lnTo>
-                  <a:pt x="3358" y="2116"/>
-                </a:lnTo>
-                <a:lnTo>
-                  <a:pt x="3364" y="2112"/>
-                </a:lnTo>
-                <a:lnTo>
-                  <a:pt x="3372" y="2108"/>
-                </a:lnTo>
-                <a:lnTo>
-                  <a:pt x="3376" y="2100"/>
-                </a:lnTo>
-                <a:lnTo>
-                  <a:pt x="3380" y="2094"/>
-                </a:lnTo>
-                <a:lnTo>
-                  <a:pt x="3384" y="2086"/>
-                </a:lnTo>
-                <a:lnTo>
-                  <a:pt x="3384" y="2076"/>
-                </a:lnTo>
-                <a:lnTo>
-                  <a:pt x="3384" y="44"/>
-                </a:lnTo>
-                <a:lnTo>
-                  <a:pt x="3384" y="44"/>
-                </a:lnTo>
-                <a:lnTo>
-                  <a:pt x="3384" y="34"/>
-                </a:lnTo>
-                <a:lnTo>
-                  <a:pt x="3380" y="26"/>
-                </a:lnTo>
-                <a:lnTo>
-                  <a:pt x="3376" y="20"/>
-                </a:lnTo>
-                <a:lnTo>
-                  <a:pt x="3372" y="12"/>
-                </a:lnTo>
-                <a:lnTo>
-                  <a:pt x="3364" y="8"/>
-                </a:lnTo>
-                <a:lnTo>
-                  <a:pt x="3358" y="4"/>
-                </a:lnTo>
-                <a:lnTo>
-                  <a:pt x="3350" y="0"/>
-                </a:lnTo>
-                <a:lnTo>
-                  <a:pt x="3340" y="0"/>
-                </a:lnTo>
-                <a:lnTo>
-                  <a:pt x="3340" y="0"/>
-                </a:lnTo>
-                <a:close/>
-              </a:path>
-            </a:pathLst>
-          </a:custGeom>
-          <a:ln>
-            <a:solidFill>
-              <a:schemeClr val="accent1"/>
-            </a:solidFill>
-          </a:ln>
-        </p:spPr>
-        <p:style>
-          <a:lnRef idx="1">
-            <a:schemeClr val="accent1"/>
-          </a:lnRef>
-          <a:fillRef idx="3">
-            <a:schemeClr val="accent1"/>
-          </a:fillRef>
-          <a:effectRef idx="2">
-            <a:schemeClr val="accent1"/>
-          </a:effectRef>
-          <a:fontRef idx="minor">
-            <a:schemeClr val="lt1"/>
-          </a:fontRef>
-        </p:style>
-      </p:sp>
-      <p:sp>
-        <p:nvSpPr>
-          <p:cNvPr id="38" name="Title 1"/>
+          <p:cNvPr id="2" name="Title 1"/>
           <p:cNvSpPr>
             <a:spLocks noGrp="1"/>
           </p:cNvSpPr>
@@ -1494,15 +1446,17 @@
         </p:nvSpPr>
         <p:spPr>
           <a:xfrm>
-            <a:off x="1357089" y="2435957"/>
-            <a:ext cx="4382521" cy="2007789"/>
+            <a:off x="1295402" y="3308581"/>
+            <a:ext cx="9609668" cy="1468800"/>
           </a:xfrm>
         </p:spPr>
         <p:txBody>
-          <a:bodyPr/>
+          <a:bodyPr anchor="b">
+            <a:normAutofit/>
+          </a:bodyPr>
           <a:lstStyle>
-            <a:lvl1pPr>
-              <a:defRPr sz="3200"/>
+            <a:lvl1pPr algn="l">
+              <a:defRPr sz="3200" b="0" cap="none"/>
             </a:lvl1pPr>
           </a:lstStyle>
           <a:p>
@@ -1516,28 +1470,113 @@
       </p:sp>
       <p:sp>
         <p:nvSpPr>
-          <p:cNvPr id="6" name="Text Placeholder 5"/>
-          <p:cNvSpPr>
-            <a:spLocks noGrp="1"/>
-          </p:cNvSpPr>
-          <p:nvPr>
-            <p:ph type="body" sz="quarter" idx="16"/>
+          <p:cNvPr id="3" name="Text Placeholder 2"/>
+          <p:cNvSpPr>
+            <a:spLocks noGrp="1"/>
+          </p:cNvSpPr>
+          <p:nvPr>
+            <p:ph type="body" idx="1"/>
           </p:nvPr>
         </p:nvSpPr>
         <p:spPr>
           <a:xfrm>
-            <a:off x="6156000" y="2286000"/>
-            <a:ext cx="4880300" cy="2295525"/>
+            <a:off x="1295401" y="4777381"/>
+            <a:ext cx="9609668" cy="860400"/>
           </a:xfrm>
         </p:spPr>
         <p:txBody>
-          <a:bodyPr anchor="t"/>
+          <a:bodyPr anchor="t">
+            <a:normAutofit/>
+          </a:bodyPr>
           <a:lstStyle>
-            <a:lvl1pPr marL="0" indent="0">
-              <a:buFontTx/>
-              <a:buNone/>
-              <a:defRPr/>
+            <a:lvl1pPr marL="0" indent="0" algn="l">
+              <a:buNone/>
+              <a:defRPr sz="2000">
+                <a:solidFill>
+                  <a:schemeClr val="tx1"/>
+                </a:solidFill>
+              </a:defRPr>
             </a:lvl1pPr>
+            <a:lvl2pPr marL="457200" indent="0">
+              <a:buNone/>
+              <a:defRPr sz="1800">
+                <a:solidFill>
+                  <a:schemeClr val="tx1">
+                    <a:tint val="75000"/>
+                  </a:schemeClr>
+                </a:solidFill>
+              </a:defRPr>
+            </a:lvl2pPr>
+            <a:lvl3pPr marL="914400" indent="0">
+              <a:buNone/>
+              <a:defRPr sz="1600">
+                <a:solidFill>
+                  <a:schemeClr val="tx1">
+                    <a:tint val="75000"/>
+                  </a:schemeClr>
+                </a:solidFill>
+              </a:defRPr>
+            </a:lvl3pPr>
+            <a:lvl4pPr marL="1371600" indent="0">
+              <a:buNone/>
+              <a:defRPr sz="1400">
+                <a:solidFill>
+                  <a:schemeClr val="tx1">
+                    <a:tint val="75000"/>
+                  </a:schemeClr>
+                </a:solidFill>
+              </a:defRPr>
+            </a:lvl4pPr>
+            <a:lvl5pPr marL="1828800" indent="0">
+              <a:buNone/>
+              <a:defRPr sz="1400">
+                <a:solidFill>
+                  <a:schemeClr val="tx1">
+                    <a:tint val="75000"/>
+                  </a:schemeClr>
+                </a:solidFill>
+              </a:defRPr>
+            </a:lvl5pPr>
+            <a:lvl6pPr marL="2286000" indent="0">
+              <a:buNone/>
+              <a:defRPr sz="1400">
+                <a:solidFill>
+                  <a:schemeClr val="tx1">
+                    <a:tint val="75000"/>
+                  </a:schemeClr>
+                </a:solidFill>
+              </a:defRPr>
+            </a:lvl6pPr>
+            <a:lvl7pPr marL="2743200" indent="0">
+              <a:buNone/>
+              <a:defRPr sz="1400">
+                <a:solidFill>
+                  <a:schemeClr val="tx1">
+                    <a:tint val="75000"/>
+                  </a:schemeClr>
+                </a:solidFill>
+              </a:defRPr>
+            </a:lvl7pPr>
+            <a:lvl8pPr marL="3200400" indent="0">
+              <a:buNone/>
+              <a:defRPr sz="1400">
+                <a:solidFill>
+                  <a:schemeClr val="tx1">
+                    <a:tint val="75000"/>
+                  </a:schemeClr>
+                </a:solidFill>
+              </a:defRPr>
+            </a:lvl8pPr>
+            <a:lvl9pPr marL="3657600" indent="0">
+              <a:buNone/>
+              <a:defRPr sz="1400">
+                <a:solidFill>
+                  <a:schemeClr val="tx1">
+                    <a:tint val="75000"/>
+                  </a:schemeClr>
+                </a:solidFill>
+              </a:defRPr>
+            </a:lvl9pPr>
           </a:lstStyle>
           <a:p>
             <a:pPr lvl="0"/>
@@ -1550,7 +1589,7 @@
       </p:sp>
       <p:sp>
         <p:nvSpPr>
-          <p:cNvPr id="2" name="Date Placeholder 1"/>
+          <p:cNvPr id="4" name="Date Placeholder 3"/>
           <p:cNvSpPr>
             <a:spLocks noGrp="1"/>
           </p:cNvSpPr>
@@ -1563,7 +1602,7 @@
           <a:bodyPr/>
           <a:lstStyle/>
           <a:p>
-            <a:fld id="{FBF54567-0DE4-3F47-BF90-CB84690072F9}" type="datetimeFigureOut">
+            <a:fld id="{B61BEF0D-F0BB-DE4B-95CE-6DB70DBA9567}" type="datetimeFigureOut">
               <a:rPr lang="en-US" dirty="0"/>
               <a:pPr/>
               <a:t>3/7/2023</a:t>
@@ -1574,7 +1613,7 @@
       </p:sp>
       <p:sp>
         <p:nvSpPr>
-          <p:cNvPr id="3" name="Footer Placeholder 2"/>
+          <p:cNvPr id="5" name="Footer Placeholder 4"/>
           <p:cNvSpPr>
             <a:spLocks noGrp="1"/>
           </p:cNvSpPr>
@@ -1593,7 +1632,7 @@
       </p:sp>
       <p:sp>
         <p:nvSpPr>
-          <p:cNvPr id="4" name="Slide Number Placeholder 3"/>
+          <p:cNvPr id="6" name="Slide Number Placeholder 5"/>
           <p:cNvSpPr>
             <a:spLocks noGrp="1"/>
           </p:cNvSpPr>
@@ -1623,7 +1662,890 @@
 </p:sldLayout>
 </file>
 
-<file path=ppt/slideLayouts/slideLayout13.xml><?xml version="1.0" encoding="utf-8"?>
+<file path=ppt/slideLayouts/slideLayout14.xml><?xml version="1.0" encoding="utf-8"?>
+<p:sldLayout xmlns:a="http://schemas.openxmlformats.org/drawingml/2006/main" xmlns:r="http://schemas.openxmlformats.org/officeDocument/2006/relationships" xmlns:p="http://schemas.openxmlformats.org/presentationml/2006/main" preserve="1">
+  <p:cSld name="Namenskarte für Zitat">
+    <p:spTree>
+      <p:nvGrpSpPr>
+        <p:cNvPr id="1" name=""/>
+        <p:cNvGrpSpPr/>
+        <p:nvPr/>
+      </p:nvGrpSpPr>
+      <p:grpSpPr>
+        <a:xfrm>
+          <a:off x="0" y="0"/>
+          <a:ext cx="0" cy="0"/>
+          <a:chOff x="0" y="0"/>
+          <a:chExt cx="0" cy="0"/>
+        </a:xfrm>
+      </p:grpSpPr>
+      <p:sp>
+        <p:nvSpPr>
+          <p:cNvPr id="2" name="Title 1"/>
+          <p:cNvSpPr>
+            <a:spLocks noGrp="1"/>
+          </p:cNvSpPr>
+          <p:nvPr>
+            <p:ph type="title"/>
+          </p:nvPr>
+        </p:nvSpPr>
+        <p:spPr>
+          <a:xfrm>
+            <a:off x="1446213" y="982132"/>
+            <a:ext cx="9296398" cy="2243668"/>
+          </a:xfrm>
+        </p:spPr>
+        <p:txBody>
+          <a:bodyPr anchor="ctr">
+            <a:normAutofit/>
+          </a:bodyPr>
+          <a:lstStyle>
+            <a:lvl1pPr algn="ctr">
+              <a:defRPr sz="3200" b="0" cap="none">
+                <a:solidFill>
+                  <a:schemeClr val="tx1"/>
+                </a:solidFill>
+              </a:defRPr>
+            </a:lvl1pPr>
+          </a:lstStyle>
+          <a:p>
+            <a:r>
+              <a:rPr lang="de-DE"/>
+              <a:t>Mastertitelformat bearbeiten</a:t>
+            </a:r>
+            <a:endParaRPr lang="en-US" dirty="0"/>
+          </a:p>
+        </p:txBody>
+      </p:sp>
+      <p:sp>
+        <p:nvSpPr>
+          <p:cNvPr id="14" name="Text Placeholder 2"/>
+          <p:cNvSpPr>
+            <a:spLocks noGrp="1"/>
+          </p:cNvSpPr>
+          <p:nvPr>
+            <p:ph type="body" idx="13"/>
+          </p:nvPr>
+        </p:nvSpPr>
+        <p:spPr>
+          <a:xfrm>
+            <a:off x="1295401" y="3639312"/>
+            <a:ext cx="9609668" cy="886968"/>
+          </a:xfrm>
+        </p:spPr>
+        <p:txBody>
+          <a:bodyPr anchor="b">
+            <a:normAutofit/>
+          </a:bodyPr>
+          <a:lstStyle>
+            <a:lvl1pPr marL="0" indent="0" algn="l">
+              <a:spcBef>
+                <a:spcPts val="0"/>
+              </a:spcBef>
+              <a:buNone/>
+              <a:defRPr sz="2400">
+                <a:solidFill>
+                  <a:schemeClr val="tx1"/>
+                </a:solidFill>
+              </a:defRPr>
+            </a:lvl1pPr>
+            <a:lvl2pPr marL="457200" indent="0">
+              <a:buNone/>
+              <a:defRPr sz="1800">
+                <a:solidFill>
+                  <a:schemeClr val="tx1">
+                    <a:tint val="75000"/>
+                  </a:schemeClr>
+                </a:solidFill>
+              </a:defRPr>
+            </a:lvl2pPr>
+            <a:lvl3pPr marL="914400" indent="0">
+              <a:buNone/>
+              <a:defRPr sz="1600">
+                <a:solidFill>
+                  <a:schemeClr val="tx1">
+                    <a:tint val="75000"/>
+                  </a:schemeClr>
+                </a:solidFill>
+              </a:defRPr>
+            </a:lvl3pPr>
+            <a:lvl4pPr marL="1371600" indent="0">
+              <a:buNone/>
+              <a:defRPr sz="1400">
+                <a:solidFill>
+                  <a:schemeClr val="tx1">
+                    <a:tint val="75000"/>
+                  </a:schemeClr>
+                </a:solidFill>
+              </a:defRPr>
+            </a:lvl4pPr>
+            <a:lvl5pPr marL="1828800" indent="0">
+              <a:buNone/>
+              <a:defRPr sz="1400">
+                <a:solidFill>
+                  <a:schemeClr val="tx1">
+                    <a:tint val="75000"/>
+                  </a:schemeClr>
+                </a:solidFill>
+              </a:defRPr>
+            </a:lvl5pPr>
+            <a:lvl6pPr marL="2286000" indent="0">
+              <a:buNone/>
+              <a:defRPr sz="1400">
+                <a:solidFill>
+                  <a:schemeClr val="tx1">
+                    <a:tint val="75000"/>
+                  </a:schemeClr>
+                </a:solidFill>
+              </a:defRPr>
+            </a:lvl6pPr>
+            <a:lvl7pPr marL="2743200" indent="0">
+              <a:buNone/>
+              <a:defRPr sz="1400">
+                <a:solidFill>
+                  <a:schemeClr val="tx1">
+                    <a:tint val="75000"/>
+                  </a:schemeClr>
+                </a:solidFill>
+              </a:defRPr>
+            </a:lvl7pPr>
+            <a:lvl8pPr marL="3200400" indent="0">
+              <a:buNone/>
+              <a:defRPr sz="1400">
+                <a:solidFill>
+                  <a:schemeClr val="tx1">
+                    <a:tint val="75000"/>
+                  </a:schemeClr>
+                </a:solidFill>
+              </a:defRPr>
+            </a:lvl8pPr>
+            <a:lvl9pPr marL="3657600" indent="0">
+              <a:buNone/>
+              <a:defRPr sz="1400">
+                <a:solidFill>
+                  <a:schemeClr val="tx1">
+                    <a:tint val="75000"/>
+                  </a:schemeClr>
+                </a:solidFill>
+              </a:defRPr>
+            </a:lvl9pPr>
+          </a:lstStyle>
+          <a:p>
+            <a:pPr lvl="0"/>
+            <a:r>
+              <a:rPr lang="de-DE"/>
+              <a:t>Mastertextformat bearbeiten</a:t>
+            </a:r>
+          </a:p>
+        </p:txBody>
+      </p:sp>
+      <p:sp>
+        <p:nvSpPr>
+          <p:cNvPr id="3" name="Text Placeholder 2"/>
+          <p:cNvSpPr>
+            <a:spLocks noGrp="1"/>
+          </p:cNvSpPr>
+          <p:nvPr>
+            <p:ph type="body" idx="1"/>
+          </p:nvPr>
+        </p:nvSpPr>
+        <p:spPr>
+          <a:xfrm>
+            <a:off x="1295401" y="4529667"/>
+            <a:ext cx="9609668" cy="1346200"/>
+          </a:xfrm>
+        </p:spPr>
+        <p:txBody>
+          <a:bodyPr anchor="t">
+            <a:normAutofit/>
+          </a:bodyPr>
+          <a:lstStyle>
+            <a:lvl1pPr marL="0" indent="0" algn="l">
+              <a:buNone/>
+              <a:defRPr sz="1800">
+                <a:solidFill>
+                  <a:schemeClr val="tx1"/>
+                </a:solidFill>
+              </a:defRPr>
+            </a:lvl1pPr>
+            <a:lvl2pPr marL="457200" indent="0">
+              <a:buNone/>
+              <a:defRPr sz="1800">
+                <a:solidFill>
+                  <a:schemeClr val="tx1">
+                    <a:tint val="75000"/>
+                  </a:schemeClr>
+                </a:solidFill>
+              </a:defRPr>
+            </a:lvl2pPr>
+            <a:lvl3pPr marL="914400" indent="0">
+              <a:buNone/>
+              <a:defRPr sz="1600">
+                <a:solidFill>
+                  <a:schemeClr val="tx1">
+                    <a:tint val="75000"/>
+                  </a:schemeClr>
+                </a:solidFill>
+              </a:defRPr>
+            </a:lvl3pPr>
+            <a:lvl4pPr marL="1371600" indent="0">
+              <a:buNone/>
+              <a:defRPr sz="1400">
+                <a:solidFill>
+                  <a:schemeClr val="tx1">
+                    <a:tint val="75000"/>
+                  </a:schemeClr>
+                </a:solidFill>
+              </a:defRPr>
+            </a:lvl4pPr>
+            <a:lvl5pPr marL="1828800" indent="0">
+              <a:buNone/>
+              <a:defRPr sz="1400">
+                <a:solidFill>
+                  <a:schemeClr val="tx1">
+                    <a:tint val="75000"/>
+                  </a:schemeClr>
+                </a:solidFill>
+              </a:defRPr>
+            </a:lvl5pPr>
+            <a:lvl6pPr marL="2286000" indent="0">
+              <a:buNone/>
+              <a:defRPr sz="1400">
+                <a:solidFill>
+                  <a:schemeClr val="tx1">
+                    <a:tint val="75000"/>
+                  </a:schemeClr>
+                </a:solidFill>
+              </a:defRPr>
+            </a:lvl6pPr>
+            <a:lvl7pPr marL="2743200" indent="0">
+              <a:buNone/>
+              <a:defRPr sz="1400">
+                <a:solidFill>
+                  <a:schemeClr val="tx1">
+                    <a:tint val="75000"/>
+                  </a:schemeClr>
+                </a:solidFill>
+              </a:defRPr>
+            </a:lvl7pPr>
+            <a:lvl8pPr marL="3200400" indent="0">
+              <a:buNone/>
+              <a:defRPr sz="1400">
+                <a:solidFill>
+                  <a:schemeClr val="tx1">
+                    <a:tint val="75000"/>
+                  </a:schemeClr>
+                </a:solidFill>
+              </a:defRPr>
+            </a:lvl8pPr>
+            <a:lvl9pPr marL="3657600" indent="0">
+              <a:buNone/>
+              <a:defRPr sz="1400">
+                <a:solidFill>
+                  <a:schemeClr val="tx1">
+                    <a:tint val="75000"/>
+                  </a:schemeClr>
+                </a:solidFill>
+              </a:defRPr>
+            </a:lvl9pPr>
+          </a:lstStyle>
+          <a:p>
+            <a:pPr lvl="0"/>
+            <a:r>
+              <a:rPr lang="de-DE"/>
+              <a:t>Mastertextformat bearbeiten</a:t>
+            </a:r>
+          </a:p>
+        </p:txBody>
+      </p:sp>
+      <p:sp>
+        <p:nvSpPr>
+          <p:cNvPr id="4" name="Date Placeholder 3"/>
+          <p:cNvSpPr>
+            <a:spLocks noGrp="1"/>
+          </p:cNvSpPr>
+          <p:nvPr>
+            <p:ph type="dt" sz="half" idx="10"/>
+          </p:nvPr>
+        </p:nvSpPr>
+        <p:spPr/>
+        <p:txBody>
+          <a:bodyPr/>
+          <a:lstStyle/>
+          <a:p>
+            <a:fld id="{B61BEF0D-F0BB-DE4B-95CE-6DB70DBA9567}" type="datetimeFigureOut">
+              <a:rPr lang="en-US" dirty="0"/>
+              <a:pPr/>
+              <a:t>3/7/2023</a:t>
+            </a:fld>
+            <a:endParaRPr lang="en-US" dirty="0"/>
+          </a:p>
+        </p:txBody>
+      </p:sp>
+      <p:sp>
+        <p:nvSpPr>
+          <p:cNvPr id="5" name="Footer Placeholder 4"/>
+          <p:cNvSpPr>
+            <a:spLocks noGrp="1"/>
+          </p:cNvSpPr>
+          <p:nvPr>
+            <p:ph type="ftr" sz="quarter" idx="11"/>
+          </p:nvPr>
+        </p:nvSpPr>
+        <p:spPr/>
+        <p:txBody>
+          <a:bodyPr/>
+          <a:lstStyle/>
+          <a:p>
+            <a:endParaRPr lang="en-US" dirty="0"/>
+          </a:p>
+        </p:txBody>
+      </p:sp>
+      <p:sp>
+        <p:nvSpPr>
+          <p:cNvPr id="6" name="Slide Number Placeholder 5"/>
+          <p:cNvSpPr>
+            <a:spLocks noGrp="1"/>
+          </p:cNvSpPr>
+          <p:nvPr>
+            <p:ph type="sldNum" sz="quarter" idx="12"/>
+          </p:nvPr>
+        </p:nvSpPr>
+        <p:spPr/>
+        <p:txBody>
+          <a:bodyPr/>
+          <a:lstStyle/>
+          <a:p>
+            <a:fld id="{D57F1E4F-1CFF-5643-939E-217C01CDF565}" type="slidenum">
+              <a:rPr lang="en-US" dirty="0"/>
+              <a:pPr/>
+              <a:t>‹Nr.›</a:t>
+            </a:fld>
+            <a:endParaRPr lang="en-US" dirty="0"/>
+          </a:p>
+        </p:txBody>
+      </p:sp>
+      <p:sp>
+        <p:nvSpPr>
+          <p:cNvPr id="12" name="TextBox 11"/>
+          <p:cNvSpPr txBox="1"/>
+          <p:nvPr/>
+        </p:nvSpPr>
+        <p:spPr>
+          <a:xfrm>
+            <a:off x="862013" y="879961"/>
+            <a:ext cx="609600" cy="584776"/>
+          </a:xfrm>
+          <a:prstGeom prst="rect">
+            <a:avLst/>
+          </a:prstGeom>
+        </p:spPr>
+        <p:txBody>
+          <a:bodyPr vert="horz" lIns="91440" tIns="45720" rIns="91440" bIns="45720" rtlCol="0" anchor="ctr">
+            <a:noAutofit/>
+          </a:bodyPr>
+          <a:lstStyle/>
+          <a:p>
+            <a:pPr lvl="0"/>
+            <a:r>
+              <a:rPr lang="en-US" sz="8000" dirty="0">
+                <a:solidFill>
+                  <a:schemeClr val="tx1"/>
+                </a:solidFill>
+                <a:effectLst/>
+              </a:rPr>
+              <a:t>“</a:t>
+            </a:r>
+          </a:p>
+        </p:txBody>
+      </p:sp>
+      <p:sp>
+        <p:nvSpPr>
+          <p:cNvPr id="13" name="TextBox 12"/>
+          <p:cNvSpPr txBox="1"/>
+          <p:nvPr/>
+        </p:nvSpPr>
+        <p:spPr>
+          <a:xfrm>
+            <a:off x="10600267" y="2599261"/>
+            <a:ext cx="609600" cy="584776"/>
+          </a:xfrm>
+          <a:prstGeom prst="rect">
+            <a:avLst/>
+          </a:prstGeom>
+        </p:spPr>
+        <p:txBody>
+          <a:bodyPr vert="horz" lIns="91440" tIns="45720" rIns="91440" bIns="45720" rtlCol="0" anchor="ctr">
+            <a:noAutofit/>
+          </a:bodyPr>
+          <a:lstStyle/>
+          <a:p>
+            <a:pPr lvl="0" algn="r"/>
+            <a:r>
+              <a:rPr lang="en-US" sz="8000" dirty="0">
+                <a:solidFill>
+                  <a:schemeClr val="tx1"/>
+                </a:solidFill>
+                <a:effectLst/>
+              </a:rPr>
+              <a:t>”</a:t>
+            </a:r>
+          </a:p>
+        </p:txBody>
+      </p:sp>
+      <p:cxnSp>
+        <p:nvCxnSpPr>
+          <p:cNvPr id="26" name="Straight Connector 25"/>
+          <p:cNvCxnSpPr/>
+          <p:nvPr/>
+        </p:nvCxnSpPr>
+        <p:spPr>
+          <a:xfrm>
+            <a:off x="1396169" y="3429000"/>
+            <a:ext cx="9407298" cy="0"/>
+          </a:xfrm>
+          <a:prstGeom prst="line">
+            <a:avLst/>
+          </a:prstGeom>
+          <a:ln w="15875">
+            <a:solidFill>
+              <a:schemeClr val="accent1">
+                <a:lumMod val="60000"/>
+                <a:lumOff val="40000"/>
+              </a:schemeClr>
+            </a:solidFill>
+          </a:ln>
+        </p:spPr>
+        <p:style>
+          <a:lnRef idx="2">
+            <a:schemeClr val="accent1"/>
+          </a:lnRef>
+          <a:fillRef idx="0">
+            <a:schemeClr val="accent1"/>
+          </a:fillRef>
+          <a:effectRef idx="1">
+            <a:schemeClr val="accent1"/>
+          </a:effectRef>
+          <a:fontRef idx="minor">
+            <a:schemeClr val="tx1"/>
+          </a:fontRef>
+        </p:style>
+      </p:cxnSp>
+    </p:spTree>
+  </p:cSld>
+  <p:clrMapOvr>
+    <a:masterClrMapping/>
+  </p:clrMapOvr>
+</p:sldLayout>
+</file>
+
+<file path=ppt/slideLayouts/slideLayout15.xml><?xml version="1.0" encoding="utf-8"?>
+<p:sldLayout xmlns:a="http://schemas.openxmlformats.org/drawingml/2006/main" xmlns:r="http://schemas.openxmlformats.org/officeDocument/2006/relationships" xmlns:p="http://schemas.openxmlformats.org/presentationml/2006/main" preserve="1">
+  <p:cSld name="Wahr oder Falsch">
+    <p:spTree>
+      <p:nvGrpSpPr>
+        <p:cNvPr id="1" name=""/>
+        <p:cNvGrpSpPr/>
+        <p:nvPr/>
+      </p:nvGrpSpPr>
+      <p:grpSpPr>
+        <a:xfrm>
+          <a:off x="0" y="0"/>
+          <a:ext cx="0" cy="0"/>
+          <a:chOff x="0" y="0"/>
+          <a:chExt cx="0" cy="0"/>
+        </a:xfrm>
+      </p:grpSpPr>
+      <p:sp>
+        <p:nvSpPr>
+          <p:cNvPr id="2" name="Title 1"/>
+          <p:cNvSpPr>
+            <a:spLocks noGrp="1"/>
+          </p:cNvSpPr>
+          <p:nvPr>
+            <p:ph type="title"/>
+          </p:nvPr>
+        </p:nvSpPr>
+        <p:spPr>
+          <a:xfrm>
+            <a:off x="1295401" y="982132"/>
+            <a:ext cx="9609666" cy="2243668"/>
+          </a:xfrm>
+        </p:spPr>
+        <p:txBody>
+          <a:bodyPr vert="horz" lIns="91440" tIns="45720" rIns="91440" bIns="45720" rtlCol="0" anchor="ctr">
+            <a:normAutofit/>
+          </a:bodyPr>
+          <a:lstStyle>
+            <a:lvl1pPr>
+              <a:defRPr lang="en-US" b="0" dirty="0"/>
+            </a:lvl1pPr>
+          </a:lstStyle>
+          <a:p>
+            <a:pPr marL="0" lvl="0"/>
+            <a:r>
+              <a:rPr lang="de-DE"/>
+              <a:t>Mastertitelformat bearbeiten</a:t>
+            </a:r>
+            <a:endParaRPr lang="en-US" dirty="0"/>
+          </a:p>
+        </p:txBody>
+      </p:sp>
+      <p:sp>
+        <p:nvSpPr>
+          <p:cNvPr id="11" name="Text Placeholder 2"/>
+          <p:cNvSpPr>
+            <a:spLocks noGrp="1"/>
+          </p:cNvSpPr>
+          <p:nvPr>
+            <p:ph type="body" idx="13"/>
+          </p:nvPr>
+        </p:nvSpPr>
+        <p:spPr>
+          <a:xfrm>
+            <a:off x="1295401" y="3630168"/>
+            <a:ext cx="9609668" cy="841248"/>
+          </a:xfrm>
+        </p:spPr>
+        <p:txBody>
+          <a:bodyPr anchor="b">
+            <a:normAutofit/>
+          </a:bodyPr>
+          <a:lstStyle>
+            <a:lvl1pPr marL="0" indent="0" algn="l">
+              <a:spcBef>
+                <a:spcPts val="0"/>
+              </a:spcBef>
+              <a:buNone/>
+              <a:defRPr sz="2800">
+                <a:solidFill>
+                  <a:schemeClr val="tx1"/>
+                </a:solidFill>
+              </a:defRPr>
+            </a:lvl1pPr>
+            <a:lvl2pPr marL="457200" indent="0">
+              <a:buNone/>
+              <a:defRPr sz="1800">
+                <a:solidFill>
+                  <a:schemeClr val="tx1">
+                    <a:tint val="75000"/>
+                  </a:schemeClr>
+                </a:solidFill>
+              </a:defRPr>
+            </a:lvl2pPr>
+            <a:lvl3pPr marL="914400" indent="0">
+              <a:buNone/>
+              <a:defRPr sz="1600">
+                <a:solidFill>
+                  <a:schemeClr val="tx1">
+                    <a:tint val="75000"/>
+                  </a:schemeClr>
+                </a:solidFill>
+              </a:defRPr>
+            </a:lvl3pPr>
+            <a:lvl4pPr marL="1371600" indent="0">
+              <a:buNone/>
+              <a:defRPr sz="1400">
+                <a:solidFill>
+                  <a:schemeClr val="tx1">
+                    <a:tint val="75000"/>
+                  </a:schemeClr>
+                </a:solidFill>
+              </a:defRPr>
+            </a:lvl4pPr>
+            <a:lvl5pPr marL="1828800" indent="0">
+              <a:buNone/>
+              <a:defRPr sz="1400">
+                <a:solidFill>
+                  <a:schemeClr val="tx1">
+                    <a:tint val="75000"/>
+                  </a:schemeClr>
+                </a:solidFill>
+              </a:defRPr>
+            </a:lvl5pPr>
+            <a:lvl6pPr marL="2286000" indent="0">
+              <a:buNone/>
+              <a:defRPr sz="1400">
+                <a:solidFill>
+                  <a:schemeClr val="tx1">
+                    <a:tint val="75000"/>
+                  </a:schemeClr>
+                </a:solidFill>
+              </a:defRPr>
+            </a:lvl6pPr>
+            <a:lvl7pPr marL="2743200" indent="0">
+              <a:buNone/>
+              <a:defRPr sz="1400">
+                <a:solidFill>
+                  <a:schemeClr val="tx1">
+                    <a:tint val="75000"/>
+                  </a:schemeClr>
+                </a:solidFill>
+              </a:defRPr>
+            </a:lvl7pPr>
+            <a:lvl8pPr marL="3200400" indent="0">
+              <a:buNone/>
+              <a:defRPr sz="1400">
+                <a:solidFill>
+                  <a:schemeClr val="tx1">
+                    <a:tint val="75000"/>
+                  </a:schemeClr>
+                </a:solidFill>
+              </a:defRPr>
+            </a:lvl8pPr>
+            <a:lvl9pPr marL="3657600" indent="0">
+              <a:buNone/>
+              <a:defRPr sz="1400">
+                <a:solidFill>
+                  <a:schemeClr val="tx1">
+                    <a:tint val="75000"/>
+                  </a:schemeClr>
+                </a:solidFill>
+              </a:defRPr>
+            </a:lvl9pPr>
+          </a:lstStyle>
+          <a:p>
+            <a:pPr lvl="0"/>
+            <a:r>
+              <a:rPr lang="de-DE"/>
+              <a:t>Mastertextformat bearbeiten</a:t>
+            </a:r>
+          </a:p>
+        </p:txBody>
+      </p:sp>
+      <p:sp>
+        <p:nvSpPr>
+          <p:cNvPr id="3" name="Text Placeholder 2"/>
+          <p:cNvSpPr>
+            <a:spLocks noGrp="1"/>
+          </p:cNvSpPr>
+          <p:nvPr>
+            <p:ph type="body" idx="1"/>
+          </p:nvPr>
+        </p:nvSpPr>
+        <p:spPr>
+          <a:xfrm>
+            <a:off x="1295400" y="4470399"/>
+            <a:ext cx="9609670" cy="1405467"/>
+          </a:xfrm>
+        </p:spPr>
+        <p:txBody>
+          <a:bodyPr anchor="t">
+            <a:normAutofit/>
+          </a:bodyPr>
+          <a:lstStyle>
+            <a:lvl1pPr marL="0" indent="0" algn="l">
+              <a:buNone/>
+              <a:defRPr sz="1800">
+                <a:solidFill>
+                  <a:schemeClr val="tx1"/>
+                </a:solidFill>
+              </a:defRPr>
+            </a:lvl1pPr>
+            <a:lvl2pPr marL="457200" indent="0">
+              <a:buNone/>
+              <a:defRPr sz="1800">
+                <a:solidFill>
+                  <a:schemeClr val="tx1">
+                    <a:tint val="75000"/>
+                  </a:schemeClr>
+                </a:solidFill>
+              </a:defRPr>
+            </a:lvl2pPr>
+            <a:lvl3pPr marL="914400" indent="0">
+              <a:buNone/>
+              <a:defRPr sz="1600">
+                <a:solidFill>
+                  <a:schemeClr val="tx1">
+                    <a:tint val="75000"/>
+                  </a:schemeClr>
+                </a:solidFill>
+              </a:defRPr>
+            </a:lvl3pPr>
+            <a:lvl4pPr marL="1371600" indent="0">
+              <a:buNone/>
+              <a:defRPr sz="1400">
+                <a:solidFill>
+                  <a:schemeClr val="tx1">
+                    <a:tint val="75000"/>
+                  </a:schemeClr>
+                </a:solidFill>
+              </a:defRPr>
+            </a:lvl4pPr>
+            <a:lvl5pPr marL="1828800" indent="0">
+              <a:buNone/>
+              <a:defRPr sz="1400">
+                <a:solidFill>
+                  <a:schemeClr val="tx1">
+                    <a:tint val="75000"/>
+                  </a:schemeClr>
+                </a:solidFill>
+              </a:defRPr>
+            </a:lvl5pPr>
+            <a:lvl6pPr marL="2286000" indent="0">
+              <a:buNone/>
+              <a:defRPr sz="1400">
+                <a:solidFill>
+                  <a:schemeClr val="tx1">
+                    <a:tint val="75000"/>
+                  </a:schemeClr>
+                </a:solidFill>
+              </a:defRPr>
+            </a:lvl6pPr>
+            <a:lvl7pPr marL="2743200" indent="0">
+              <a:buNone/>
+              <a:defRPr sz="1400">
+                <a:solidFill>
+                  <a:schemeClr val="tx1">
+                    <a:tint val="75000"/>
+                  </a:schemeClr>
+                </a:solidFill>
+              </a:defRPr>
+            </a:lvl7pPr>
+            <a:lvl8pPr marL="3200400" indent="0">
+              <a:buNone/>
+              <a:defRPr sz="1400">
+                <a:solidFill>
+                  <a:schemeClr val="tx1">
+                    <a:tint val="75000"/>
+                  </a:schemeClr>
+                </a:solidFill>
+              </a:defRPr>
+            </a:lvl8pPr>
+            <a:lvl9pPr marL="3657600" indent="0">
+              <a:buNone/>
+              <a:defRPr sz="1400">
+                <a:solidFill>
+                  <a:schemeClr val="tx1">
+                    <a:tint val="75000"/>
+                  </a:schemeClr>
+                </a:solidFill>
+              </a:defRPr>
+            </a:lvl9pPr>
+          </a:lstStyle>
+          <a:p>
+            <a:pPr lvl="0"/>
+            <a:r>
+              <a:rPr lang="de-DE"/>
+              <a:t>Mastertextformat bearbeiten</a:t>
+            </a:r>
+          </a:p>
+        </p:txBody>
+      </p:sp>
+      <p:sp>
+        <p:nvSpPr>
+          <p:cNvPr id="4" name="Date Placeholder 3"/>
+          <p:cNvSpPr>
+            <a:spLocks noGrp="1"/>
+          </p:cNvSpPr>
+          <p:nvPr>
+            <p:ph type="dt" sz="half" idx="10"/>
+          </p:nvPr>
+        </p:nvSpPr>
+        <p:spPr/>
+        <p:txBody>
+          <a:bodyPr/>
+          <a:lstStyle/>
+          <a:p>
+            <a:fld id="{B61BEF0D-F0BB-DE4B-95CE-6DB70DBA9567}" type="datetimeFigureOut">
+              <a:rPr lang="en-US" dirty="0"/>
+              <a:pPr/>
+              <a:t>3/7/2023</a:t>
+            </a:fld>
+            <a:endParaRPr lang="en-US" dirty="0"/>
+          </a:p>
+        </p:txBody>
+      </p:sp>
+      <p:sp>
+        <p:nvSpPr>
+          <p:cNvPr id="5" name="Footer Placeholder 4"/>
+          <p:cNvSpPr>
+            <a:spLocks noGrp="1"/>
+          </p:cNvSpPr>
+          <p:nvPr>
+            <p:ph type="ftr" sz="quarter" idx="11"/>
+          </p:nvPr>
+        </p:nvSpPr>
+        <p:spPr/>
+        <p:txBody>
+          <a:bodyPr/>
+          <a:lstStyle/>
+          <a:p>
+            <a:endParaRPr lang="en-US" dirty="0"/>
+          </a:p>
+        </p:txBody>
+      </p:sp>
+      <p:sp>
+        <p:nvSpPr>
+          <p:cNvPr id="6" name="Slide Number Placeholder 5"/>
+          <p:cNvSpPr>
+            <a:spLocks noGrp="1"/>
+          </p:cNvSpPr>
+          <p:nvPr>
+            <p:ph type="sldNum" sz="quarter" idx="12"/>
+          </p:nvPr>
+        </p:nvSpPr>
+        <p:spPr/>
+        <p:txBody>
+          <a:bodyPr/>
+          <a:lstStyle/>
+          <a:p>
+            <a:fld id="{D57F1E4F-1CFF-5643-939E-217C01CDF565}" type="slidenum">
+              <a:rPr lang="en-US" dirty="0"/>
+              <a:pPr/>
+              <a:t>‹Nr.›</a:t>
+            </a:fld>
+            <a:endParaRPr lang="en-US" dirty="0"/>
+          </a:p>
+        </p:txBody>
+      </p:sp>
+      <p:cxnSp>
+        <p:nvCxnSpPr>
+          <p:cNvPr id="15" name="Straight Connector 14"/>
+          <p:cNvCxnSpPr/>
+          <p:nvPr/>
+        </p:nvCxnSpPr>
+        <p:spPr>
+          <a:xfrm>
+            <a:off x="1396169" y="3429000"/>
+            <a:ext cx="9407298" cy="0"/>
+          </a:xfrm>
+          <a:prstGeom prst="line">
+            <a:avLst/>
+          </a:prstGeom>
+          <a:ln w="15875">
+            <a:solidFill>
+              <a:schemeClr val="accent1">
+                <a:lumMod val="60000"/>
+                <a:lumOff val="40000"/>
+              </a:schemeClr>
+            </a:solidFill>
+          </a:ln>
+        </p:spPr>
+        <p:style>
+          <a:lnRef idx="2">
+            <a:schemeClr val="accent1"/>
+          </a:lnRef>
+          <a:fillRef idx="0">
+            <a:schemeClr val="accent1"/>
+          </a:fillRef>
+          <a:effectRef idx="1">
+            <a:schemeClr val="accent1"/>
+          </a:effectRef>
+          <a:fontRef idx="minor">
+            <a:schemeClr val="tx1"/>
+          </a:fontRef>
+        </p:style>
+      </p:cxnSp>
+    </p:spTree>
+  </p:cSld>
+  <p:clrMapOvr>
+    <a:masterClrMapping/>
+  </p:clrMapOvr>
+</p:sldLayout>
+</file>
+
+<file path=ppt/slideLayouts/slideLayout16.xml><?xml version="1.0" encoding="utf-8"?>
 <p:sldLayout xmlns:a="http://schemas.openxmlformats.org/drawingml/2006/main" xmlns:r="http://schemas.openxmlformats.org/officeDocument/2006/relationships" xmlns:p="http://schemas.openxmlformats.org/presentationml/2006/main" type="vertTx" preserve="1">
   <p:cSld name="Titel und vertikaler Text">
     <p:spTree>
@@ -1642,109 +2564,6 @@
       </p:grpSpPr>
       <p:sp>
         <p:nvSpPr>
-          <p:cNvPr id="7" name="Freeform 6"/>
-          <p:cNvSpPr/>
-          <p:nvPr/>
-        </p:nvSpPr>
-        <p:spPr bwMode="auto">
-          <a:xfrm>
-            <a:off x="0" y="0"/>
-            <a:ext cx="12192000" cy="2185988"/>
-          </a:xfrm>
-          <a:custGeom>
-            <a:avLst/>
-            <a:gdLst/>
-            <a:ahLst/>
-            <a:cxnLst/>
-            <a:rect l="0" t="0" r="r" b="b"/>
-            <a:pathLst>
-              <a:path w="5760" h="1377">
-                <a:moveTo>
-                  <a:pt x="5760" y="0"/>
-                </a:moveTo>
-                <a:lnTo>
-                  <a:pt x="0" y="0"/>
-                </a:lnTo>
-                <a:lnTo>
-                  <a:pt x="0" y="1189"/>
-                </a:lnTo>
-                <a:lnTo>
-                  <a:pt x="943" y="1189"/>
-                </a:lnTo>
-                <a:lnTo>
-                  <a:pt x="1123" y="1369"/>
-                </a:lnTo>
-                <a:lnTo>
-                  <a:pt x="1123" y="1369"/>
-                </a:lnTo>
-                <a:lnTo>
-                  <a:pt x="1127" y="1371"/>
-                </a:lnTo>
-                <a:lnTo>
-                  <a:pt x="1133" y="1374"/>
-                </a:lnTo>
-                <a:lnTo>
-                  <a:pt x="1139" y="1377"/>
-                </a:lnTo>
-                <a:lnTo>
-                  <a:pt x="1144" y="1377"/>
-                </a:lnTo>
-                <a:lnTo>
-                  <a:pt x="1150" y="1377"/>
-                </a:lnTo>
-                <a:lnTo>
-                  <a:pt x="1155" y="1374"/>
-                </a:lnTo>
-                <a:lnTo>
-                  <a:pt x="1161" y="1371"/>
-                </a:lnTo>
-                <a:lnTo>
-                  <a:pt x="1165" y="1369"/>
-                </a:lnTo>
-                <a:lnTo>
-                  <a:pt x="1345" y="1189"/>
-                </a:lnTo>
-                <a:lnTo>
-                  <a:pt x="5760" y="1189"/>
-                </a:lnTo>
-                <a:lnTo>
-                  <a:pt x="5760" y="0"/>
-                </a:lnTo>
-                <a:close/>
-              </a:path>
-            </a:pathLst>
-          </a:custGeom>
-          <a:ln/>
-          <a:extLst>
-            <a:ext uri="{91240B29-F687-4f45-9708-019B960494DF}">
-              <a14:hiddenLine xmlns:a14="http://schemas.microsoft.com/office/drawing/2010/main" xmlns="" w="9525">
-                <a:solidFill>
-                  <a:srgbClr val="000000"/>
-                </a:solidFill>
-                <a:round/>
-                <a:headEnd/>
-                <a:tailEnd/>
-              </a14:hiddenLine>
-            </a:ext>
-          </a:extLst>
-        </p:spPr>
-        <p:style>
-          <a:lnRef idx="1">
-            <a:schemeClr val="accent1"/>
-          </a:lnRef>
-          <a:fillRef idx="3">
-            <a:schemeClr val="accent1"/>
-          </a:fillRef>
-          <a:effectRef idx="2">
-            <a:schemeClr val="accent1"/>
-          </a:effectRef>
-          <a:fontRef idx="minor">
-            <a:schemeClr val="lt1"/>
-          </a:fontRef>
-        </p:style>
-      </p:sp>
-      <p:sp>
-        <p:nvSpPr>
           <p:cNvPr id="2" name="Title 1"/>
           <p:cNvSpPr>
             <a:spLocks noGrp="1"/>
@@ -1756,7 +2575,11 @@
         <p:spPr/>
         <p:txBody>
           <a:bodyPr/>
-          <a:lstStyle/>
+          <a:lstStyle>
+            <a:lvl1pPr algn="ctr">
+              <a:defRPr/>
+            </a:lvl1pPr>
+          </a:lstStyle>
           <a:p>
             <a:r>
               <a:rPr lang="de-DE"/>
@@ -1833,7 +2656,7 @@
           <a:bodyPr/>
           <a:lstStyle/>
           <a:p>
-            <a:fld id="{C6C52C72-DE31-F449-A4ED-4C594FD91407}" type="datetimeFigureOut">
+            <a:fld id="{B61BEF0D-F0BB-DE4B-95CE-6DB70DBA9567}" type="datetimeFigureOut">
               <a:rPr lang="en-US" dirty="0"/>
               <a:pPr/>
               <a:t>3/7/2023</a:t>
@@ -1885,6 +2708,44 @@
           </a:p>
         </p:txBody>
       </p:sp>
+      <p:cxnSp>
+        <p:nvCxnSpPr>
+          <p:cNvPr id="14" name="Straight Connector 13"/>
+          <p:cNvCxnSpPr/>
+          <p:nvPr/>
+        </p:nvCxnSpPr>
+        <p:spPr>
+          <a:xfrm>
+            <a:off x="1396169" y="2421466"/>
+            <a:ext cx="9407298" cy="0"/>
+          </a:xfrm>
+          <a:prstGeom prst="line">
+            <a:avLst/>
+          </a:prstGeom>
+          <a:ln w="15875">
+            <a:solidFill>
+              <a:schemeClr val="accent1">
+                <a:lumMod val="60000"/>
+                <a:lumOff val="40000"/>
+              </a:schemeClr>
+            </a:solidFill>
+          </a:ln>
+        </p:spPr>
+        <p:style>
+          <a:lnRef idx="2">
+            <a:schemeClr val="accent1"/>
+          </a:lnRef>
+          <a:fillRef idx="0">
+            <a:schemeClr val="accent1"/>
+          </a:fillRef>
+          <a:effectRef idx="1">
+            <a:schemeClr val="accent1"/>
+          </a:effectRef>
+          <a:fontRef idx="minor">
+            <a:schemeClr val="tx1"/>
+          </a:fontRef>
+        </p:style>
+      </p:cxnSp>
     </p:spTree>
   </p:cSld>
   <p:clrMapOvr>
@@ -1893,7 +2754,7 @@
 </p:sldLayout>
 </file>
 
-<file path=ppt/slideLayouts/slideLayout14.xml><?xml version="1.0" encoding="utf-8"?>
+<file path=ppt/slideLayouts/slideLayout17.xml><?xml version="1.0" encoding="utf-8"?>
 <p:sldLayout xmlns:a="http://schemas.openxmlformats.org/drawingml/2006/main" xmlns:r="http://schemas.openxmlformats.org/officeDocument/2006/relationships" xmlns:p="http://schemas.openxmlformats.org/presentationml/2006/main" type="vertTitleAndTx" preserve="1">
   <p:cSld name="Vertikaler Titel und Text">
     <p:spTree>
@@ -1912,111 +2773,6 @@
       </p:grpSpPr>
       <p:sp>
         <p:nvSpPr>
-          <p:cNvPr id="12" name="Freeform 6"/>
-          <p:cNvSpPr>
-            <a:spLocks noChangeAspect="1"/>
-          </p:cNvSpPr>
-          <p:nvPr/>
-        </p:nvSpPr>
-        <p:spPr bwMode="auto">
-          <a:xfrm>
-            <a:off x="7669651" y="446089"/>
-            <a:ext cx="4522349" cy="5414962"/>
-          </a:xfrm>
-          <a:custGeom>
-            <a:avLst/>
-            <a:gdLst/>
-            <a:ahLst/>
-            <a:cxnLst/>
-            <a:rect l="0" t="0" r="r" b="b"/>
-            <a:pathLst>
-              <a:path w="2879" h="4320">
-                <a:moveTo>
-                  <a:pt x="183" y="0"/>
-                </a:moveTo>
-                <a:lnTo>
-                  <a:pt x="183" y="1197"/>
-                </a:lnTo>
-                <a:lnTo>
-                  <a:pt x="8" y="1372"/>
-                </a:lnTo>
-                <a:lnTo>
-                  <a:pt x="8" y="1372"/>
-                </a:lnTo>
-                <a:lnTo>
-                  <a:pt x="6" y="1376"/>
-                </a:lnTo>
-                <a:lnTo>
-                  <a:pt x="3" y="1382"/>
-                </a:lnTo>
-                <a:lnTo>
-                  <a:pt x="0" y="1387"/>
-                </a:lnTo>
-                <a:lnTo>
-                  <a:pt x="0" y="1393"/>
-                </a:lnTo>
-                <a:lnTo>
-                  <a:pt x="0" y="1399"/>
-                </a:lnTo>
-                <a:lnTo>
-                  <a:pt x="3" y="1404"/>
-                </a:lnTo>
-                <a:lnTo>
-                  <a:pt x="6" y="1410"/>
-                </a:lnTo>
-                <a:lnTo>
-                  <a:pt x="8" y="1414"/>
-                </a:lnTo>
-                <a:lnTo>
-                  <a:pt x="183" y="1589"/>
-                </a:lnTo>
-                <a:lnTo>
-                  <a:pt x="183" y="4320"/>
-                </a:lnTo>
-                <a:lnTo>
-                  <a:pt x="2879" y="4320"/>
-                </a:lnTo>
-                <a:lnTo>
-                  <a:pt x="2879" y="0"/>
-                </a:lnTo>
-                <a:lnTo>
-                  <a:pt x="183" y="0"/>
-                </a:lnTo>
-                <a:close/>
-              </a:path>
-            </a:pathLst>
-          </a:custGeom>
-          <a:ln/>
-          <a:extLst>
-            <a:ext uri="{91240B29-F687-4f45-9708-019B960494DF}">
-              <a14:hiddenLine xmlns:a14="http://schemas.microsoft.com/office/drawing/2010/main" xmlns="" w="9525">
-                <a:solidFill>
-                  <a:srgbClr val="000000"/>
-                </a:solidFill>
-                <a:round/>
-                <a:headEnd/>
-                <a:tailEnd/>
-              </a14:hiddenLine>
-            </a:ext>
-          </a:extLst>
-        </p:spPr>
-        <p:style>
-          <a:lnRef idx="1">
-            <a:schemeClr val="accent1"/>
-          </a:lnRef>
-          <a:fillRef idx="3">
-            <a:schemeClr val="accent1"/>
-          </a:fillRef>
-          <a:effectRef idx="2">
-            <a:schemeClr val="accent1"/>
-          </a:effectRef>
-          <a:fontRef idx="minor">
-            <a:schemeClr val="lt1"/>
-          </a:fontRef>
-        </p:style>
-      </p:sp>
-      <p:sp>
-        <p:nvSpPr>
           <p:cNvPr id="2" name="Vertical Title 1"/>
           <p:cNvSpPr>
             <a:spLocks noGrp="1"/>
@@ -2027,8 +2783,8 @@
         </p:nvSpPr>
         <p:spPr>
           <a:xfrm>
-            <a:off x="8183540" y="586171"/>
-            <a:ext cx="2494791" cy="5134798"/>
+            <a:off x="8999356" y="982131"/>
+            <a:ext cx="1890895" cy="4893735"/>
           </a:xfrm>
         </p:spPr>
         <p:txBody>
@@ -2055,8 +2811,8 @@
         </p:nvSpPr>
         <p:spPr>
           <a:xfrm>
-            <a:off x="810001" y="446089"/>
-            <a:ext cx="6611540" cy="5414962"/>
+            <a:off x="1295398" y="982132"/>
+            <a:ext cx="7433025" cy="4893734"/>
           </a:xfrm>
         </p:spPr>
         <p:txBody>
@@ -2115,7 +2871,7 @@
           <a:bodyPr/>
           <a:lstStyle/>
           <a:p>
-            <a:fld id="{ED62726E-379B-B349-9EED-81ED093FA806}" type="datetimeFigureOut">
+            <a:fld id="{B61BEF0D-F0BB-DE4B-95CE-6DB70DBA9567}" type="datetimeFigureOut">
               <a:rPr lang="en-US" dirty="0"/>
               <a:pPr/>
               <a:t>3/7/2023</a:t>
@@ -2167,6 +2923,44 @@
           </a:p>
         </p:txBody>
       </p:sp>
+      <p:cxnSp>
+        <p:nvCxnSpPr>
+          <p:cNvPr id="14" name="Straight Connector 13"/>
+          <p:cNvCxnSpPr/>
+          <p:nvPr/>
+        </p:nvCxnSpPr>
+        <p:spPr>
+          <a:xfrm>
+            <a:off x="8863890" y="990600"/>
+            <a:ext cx="0" cy="4876800"/>
+          </a:xfrm>
+          <a:prstGeom prst="line">
+            <a:avLst/>
+          </a:prstGeom>
+          <a:ln w="15875">
+            <a:solidFill>
+              <a:schemeClr val="accent1">
+                <a:lumMod val="60000"/>
+                <a:lumOff val="40000"/>
+              </a:schemeClr>
+            </a:solidFill>
+          </a:ln>
+        </p:spPr>
+        <p:style>
+          <a:lnRef idx="2">
+            <a:schemeClr val="accent1"/>
+          </a:lnRef>
+          <a:fillRef idx="0">
+            <a:schemeClr val="accent1"/>
+          </a:fillRef>
+          <a:effectRef idx="1">
+            <a:schemeClr val="accent1"/>
+          </a:effectRef>
+          <a:fontRef idx="minor">
+            <a:schemeClr val="tx1"/>
+          </a:fontRef>
+        </p:style>
+      </p:cxnSp>
     </p:spTree>
   </p:cSld>
   <p:clrMapOvr>
@@ -2192,109 +2986,44 @@
           <a:chExt cx="0" cy="0"/>
         </a:xfrm>
       </p:grpSpPr>
-      <p:sp>
-        <p:nvSpPr>
-          <p:cNvPr id="11" name="Freeform 6"/>
-          <p:cNvSpPr/>
+      <p:cxnSp>
+        <p:nvCxnSpPr>
+          <p:cNvPr id="7" name="Straight Connector 6"/>
+          <p:cNvCxnSpPr/>
           <p:nvPr/>
-        </p:nvSpPr>
-        <p:spPr bwMode="auto">
+        </p:nvCxnSpPr>
+        <p:spPr>
           <a:xfrm>
-            <a:off x="0" y="0"/>
-            <a:ext cx="12192000" cy="2185988"/>
+            <a:off x="1396169" y="2421466"/>
+            <a:ext cx="9407298" cy="0"/>
           </a:xfrm>
-          <a:custGeom>
+          <a:prstGeom prst="line">
             <a:avLst/>
-            <a:gdLst/>
-            <a:ahLst/>
-            <a:cxnLst/>
-            <a:rect l="0" t="0" r="r" b="b"/>
-            <a:pathLst>
-              <a:path w="5760" h="1377">
-                <a:moveTo>
-                  <a:pt x="5760" y="0"/>
-                </a:moveTo>
-                <a:lnTo>
-                  <a:pt x="0" y="0"/>
-                </a:lnTo>
-                <a:lnTo>
-                  <a:pt x="0" y="1189"/>
-                </a:lnTo>
-                <a:lnTo>
-                  <a:pt x="943" y="1189"/>
-                </a:lnTo>
-                <a:lnTo>
-                  <a:pt x="1123" y="1369"/>
-                </a:lnTo>
-                <a:lnTo>
-                  <a:pt x="1123" y="1369"/>
-                </a:lnTo>
-                <a:lnTo>
-                  <a:pt x="1127" y="1371"/>
-                </a:lnTo>
-                <a:lnTo>
-                  <a:pt x="1133" y="1374"/>
-                </a:lnTo>
-                <a:lnTo>
-                  <a:pt x="1139" y="1377"/>
-                </a:lnTo>
-                <a:lnTo>
-                  <a:pt x="1144" y="1377"/>
-                </a:lnTo>
-                <a:lnTo>
-                  <a:pt x="1150" y="1377"/>
-                </a:lnTo>
-                <a:lnTo>
-                  <a:pt x="1155" y="1374"/>
-                </a:lnTo>
-                <a:lnTo>
-                  <a:pt x="1161" y="1371"/>
-                </a:lnTo>
-                <a:lnTo>
-                  <a:pt x="1165" y="1369"/>
-                </a:lnTo>
-                <a:lnTo>
-                  <a:pt x="1345" y="1189"/>
-                </a:lnTo>
-                <a:lnTo>
-                  <a:pt x="5760" y="1189"/>
-                </a:lnTo>
-                <a:lnTo>
-                  <a:pt x="5760" y="0"/>
-                </a:lnTo>
-                <a:close/>
-              </a:path>
-            </a:pathLst>
-          </a:custGeom>
-          <a:ln/>
-          <a:extLst>
-            <a:ext uri="{91240B29-F687-4f45-9708-019B960494DF}">
-              <a14:hiddenLine xmlns:a14="http://schemas.microsoft.com/office/drawing/2010/main" xmlns="" w="9525">
-                <a:solidFill>
-                  <a:srgbClr val="000000"/>
-                </a:solidFill>
-                <a:round/>
-                <a:headEnd/>
-                <a:tailEnd/>
-              </a14:hiddenLine>
-            </a:ext>
-          </a:extLst>
+          </a:prstGeom>
+          <a:ln>
+            <a:solidFill>
+              <a:schemeClr val="accent1">
+                <a:lumMod val="60000"/>
+                <a:lumOff val="40000"/>
+              </a:schemeClr>
+            </a:solidFill>
+          </a:ln>
         </p:spPr>
         <p:style>
-          <a:lnRef idx="1">
+          <a:lnRef idx="2">
             <a:schemeClr val="accent1"/>
           </a:lnRef>
-          <a:fillRef idx="3">
+          <a:fillRef idx="0">
             <a:schemeClr val="accent1"/>
           </a:fillRef>
-          <a:effectRef idx="2">
+          <a:effectRef idx="1">
             <a:schemeClr val="accent1"/>
           </a:effectRef>
           <a:fontRef idx="minor">
-            <a:schemeClr val="lt1"/>
+            <a:schemeClr val="tx1"/>
           </a:fontRef>
         </p:style>
-      </p:sp>
+      </p:cxnSp>
       <p:sp>
         <p:nvSpPr>
           <p:cNvPr id="2" name="Title 1"/>
@@ -2305,12 +3034,7 @@
             <p:ph type="title"/>
           </p:nvPr>
         </p:nvSpPr>
-        <p:spPr>
-          <a:xfrm>
-            <a:off x="810000" y="447188"/>
-            <a:ext cx="10571998" cy="970450"/>
-          </a:xfrm>
-        </p:spPr>
+        <p:spPr/>
         <p:txBody>
           <a:bodyPr/>
           <a:lstStyle/>
@@ -2333,12 +3057,7 @@
             <p:ph idx="1"/>
           </p:nvPr>
         </p:nvSpPr>
-        <p:spPr>
-          <a:xfrm>
-            <a:off x="818712" y="2222287"/>
-            <a:ext cx="10554574" cy="3636511"/>
-          </a:xfrm>
-        </p:spPr>
+        <p:spPr/>
         <p:txBody>
           <a:bodyPr/>
           <a:lstStyle/>
@@ -2395,9 +3114,8 @@
           <a:bodyPr/>
           <a:lstStyle/>
           <a:p>
-            <a:fld id="{9B3A1323-8D79-1946-B0D7-40001CF92E9D}" type="datetimeFigureOut">
+            <a:fld id="{05BFA754-D5C3-4E66-96A6-867B257F58DC}" type="datetimeFigureOut">
               <a:rPr lang="en-US" dirty="0"/>
-              <a:pPr/>
               <a:t>3/7/2023</a:t>
             </a:fld>
             <a:endParaRPr lang="en-US" dirty="0"/>
@@ -2438,9 +3156,8 @@
           <a:bodyPr/>
           <a:lstStyle/>
           <a:p>
-            <a:fld id="{D57F1E4F-1CFF-5643-939E-217C01CDF565}" type="slidenum">
+            <a:fld id="{5D84065D-F351-4B03-BD91-D8A6B8D4B362}" type="slidenum">
               <a:rPr lang="en-US" dirty="0"/>
-              <a:pPr/>
               <a:t>‹Nr.›</a:t>
             </a:fld>
             <a:endParaRPr lang="en-US" dirty="0"/>
@@ -2474,103 +3191,6 @@
       </p:grpSpPr>
       <p:sp>
         <p:nvSpPr>
-          <p:cNvPr id="10" name="Freeform 7"/>
-          <p:cNvSpPr/>
-          <p:nvPr/>
-        </p:nvSpPr>
-        <p:spPr bwMode="auto">
-          <a:xfrm>
-            <a:off x="0" y="1"/>
-            <a:ext cx="12192000" cy="5203825"/>
-          </a:xfrm>
-          <a:custGeom>
-            <a:avLst/>
-            <a:gdLst/>
-            <a:ahLst/>
-            <a:cxnLst/>
-            <a:rect l="0" t="0" r="r" b="b"/>
-            <a:pathLst>
-              <a:path w="5760" h="3278">
-                <a:moveTo>
-                  <a:pt x="0" y="0"/>
-                </a:moveTo>
-                <a:lnTo>
-                  <a:pt x="5760" y="0"/>
-                </a:lnTo>
-                <a:lnTo>
-                  <a:pt x="5760" y="3090"/>
-                </a:lnTo>
-                <a:lnTo>
-                  <a:pt x="4817" y="3090"/>
-                </a:lnTo>
-                <a:lnTo>
-                  <a:pt x="4637" y="3270"/>
-                </a:lnTo>
-                <a:lnTo>
-                  <a:pt x="4637" y="3270"/>
-                </a:lnTo>
-                <a:lnTo>
-                  <a:pt x="4633" y="3272"/>
-                </a:lnTo>
-                <a:lnTo>
-                  <a:pt x="4627" y="3275"/>
-                </a:lnTo>
-                <a:lnTo>
-                  <a:pt x="4621" y="3278"/>
-                </a:lnTo>
-                <a:lnTo>
-                  <a:pt x="4616" y="3278"/>
-                </a:lnTo>
-                <a:lnTo>
-                  <a:pt x="4610" y="3278"/>
-                </a:lnTo>
-                <a:lnTo>
-                  <a:pt x="4605" y="3275"/>
-                </a:lnTo>
-                <a:lnTo>
-                  <a:pt x="4599" y="3272"/>
-                </a:lnTo>
-                <a:lnTo>
-                  <a:pt x="4595" y="3270"/>
-                </a:lnTo>
-                <a:lnTo>
-                  <a:pt x="4415" y="3090"/>
-                </a:lnTo>
-                <a:lnTo>
-                  <a:pt x="0" y="3090"/>
-                </a:lnTo>
-                <a:lnTo>
-                  <a:pt x="0" y="0"/>
-                </a:lnTo>
-                <a:lnTo>
-                  <a:pt x="0" y="0"/>
-                </a:lnTo>
-                <a:close/>
-              </a:path>
-            </a:pathLst>
-          </a:custGeom>
-          <a:ln>
-            <a:headEnd/>
-            <a:tailEnd/>
-          </a:ln>
-        </p:spPr>
-        <p:style>
-          <a:lnRef idx="1">
-            <a:schemeClr val="accent1"/>
-          </a:lnRef>
-          <a:fillRef idx="3">
-            <a:schemeClr val="accent1"/>
-          </a:fillRef>
-          <a:effectRef idx="2">
-            <a:schemeClr val="accent1"/>
-          </a:effectRef>
-          <a:fontRef idx="minor">
-            <a:schemeClr val="lt1"/>
-          </a:fontRef>
-        </p:style>
-      </p:sp>
-      <p:sp>
-        <p:nvSpPr>
           <p:cNvPr id="2" name="Title 1"/>
           <p:cNvSpPr>
             <a:spLocks noGrp="1"/>
@@ -2581,15 +3201,17 @@
         </p:nvSpPr>
         <p:spPr>
           <a:xfrm>
-            <a:off x="810000" y="2951396"/>
-            <a:ext cx="10561418" cy="1468800"/>
+            <a:off x="2015069" y="1752606"/>
+            <a:ext cx="8158688" cy="1822514"/>
           </a:xfrm>
         </p:spPr>
         <p:txBody>
-          <a:bodyPr anchor="b"/>
+          <a:bodyPr anchor="b">
+            <a:normAutofit/>
+          </a:bodyPr>
           <a:lstStyle>
-            <a:lvl1pPr algn="r">
-              <a:defRPr sz="4800" b="1" cap="none"/>
+            <a:lvl1pPr algn="ctr">
+              <a:defRPr sz="4400" b="0" cap="none"/>
             </a:lvl1pPr>
           </a:lstStyle>
           <a:p>
@@ -2613,18 +3235,18 @@
         </p:nvSpPr>
         <p:spPr>
           <a:xfrm>
-            <a:off x="810000" y="5281201"/>
-            <a:ext cx="10561418" cy="433955"/>
+            <a:off x="2015067" y="3846051"/>
+            <a:ext cx="8158690" cy="954547"/>
           </a:xfrm>
         </p:spPr>
         <p:txBody>
           <a:bodyPr anchor="t">
-            <a:noAutofit/>
+            <a:normAutofit/>
           </a:bodyPr>
           <a:lstStyle>
-            <a:lvl1pPr marL="0" indent="0" algn="r">
-              <a:buNone/>
-              <a:defRPr sz="1800">
+            <a:lvl1pPr marL="0" indent="0" algn="ctr">
+              <a:buNone/>
+              <a:defRPr sz="2400">
                 <a:solidFill>
                   <a:schemeClr val="tx1"/>
                 </a:solidFill>
@@ -2735,7 +3357,7 @@
           <a:bodyPr/>
           <a:lstStyle/>
           <a:p>
-            <a:fld id="{8DFA1846-DA80-1C48-A609-854EA85C59AD}" type="datetimeFigureOut">
+            <a:fld id="{B61BEF0D-F0BB-DE4B-95CE-6DB70DBA9567}" type="datetimeFigureOut">
               <a:rPr lang="en-US" dirty="0"/>
               <a:pPr/>
               <a:t>3/7/2023</a:t>
@@ -2787,6 +3409,44 @@
           </a:p>
         </p:txBody>
       </p:sp>
+      <p:cxnSp>
+        <p:nvCxnSpPr>
+          <p:cNvPr id="16" name="Straight Connector 15"/>
+          <p:cNvCxnSpPr/>
+          <p:nvPr/>
+        </p:nvCxnSpPr>
+        <p:spPr>
+          <a:xfrm>
+            <a:off x="2012723" y="3710585"/>
+            <a:ext cx="8163380" cy="0"/>
+          </a:xfrm>
+          <a:prstGeom prst="line">
+            <a:avLst/>
+          </a:prstGeom>
+          <a:ln w="15875">
+            <a:solidFill>
+              <a:schemeClr val="accent1">
+                <a:lumMod val="60000"/>
+                <a:lumOff val="40000"/>
+              </a:schemeClr>
+            </a:solidFill>
+          </a:ln>
+        </p:spPr>
+        <p:style>
+          <a:lnRef idx="2">
+            <a:schemeClr val="accent1"/>
+          </a:lnRef>
+          <a:fillRef idx="0">
+            <a:schemeClr val="accent1"/>
+          </a:fillRef>
+          <a:effectRef idx="1">
+            <a:schemeClr val="accent1"/>
+          </a:effectRef>
+          <a:fontRef idx="minor">
+            <a:schemeClr val="tx1"/>
+          </a:fontRef>
+        </p:style>
+      </p:cxnSp>
     </p:spTree>
   </p:cSld>
   <p:clrMapOvr>
@@ -2812,109 +3472,44 @@
           <a:chExt cx="0" cy="0"/>
         </a:xfrm>
       </p:grpSpPr>
-      <p:sp>
-        <p:nvSpPr>
-          <p:cNvPr id="8" name="Freeform 6"/>
-          <p:cNvSpPr/>
+      <p:cxnSp>
+        <p:nvCxnSpPr>
+          <p:cNvPr id="8" name="Straight Connector 7"/>
+          <p:cNvCxnSpPr/>
           <p:nvPr/>
-        </p:nvSpPr>
-        <p:spPr bwMode="auto">
+        </p:nvCxnSpPr>
+        <p:spPr>
           <a:xfrm>
-            <a:off x="0" y="0"/>
-            <a:ext cx="12192000" cy="2185988"/>
+            <a:off x="1396169" y="2421466"/>
+            <a:ext cx="9407298" cy="0"/>
           </a:xfrm>
-          <a:custGeom>
+          <a:prstGeom prst="line">
             <a:avLst/>
-            <a:gdLst/>
-            <a:ahLst/>
-            <a:cxnLst/>
-            <a:rect l="0" t="0" r="r" b="b"/>
-            <a:pathLst>
-              <a:path w="5760" h="1377">
-                <a:moveTo>
-                  <a:pt x="5760" y="0"/>
-                </a:moveTo>
-                <a:lnTo>
-                  <a:pt x="0" y="0"/>
-                </a:lnTo>
-                <a:lnTo>
-                  <a:pt x="0" y="1189"/>
-                </a:lnTo>
-                <a:lnTo>
-                  <a:pt x="943" y="1189"/>
-                </a:lnTo>
-                <a:lnTo>
-                  <a:pt x="1123" y="1369"/>
-                </a:lnTo>
-                <a:lnTo>
-                  <a:pt x="1123" y="1369"/>
-                </a:lnTo>
-                <a:lnTo>
-                  <a:pt x="1127" y="1371"/>
-                </a:lnTo>
-                <a:lnTo>
-                  <a:pt x="1133" y="1374"/>
-                </a:lnTo>
-                <a:lnTo>
-                  <a:pt x="1139" y="1377"/>
-                </a:lnTo>
-                <a:lnTo>
-                  <a:pt x="1144" y="1377"/>
-                </a:lnTo>
-                <a:lnTo>
-                  <a:pt x="1150" y="1377"/>
-                </a:lnTo>
-                <a:lnTo>
-                  <a:pt x="1155" y="1374"/>
-                </a:lnTo>
-                <a:lnTo>
-                  <a:pt x="1161" y="1371"/>
-                </a:lnTo>
-                <a:lnTo>
-                  <a:pt x="1165" y="1369"/>
-                </a:lnTo>
-                <a:lnTo>
-                  <a:pt x="1345" y="1189"/>
-                </a:lnTo>
-                <a:lnTo>
-                  <a:pt x="5760" y="1189"/>
-                </a:lnTo>
-                <a:lnTo>
-                  <a:pt x="5760" y="0"/>
-                </a:lnTo>
-                <a:close/>
-              </a:path>
-            </a:pathLst>
-          </a:custGeom>
-          <a:ln/>
-          <a:extLst>
-            <a:ext uri="{91240B29-F687-4f45-9708-019B960494DF}">
-              <a14:hiddenLine xmlns:a14="http://schemas.microsoft.com/office/drawing/2010/main" xmlns="" w="9525">
-                <a:solidFill>
-                  <a:srgbClr val="000000"/>
-                </a:solidFill>
-                <a:round/>
-                <a:headEnd/>
-                <a:tailEnd/>
-              </a14:hiddenLine>
-            </a:ext>
-          </a:extLst>
+          </a:prstGeom>
+          <a:ln w="15875">
+            <a:solidFill>
+              <a:schemeClr val="accent1">
+                <a:lumMod val="60000"/>
+                <a:lumOff val="40000"/>
+              </a:schemeClr>
+            </a:solidFill>
+          </a:ln>
         </p:spPr>
         <p:style>
-          <a:lnRef idx="1">
+          <a:lnRef idx="2">
             <a:schemeClr val="accent1"/>
           </a:lnRef>
-          <a:fillRef idx="3">
+          <a:fillRef idx="0">
             <a:schemeClr val="accent1"/>
           </a:fillRef>
-          <a:effectRef idx="2">
+          <a:effectRef idx="1">
             <a:schemeClr val="accent1"/>
           </a:effectRef>
           <a:fontRef idx="minor">
-            <a:schemeClr val="lt1"/>
+            <a:schemeClr val="tx1"/>
           </a:fontRef>
         </p:style>
-      </p:sp>
+      </p:cxnSp>
       <p:sp>
         <p:nvSpPr>
           <p:cNvPr id="2" name="Title 1"/>
@@ -2950,8 +3545,8 @@
         </p:nvSpPr>
         <p:spPr>
           <a:xfrm>
-            <a:off x="818712" y="2222287"/>
-            <a:ext cx="5185873" cy="3638763"/>
+            <a:off x="1298448" y="2560320"/>
+            <a:ext cx="4718304" cy="3310128"/>
           </a:xfrm>
         </p:spPr>
         <p:txBody>
@@ -3009,8 +3604,8 @@
         </p:nvSpPr>
         <p:spPr>
           <a:xfrm>
-            <a:off x="6187415" y="2222287"/>
-            <a:ext cx="5194583" cy="3638764"/>
+            <a:off x="6181344" y="2560320"/>
+            <a:ext cx="4718304" cy="3310128"/>
           </a:xfrm>
         </p:spPr>
         <p:txBody>
@@ -3071,9 +3666,8 @@
           <a:bodyPr/>
           <a:lstStyle/>
           <a:p>
-            <a:fld id="{57302355-E14B-8545-A8F8-0FE83CC9D524}" type="datetimeFigureOut">
+            <a:fld id="{05BFA754-D5C3-4E66-96A6-867B257F58DC}" type="datetimeFigureOut">
               <a:rPr lang="en-US" dirty="0"/>
-              <a:pPr/>
               <a:t>3/7/2023</a:t>
             </a:fld>
             <a:endParaRPr lang="en-US" dirty="0"/>
@@ -3114,9 +3708,8 @@
           <a:bodyPr/>
           <a:lstStyle/>
           <a:p>
-            <a:fld id="{D57F1E4F-1CFF-5643-939E-217C01CDF565}" type="slidenum">
+            <a:fld id="{5D84065D-F351-4B03-BD91-D8A6B8D4B362}" type="slidenum">
               <a:rPr lang="en-US" dirty="0"/>
-              <a:pPr/>
               <a:t>‹Nr.›</a:t>
             </a:fld>
             <a:endParaRPr lang="en-US" dirty="0"/>
@@ -3150,109 +3743,6 @@
       </p:grpSpPr>
       <p:sp>
         <p:nvSpPr>
-          <p:cNvPr id="10" name="Freeform 6"/>
-          <p:cNvSpPr/>
-          <p:nvPr/>
-        </p:nvSpPr>
-        <p:spPr bwMode="auto">
-          <a:xfrm>
-            <a:off x="0" y="0"/>
-            <a:ext cx="12192000" cy="2185988"/>
-          </a:xfrm>
-          <a:custGeom>
-            <a:avLst/>
-            <a:gdLst/>
-            <a:ahLst/>
-            <a:cxnLst/>
-            <a:rect l="0" t="0" r="r" b="b"/>
-            <a:pathLst>
-              <a:path w="5760" h="1377">
-                <a:moveTo>
-                  <a:pt x="5760" y="0"/>
-                </a:moveTo>
-                <a:lnTo>
-                  <a:pt x="0" y="0"/>
-                </a:lnTo>
-                <a:lnTo>
-                  <a:pt x="0" y="1189"/>
-                </a:lnTo>
-                <a:lnTo>
-                  <a:pt x="943" y="1189"/>
-                </a:lnTo>
-                <a:lnTo>
-                  <a:pt x="1123" y="1369"/>
-                </a:lnTo>
-                <a:lnTo>
-                  <a:pt x="1123" y="1369"/>
-                </a:lnTo>
-                <a:lnTo>
-                  <a:pt x="1127" y="1371"/>
-                </a:lnTo>
-                <a:lnTo>
-                  <a:pt x="1133" y="1374"/>
-                </a:lnTo>
-                <a:lnTo>
-                  <a:pt x="1139" y="1377"/>
-                </a:lnTo>
-                <a:lnTo>
-                  <a:pt x="1144" y="1377"/>
-                </a:lnTo>
-                <a:lnTo>
-                  <a:pt x="1150" y="1377"/>
-                </a:lnTo>
-                <a:lnTo>
-                  <a:pt x="1155" y="1374"/>
-                </a:lnTo>
-                <a:lnTo>
-                  <a:pt x="1161" y="1371"/>
-                </a:lnTo>
-                <a:lnTo>
-                  <a:pt x="1165" y="1369"/>
-                </a:lnTo>
-                <a:lnTo>
-                  <a:pt x="1345" y="1189"/>
-                </a:lnTo>
-                <a:lnTo>
-                  <a:pt x="5760" y="1189"/>
-                </a:lnTo>
-                <a:lnTo>
-                  <a:pt x="5760" y="0"/>
-                </a:lnTo>
-                <a:close/>
-              </a:path>
-            </a:pathLst>
-          </a:custGeom>
-          <a:ln/>
-          <a:extLst>
-            <a:ext uri="{91240B29-F687-4f45-9708-019B960494DF}">
-              <a14:hiddenLine xmlns:a14="http://schemas.microsoft.com/office/drawing/2010/main" xmlns="" w="9525">
-                <a:solidFill>
-                  <a:srgbClr val="000000"/>
-                </a:solidFill>
-                <a:round/>
-                <a:headEnd/>
-                <a:tailEnd/>
-              </a14:hiddenLine>
-            </a:ext>
-          </a:extLst>
-        </p:spPr>
-        <p:style>
-          <a:lnRef idx="1">
-            <a:schemeClr val="accent1"/>
-          </a:lnRef>
-          <a:fillRef idx="3">
-            <a:schemeClr val="accent1"/>
-          </a:fillRef>
-          <a:effectRef idx="2">
-            <a:schemeClr val="accent1"/>
-          </a:effectRef>
-          <a:fontRef idx="minor">
-            <a:schemeClr val="lt1"/>
-          </a:fontRef>
-        </p:style>
-      </p:sp>
-      <p:sp>
-        <p:nvSpPr>
           <p:cNvPr id="2" name="Title 1"/>
           <p:cNvSpPr>
             <a:spLocks noGrp="1"/>
@@ -3290,8 +3780,8 @@
         </p:nvSpPr>
         <p:spPr>
           <a:xfrm>
-            <a:off x="814728" y="2174875"/>
-            <a:ext cx="5189857" cy="576262"/>
+            <a:off x="1295400" y="2658533"/>
+            <a:ext cx="4718304" cy="576262"/>
           </a:xfrm>
         </p:spPr>
         <p:txBody>
@@ -3299,9 +3789,13 @@
             <a:noAutofit/>
           </a:bodyPr>
           <a:lstStyle>
-            <a:lvl1pPr marL="0" indent="0" algn="ctr">
-              <a:buNone/>
-              <a:defRPr sz="2000" b="0"/>
+            <a:lvl1pPr marL="0" indent="0">
+              <a:buNone/>
+              <a:defRPr sz="2800" b="0">
+                <a:solidFill>
+                  <a:schemeClr val="accent1"/>
+                </a:solidFill>
+              </a:defRPr>
             </a:lvl1pPr>
             <a:lvl2pPr marL="457200" indent="0">
               <a:buNone/>
@@ -3357,8 +3851,8 @@
         </p:nvSpPr>
         <p:spPr>
           <a:xfrm>
-            <a:off x="814729" y="2751138"/>
-            <a:ext cx="5189856" cy="3109913"/>
+            <a:off x="1295400" y="3243262"/>
+            <a:ext cx="4718304" cy="2632605"/>
           </a:xfrm>
         </p:spPr>
         <p:txBody>
@@ -3416,8 +3910,8 @@
         </p:nvSpPr>
         <p:spPr>
           <a:xfrm>
-            <a:off x="6187415" y="2174875"/>
-            <a:ext cx="5194583" cy="576262"/>
+            <a:off x="6180671" y="2658533"/>
+            <a:ext cx="4718304" cy="576262"/>
           </a:xfrm>
         </p:spPr>
         <p:txBody>
@@ -3425,9 +3919,13 @@
             <a:noAutofit/>
           </a:bodyPr>
           <a:lstStyle>
-            <a:lvl1pPr marL="0" indent="0" algn="ctr">
-              <a:buNone/>
-              <a:defRPr sz="2000" b="0"/>
+            <a:lvl1pPr marL="0" indent="0">
+              <a:buNone/>
+              <a:defRPr sz="2800" b="0">
+                <a:solidFill>
+                  <a:schemeClr val="accent1"/>
+                </a:solidFill>
+              </a:defRPr>
             </a:lvl1pPr>
             <a:lvl2pPr marL="457200" indent="0">
               <a:buNone/>
@@ -3483,8 +3981,8 @@
         </p:nvSpPr>
         <p:spPr>
           <a:xfrm>
-            <a:off x="6187415" y="2751138"/>
-            <a:ext cx="5194583" cy="3109913"/>
+            <a:off x="6180671" y="3243262"/>
+            <a:ext cx="4718304" cy="2632605"/>
           </a:xfrm>
         </p:spPr>
         <p:txBody>
@@ -3545,7 +4043,7 @@
           <a:bodyPr/>
           <a:lstStyle/>
           <a:p>
-            <a:fld id="{02640F58-564D-2B4F-AE67-E407BA4FCF45}" type="datetimeFigureOut">
+            <a:fld id="{B61BEF0D-F0BB-DE4B-95CE-6DB70DBA9567}" type="datetimeFigureOut">
               <a:rPr lang="en-US" dirty="0"/>
               <a:pPr/>
               <a:t>3/7/2023</a:t>
@@ -3597,6 +4095,44 @@
           </a:p>
         </p:txBody>
       </p:sp>
+      <p:cxnSp>
+        <p:nvCxnSpPr>
+          <p:cNvPr id="18" name="Straight Connector 17"/>
+          <p:cNvCxnSpPr/>
+          <p:nvPr/>
+        </p:nvCxnSpPr>
+        <p:spPr>
+          <a:xfrm>
+            <a:off x="1396169" y="2421466"/>
+            <a:ext cx="9407298" cy="0"/>
+          </a:xfrm>
+          <a:prstGeom prst="line">
+            <a:avLst/>
+          </a:prstGeom>
+          <a:ln w="15875">
+            <a:solidFill>
+              <a:schemeClr val="accent1">
+                <a:lumMod val="60000"/>
+                <a:lumOff val="40000"/>
+              </a:schemeClr>
+            </a:solidFill>
+          </a:ln>
+        </p:spPr>
+        <p:style>
+          <a:lnRef idx="2">
+            <a:schemeClr val="accent1"/>
+          </a:lnRef>
+          <a:fillRef idx="0">
+            <a:schemeClr val="accent1"/>
+          </a:fillRef>
+          <a:effectRef idx="1">
+            <a:schemeClr val="accent1"/>
+          </a:effectRef>
+          <a:fontRef idx="minor">
+            <a:schemeClr val="tx1"/>
+          </a:fontRef>
+        </p:style>
+      </p:cxnSp>
     </p:spTree>
   </p:cSld>
   <p:clrMapOvr>
@@ -3624,109 +4160,6 @@
       </p:grpSpPr>
       <p:sp>
         <p:nvSpPr>
-          <p:cNvPr id="6" name="Freeform 6"/>
-          <p:cNvSpPr/>
-          <p:nvPr/>
-        </p:nvSpPr>
-        <p:spPr bwMode="auto">
-          <a:xfrm>
-            <a:off x="0" y="0"/>
-            <a:ext cx="12192000" cy="2185988"/>
-          </a:xfrm>
-          <a:custGeom>
-            <a:avLst/>
-            <a:gdLst/>
-            <a:ahLst/>
-            <a:cxnLst/>
-            <a:rect l="0" t="0" r="r" b="b"/>
-            <a:pathLst>
-              <a:path w="5760" h="1377">
-                <a:moveTo>
-                  <a:pt x="5760" y="0"/>
-                </a:moveTo>
-                <a:lnTo>
-                  <a:pt x="0" y="0"/>
-                </a:lnTo>
-                <a:lnTo>
-                  <a:pt x="0" y="1189"/>
-                </a:lnTo>
-                <a:lnTo>
-                  <a:pt x="943" y="1189"/>
-                </a:lnTo>
-                <a:lnTo>
-                  <a:pt x="1123" y="1369"/>
-                </a:lnTo>
-                <a:lnTo>
-                  <a:pt x="1123" y="1369"/>
-                </a:lnTo>
-                <a:lnTo>
-                  <a:pt x="1127" y="1371"/>
-                </a:lnTo>
-                <a:lnTo>
-                  <a:pt x="1133" y="1374"/>
-                </a:lnTo>
-                <a:lnTo>
-                  <a:pt x="1139" y="1377"/>
-                </a:lnTo>
-                <a:lnTo>
-                  <a:pt x="1144" y="1377"/>
-                </a:lnTo>
-                <a:lnTo>
-                  <a:pt x="1150" y="1377"/>
-                </a:lnTo>
-                <a:lnTo>
-                  <a:pt x="1155" y="1374"/>
-                </a:lnTo>
-                <a:lnTo>
-                  <a:pt x="1161" y="1371"/>
-                </a:lnTo>
-                <a:lnTo>
-                  <a:pt x="1165" y="1369"/>
-                </a:lnTo>
-                <a:lnTo>
-                  <a:pt x="1345" y="1189"/>
-                </a:lnTo>
-                <a:lnTo>
-                  <a:pt x="5760" y="1189"/>
-                </a:lnTo>
-                <a:lnTo>
-                  <a:pt x="5760" y="0"/>
-                </a:lnTo>
-                <a:close/>
-              </a:path>
-            </a:pathLst>
-          </a:custGeom>
-          <a:ln/>
-          <a:extLst>
-            <a:ext uri="{91240B29-F687-4f45-9708-019B960494DF}">
-              <a14:hiddenLine xmlns:a14="http://schemas.microsoft.com/office/drawing/2010/main" xmlns="" w="9525">
-                <a:solidFill>
-                  <a:srgbClr val="000000"/>
-                </a:solidFill>
-                <a:round/>
-                <a:headEnd/>
-                <a:tailEnd/>
-              </a14:hiddenLine>
-            </a:ext>
-          </a:extLst>
-        </p:spPr>
-        <p:style>
-          <a:lnRef idx="1">
-            <a:schemeClr val="accent1"/>
-          </a:lnRef>
-          <a:fillRef idx="3">
-            <a:schemeClr val="accent1"/>
-          </a:fillRef>
-          <a:effectRef idx="2">
-            <a:schemeClr val="accent1"/>
-          </a:effectRef>
-          <a:fontRef idx="minor">
-            <a:schemeClr val="lt1"/>
-          </a:fontRef>
-        </p:style>
-      </p:sp>
-      <p:sp>
-        <p:nvSpPr>
           <p:cNvPr id="2" name="Title 1"/>
           <p:cNvSpPr>
             <a:spLocks noGrp="1"/>
@@ -3763,7 +4196,7 @@
           <a:bodyPr/>
           <a:lstStyle/>
           <a:p>
-            <a:fld id="{F13A34C8-038E-2045-AF43-DF7DBB8E0E9E}" type="datetimeFigureOut">
+            <a:fld id="{B61BEF0D-F0BB-DE4B-95CE-6DB70DBA9567}" type="datetimeFigureOut">
               <a:rPr lang="en-US" dirty="0"/>
               <a:pPr/>
               <a:t>3/7/2023</a:t>
@@ -3815,6 +4248,44 @@
           </a:p>
         </p:txBody>
       </p:sp>
+      <p:cxnSp>
+        <p:nvCxnSpPr>
+          <p:cNvPr id="14" name="Straight Connector 13"/>
+          <p:cNvCxnSpPr/>
+          <p:nvPr/>
+        </p:nvCxnSpPr>
+        <p:spPr>
+          <a:xfrm>
+            <a:off x="1396169" y="2421466"/>
+            <a:ext cx="9407298" cy="0"/>
+          </a:xfrm>
+          <a:prstGeom prst="line">
+            <a:avLst/>
+          </a:prstGeom>
+          <a:ln w="15875">
+            <a:solidFill>
+              <a:schemeClr val="accent1">
+                <a:lumMod val="60000"/>
+                <a:lumOff val="40000"/>
+              </a:schemeClr>
+            </a:solidFill>
+          </a:ln>
+        </p:spPr>
+        <p:style>
+          <a:lnRef idx="2">
+            <a:schemeClr val="accent1"/>
+          </a:lnRef>
+          <a:fillRef idx="0">
+            <a:schemeClr val="accent1"/>
+          </a:fillRef>
+          <a:effectRef idx="1">
+            <a:schemeClr val="accent1"/>
+          </a:effectRef>
+          <a:fontRef idx="minor">
+            <a:schemeClr val="tx1"/>
+          </a:fontRef>
+        </p:style>
+      </p:cxnSp>
     </p:spTree>
   </p:cSld>
   <p:clrMapOvr>
@@ -3855,7 +4326,7 @@
           <a:bodyPr/>
           <a:lstStyle/>
           <a:p>
-            <a:fld id="{8818C68F-D26B-8F47-958C-23B49CF8A634}" type="datetimeFigureOut">
+            <a:fld id="{B61BEF0D-F0BB-DE4B-95CE-6DB70DBA9567}" type="datetimeFigureOut">
               <a:rPr lang="en-US" dirty="0"/>
               <a:pPr/>
               <a:t>3/7/2023</a:t>
@@ -3934,222 +4405,6 @@
       </p:grpSpPr>
       <p:sp>
         <p:nvSpPr>
-          <p:cNvPr id="12" name="Freeform 6"/>
-          <p:cNvSpPr>
-            <a:spLocks noChangeAspect="1"/>
-          </p:cNvSpPr>
-          <p:nvPr/>
-        </p:nvSpPr>
-        <p:spPr bwMode="auto">
-          <a:xfrm>
-            <a:off x="1073151" y="446087"/>
-            <a:ext cx="3547533" cy="1814651"/>
-          </a:xfrm>
-          <a:custGeom>
-            <a:avLst/>
-            <a:gdLst/>
-            <a:ahLst/>
-            <a:cxnLst/>
-            <a:rect l="0" t="0" r="r" b="b"/>
-            <a:pathLst>
-              <a:path w="3384" h="2308">
-                <a:moveTo>
-                  <a:pt x="3340" y="0"/>
-                </a:moveTo>
-                <a:lnTo>
-                  <a:pt x="44" y="0"/>
-                </a:lnTo>
-                <a:lnTo>
-                  <a:pt x="44" y="0"/>
-                </a:lnTo>
-                <a:lnTo>
-                  <a:pt x="34" y="0"/>
-                </a:lnTo>
-                <a:lnTo>
-                  <a:pt x="26" y="4"/>
-                </a:lnTo>
-                <a:lnTo>
-                  <a:pt x="20" y="8"/>
-                </a:lnTo>
-                <a:lnTo>
-                  <a:pt x="12" y="12"/>
-                </a:lnTo>
-                <a:lnTo>
-                  <a:pt x="8" y="20"/>
-                </a:lnTo>
-                <a:lnTo>
-                  <a:pt x="4" y="26"/>
-                </a:lnTo>
-                <a:lnTo>
-                  <a:pt x="0" y="34"/>
-                </a:lnTo>
-                <a:lnTo>
-                  <a:pt x="0" y="44"/>
-                </a:lnTo>
-                <a:lnTo>
-                  <a:pt x="0" y="2076"/>
-                </a:lnTo>
-                <a:lnTo>
-                  <a:pt x="0" y="2076"/>
-                </a:lnTo>
-                <a:lnTo>
-                  <a:pt x="0" y="2086"/>
-                </a:lnTo>
-                <a:lnTo>
-                  <a:pt x="4" y="2094"/>
-                </a:lnTo>
-                <a:lnTo>
-                  <a:pt x="8" y="2100"/>
-                </a:lnTo>
-                <a:lnTo>
-                  <a:pt x="12" y="2108"/>
-                </a:lnTo>
-                <a:lnTo>
-                  <a:pt x="20" y="2112"/>
-                </a:lnTo>
-                <a:lnTo>
-                  <a:pt x="26" y="2116"/>
-                </a:lnTo>
-                <a:lnTo>
-                  <a:pt x="34" y="2120"/>
-                </a:lnTo>
-                <a:lnTo>
-                  <a:pt x="44" y="2120"/>
-                </a:lnTo>
-                <a:lnTo>
-                  <a:pt x="474" y="2120"/>
-                </a:lnTo>
-                <a:lnTo>
-                  <a:pt x="650" y="2296"/>
-                </a:lnTo>
-                <a:lnTo>
-                  <a:pt x="650" y="2296"/>
-                </a:lnTo>
-                <a:lnTo>
-                  <a:pt x="656" y="2300"/>
-                </a:lnTo>
-                <a:lnTo>
-                  <a:pt x="664" y="2304"/>
-                </a:lnTo>
-                <a:lnTo>
-                  <a:pt x="672" y="2308"/>
-                </a:lnTo>
-                <a:lnTo>
-                  <a:pt x="680" y="2308"/>
-                </a:lnTo>
-                <a:lnTo>
-                  <a:pt x="688" y="2308"/>
-                </a:lnTo>
-                <a:lnTo>
-                  <a:pt x="696" y="2304"/>
-                </a:lnTo>
-                <a:lnTo>
-                  <a:pt x="704" y="2300"/>
-                </a:lnTo>
-                <a:lnTo>
-                  <a:pt x="710" y="2296"/>
-                </a:lnTo>
-                <a:lnTo>
-                  <a:pt x="886" y="2120"/>
-                </a:lnTo>
-                <a:lnTo>
-                  <a:pt x="3340" y="2120"/>
-                </a:lnTo>
-                <a:lnTo>
-                  <a:pt x="3340" y="2120"/>
-                </a:lnTo>
-                <a:lnTo>
-                  <a:pt x="3350" y="2120"/>
-                </a:lnTo>
-                <a:lnTo>
-                  <a:pt x="3358" y="2116"/>
-                </a:lnTo>
-                <a:lnTo>
-                  <a:pt x="3364" y="2112"/>
-                </a:lnTo>
-                <a:lnTo>
-                  <a:pt x="3372" y="2108"/>
-                </a:lnTo>
-                <a:lnTo>
-                  <a:pt x="3376" y="2100"/>
-                </a:lnTo>
-                <a:lnTo>
-                  <a:pt x="3380" y="2094"/>
-                </a:lnTo>
-                <a:lnTo>
-                  <a:pt x="3384" y="2086"/>
-                </a:lnTo>
-                <a:lnTo>
-                  <a:pt x="3384" y="2076"/>
-                </a:lnTo>
-                <a:lnTo>
-                  <a:pt x="3384" y="44"/>
-                </a:lnTo>
-                <a:lnTo>
-                  <a:pt x="3384" y="44"/>
-                </a:lnTo>
-                <a:lnTo>
-                  <a:pt x="3384" y="34"/>
-                </a:lnTo>
-                <a:lnTo>
-                  <a:pt x="3380" y="26"/>
-                </a:lnTo>
-                <a:lnTo>
-                  <a:pt x="3376" y="20"/>
-                </a:lnTo>
-                <a:lnTo>
-                  <a:pt x="3372" y="12"/>
-                </a:lnTo>
-                <a:lnTo>
-                  <a:pt x="3364" y="8"/>
-                </a:lnTo>
-                <a:lnTo>
-                  <a:pt x="3358" y="4"/>
-                </a:lnTo>
-                <a:lnTo>
-                  <a:pt x="3350" y="0"/>
-                </a:lnTo>
-                <a:lnTo>
-                  <a:pt x="3340" y="0"/>
-                </a:lnTo>
-                <a:lnTo>
-                  <a:pt x="3340" y="0"/>
-                </a:lnTo>
-                <a:close/>
-              </a:path>
-            </a:pathLst>
-          </a:custGeom>
-          <a:ln/>
-          <a:extLst>
-            <a:ext uri="{91240B29-F687-4f45-9708-019B960494DF}">
-              <a14:hiddenLine xmlns:a14="http://schemas.microsoft.com/office/drawing/2010/main" xmlns="" w="9525">
-                <a:solidFill>
-                  <a:srgbClr val="000000"/>
-                </a:solidFill>
-                <a:round/>
-                <a:headEnd/>
-                <a:tailEnd/>
-              </a14:hiddenLine>
-            </a:ext>
-          </a:extLst>
-        </p:spPr>
-        <p:style>
-          <a:lnRef idx="1">
-            <a:schemeClr val="accent1"/>
-          </a:lnRef>
-          <a:fillRef idx="3">
-            <a:schemeClr val="accent1"/>
-          </a:fillRef>
-          <a:effectRef idx="2">
-            <a:schemeClr val="accent1"/>
-          </a:effectRef>
-          <a:fontRef idx="minor">
-            <a:schemeClr val="lt1"/>
-          </a:fontRef>
-        </p:style>
-      </p:sp>
-      <p:sp>
-        <p:nvSpPr>
           <p:cNvPr id="2" name="Title 1"/>
           <p:cNvSpPr>
             <a:spLocks noGrp="1"/>
@@ -4160,15 +4415,17 @@
         </p:nvSpPr>
         <p:spPr>
           <a:xfrm>
-            <a:off x="1073151" y="446088"/>
-            <a:ext cx="3547533" cy="1618396"/>
+            <a:off x="1293811" y="1388534"/>
+            <a:ext cx="3718455" cy="1371600"/>
           </a:xfrm>
         </p:spPr>
         <p:txBody>
-          <a:bodyPr anchor="b"/>
+          <a:bodyPr anchor="b">
+            <a:normAutofit/>
+          </a:bodyPr>
           <a:lstStyle>
-            <a:lvl1pPr algn="l">
-              <a:defRPr sz="2000" b="1"/>
+            <a:lvl1pPr algn="ctr">
+              <a:defRPr sz="2400" b="0"/>
             </a:lvl1pPr>
           </a:lstStyle>
           <a:p>
@@ -4192,12 +4449,12 @@
         </p:nvSpPr>
         <p:spPr>
           <a:xfrm>
-            <a:off x="4855633" y="446088"/>
-            <a:ext cx="6252633" cy="5414963"/>
+            <a:off x="5418668" y="982131"/>
+            <a:ext cx="5469466" cy="4893735"/>
           </a:xfrm>
         </p:spPr>
         <p:txBody>
-          <a:bodyPr>
+          <a:bodyPr anchor="ctr">
             <a:normAutofit/>
           </a:bodyPr>
           <a:lstStyle/>
@@ -4251,16 +4508,18 @@
         </p:nvSpPr>
         <p:spPr>
           <a:xfrm>
-            <a:off x="1073151" y="2260738"/>
-            <a:ext cx="3547533" cy="3600311"/>
+            <a:off x="1293811" y="3031065"/>
+            <a:ext cx="3718455" cy="2438404"/>
           </a:xfrm>
         </p:spPr>
         <p:txBody>
-          <a:bodyPr/>
+          <a:bodyPr anchor="t">
+            <a:normAutofit/>
+          </a:bodyPr>
           <a:lstStyle>
-            <a:lvl1pPr marL="0" indent="0">
-              <a:buNone/>
-              <a:defRPr sz="1400"/>
+            <a:lvl1pPr marL="0" indent="0" algn="ctr">
+              <a:buNone/>
+              <a:defRPr sz="1600"/>
             </a:lvl1pPr>
             <a:lvl2pPr marL="457200" indent="0">
               <a:buNone/>
@@ -4319,7 +4578,7 @@
           <a:bodyPr/>
           <a:lstStyle/>
           <a:p>
-            <a:fld id="{D0DF5E60-9974-AC48-9591-99C2BB44B7CF}" type="datetimeFigureOut">
+            <a:fld id="{B61BEF0D-F0BB-DE4B-95CE-6DB70DBA9567}" type="datetimeFigureOut">
               <a:rPr lang="en-US" dirty="0"/>
               <a:pPr/>
               <a:t>3/7/2023</a:t>
@@ -4371,6 +4630,44 @@
           </a:p>
         </p:txBody>
       </p:sp>
+      <p:cxnSp>
+        <p:nvCxnSpPr>
+          <p:cNvPr id="16" name="Straight Connector 15"/>
+          <p:cNvCxnSpPr/>
+          <p:nvPr/>
+        </p:nvCxnSpPr>
+        <p:spPr>
+          <a:xfrm>
+            <a:off x="1396169" y="2912533"/>
+            <a:ext cx="3514498" cy="0"/>
+          </a:xfrm>
+          <a:prstGeom prst="line">
+            <a:avLst/>
+          </a:prstGeom>
+          <a:ln w="15875">
+            <a:solidFill>
+              <a:schemeClr val="accent1">
+                <a:lumMod val="60000"/>
+                <a:lumOff val="40000"/>
+              </a:schemeClr>
+            </a:solidFill>
+          </a:ln>
+        </p:spPr>
+        <p:style>
+          <a:lnRef idx="2">
+            <a:schemeClr val="accent1"/>
+          </a:lnRef>
+          <a:fillRef idx="0">
+            <a:schemeClr val="accent1"/>
+          </a:fillRef>
+          <a:effectRef idx="1">
+            <a:schemeClr val="accent1"/>
+          </a:effectRef>
+          <a:fontRef idx="minor">
+            <a:schemeClr val="tx1"/>
+          </a:fontRef>
+        </p:style>
+      </p:cxnSp>
     </p:spTree>
   </p:cSld>
   <p:clrMapOvr>
@@ -4408,8 +4705,8 @@
         </p:nvSpPr>
         <p:spPr>
           <a:xfrm>
-            <a:off x="814728" y="727522"/>
-            <a:ext cx="4852988" cy="1617163"/>
+            <a:off x="1295399" y="1883832"/>
+            <a:ext cx="6241816" cy="1371600"/>
           </a:xfrm>
         </p:spPr>
         <p:txBody>
@@ -4417,8 +4714,8 @@
             <a:normAutofit/>
           </a:bodyPr>
           <a:lstStyle>
-            <a:lvl1pPr algn="l">
-              <a:defRPr sz="2400" b="0"/>
+            <a:lvl1pPr algn="ctr">
+              <a:defRPr sz="2800" b="0"/>
             </a:lvl1pPr>
           </a:lstStyle>
           <a:p>
@@ -4432,140 +4729,116 @@
       </p:sp>
       <p:sp>
         <p:nvSpPr>
-          <p:cNvPr id="9" name="Picture Placeholder 11"/>
+          <p:cNvPr id="17" name="Picture Placeholder 2"/>
           <p:cNvSpPr>
             <a:spLocks noGrp="1" noChangeAspect="1"/>
           </p:cNvSpPr>
           <p:nvPr>
-            <p:ph type="pic" sz="quarter" idx="13"/>
-          </p:nvPr>
-        </p:nvSpPr>
-        <p:spPr bwMode="auto">
-          <a:xfrm>
-            <a:off x="6098117" y="0"/>
-            <a:ext cx="6093883" cy="6858000"/>
-          </a:xfrm>
-          <a:custGeom>
-            <a:avLst/>
-            <a:gdLst/>
-            <a:ahLst/>
-            <a:cxnLst/>
-            <a:rect l="0" t="0" r="r" b="b"/>
-            <a:pathLst>
-              <a:path w="2879" h="4320">
-                <a:moveTo>
-                  <a:pt x="183" y="0"/>
-                </a:moveTo>
-                <a:lnTo>
-                  <a:pt x="183" y="1197"/>
-                </a:lnTo>
-                <a:lnTo>
-                  <a:pt x="8" y="1372"/>
-                </a:lnTo>
-                <a:lnTo>
-                  <a:pt x="8" y="1372"/>
-                </a:lnTo>
-                <a:lnTo>
-                  <a:pt x="6" y="1376"/>
-                </a:lnTo>
-                <a:lnTo>
-                  <a:pt x="3" y="1382"/>
-                </a:lnTo>
-                <a:lnTo>
-                  <a:pt x="0" y="1387"/>
-                </a:lnTo>
-                <a:lnTo>
-                  <a:pt x="0" y="1393"/>
-                </a:lnTo>
-                <a:lnTo>
-                  <a:pt x="0" y="1399"/>
-                </a:lnTo>
-                <a:lnTo>
-                  <a:pt x="3" y="1404"/>
-                </a:lnTo>
-                <a:lnTo>
-                  <a:pt x="6" y="1410"/>
-                </a:lnTo>
-                <a:lnTo>
-                  <a:pt x="8" y="1414"/>
-                </a:lnTo>
-                <a:lnTo>
-                  <a:pt x="183" y="1589"/>
-                </a:lnTo>
-                <a:lnTo>
-                  <a:pt x="183" y="4320"/>
-                </a:lnTo>
-                <a:lnTo>
-                  <a:pt x="2879" y="4320"/>
-                </a:lnTo>
-                <a:lnTo>
-                  <a:pt x="2879" y="0"/>
-                </a:lnTo>
-                <a:lnTo>
-                  <a:pt x="183" y="0"/>
-                </a:lnTo>
-                <a:close/>
-              </a:path>
-            </a:pathLst>
-          </a:custGeom>
-          <a:noFill/>
-          <a:ln w="9525">
-            <a:solidFill>
-              <a:schemeClr val="tx2"/>
-            </a:solidFill>
-            <a:round/>
-            <a:headEnd/>
-            <a:tailEnd/>
-          </a:ln>
-          <a:effectLst/>
-        </p:spPr>
-        <p:txBody>
-          <a:bodyPr wrap="square" numCol="1" anchor="t" anchorCtr="0" compatLnSpc="1">
-            <a:prstTxWarp prst="textNoShape">
-              <a:avLst/>
-            </a:prstTxWarp>
-            <a:normAutofit/>
-          </a:bodyPr>
-          <a:lstStyle>
-            <a:lvl1pPr algn="ctr">
-              <a:buFontTx/>
-              <a:buNone/>
-              <a:defRPr sz="1400"/>
-            </a:lvl1pPr>
-          </a:lstStyle>
-          <a:p>
-            <a:r>
-              <a:rPr lang="de-DE"/>
-              <a:t>Bild durch Klicken auf Symbol hinzufügen</a:t>
-            </a:r>
-            <a:endParaRPr lang="en-US" dirty="0"/>
-          </a:p>
-        </p:txBody>
-      </p:sp>
-      <p:sp>
-        <p:nvSpPr>
-          <p:cNvPr id="4" name="Text Placeholder 3"/>
-          <p:cNvSpPr>
-            <a:spLocks noGrp="1"/>
-          </p:cNvSpPr>
-          <p:nvPr>
-            <p:ph type="body" sz="half" idx="2"/>
+            <p:ph type="pic" idx="1"/>
           </p:nvPr>
         </p:nvSpPr>
         <p:spPr>
           <a:xfrm>
-            <a:off x="814728" y="2344684"/>
-            <a:ext cx="4852988" cy="3516365"/>
+            <a:off x="8094831" y="1041400"/>
+            <a:ext cx="3063347" cy="4775200"/>
           </a:xfrm>
+          <a:prstGeom prst="roundRect">
+            <a:avLst>
+              <a:gd name="adj" fmla="val 0"/>
+            </a:avLst>
+          </a:prstGeom>
+          <a:ln w="57150" cmpd="thickThin">
+            <a:solidFill>
+              <a:schemeClr val="tx1">
+                <a:lumMod val="50000"/>
+                <a:lumOff val="50000"/>
+              </a:schemeClr>
+            </a:solidFill>
+            <a:miter lim="800000"/>
+          </a:ln>
+          <a:effectLst>
+            <a:innerShdw blurRad="57150" dist="38100" dir="14460000">
+              <a:srgbClr val="000000">
+                <a:alpha val="70000"/>
+              </a:srgbClr>
+            </a:innerShdw>
+          </a:effectLst>
         </p:spPr>
         <p:txBody>
           <a:bodyPr anchor="t">
             <a:normAutofit/>
           </a:bodyPr>
           <a:lstStyle>
-            <a:lvl1pPr marL="0" indent="0">
-              <a:buNone/>
-              <a:defRPr sz="1200"/>
+            <a:lvl1pPr marL="0" indent="0" algn="ctr">
+              <a:buNone/>
+              <a:defRPr sz="1600"/>
+            </a:lvl1pPr>
+            <a:lvl2pPr marL="457200" indent="0">
+              <a:buNone/>
+              <a:defRPr sz="1600"/>
+            </a:lvl2pPr>
+            <a:lvl3pPr marL="914400" indent="0">
+              <a:buNone/>
+              <a:defRPr sz="1600"/>
+            </a:lvl3pPr>
+            <a:lvl4pPr marL="1371600" indent="0">
+              <a:buNone/>
+              <a:defRPr sz="1600"/>
+            </a:lvl4pPr>
+            <a:lvl5pPr marL="1828800" indent="0">
+              <a:buNone/>
+              <a:defRPr sz="1600"/>
+            </a:lvl5pPr>
+            <a:lvl6pPr marL="2286000" indent="0">
+              <a:buNone/>
+              <a:defRPr sz="1600"/>
+            </a:lvl6pPr>
+            <a:lvl7pPr marL="2743200" indent="0">
+              <a:buNone/>
+              <a:defRPr sz="1600"/>
+            </a:lvl7pPr>
+            <a:lvl8pPr marL="3200400" indent="0">
+              <a:buNone/>
+              <a:defRPr sz="1600"/>
+            </a:lvl8pPr>
+            <a:lvl9pPr marL="3657600" indent="0">
+              <a:buNone/>
+              <a:defRPr sz="1600"/>
+            </a:lvl9pPr>
+          </a:lstStyle>
+          <a:p>
+            <a:r>
+              <a:rPr lang="de-DE"/>
+              <a:t>Bild durch Klicken auf Symbol hinzufügen</a:t>
+            </a:r>
+            <a:endParaRPr lang="en-US" dirty="0"/>
+          </a:p>
+        </p:txBody>
+      </p:sp>
+      <p:sp>
+        <p:nvSpPr>
+          <p:cNvPr id="4" name="Text Placeholder 3"/>
+          <p:cNvSpPr>
+            <a:spLocks noGrp="1"/>
+          </p:cNvSpPr>
+          <p:nvPr>
+            <p:ph type="body" sz="half" idx="2"/>
+          </p:nvPr>
+        </p:nvSpPr>
+        <p:spPr>
+          <a:xfrm>
+            <a:off x="1295399" y="3255432"/>
+            <a:ext cx="6241816" cy="1828800"/>
+          </a:xfrm>
+        </p:spPr>
+        <p:txBody>
+          <a:bodyPr anchor="t">
+            <a:normAutofit/>
+          </a:bodyPr>
+          <a:lstStyle>
+            <a:lvl1pPr marL="0" indent="0" algn="ctr">
+              <a:buNone/>
+              <a:defRPr sz="1800"/>
             </a:lvl1pPr>
             <a:lvl2pPr marL="457200" indent="0">
               <a:buNone/>
@@ -4619,17 +4892,12 @@
             <p:ph type="dt" sz="half" idx="10"/>
           </p:nvPr>
         </p:nvSpPr>
-        <p:spPr>
-          <a:xfrm>
-            <a:off x="3885810" y="6041362"/>
-            <a:ext cx="976879" cy="365125"/>
-          </a:xfrm>
-        </p:spPr>
-        <p:txBody>
-          <a:bodyPr/>
-          <a:lstStyle/>
-          <a:p>
-            <a:fld id="{18C79C5D-2A6F-F04D-97DA-BEF2467B64E4}" type="datetimeFigureOut">
+        <p:spPr/>
+        <p:txBody>
+          <a:bodyPr/>
+          <a:lstStyle/>
+          <a:p>
+            <a:fld id="{B61BEF0D-F0BB-DE4B-95CE-6DB70DBA9567}" type="datetimeFigureOut">
               <a:rPr lang="en-US" dirty="0"/>
               <a:pPr/>
               <a:t>3/7/2023</a:t>
@@ -4648,12 +4916,7 @@
             <p:ph type="ftr" sz="quarter" idx="11"/>
           </p:nvPr>
         </p:nvSpPr>
-        <p:spPr>
-          <a:xfrm>
-            <a:off x="590396" y="6041362"/>
-            <a:ext cx="3295413" cy="365125"/>
-          </a:xfrm>
-        </p:spPr>
+        <p:spPr/>
         <p:txBody>
           <a:bodyPr/>
           <a:lstStyle/>
@@ -4672,12 +4935,7 @@
             <p:ph type="sldNum" sz="quarter" idx="12"/>
           </p:nvPr>
         </p:nvSpPr>
-        <p:spPr>
-          <a:xfrm>
-            <a:off x="4862689" y="5915888"/>
-            <a:ext cx="1062155" cy="490599"/>
-          </a:xfrm>
-        </p:spPr>
+        <p:spPr/>
         <p:txBody>
           <a:bodyPr/>
           <a:lstStyle/>
@@ -4703,8 +4961,8 @@
 <p:sldMaster xmlns:a="http://schemas.openxmlformats.org/drawingml/2006/main" xmlns:r="http://schemas.openxmlformats.org/officeDocument/2006/relationships" xmlns:p="http://schemas.openxmlformats.org/presentationml/2006/main">
   <p:cSld>
     <p:bg>
-      <p:bgRef idx="1001">
-        <a:schemeClr val="bg2"/>
+      <p:bgRef idx="1003">
+        <a:schemeClr val="bg1"/>
       </p:bgRef>
     </p:bg>
     <p:spTree>
@@ -4721,217 +4979,240 @@
           <a:chExt cx="0" cy="0"/>
         </a:xfrm>
       </p:grpSpPr>
-      <p:sp>
-        <p:nvSpPr>
-          <p:cNvPr id="2" name="Title Placeholder 1"/>
-          <p:cNvSpPr>
-            <a:spLocks noGrp="1"/>
-          </p:cNvSpPr>
-          <p:nvPr>
-            <p:ph type="title"/>
-          </p:nvPr>
-        </p:nvSpPr>
+      <p:pic>
+        <p:nvPicPr>
+          <p:cNvPr id="7" name="Picture 6" descr="HD-PanelContent-GrommetsCombined.png"/>
+          <p:cNvPicPr>
+            <a:picLocks noChangeAspect="1"/>
+          </p:cNvPicPr>
+          <p:nvPr/>
+        </p:nvPicPr>
+        <p:blipFill>
+          <a:blip r:embed="rId19">
+            <a:extLst>
+              <a:ext uri="{28A0092B-C50C-407E-A947-70E740481C1C}">
+                <a14:useLocalDpi xmlns:a14="http://schemas.microsoft.com/office/drawing/2010/main" val="0"/>
+              </a:ext>
+            </a:extLst>
+          </a:blip>
+          <a:stretch>
+            <a:fillRect/>
+          </a:stretch>
+        </p:blipFill>
         <p:spPr>
           <a:xfrm>
-            <a:off x="810000" y="447188"/>
-            <a:ext cx="10571998" cy="970450"/>
-          </a:xfrm>
-          <a:prstGeom prst="rect">
-            <a:avLst/>
-          </a:prstGeom>
-          <a:effectLst>
-            <a:outerShdw blurRad="50800" dir="14400000">
-              <a:srgbClr val="000000">
-                <a:alpha val="60000"/>
-              </a:srgbClr>
-            </a:outerShdw>
-          </a:effectLst>
-        </p:spPr>
-        <p:txBody>
-          <a:bodyPr vert="horz" lIns="91440" tIns="45720" rIns="91440" bIns="45720" rtlCol="0" anchor="b">
-            <a:noAutofit/>
-          </a:bodyPr>
-          <a:lstStyle/>
-          <a:p>
-            <a:r>
-              <a:rPr lang="de-DE"/>
-              <a:t>Mastertitelformat bearbeiten</a:t>
-            </a:r>
-            <a:endParaRPr lang="en-US" dirty="0"/>
-          </a:p>
-        </p:txBody>
-      </p:sp>
-      <p:sp>
-        <p:nvSpPr>
-          <p:cNvPr id="3" name="Text Placeholder 2"/>
-          <p:cNvSpPr>
-            <a:spLocks noGrp="1"/>
-          </p:cNvSpPr>
-          <p:nvPr>
-            <p:ph type="body" idx="1"/>
-          </p:nvPr>
-        </p:nvSpPr>
-        <p:spPr>
-          <a:xfrm>
-            <a:off x="810000" y="2184401"/>
-            <a:ext cx="10563285" cy="3674397"/>
-          </a:xfrm>
-          <a:prstGeom prst="rect">
-            <a:avLst/>
-          </a:prstGeom>
-          <a:effectLst>
-            <a:outerShdw blurRad="50800" dir="14400000">
-              <a:srgbClr val="000000">
-                <a:alpha val="40000"/>
-              </a:srgbClr>
-            </a:outerShdw>
-          </a:effectLst>
-        </p:spPr>
-        <p:txBody>
-          <a:bodyPr vert="horz" lIns="91440" tIns="45720" rIns="91440" bIns="45720" rtlCol="0" anchor="ctr">
-            <a:normAutofit/>
-          </a:bodyPr>
-          <a:lstStyle/>
-          <a:p>
-            <a:pPr lvl="0"/>
-            <a:r>
-              <a:rPr lang="de-DE"/>
-              <a:t>Mastertextformat bearbeiten</a:t>
-            </a:r>
-          </a:p>
-          <a:p>
-            <a:pPr lvl="1"/>
-            <a:r>
-              <a:rPr lang="de-DE"/>
-              <a:t>Zweite Ebene</a:t>
-            </a:r>
-          </a:p>
-          <a:p>
-            <a:pPr lvl="2"/>
-            <a:r>
-              <a:rPr lang="de-DE"/>
-              <a:t>Dritte Ebene</a:t>
-            </a:r>
-          </a:p>
-          <a:p>
-            <a:pPr lvl="3"/>
-            <a:r>
-              <a:rPr lang="de-DE"/>
-              <a:t>Vierte Ebene</a:t>
-            </a:r>
-          </a:p>
-          <a:p>
-            <a:pPr lvl="4"/>
-            <a:r>
-              <a:rPr lang="de-DE"/>
-              <a:t>Fünfte Ebene</a:t>
-            </a:r>
-            <a:endParaRPr lang="en-US" dirty="0"/>
-          </a:p>
-        </p:txBody>
-      </p:sp>
-      <p:sp>
-        <p:nvSpPr>
-          <p:cNvPr id="5" name="Footer Placeholder 4"/>
-          <p:cNvSpPr>
-            <a:spLocks noGrp="1"/>
-          </p:cNvSpPr>
-          <p:nvPr>
-            <p:ph type="ftr" sz="quarter" idx="3"/>
-          </p:nvPr>
-        </p:nvSpPr>
-        <p:spPr>
-          <a:xfrm>
-            <a:off x="451514" y="6041362"/>
-            <a:ext cx="8644320" cy="365125"/>
+            <a:off x="0" y="0"/>
+            <a:ext cx="12188825" cy="6856214"/>
           </a:xfrm>
           <a:prstGeom prst="rect">
             <a:avLst/>
           </a:prstGeom>
         </p:spPr>
-        <p:txBody>
-          <a:bodyPr vert="horz" lIns="91440" tIns="45720" rIns="91440" bIns="45720" rtlCol="0" anchor="b"/>
-          <a:lstStyle>
-            <a:lvl1pPr algn="l">
-              <a:defRPr sz="900">
-                <a:solidFill>
-                  <a:schemeClr val="tx1"/>
-                </a:solidFill>
-              </a:defRPr>
-            </a:lvl1pPr>
-          </a:lstStyle>
-          <a:p>
-            <a:endParaRPr lang="en-US" dirty="0"/>
-          </a:p>
-        </p:txBody>
-      </p:sp>
-      <p:sp>
-        <p:nvSpPr>
-          <p:cNvPr id="4" name="Date Placeholder 3"/>
-          <p:cNvSpPr>
-            <a:spLocks noGrp="1"/>
-          </p:cNvSpPr>
-          <p:nvPr>
-            <p:ph type="dt" sz="half" idx="2"/>
+      </p:pic>
+      <p:sp>
+        <p:nvSpPr>
+          <p:cNvPr id="2" name="Title Placeholder 1"/>
+          <p:cNvSpPr>
+            <a:spLocks noGrp="1"/>
+          </p:cNvSpPr>
+          <p:nvPr>
+            <p:ph type="title"/>
           </p:nvPr>
         </p:nvSpPr>
         <p:spPr>
           <a:xfrm>
-            <a:off x="9334626" y="6041362"/>
-            <a:ext cx="1343706" cy="365125"/>
+            <a:off x="1295402" y="982132"/>
+            <a:ext cx="9601196" cy="1303867"/>
+          </a:xfrm>
+          <a:prstGeom prst="rect">
+            <a:avLst/>
+          </a:prstGeom>
+          <a:effectLst/>
+        </p:spPr>
+        <p:txBody>
+          <a:bodyPr vert="horz" lIns="91440" tIns="45720" rIns="91440" bIns="45720" rtlCol="0" anchor="ctr">
+            <a:normAutofit/>
+          </a:bodyPr>
+          <a:lstStyle/>
+          <a:p>
+            <a:r>
+              <a:rPr lang="de-DE"/>
+              <a:t>Mastertitelformat bearbeiten</a:t>
+            </a:r>
+            <a:endParaRPr lang="en-US" dirty="0"/>
+          </a:p>
+        </p:txBody>
+      </p:sp>
+      <p:sp>
+        <p:nvSpPr>
+          <p:cNvPr id="3" name="Text Placeholder 2"/>
+          <p:cNvSpPr>
+            <a:spLocks noGrp="1"/>
+          </p:cNvSpPr>
+          <p:nvPr>
+            <p:ph type="body" idx="1"/>
+          </p:nvPr>
+        </p:nvSpPr>
+        <p:spPr>
+          <a:xfrm>
+            <a:off x="1295401" y="2556932"/>
+            <a:ext cx="9601196" cy="3318936"/>
           </a:xfrm>
           <a:prstGeom prst="rect">
             <a:avLst/>
           </a:prstGeom>
         </p:spPr>
         <p:txBody>
-          <a:bodyPr vert="horz" lIns="91440" tIns="45720" rIns="91440" bIns="45720" rtlCol="0" anchor="b"/>
-          <a:lstStyle>
-            <a:lvl1pPr algn="r">
-              <a:defRPr sz="900">
-                <a:solidFill>
-                  <a:schemeClr val="tx1"/>
-                </a:solidFill>
-              </a:defRPr>
-            </a:lvl1pPr>
-          </a:lstStyle>
-          <a:p>
-            <a:fld id="{09B482E8-6E0E-1B4F-B1FD-C69DB9E858D9}" type="datetimeFigureOut">
-              <a:rPr lang="en-US" dirty="0"/>
-              <a:pPr/>
-              <a:t>3/7/2023</a:t>
-            </a:fld>
-            <a:endParaRPr lang="en-US" dirty="0"/>
-          </a:p>
-        </p:txBody>
-      </p:sp>
-      <p:sp>
-        <p:nvSpPr>
-          <p:cNvPr id="6" name="Slide Number Placeholder 5"/>
-          <p:cNvSpPr>
-            <a:spLocks noGrp="1"/>
-          </p:cNvSpPr>
-          <p:nvPr>
-            <p:ph type="sldNum" sz="quarter" idx="4"/>
+          <a:bodyPr vert="horz" lIns="91440" tIns="45720" rIns="91440" bIns="45720" rtlCol="0" anchor="t">
+            <a:normAutofit/>
+          </a:bodyPr>
+          <a:lstStyle/>
+          <a:p>
+            <a:pPr lvl="0"/>
+            <a:r>
+              <a:rPr lang="de-DE"/>
+              <a:t>Mastertextformat bearbeiten</a:t>
+            </a:r>
+          </a:p>
+          <a:p>
+            <a:pPr lvl="1"/>
+            <a:r>
+              <a:rPr lang="de-DE"/>
+              <a:t>Zweite Ebene</a:t>
+            </a:r>
+          </a:p>
+          <a:p>
+            <a:pPr lvl="2"/>
+            <a:r>
+              <a:rPr lang="de-DE"/>
+              <a:t>Dritte Ebene</a:t>
+            </a:r>
+          </a:p>
+          <a:p>
+            <a:pPr lvl="3"/>
+            <a:r>
+              <a:rPr lang="de-DE"/>
+              <a:t>Vierte Ebene</a:t>
+            </a:r>
+          </a:p>
+          <a:p>
+            <a:pPr lvl="4"/>
+            <a:r>
+              <a:rPr lang="de-DE"/>
+              <a:t>Fünfte Ebene</a:t>
+            </a:r>
+            <a:endParaRPr lang="en-US" dirty="0"/>
+          </a:p>
+        </p:txBody>
+      </p:sp>
+      <p:sp>
+        <p:nvSpPr>
+          <p:cNvPr id="4" name="Date Placeholder 3"/>
+          <p:cNvSpPr>
+            <a:spLocks noGrp="1"/>
+          </p:cNvSpPr>
+          <p:nvPr>
+            <p:ph type="dt" sz="half" idx="2"/>
           </p:nvPr>
         </p:nvSpPr>
         <p:spPr>
           <a:xfrm>
-            <a:off x="10678331" y="5915888"/>
-            <a:ext cx="1062155" cy="490599"/>
+            <a:off x="8677501" y="5969000"/>
+            <a:ext cx="1600200" cy="279400"/>
           </a:xfrm>
           <a:prstGeom prst="rect">
             <a:avLst/>
           </a:prstGeom>
         </p:spPr>
         <p:txBody>
-          <a:bodyPr vert="horz" lIns="91440" tIns="45720" rIns="91440" bIns="10800" rtlCol="0" anchor="b"/>
+          <a:bodyPr vert="horz" lIns="91440" tIns="45720" rIns="91440" bIns="45720" rtlCol="0" anchor="ctr"/>
           <a:lstStyle>
             <a:lvl1pPr algn="r">
-              <a:defRPr sz="2000">
-                <a:solidFill>
-                  <a:schemeClr val="accent1"/>
-                </a:solidFill>
+              <a:defRPr sz="1000" b="0" i="0">
+                <a:solidFill>
+                  <a:schemeClr val="tx1"/>
+                </a:solidFill>
+                <a:effectLst/>
+                <a:latin typeface="+mn-lt"/>
+              </a:defRPr>
+            </a:lvl1pPr>
+          </a:lstStyle>
+          <a:p>
+            <a:fld id="{B61BEF0D-F0BB-DE4B-95CE-6DB70DBA9567}" type="datetimeFigureOut">
+              <a:rPr lang="en-US" dirty="0"/>
+              <a:pPr/>
+              <a:t>3/7/2023</a:t>
+            </a:fld>
+            <a:endParaRPr lang="en-US" dirty="0"/>
+          </a:p>
+        </p:txBody>
+      </p:sp>
+      <p:sp>
+        <p:nvSpPr>
+          <p:cNvPr id="5" name="Footer Placeholder 4"/>
+          <p:cNvSpPr>
+            <a:spLocks noGrp="1"/>
+          </p:cNvSpPr>
+          <p:nvPr>
+            <p:ph type="ftr" sz="quarter" idx="3"/>
+          </p:nvPr>
+        </p:nvSpPr>
+        <p:spPr>
+          <a:xfrm>
+            <a:off x="1295401" y="5969000"/>
+            <a:ext cx="7305900" cy="279400"/>
+          </a:xfrm>
+          <a:prstGeom prst="rect">
+            <a:avLst/>
+          </a:prstGeom>
+        </p:spPr>
+        <p:txBody>
+          <a:bodyPr vert="horz" lIns="91440" tIns="45720" rIns="91440" bIns="45720" rtlCol="0" anchor="ctr"/>
+          <a:lstStyle>
+            <a:lvl1pPr algn="l">
+              <a:defRPr sz="1000" b="0" i="0">
+                <a:solidFill>
+                  <a:schemeClr val="tx1"/>
+                </a:solidFill>
+                <a:effectLst/>
+                <a:latin typeface="+mn-lt"/>
+              </a:defRPr>
+            </a:lvl1pPr>
+          </a:lstStyle>
+          <a:p>
+            <a:endParaRPr lang="en-US" dirty="0"/>
+          </a:p>
+        </p:txBody>
+      </p:sp>
+      <p:sp>
+        <p:nvSpPr>
+          <p:cNvPr id="6" name="Slide Number Placeholder 5"/>
+          <p:cNvSpPr>
+            <a:spLocks noGrp="1"/>
+          </p:cNvSpPr>
+          <p:nvPr>
+            <p:ph type="sldNum" sz="quarter" idx="4"/>
+          </p:nvPr>
+        </p:nvSpPr>
+        <p:spPr>
+          <a:xfrm>
+            <a:off x="10353901" y="5969000"/>
+            <a:ext cx="542697" cy="279400"/>
+          </a:xfrm>
+          <a:prstGeom prst="rect">
+            <a:avLst/>
+          </a:prstGeom>
+        </p:spPr>
+        <p:txBody>
+          <a:bodyPr vert="horz" lIns="91440" tIns="45720" rIns="91440" bIns="45720" rtlCol="0" anchor="ctr"/>
+          <a:lstStyle>
+            <a:lvl1pPr algn="r">
+              <a:defRPr sz="1000" b="0" i="0">
+                <a:solidFill>
+                  <a:schemeClr val="tx1"/>
+                </a:solidFill>
+                <a:effectLst/>
+                <a:latin typeface="+mn-lt"/>
               </a:defRPr>
             </a:lvl1pPr>
           </a:lstStyle>
@@ -4947,35 +5228,44 @@
       </p:sp>
     </p:spTree>
   </p:cSld>
-  <p:clrMap bg1="dk1" tx1="lt1" bg2="dk2" tx2="lt2" accent1="accent1" accent2="accent2" accent3="accent3" accent4="accent4" accent5="accent5" accent6="accent6" hlink="hlink" folHlink="folHlink"/>
+  <p:clrMap bg1="lt1" tx1="dk1" bg2="lt2" tx2="dk2" accent1="accent1" accent2="accent2" accent3="accent3" accent4="accent4" accent5="accent5" accent6="accent6" hlink="hlink" folHlink="folHlink"/>
   <p:sldLayoutIdLst>
     <p:sldLayoutId id="2147483649" r:id="rId1"/>
-    <p:sldLayoutId id="2147483650" r:id="rId2"/>
+    <p:sldLayoutId id="2147483668" r:id="rId2"/>
     <p:sldLayoutId id="2147483651" r:id="rId3"/>
-    <p:sldLayoutId id="2147483652" r:id="rId4"/>
+    <p:sldLayoutId id="2147483669" r:id="rId4"/>
     <p:sldLayoutId id="2147483653" r:id="rId5"/>
     <p:sldLayoutId id="2147483654" r:id="rId6"/>
     <p:sldLayoutId id="2147483655" r:id="rId7"/>
     <p:sldLayoutId id="2147483656" r:id="rId8"/>
-    <p:sldLayoutId id="2147483663" r:id="rId9"/>
+    <p:sldLayoutId id="2147483660" r:id="rId9"/>
     <p:sldLayoutId id="2147483657" r:id="rId10"/>
-    <p:sldLayoutId id="2147483666" r:id="rId11"/>
-    <p:sldLayoutId id="2147483661" r:id="rId12"/>
-    <p:sldLayoutId id="2147483658" r:id="rId13"/>
-    <p:sldLayoutId id="2147483659" r:id="rId14"/>
+    <p:sldLayoutId id="2147483663" r:id="rId11"/>
+    <p:sldLayoutId id="2147483664" r:id="rId12"/>
+    <p:sldLayoutId id="2147483665" r:id="rId13"/>
+    <p:sldLayoutId id="2147483666" r:id="rId14"/>
+    <p:sldLayoutId id="2147483667" r:id="rId15"/>
+    <p:sldLayoutId id="2147483658" r:id="rId16"/>
+    <p:sldLayoutId id="2147483659" r:id="rId17"/>
   </p:sldLayoutIdLst>
-  <p:hf sldNum="0" hdr="0" ftr="0" dt="0"/>
   <p:txStyles>
     <p:titleStyle>
-      <a:lvl1pPr algn="l" defTabSz="457200" rtl="0" eaLnBrk="1" latinLnBrk="0" hangingPunct="1">
+      <a:lvl1pPr algn="ctr" defTabSz="457200" rtl="0" eaLnBrk="1" latinLnBrk="0" hangingPunct="1">
         <a:spcBef>
           <a:spcPct val="0"/>
         </a:spcBef>
         <a:buNone/>
-        <a:defRPr sz="4000" b="1" kern="1200">
+        <a:defRPr sz="4400" kern="1200" cap="none">
+          <a:ln w="3175" cmpd="sng">
+            <a:noFill/>
+          </a:ln>
           <a:solidFill>
-            <a:srgbClr val="FEFEFE"/>
+            <a:schemeClr val="tx1">
+              <a:lumMod val="85000"/>
+              <a:lumOff val="15000"/>
+            </a:schemeClr>
           </a:solidFill>
+          <a:effectLst/>
           <a:latin typeface="+mj-lt"/>
           <a:ea typeface="+mj-ea"/>
           <a:cs typeface="+mj-cs"/>
@@ -5039,7 +5329,7 @@
       </a:lvl9pPr>
     </p:titleStyle>
     <p:bodyStyle>
-      <a:lvl1pPr marL="342900" indent="-342900" algn="l" defTabSz="457200" rtl="0" eaLnBrk="1" latinLnBrk="0" hangingPunct="1">
+      <a:lvl1pPr marL="285750" indent="-285750" algn="l" defTabSz="457200" rtl="0" eaLnBrk="1" latinLnBrk="0" hangingPunct="1">
         <a:spcBef>
           <a:spcPct val="20000"/>
         </a:spcBef>
@@ -5049,12 +5339,17 @@
         <a:buClr>
           <a:schemeClr val="accent1"/>
         </a:buClr>
-        <a:buFont typeface="Wingdings 2" charset="2"/>
-        <a:buChar char=""/>
-        <a:defRPr sz="1800" kern="1200">
+        <a:buSzPct val="115000"/>
+        <a:buFont typeface="Arial"/>
+        <a:buChar char="•"/>
+        <a:defRPr sz="2400" kern="1200" cap="none">
           <a:solidFill>
-            <a:schemeClr val="tx1"/>
+            <a:schemeClr val="tx1">
+              <a:lumMod val="85000"/>
+              <a:lumOff val="15000"/>
+            </a:schemeClr>
           </a:solidFill>
+          <a:effectLst/>
           <a:latin typeface="+mn-lt"/>
           <a:ea typeface="+mn-ea"/>
           <a:cs typeface="+mn-cs"/>
@@ -5070,18 +5365,23 @@
         <a:buClr>
           <a:schemeClr val="accent1"/>
         </a:buClr>
-        <a:buFont typeface="Wingdings 2" charset="2"/>
-        <a:buChar char=""/>
-        <a:defRPr sz="1600" kern="1200">
+        <a:buSzPct val="115000"/>
+        <a:buFont typeface="Arial"/>
+        <a:buChar char="•"/>
+        <a:defRPr sz="2000" kern="1200" cap="none">
           <a:solidFill>
-            <a:schemeClr val="tx1"/>
+            <a:schemeClr val="tx1">
+              <a:lumMod val="85000"/>
+              <a:lumOff val="15000"/>
+            </a:schemeClr>
           </a:solidFill>
+          <a:effectLst/>
           <a:latin typeface="+mn-lt"/>
           <a:ea typeface="+mn-ea"/>
           <a:cs typeface="+mn-cs"/>
         </a:defRPr>
       </a:lvl2pPr>
-      <a:lvl3pPr marL="1143000" indent="-228600" algn="l" defTabSz="457200" rtl="0" eaLnBrk="1" latinLnBrk="0" hangingPunct="1">
+      <a:lvl3pPr marL="1200150" indent="-285750" algn="l" defTabSz="457200" rtl="0" eaLnBrk="1" latinLnBrk="0" hangingPunct="1">
         <a:spcBef>
           <a:spcPct val="20000"/>
         </a:spcBef>
@@ -5091,18 +5391,23 @@
         <a:buClr>
           <a:schemeClr val="accent1"/>
         </a:buClr>
-        <a:buFont typeface="Wingdings 2" charset="2"/>
-        <a:buChar char=""/>
-        <a:defRPr sz="1400" kern="1200">
+        <a:buSzPct val="115000"/>
+        <a:buFont typeface="Arial"/>
+        <a:buChar char="•"/>
+        <a:defRPr sz="1800" kern="1200" cap="none">
           <a:solidFill>
-            <a:schemeClr val="tx1"/>
+            <a:schemeClr val="tx1">
+              <a:lumMod val="85000"/>
+              <a:lumOff val="15000"/>
+            </a:schemeClr>
           </a:solidFill>
+          <a:effectLst/>
           <a:latin typeface="+mn-lt"/>
           <a:ea typeface="+mn-ea"/>
           <a:cs typeface="+mn-cs"/>
         </a:defRPr>
       </a:lvl3pPr>
-      <a:lvl4pPr marL="1600200" indent="-228600" algn="l" defTabSz="457200" rtl="0" eaLnBrk="1" latinLnBrk="0" hangingPunct="1">
+      <a:lvl4pPr marL="1543050" indent="-171450" algn="l" defTabSz="457200" rtl="0" eaLnBrk="1" latinLnBrk="0" hangingPunct="1">
         <a:spcBef>
           <a:spcPct val="20000"/>
         </a:spcBef>
@@ -5112,18 +5417,23 @@
         <a:buClr>
           <a:schemeClr val="accent1"/>
         </a:buClr>
-        <a:buFont typeface="Wingdings 2" charset="2"/>
-        <a:buChar char=""/>
-        <a:defRPr sz="1200" kern="1200">
+        <a:buSzPct val="115000"/>
+        <a:buFont typeface="Arial"/>
+        <a:buChar char="•"/>
+        <a:defRPr sz="1600" kern="1200" cap="none">
           <a:solidFill>
-            <a:schemeClr val="tx1"/>
+            <a:schemeClr val="tx1">
+              <a:lumMod val="85000"/>
+              <a:lumOff val="15000"/>
+            </a:schemeClr>
           </a:solidFill>
+          <a:effectLst/>
           <a:latin typeface="+mn-lt"/>
           <a:ea typeface="+mn-ea"/>
           <a:cs typeface="+mn-cs"/>
         </a:defRPr>
       </a:lvl4pPr>
-      <a:lvl5pPr marL="2057400" indent="-228600" algn="l" defTabSz="457200" rtl="0" eaLnBrk="1" latinLnBrk="0" hangingPunct="1">
+      <a:lvl5pPr marL="2000250" indent="-171450" algn="l" defTabSz="457200" rtl="0" eaLnBrk="1" latinLnBrk="0" hangingPunct="1">
         <a:spcBef>
           <a:spcPct val="20000"/>
         </a:spcBef>
@@ -5133,18 +5443,23 @@
         <a:buClr>
           <a:schemeClr val="accent1"/>
         </a:buClr>
-        <a:buFont typeface="Wingdings 2" charset="2"/>
-        <a:buChar char=""/>
-        <a:defRPr sz="1200" kern="1200">
+        <a:buSzPct val="115000"/>
+        <a:buFont typeface="Arial"/>
+        <a:buChar char="•"/>
+        <a:defRPr sz="1400" kern="1200" cap="none">
           <a:solidFill>
-            <a:schemeClr val="tx1"/>
+            <a:schemeClr val="tx1">
+              <a:lumMod val="85000"/>
+              <a:lumOff val="15000"/>
+            </a:schemeClr>
           </a:solidFill>
+          <a:effectLst/>
           <a:latin typeface="+mn-lt"/>
           <a:ea typeface="+mn-ea"/>
           <a:cs typeface="+mn-cs"/>
         </a:defRPr>
       </a:lvl5pPr>
-      <a:lvl6pPr marL="2400000" indent="-228600" algn="l" defTabSz="457200" rtl="0" eaLnBrk="1" latinLnBrk="0" hangingPunct="1">
+      <a:lvl6pPr marL="2514600" indent="-228600" algn="l" defTabSz="457200" rtl="0" eaLnBrk="1" latinLnBrk="0" hangingPunct="1">
         <a:spcBef>
           <a:spcPct val="20000"/>
         </a:spcBef>
@@ -5154,18 +5469,23 @@
         <a:buClr>
           <a:schemeClr val="accent1"/>
         </a:buClr>
-        <a:buFont typeface="Wingdings 2" charset="2"/>
-        <a:buChar char=""/>
-        <a:defRPr sz="1200" kern="1200">
+        <a:buSzPct val="115000"/>
+        <a:buFont typeface="Arial"/>
+        <a:buChar char="•"/>
+        <a:defRPr sz="1400" kern="1200" cap="none">
           <a:solidFill>
-            <a:schemeClr val="tx1"/>
+            <a:schemeClr val="tx1">
+              <a:lumMod val="85000"/>
+              <a:lumOff val="15000"/>
+            </a:schemeClr>
           </a:solidFill>
+          <a:effectLst/>
           <a:latin typeface="+mn-lt"/>
           <a:ea typeface="+mn-ea"/>
           <a:cs typeface="+mn-cs"/>
         </a:defRPr>
       </a:lvl6pPr>
-      <a:lvl7pPr marL="2800000" indent="-228600" algn="l" defTabSz="457200" rtl="0" eaLnBrk="1" latinLnBrk="0" hangingPunct="1">
+      <a:lvl7pPr marL="2971800" indent="-228600" algn="l" defTabSz="457200" rtl="0" eaLnBrk="1" latinLnBrk="0" hangingPunct="1">
         <a:spcBef>
           <a:spcPct val="20000"/>
         </a:spcBef>
@@ -5175,18 +5495,23 @@
         <a:buClr>
           <a:schemeClr val="accent1"/>
         </a:buClr>
-        <a:buFont typeface="Wingdings 2" charset="2"/>
-        <a:buChar char=""/>
-        <a:defRPr sz="1200" kern="1200">
+        <a:buSzPct val="115000"/>
+        <a:buFont typeface="Arial"/>
+        <a:buChar char="•"/>
+        <a:defRPr sz="1400" kern="1200" cap="none">
           <a:solidFill>
-            <a:schemeClr val="tx1"/>
+            <a:schemeClr val="tx1">
+              <a:lumMod val="85000"/>
+              <a:lumOff val="15000"/>
+            </a:schemeClr>
           </a:solidFill>
+          <a:effectLst/>
           <a:latin typeface="+mn-lt"/>
           <a:ea typeface="+mn-ea"/>
           <a:cs typeface="+mn-cs"/>
         </a:defRPr>
       </a:lvl7pPr>
-      <a:lvl8pPr marL="3200000" indent="-228600" algn="l" defTabSz="457200" rtl="0" eaLnBrk="1" latinLnBrk="0" hangingPunct="1">
+      <a:lvl8pPr marL="3429000" indent="-228600" algn="l" defTabSz="457200" rtl="0" eaLnBrk="1" latinLnBrk="0" hangingPunct="1">
         <a:spcBef>
           <a:spcPct val="20000"/>
         </a:spcBef>
@@ -5196,18 +5521,23 @@
         <a:buClr>
           <a:schemeClr val="accent1"/>
         </a:buClr>
-        <a:buFont typeface="Wingdings 2" charset="2"/>
-        <a:buChar char=""/>
-        <a:defRPr sz="1200" kern="1200">
+        <a:buSzPct val="115000"/>
+        <a:buFont typeface="Arial"/>
+        <a:buChar char="•"/>
+        <a:defRPr sz="1400" kern="1200" cap="none">
           <a:solidFill>
-            <a:schemeClr val="tx1"/>
+            <a:schemeClr val="tx1">
+              <a:lumMod val="85000"/>
+              <a:lumOff val="15000"/>
+            </a:schemeClr>
           </a:solidFill>
+          <a:effectLst/>
           <a:latin typeface="+mn-lt"/>
           <a:ea typeface="+mn-ea"/>
           <a:cs typeface="+mn-cs"/>
         </a:defRPr>
       </a:lvl8pPr>
-      <a:lvl9pPr marL="3600000" indent="-228600" algn="l" defTabSz="457200" rtl="0" eaLnBrk="1" latinLnBrk="0" hangingPunct="1">
+      <a:lvl9pPr marL="3886200" indent="-228600" algn="l" defTabSz="457200" rtl="0" eaLnBrk="1" latinLnBrk="0" hangingPunct="1">
         <a:spcBef>
           <a:spcPct val="20000"/>
         </a:spcBef>
@@ -5217,12 +5547,17 @@
         <a:buClr>
           <a:schemeClr val="accent1"/>
         </a:buClr>
-        <a:buFont typeface="Wingdings 2" charset="2"/>
-        <a:buChar char=""/>
-        <a:defRPr sz="1200" kern="1200">
+        <a:buSzPct val="115000"/>
+        <a:buFont typeface="Arial"/>
+        <a:buChar char="•"/>
+        <a:defRPr sz="1400" kern="1200" cap="none">
           <a:solidFill>
-            <a:schemeClr val="tx1"/>
+            <a:schemeClr val="tx1">
+              <a:lumMod val="85000"/>
+              <a:lumOff val="15000"/>
+            </a:schemeClr>
           </a:solidFill>
+          <a:effectLst/>
           <a:latin typeface="+mn-lt"/>
           <a:ea typeface="+mn-ea"/>
           <a:cs typeface="+mn-cs"/>
@@ -5354,7 +5689,7 @@
           <a:lstStyle/>
           <a:p>
             <a:r>
-              <a:t>如何追到喜欢的女生</a:t>
+              <a:t>追求心仪女生的策略与技巧</a:t>
             </a:r>
           </a:p>
         </p:txBody>
@@ -5375,7 +5710,7 @@
           <a:lstStyle/>
           <a:p>
             <a:r>
-              <a:t>恋爱攻略指南</a:t>
+              <a:t>让你的爱情之路更加顺畅</a:t>
             </a:r>
           </a:p>
         </p:txBody>
@@ -5436,25 +5771,25 @@
           <a:p>
             <a:pPr/>
             <a:r>
-              <a:t>1. 第一步：了解她</a:t>
+              <a:t>1. 了解她</a:t>
             </a:r>
           </a:p>
           <a:p>
             <a:pPr/>
             <a:r>
-              <a:t>2. 第二步：建立联系</a:t>
+              <a:t>2. 建立联系</a:t>
             </a:r>
           </a:p>
           <a:p>
             <a:pPr/>
             <a:r>
-              <a:t>3. 第三步：展现自己</a:t>
+              <a:t>3. 展现魅力</a:t>
             </a:r>
           </a:p>
           <a:p>
             <a:pPr/>
             <a:r>
-              <a:t>4. 总结</a:t>
+              <a:t>4. 沟通的艺术</a:t>
             </a:r>
           </a:p>
         </p:txBody>
@@ -5493,9 +5828,59 @@
           <a:lstStyle/>
           <a:p>
             <a:r>
-              <a:t>第一步：了解她</a:t>
-            </a:r>
-          </a:p>
+              <a:t>了解她</a:t>
+            </a:r>
+          </a:p>
+        </p:txBody>
+      </p:sp>
+      <p:sp>
+        <p:nvSpPr>
+          <p:cNvPr id="3" name="Picture Placeholder 2"/>
+          <p:cNvSpPr>
+            <a:spLocks noGrp="1"/>
+          </p:cNvSpPr>
+          <p:nvPr>
+            <p:ph type="pic" idx="1"/>
+          </p:nvPr>
+        </p:nvSpPr>
+        <p:spPr/>
+        <p:txBody>
+          <a:bodyPr/>
+          <a:p>
+            <a:pPr/>
+            <a:r>
+              <a:t>观察她的兴趣爱好</a:t>
+            </a:r>
+          </a:p>
+          <a:p>
+            <a:pPr/>
+            <a:r>
+              <a:t>注意她的朋友圈动态</a:t>
+            </a:r>
+          </a:p>
+          <a:p>
+            <a:pPr/>
+            <a:r>
+              <a:t>了解她的价值观</a:t>
+            </a:r>
+          </a:p>
+        </p:txBody>
+      </p:sp>
+      <p:sp>
+        <p:nvSpPr>
+          <p:cNvPr id="4" name="Text Placeholder 3"/>
+          <p:cNvSpPr>
+            <a:spLocks noGrp="1"/>
+          </p:cNvSpPr>
+          <p:nvPr>
+            <p:ph type="body" idx="2" sz="half"/>
+          </p:nvPr>
+        </p:nvSpPr>
+        <p:spPr/>
+        <p:txBody>
+          <a:bodyPr/>
+          <a:lstStyle/>
+          <a:p/>
         </p:txBody>
       </p:sp>
     </p:spTree>
@@ -5532,40 +5917,7 @@
           <a:lstStyle/>
           <a:p>
             <a:r>
-              <a:t>第二步：建立联系</a:t>
-            </a:r>
-          </a:p>
-        </p:txBody>
-      </p:sp>
-      <p:sp>
-        <p:nvSpPr>
-          <p:cNvPr id="3" name="Picture Placeholder 2"/>
-          <p:cNvSpPr>
-            <a:spLocks noGrp="1"/>
-          </p:cNvSpPr>
-          <p:nvPr>
-            <p:ph type="pic" idx="13" sz="quarter"/>
-          </p:nvPr>
-        </p:nvSpPr>
-        <p:spPr/>
-      </p:sp>
-      <p:sp>
-        <p:nvSpPr>
-          <p:cNvPr id="4" name="Text Placeholder 3"/>
-          <p:cNvSpPr>
-            <a:spLocks noGrp="1"/>
-          </p:cNvSpPr>
-          <p:nvPr>
-            <p:ph type="body" idx="2" sz="half"/>
-          </p:nvPr>
-        </p:nvSpPr>
-        <p:spPr/>
-        <p:txBody>
-          <a:bodyPr/>
-          <a:lstStyle/>
-          <a:p>
-            <a:r>
-              <a:t>通过共同的兴趣和话题，逐渐加深彼此的了解，让对方感觉到你的真诚和关心。可以通过社交媒体、聚会或共同活动来增加互动的机会。</a:t>
+              <a:t>建立联系</a:t>
             </a:r>
           </a:p>
         </p:txBody>
@@ -5604,9 +5956,52 @@
           <a:lstStyle/>
           <a:p>
             <a:r>
-              <a:t>第三步：展现自己</a:t>
-            </a:r>
-          </a:p>
+              <a:t>展现魅力</a:t>
+            </a:r>
+          </a:p>
+        </p:txBody>
+      </p:sp>
+      <p:sp>
+        <p:nvSpPr>
+          <p:cNvPr id="3" name="Content Placeholder 2"/>
+          <p:cNvSpPr>
+            <a:spLocks noGrp="1"/>
+          </p:cNvSpPr>
+          <p:nvPr>
+            <p:ph idx="1"/>
+          </p:nvPr>
+        </p:nvSpPr>
+        <p:spPr/>
+        <p:txBody>
+          <a:bodyPr/>
+          <a:lstStyle/>
+          <a:p>
+            <a:r>
+              <a:t>提升自我</a:t>
+            </a:r>
+          </a:p>
+          <a:p>
+            <a:r>
+              <a:t>通过锻炼身体、学习新技能或培养新的兴趣爱好来提高自己的吸引力。</a:t>
+            </a:r>
+          </a:p>
+        </p:txBody>
+      </p:sp>
+      <p:sp>
+        <p:nvSpPr>
+          <p:cNvPr id="4" name="Text Placeholder 3"/>
+          <p:cNvSpPr>
+            <a:spLocks noGrp="1"/>
+          </p:cNvSpPr>
+          <p:nvPr>
+            <p:ph type="body" idx="2" sz="half"/>
+          </p:nvPr>
+        </p:nvSpPr>
+        <p:spPr/>
+        <p:txBody>
+          <a:bodyPr/>
+          <a:lstStyle/>
+          <a:p/>
         </p:txBody>
       </p:sp>
     </p:spTree>
@@ -5643,28 +6038,7 @@
           <a:lstStyle/>
           <a:p>
             <a:r>
-              <a:t>总结</a:t>
-            </a:r>
-          </a:p>
-        </p:txBody>
-      </p:sp>
-      <p:sp>
-        <p:nvSpPr>
-          <p:cNvPr id="3" name="Content Placeholder 2"/>
-          <p:cNvSpPr>
-            <a:spLocks noGrp="1"/>
-          </p:cNvSpPr>
-          <p:nvPr>
-            <p:ph idx="1"/>
-          </p:nvPr>
-        </p:nvSpPr>
-        <p:spPr/>
-        <p:txBody>
-          <a:bodyPr/>
-          <a:lstStyle/>
-          <a:p>
-            <a:r>
-              <a:t>追到喜欢的女生需要耐心和细心，最重要的是保持真实自我，通过真诚的交流和行动赢得对方的心。</a:t>
+              <a:t>沟通的艺术</a:t>
             </a:r>
           </a:p>
         </p:txBody>
@@ -5678,9 +6052,9 @@
 </file>
 
 <file path=ppt/theme/theme1.xml><?xml version="1.0" encoding="utf-8"?>
-<a:theme xmlns:a="http://schemas.openxmlformats.org/drawingml/2006/main" name="Zitierfähig">
+<a:theme xmlns:a="http://schemas.openxmlformats.org/drawingml/2006/main" name="Organisch">
   <a:themeElements>
-    <a:clrScheme name="Quotable">
+    <a:clrScheme name="Organic">
       <a:dk1>
         <a:sysClr val="windowText" lastClr="000000"/>
       </a:dk1>
@@ -5691,45 +6065,45 @@
         <a:srgbClr val="212121"/>
       </a:dk2>
       <a:lt2>
-        <a:srgbClr val="636363"/>
+        <a:srgbClr val="DADADA"/>
       </a:lt2>
       <a:accent1>
-        <a:srgbClr val="00C6BB"/>
+        <a:srgbClr val="D9B247"/>
       </a:accent1>
       <a:accent2>
-        <a:srgbClr val="6FEBA0"/>
+        <a:srgbClr val="CC702D"/>
       </a:accent2>
       <a:accent3>
-        <a:srgbClr val="B6DF5E"/>
+        <a:srgbClr val="B53A31"/>
       </a:accent3>
       <a:accent4>
-        <a:srgbClr val="EFB251"/>
+        <a:srgbClr val="815F56"/>
       </a:accent4>
       <a:accent5>
-        <a:srgbClr val="EF755F"/>
+        <a:srgbClr val="AE9E7C"/>
       </a:accent5>
       <a:accent6>
-        <a:srgbClr val="ED515C"/>
+        <a:srgbClr val="7B8865"/>
       </a:accent6>
       <a:hlink>
-        <a:srgbClr val="8F8F8F"/>
+        <a:srgbClr val="BB7826"/>
       </a:hlink>
       <a:folHlink>
-        <a:srgbClr val="A5A5A5"/>
+        <a:srgbClr val="CF9C5F"/>
       </a:folHlink>
     </a:clrScheme>
-    <a:fontScheme name="Quotable">
+    <a:fontScheme name="Organic">
       <a:majorFont>
-        <a:latin typeface="Century Gothic" panose="020B0502020202020204"/>
+        <a:latin typeface="Garamond" panose="02020404030301010803"/>
         <a:ea typeface=""/>
         <a:cs typeface=""/>
-        <a:font script="Jpan" typeface="ＭＳ ゴシック"/>
-        <a:font script="Hang" typeface="맑은 고딕"/>
-        <a:font script="Hans" typeface="宋体"/>
-        <a:font script="Hant" typeface="新細明體"/>
-        <a:font script="Arab" typeface="Tahoma"/>
-        <a:font script="Hebr" typeface="Gisha"/>
-        <a:font script="Thai" typeface="DilleniaUPC"/>
+        <a:font script="Jpan" typeface="ＭＳ Ｐゴシック"/>
+        <a:font script="Hang" typeface="돋움"/>
+        <a:font script="Hans" typeface="方正舒体"/>
+        <a:font script="Hant" typeface="微軟正黑體"/>
+        <a:font script="Arab" typeface="Arial"/>
+        <a:font script="Hebr" typeface="Arial"/>
+        <a:font script="Thai" typeface="Cordia New"/>
         <a:font script="Ethi" typeface="Nyala"/>
         <a:font script="Beng" typeface="Vrinda"/>
         <a:font script="Gujr" typeface="Shruti"/>
@@ -5750,25 +6124,25 @@
         <a:font script="Laoo" typeface="DokChampa"/>
         <a:font script="Sinh" typeface="Iskoola Pota"/>
         <a:font script="Mong" typeface="Mongolian Baiti"/>
-        <a:font script="Viet" typeface="Tahoma"/>
+        <a:font script="Viet" typeface="Arial"/>
         <a:font script="Uigh" typeface="Microsoft Uighur"/>
         <a:font script="Geor" typeface="Sylfaen"/>
       </a:majorFont>
       <a:minorFont>
-        <a:latin typeface="Century Gothic" panose="020B0502020202020204"/>
+        <a:latin typeface="Garamond" panose="02020404030301010803"/>
         <a:ea typeface=""/>
         <a:cs typeface=""/>
-        <a:font script="Jpan" typeface="ＭＳ ゴシック"/>
-        <a:font script="Hang" typeface="맑은 고딕"/>
-        <a:font script="Hans" typeface="宋体"/>
+        <a:font script="Jpan" typeface="ＭＳ Ｐ明朝"/>
+        <a:font script="Hang" typeface="바탕"/>
+        <a:font script="Hans" typeface="方正舒体"/>
         <a:font script="Hant" typeface="新細明體"/>
-        <a:font script="Arab" typeface="Tahoma"/>
-        <a:font script="Hebr" typeface="Gisha"/>
-        <a:font script="Thai" typeface="DilleniaUPC"/>
+        <a:font script="Arab" typeface="Times New Roman"/>
+        <a:font script="Hebr" typeface="Times New Roman"/>
+        <a:font script="Thai" typeface="Angsana New"/>
         <a:font script="Ethi" typeface="Nyala"/>
         <a:font script="Beng" typeface="Vrinda"/>
         <a:font script="Gujr" typeface="Shruti"/>
-        <a:font script="Khmr" typeface="DaunPenh"/>
+        <a:font script="Khmr" typeface="MoolBoran"/>
         <a:font script="Knda" typeface="Tunga"/>
         <a:font script="Guru" typeface="Raavi"/>
         <a:font script="Cans" typeface="Euphemia"/>
@@ -5785,12 +6159,12 @@
         <a:font script="Laoo" typeface="DokChampa"/>
         <a:font script="Sinh" typeface="Iskoola Pota"/>
         <a:font script="Mong" typeface="Mongolian Baiti"/>
-        <a:font script="Viet" typeface="Verdana"/>
+        <a:font script="Viet" typeface="Times New Roman"/>
         <a:font script="Uigh" typeface="Microsoft Uighur"/>
         <a:font script="Geor" typeface="Sylfaen"/>
       </a:minorFont>
     </a:fontScheme>
-    <a:fmtScheme name="Quotable">
+    <a:fmtScheme name="Organic">
       <a:fillStyleLst>
         <a:solidFill>
           <a:schemeClr val="phClr"/>
@@ -5799,28 +6173,30 @@
           <a:gsLst>
             <a:gs pos="0">
               <a:schemeClr val="phClr">
-                <a:tint val="80000"/>
-                <a:lumMod val="105000"/>
+                <a:tint val="60000"/>
+                <a:lumMod val="110000"/>
               </a:schemeClr>
             </a:gs>
             <a:gs pos="100000">
               <a:schemeClr val="phClr">
-                <a:tint val="90000"/>
+                <a:tint val="82000"/>
               </a:schemeClr>
             </a:gs>
           </a:gsLst>
           <a:lin ang="5400000" scaled="0"/>
         </a:gradFill>
-        <a:blipFill rotWithShape="1">
+        <a:blipFill>
           <a:blip xmlns:r="http://schemas.openxmlformats.org/officeDocument/2006/relationships" r:embed="rId1">
             <a:duotone>
               <a:schemeClr val="phClr">
-                <a:tint val="98000"/>
-                <a:lumMod val="102000"/>
+                <a:shade val="74000"/>
+                <a:satMod val="130000"/>
+                <a:lumMod val="90000"/>
               </a:schemeClr>
               <a:schemeClr val="phClr">
-                <a:shade val="98000"/>
-                <a:lumMod val="98000"/>
+                <a:tint val="94000"/>
+                <a:satMod val="120000"/>
+                <a:lumMod val="104000"/>
               </a:schemeClr>
             </a:duotone>
           </a:blip>
@@ -5828,19 +6204,19 @@
         </a:blipFill>
       </a:fillStyleLst>
       <a:lnStyleLst>
-        <a:ln w="9525" cap="rnd" cmpd="sng" algn="ctr">
+        <a:ln w="9525" cap="flat" cmpd="sng" algn="ctr">
           <a:solidFill>
             <a:schemeClr val="phClr"/>
           </a:solidFill>
           <a:prstDash val="solid"/>
         </a:ln>
-        <a:ln w="15875" cap="rnd" cmpd="sng" algn="ctr">
+        <a:ln w="15875" cap="flat" cmpd="sng" algn="ctr">
           <a:solidFill>
             <a:schemeClr val="phClr"/>
           </a:solidFill>
           <a:prstDash val="solid"/>
         </a:ln>
-        <a:ln w="25400" cap="rnd" cmpd="sng" algn="ctr">
+        <a:ln w="25400" cap="flat" cmpd="sng" algn="ctr">
           <a:solidFill>
             <a:schemeClr val="phClr"/>
           </a:solidFill>
@@ -5852,15 +6228,21 @@
           <a:effectLst/>
         </a:effectStyle>
         <a:effectStyle>
-          <a:effectLst/>
+          <a:effectLst>
+            <a:innerShdw blurRad="25400" dist="12700" dir="13500000">
+              <a:srgbClr val="000000">
+                <a:alpha val="45000"/>
+              </a:srgbClr>
+            </a:innerShdw>
+          </a:effectLst>
         </a:effectStyle>
         <a:effectStyle>
           <a:effectLst>
-            <a:innerShdw blurRad="63500" dist="25400" dir="13500000">
+            <a:outerShdw blurRad="38100" dist="25400" dir="5400000" rotWithShape="0">
               <a:srgbClr val="000000">
-                <a:alpha val="75000"/>
+                <a:alpha val="60000"/>
               </a:srgbClr>
-            </a:innerShdw>
+            </a:outerShdw>
           </a:effectLst>
         </a:effectStyle>
       </a:effectStyleLst>
@@ -5872,35 +6254,23 @@
           <a:gsLst>
             <a:gs pos="0">
               <a:schemeClr val="phClr">
-                <a:tint val="100000"/>
+                <a:tint val="90000"/>
+                <a:lumMod val="110000"/>
               </a:schemeClr>
             </a:gs>
             <a:gs pos="100000">
               <a:schemeClr val="phClr">
-                <a:tint val="84000"/>
-                <a:shade val="84000"/>
-                <a:lumMod val="90000"/>
+                <a:shade val="88000"/>
+                <a:lumMod val="98000"/>
               </a:schemeClr>
             </a:gs>
           </a:gsLst>
           <a:lin ang="5400000" scaled="0"/>
         </a:gradFill>
-        <a:gradFill rotWithShape="1">
-          <a:gsLst>
-            <a:gs pos="0">
-              <a:schemeClr val="phClr">
-                <a:tint val="84000"/>
-                <a:shade val="90000"/>
-                <a:satMod val="120000"/>
-                <a:lumMod val="90000"/>
-              </a:schemeClr>
-            </a:gs>
-            <a:gs pos="100000">
-              <a:schemeClr val="phClr"/>
-            </a:gs>
-          </a:gsLst>
-          <a:lin ang="5400000" scaled="0"/>
-        </a:gradFill>
+        <a:blipFill>
+          <a:blip xmlns:r="http://schemas.openxmlformats.org/officeDocument/2006/relationships" r:embed="rId2"/>
+          <a:stretch/>
+        </a:blipFill>
       </a:bgFillStyleLst>
     </a:fmtScheme>
   </a:themeElements>
@@ -5908,7 +6278,7 @@
   <a:extraClrSchemeLst/>
   <a:extLst>
     <a:ext uri="{05A4C25C-085E-4340-85A3-A5531E510DB2}">
-      <thm15:themeFamily xmlns:thm15="http://schemas.microsoft.com/office/thememl/2012/main" name="Quotable" id="{39EC5628-30ED-4578-ACD8-9820EDB8E15A}" vid="{6F3559E9-1A4C-49D8-94D4-F41003531C49}"/>
+      <thm15:themeFamily xmlns:thm15="http://schemas.microsoft.com/office/thememl/2012/main" name="Organic" id="{28CDC826-8792-45C0-861B-85EB3ADEDA33}" vid="{E4E49EB0-FB00-41F5-9359-4843D783A23D}"/>
     </a:ext>
   </a:extLst>
 </a:theme>

--- a/Output/666/test.pptx
+++ b/Output/666/test.pptx
@@ -10,7 +10,6 @@
     <p:sldId id="258" r:id="rId8"/>
     <p:sldId id="259" r:id="rId9"/>
     <p:sldId id="260" r:id="rId10"/>
-    <p:sldId id="261" r:id="rId11"/>
   </p:sldIdLst>
   <p:sldSz cx="12192000" cy="6858000"/>
   <p:notesSz cx="6858000" cy="9144000"/>
@@ -2466,7 +2465,7 @@
           <a:lstStyle/>
           <a:p>
             <a:r>
-              <a:t>粵語概覽</a:t>
+              <a:t>香港喺中醫藥全球發展中嘅橋樑作用</a:t>
             </a:r>
           </a:p>
         </p:txBody>
@@ -2487,7 +2486,7 @@
           <a:lstStyle/>
           <a:p>
             <a:r>
-              <a:t>一種聲調語言嘅特色同埋分布</a:t>
+              <a:t>促進中西醫藥文化融合</a:t>
             </a:r>
           </a:p>
         </p:txBody>
@@ -2548,25 +2547,19 @@
           <a:p>
             <a:pPr/>
             <a:r>
-              <a:t>1. 粵語嘅特色</a:t>
+              <a:t>1. 香港作為中醫藥橋樑嘅角色</a:t>
             </a:r>
           </a:p>
           <a:p>
             <a:pPr/>
             <a:r>
-              <a:t>2. 粵語嘅獨特詞彙</a:t>
+              <a:t>2. 香港對中醫藥國際貿易嘅促進作用</a:t>
             </a:r>
           </a:p>
           <a:p>
             <a:pPr/>
             <a:r>
-              <a:t>3. 粵語嘅語法同普通話嘅唔同</a:t>
-            </a:r>
-          </a:p>
-          <a:p>
-            <a:pPr/>
-            <a:r>
-              <a:t>4. 學習粵語嘅意義</a:t>
+              <a:t>3. 結語</a:t>
             </a:r>
           </a:p>
         </p:txBody>
@@ -2605,7 +2598,7 @@
           <a:lstStyle/>
           <a:p>
             <a:r>
-              <a:t>粵語嘅特色</a:t>
+              <a:t>香港作為中醫藥橋樑嘅角色</a:t>
             </a:r>
           </a:p>
         </p:txBody>
@@ -2644,9 +2637,47 @@
           <a:lstStyle/>
           <a:p>
             <a:r>
-              <a:t>粵語嘅獨特詞彙</a:t>
-            </a:r>
-          </a:p>
+              <a:t>香港對中醫藥國際貿易嘅促進作用</a:t>
+            </a:r>
+          </a:p>
+        </p:txBody>
+      </p:sp>
+      <p:sp>
+        <p:nvSpPr>
+          <p:cNvPr id="3" name="Content Placeholder 2"/>
+          <p:cNvSpPr>
+            <a:spLocks noGrp="1"/>
+          </p:cNvSpPr>
+          <p:nvPr>
+            <p:ph idx="1"/>
+          </p:nvPr>
+        </p:nvSpPr>
+        <p:spPr/>
+        <p:txBody>
+          <a:bodyPr/>
+          <a:lstStyle/>
+          <a:p>
+            <a:r>
+              <a:t>香港作為國際貿易中心，促進高質量中醫藥材料嘅國際貿易，提升中醫藥喺全球嘅認可度同發展。</a:t>
+            </a:r>
+          </a:p>
+        </p:txBody>
+      </p:sp>
+      <p:sp>
+        <p:nvSpPr>
+          <p:cNvPr id="4" name="Text Placeholder 3"/>
+          <p:cNvSpPr>
+            <a:spLocks noGrp="1"/>
+          </p:cNvSpPr>
+          <p:nvPr>
+            <p:ph type="body" idx="2" sz="half"/>
+          </p:nvPr>
+        </p:nvSpPr>
+        <p:spPr/>
+        <p:txBody>
+          <a:bodyPr/>
+          <a:lstStyle/>
+          <a:p/>
         </p:txBody>
       </p:sp>
     </p:spTree>
@@ -2683,7 +2714,7 @@
           <a:lstStyle/>
           <a:p>
             <a:r>
-              <a:t>粵語嘅語法同普通話嘅唔同</a:t>
+              <a:t>結語</a:t>
             </a:r>
           </a:p>
         </p:txBody>
@@ -2704,91 +2735,9 @@
           <a:lstStyle/>
           <a:p>
             <a:r>
-              <a:t>語法差異</a:t>
-            </a:r>
-          </a:p>
-          <a:p>
-            <a:r>
-              <a:t>例如會用『咗』表示過去式，『緊』表示進行式。</a:t>
-            </a:r>
-          </a:p>
-        </p:txBody>
-      </p:sp>
-    </p:spTree>
-  </p:cSld>
-  <p:clrMapOvr>
-    <a:masterClrMapping/>
-  </p:clrMapOvr>
-</p:sld>
-</file>
-
-<file path=ppt/slides/slide6.xml><?xml version="1.0" encoding="utf-8"?>
-<p:sld xmlns:a="http://schemas.openxmlformats.org/drawingml/2006/main" xmlns:p="http://schemas.openxmlformats.org/presentationml/2006/main" xmlns:r="http://schemas.openxmlformats.org/officeDocument/2006/relationships">
-  <p:cSld>
-    <p:spTree>
-      <p:nvGrpSpPr>
-        <p:cNvPr id="1" name=""/>
-        <p:cNvGrpSpPr/>
-        <p:nvPr/>
-      </p:nvGrpSpPr>
-      <p:grpSpPr/>
-      <p:sp>
-        <p:nvSpPr>
-          <p:cNvPr id="2" name="Title 1"/>
-          <p:cNvSpPr>
-            <a:spLocks noGrp="1"/>
-          </p:cNvSpPr>
-          <p:nvPr>
-            <p:ph type="title"/>
-          </p:nvPr>
-        </p:nvSpPr>
-        <p:spPr/>
-        <p:txBody>
-          <a:bodyPr/>
-          <a:lstStyle/>
-          <a:p>
-            <a:r>
-              <a:t>學習粵語嘅意義</a:t>
-            </a:r>
-          </a:p>
-        </p:txBody>
-      </p:sp>
-      <p:sp>
-        <p:nvSpPr>
-          <p:cNvPr id="3" name="Content Placeholder 2"/>
-          <p:cNvSpPr>
-            <a:spLocks noGrp="1"/>
-          </p:cNvSpPr>
-          <p:nvPr>
-            <p:ph idx="1"/>
-          </p:nvPr>
-        </p:nvSpPr>
-        <p:spPr/>
-        <p:txBody>
-          <a:bodyPr/>
-          <a:lstStyle/>
-          <a:p>
-            <a:r>
-              <a:t>學識粵語唔單止可以同本地人溝通，仲可以更深入理解粵語文化。</a:t>
-            </a:r>
-          </a:p>
-        </p:txBody>
-      </p:sp>
-      <p:sp>
-        <p:nvSpPr>
-          <p:cNvPr id="4" name="Text Placeholder 3"/>
-          <p:cNvSpPr>
-            <a:spLocks noGrp="1"/>
-          </p:cNvSpPr>
-          <p:nvPr>
-            <p:ph type="body" idx="2" sz="half"/>
-          </p:nvPr>
-        </p:nvSpPr>
-        <p:spPr/>
-        <p:txBody>
-          <a:bodyPr/>
-          <a:lstStyle/>
-          <a:p/>
+              <a:t>總結香港喺中醫藥全球發展中嘅重要角色，展望未來中醫藥喺全球嘅發展前景。</a:t>
+            </a:r>
+          </a:p>
         </p:txBody>
       </p:sp>
     </p:spTree>

--- a/Output/666/test.pptx
+++ b/Output/666/test.pptx
@@ -10,6 +10,9 @@
     <p:sldId id="258" r:id="rId8"/>
     <p:sldId id="259" r:id="rId9"/>
     <p:sldId id="260" r:id="rId10"/>
+    <p:sldId id="261" r:id="rId11"/>
+    <p:sldId id="262" r:id="rId12"/>
+    <p:sldId id="263" r:id="rId13"/>
   </p:sldIdLst>
   <p:sldSz cx="12192000" cy="6858000"/>
   <p:notesSz cx="6858000" cy="9144000"/>
@@ -2465,7 +2468,7 @@
           <a:lstStyle/>
           <a:p>
             <a:r>
-              <a:t>香港喺中醫藥全球發展中嘅橋樑作用</a:t>
+              <a:t>PID 控制的“抗飽和（Anti-Windup）機制”</a:t>
             </a:r>
           </a:p>
         </p:txBody>
@@ -2486,7 +2489,7 @@
           <a:lstStyle/>
           <a:p>
             <a:r>
-              <a:t>促進中西醫藥文化融合</a:t>
+              <a:t>原理、數學建模與工程實現</a:t>
             </a:r>
           </a:p>
         </p:txBody>
@@ -2547,19 +2550,37 @@
           <a:p>
             <a:pPr/>
             <a:r>
-              <a:t>1. 香港作為中醫藥橋樑嘅角色</a:t>
+              <a:t>1. 问题背景与数学模型</a:t>
             </a:r>
           </a:p>
           <a:p>
             <a:pPr/>
             <a:r>
-              <a:t>2. 香港對中醫藥國際貿易嘅促進作用</a:t>
+              <a:t>2. 抗饱和目标与经典抗饱和策略</a:t>
             </a:r>
           </a:p>
           <a:p>
             <a:pPr/>
             <a:r>
-              <a:t>3. 結語</a:t>
+              <a:t>3. 经典抗饱和策略：Back-Calculation</a:t>
+            </a:r>
+          </a:p>
+          <a:p>
+            <a:pPr/>
+            <a:r>
+              <a:t>4. 稳定性分析与离散实现</a:t>
+            </a:r>
+          </a:p>
+          <a:p>
+            <a:pPr/>
+            <a:r>
+              <a:t>5. 工程补充与小结</a:t>
+            </a:r>
+          </a:p>
+          <a:p>
+            <a:pPr/>
+            <a:r>
+              <a:t>6. 總結</a:t>
             </a:r>
           </a:p>
         </p:txBody>
@@ -2584,21 +2605,55 @@
       <p:grpSpPr/>
       <p:sp>
         <p:nvSpPr>
-          <p:cNvPr id="2" name="Title 1"/>
-          <p:cNvSpPr>
-            <a:spLocks noGrp="1"/>
-          </p:cNvSpPr>
-          <p:nvPr>
-            <p:ph type="title"/>
-          </p:nvPr>
-        </p:nvSpPr>
-        <p:spPr/>
-        <p:txBody>
-          <a:bodyPr/>
-          <a:lstStyle/>
-          <a:p>
-            <a:r>
-              <a:t>香港作為中醫藥橋樑嘅角色</a:t>
+          <p:cNvPr id="2" name="Vertical Title 1"/>
+          <p:cNvSpPr>
+            <a:spLocks noGrp="1"/>
+          </p:cNvSpPr>
+          <p:nvPr>
+            <p:ph type="title" orient="vert"/>
+          </p:nvPr>
+        </p:nvSpPr>
+        <p:spPr/>
+        <p:txBody>
+          <a:bodyPr/>
+          <a:lstStyle/>
+          <a:p>
+            <a:r>
+              <a:t>问题背景与数学模型</a:t>
+            </a:r>
+          </a:p>
+        </p:txBody>
+      </p:sp>
+      <p:sp>
+        <p:nvSpPr>
+          <p:cNvPr id="3" name="Vertical Text Placeholder 2"/>
+          <p:cNvSpPr>
+            <a:spLocks noGrp="1"/>
+          </p:cNvSpPr>
+          <p:nvPr>
+            <p:ph type="body" idx="1" orient="vert"/>
+          </p:nvPr>
+        </p:nvSpPr>
+        <p:spPr/>
+        <p:txBody>
+          <a:bodyPr/>
+          <a:lstStyle/>
+          <a:p>
+            <a:pPr/>
+            <a:r>
+              <a:t>积分饱和（Integral Wind-up）现象：执行器达到物理极限时，积分项 I(t) 迅速增大导致系统超调与振荡。</a:t>
+            </a:r>
+          </a:p>
+          <a:p>
+            <a:pPr/>
+            <a:r>
+              <a:t>标准 PID 控制器数学模型：$u(t) = K_p e(t) + K_i \int_0^t e(\tau)d\tau + K_d \frac{de(t)}{dt}$</a:t>
+            </a:r>
+          </a:p>
+          <a:p>
+            <a:pPr/>
+            <a:r>
+              <a:t>饱和时实际输出 $u_a(t) = sat(u(t)) = sign(u(t)) \cdot u_{max}$，导致 $u(t) \neq u_a(t)$</a:t>
             </a:r>
           </a:p>
         </p:txBody>
@@ -2637,7 +2692,7 @@
           <a:lstStyle/>
           <a:p>
             <a:r>
-              <a:t>香港對中醫藥國際貿易嘅促進作用</a:t>
+              <a:t>抗饱和目标与经典抗饱和策略</a:t>
             </a:r>
           </a:p>
         </p:txBody>
@@ -2658,26 +2713,14 @@
           <a:lstStyle/>
           <a:p>
             <a:r>
-              <a:t>香港作為國際貿易中心，促進高質量中醫藥材料嘅國際貿易，提升中醫藥喺全球嘅認可度同發展。</a:t>
-            </a:r>
-          </a:p>
-        </p:txBody>
-      </p:sp>
-      <p:sp>
-        <p:nvSpPr>
-          <p:cNvPr id="4" name="Text Placeholder 3"/>
-          <p:cNvSpPr>
-            <a:spLocks noGrp="1"/>
-          </p:cNvSpPr>
-          <p:nvPr>
-            <p:ph type="body" idx="2" sz="half"/>
-          </p:nvPr>
-        </p:nvSpPr>
-        <p:spPr/>
-        <p:txBody>
-          <a:bodyPr/>
-          <a:lstStyle/>
-          <a:p/>
+              <a:t>抗饱和目标</a:t>
+            </a:r>
+          </a:p>
+          <a:p>
+            <a:r>
+              <a:t>在饱和阶段抑制积分项继续增长；在退出饱和后，系统应快速、平滑地回到线性工作区。</a:t>
+            </a:r>
+          </a:p>
         </p:txBody>
       </p:sp>
     </p:spTree>
@@ -2714,28 +2757,243 @@
           <a:lstStyle/>
           <a:p>
             <a:r>
-              <a:t>結語</a:t>
-            </a:r>
-          </a:p>
-        </p:txBody>
-      </p:sp>
-      <p:sp>
-        <p:nvSpPr>
-          <p:cNvPr id="3" name="Text Placeholder 2"/>
-          <p:cNvSpPr>
-            <a:spLocks noGrp="1"/>
-          </p:cNvSpPr>
-          <p:nvPr>
-            <p:ph type="body" idx="1"/>
-          </p:nvPr>
-        </p:nvSpPr>
-        <p:spPr/>
-        <p:txBody>
-          <a:bodyPr/>
-          <a:lstStyle/>
-          <a:p>
-            <a:r>
-              <a:t>總結香港喺中醫藥全球發展中嘅重要角色，展望未來中醫藥喺全球嘅發展前景。</a:t>
+              <a:t>经典抗饱和策略：Back-Calculation</a:t>
+            </a:r>
+          </a:p>
+        </p:txBody>
+      </p:sp>
+      <p:sp>
+        <p:nvSpPr>
+          <p:cNvPr id="3" name="Content Placeholder 2"/>
+          <p:cNvSpPr>
+            <a:spLocks noGrp="1"/>
+          </p:cNvSpPr>
+          <p:nvPr>
+            <p:ph idx="1"/>
+          </p:nvPr>
+        </p:nvSpPr>
+        <p:spPr/>
+        <p:txBody>
+          <a:bodyPr/>
+          <a:lstStyle/>
+          <a:p>
+            <a:r>
+              <a:t>在标准 PID 之后插入“抗饱和反馈回路”，数学描述：$e_i(t) = e(t) + K_{aw}(u_a(t) - u(t))$，其中 $K_{aw}$ 为抗饱和增益（1/T_t，T_t 称为跟踪时间常数）。</a:t>
+            </a:r>
+          </a:p>
+        </p:txBody>
+      </p:sp>
+      <p:sp>
+        <p:nvSpPr>
+          <p:cNvPr id="4" name="Text Placeholder 3"/>
+          <p:cNvSpPr>
+            <a:spLocks noGrp="1"/>
+          </p:cNvSpPr>
+          <p:nvPr>
+            <p:ph type="body" idx="2" sz="half"/>
+          </p:nvPr>
+        </p:nvSpPr>
+        <p:spPr/>
+        <p:txBody>
+          <a:bodyPr/>
+          <a:lstStyle/>
+          <a:p/>
+        </p:txBody>
+      </p:sp>
+    </p:spTree>
+  </p:cSld>
+  <p:clrMapOvr>
+    <a:masterClrMapping/>
+  </p:clrMapOvr>
+</p:sld>
+</file>
+
+<file path=ppt/slides/slide6.xml><?xml version="1.0" encoding="utf-8"?>
+<p:sld xmlns:a="http://schemas.openxmlformats.org/drawingml/2006/main" xmlns:p="http://schemas.openxmlformats.org/presentationml/2006/main" xmlns:r="http://schemas.openxmlformats.org/officeDocument/2006/relationships">
+  <p:cSld>
+    <p:spTree>
+      <p:nvGrpSpPr>
+        <p:cNvPr id="1" name=""/>
+        <p:cNvGrpSpPr/>
+        <p:nvPr/>
+      </p:nvGrpSpPr>
+      <p:grpSpPr/>
+      <p:sp>
+        <p:nvSpPr>
+          <p:cNvPr id="2" name="Title 1"/>
+          <p:cNvSpPr>
+            <a:spLocks noGrp="1"/>
+          </p:cNvSpPr>
+          <p:nvPr>
+            <p:ph type="title"/>
+          </p:nvPr>
+        </p:nvSpPr>
+        <p:spPr/>
+        <p:txBody>
+          <a:bodyPr/>
+          <a:lstStyle/>
+          <a:p>
+            <a:r>
+              <a:t>稳定性分析与离散实现</a:t>
+            </a:r>
+          </a:p>
+        </p:txBody>
+      </p:sp>
+      <p:sp>
+        <p:nvSpPr>
+          <p:cNvPr id="3" name="Vertical Text Placeholder 2"/>
+          <p:cNvSpPr>
+            <a:spLocks noGrp="1"/>
+          </p:cNvSpPr>
+          <p:nvPr>
+            <p:ph type="body" idx="1" orient="vert"/>
+          </p:nvPr>
+        </p:nvSpPr>
+        <p:spPr/>
+        <p:txBody>
+          <a:bodyPr/>
+          <a:lstStyle/>
+          <a:p>
+            <a:pPr/>
+            <a:r>
+              <a:t>线性化假设：$G_{aw}(s) = \frac{K_{aw}}{s + K_{aw}}$，抗饱和回路自身稳定；闭环稳定性由线性 PID 设计与 $K_{aw}$ 共同决定。</a:t>
+            </a:r>
+          </a:p>
+          <a:p>
+            <a:pPr/>
+            <a:r>
+              <a:t>推荐整定：$T_t \approx \sqrt{T_i T_d}$（Åström-Hägglund 规则），其中 $T_i = \frac{K_p}{K_i}$，$T_d = \frac{K_d}{K_p}$。</a:t>
+            </a:r>
+          </a:p>
+          <a:p>
+            <a:pPr/>
+            <a:r>
+              <a:t>离散实现（位置式算法）：伪代码（C 语法）展示</a:t>
+            </a:r>
+          </a:p>
+        </p:txBody>
+      </p:sp>
+    </p:spTree>
+  </p:cSld>
+  <p:clrMapOvr>
+    <a:masterClrMapping/>
+  </p:clrMapOvr>
+</p:sld>
+</file>
+
+<file path=ppt/slides/slide7.xml><?xml version="1.0" encoding="utf-8"?>
+<p:sld xmlns:a="http://schemas.openxmlformats.org/drawingml/2006/main" xmlns:p="http://schemas.openxmlformats.org/presentationml/2006/main" xmlns:r="http://schemas.openxmlformats.org/officeDocument/2006/relationships">
+  <p:cSld>
+    <p:spTree>
+      <p:nvGrpSpPr>
+        <p:cNvPr id="1" name=""/>
+        <p:cNvGrpSpPr/>
+        <p:nvPr/>
+      </p:nvGrpSpPr>
+      <p:grpSpPr/>
+      <p:sp>
+        <p:nvSpPr>
+          <p:cNvPr id="2" name="Title 1"/>
+          <p:cNvSpPr>
+            <a:spLocks noGrp="1"/>
+          </p:cNvSpPr>
+          <p:nvPr>
+            <p:ph type="title"/>
+          </p:nvPr>
+        </p:nvSpPr>
+        <p:spPr/>
+        <p:txBody>
+          <a:bodyPr/>
+          <a:lstStyle/>
+          <a:p>
+            <a:r>
+              <a:t>工程补充与小结</a:t>
+            </a:r>
+          </a:p>
+        </p:txBody>
+      </p:sp>
+      <p:sp>
+        <p:nvSpPr>
+          <p:cNvPr id="3" name="Vertical Text Placeholder 2"/>
+          <p:cNvSpPr>
+            <a:spLocks noGrp="1"/>
+          </p:cNvSpPr>
+          <p:nvPr>
+            <p:ph type="body" idx="1" orient="vert"/>
+          </p:nvPr>
+        </p:nvSpPr>
+        <p:spPr/>
+        <p:txBody>
+          <a:bodyPr/>
+          <a:lstStyle/>
+          <a:p>
+            <a:r>
+              <a:t>工程补充</a:t>
+            </a:r>
+          </a:p>
+          <a:p>
+            <a:r>
+              <a:t>对多变量系统，可将抗饱和扩展为“方向保持”算法（Directional Anti-Windup）。实际调试时，可通过阶跃测试观测：饱和阶段 I 分量应被限制；退出饱和后调节时间应缩短。对伺服电机，可结合电流环限幅、速度前馈，实现级联抗饱和。</a:t>
+            </a:r>
+          </a:p>
+        </p:txBody>
+      </p:sp>
+    </p:spTree>
+  </p:cSld>
+  <p:clrMapOvr>
+    <a:masterClrMapping/>
+  </p:clrMapOvr>
+</p:sld>
+</file>
+
+<file path=ppt/slides/slide8.xml><?xml version="1.0" encoding="utf-8"?>
+<p:sld xmlns:a="http://schemas.openxmlformats.org/drawingml/2006/main" xmlns:p="http://schemas.openxmlformats.org/presentationml/2006/main" xmlns:r="http://schemas.openxmlformats.org/officeDocument/2006/relationships">
+  <p:cSld>
+    <p:spTree>
+      <p:nvGrpSpPr>
+        <p:cNvPr id="1" name=""/>
+        <p:cNvGrpSpPr/>
+        <p:nvPr/>
+      </p:nvGrpSpPr>
+      <p:grpSpPr/>
+      <p:sp>
+        <p:nvSpPr>
+          <p:cNvPr id="2" name="Title 1"/>
+          <p:cNvSpPr>
+            <a:spLocks noGrp="1"/>
+          </p:cNvSpPr>
+          <p:nvPr>
+            <p:ph type="title"/>
+          </p:nvPr>
+        </p:nvSpPr>
+        <p:spPr/>
+        <p:txBody>
+          <a:bodyPr/>
+          <a:lstStyle/>
+          <a:p>
+            <a:r>
+              <a:t>總結</a:t>
+            </a:r>
+          </a:p>
+        </p:txBody>
+      </p:sp>
+      <p:sp>
+        <p:nvSpPr>
+          <p:cNvPr id="3" name="Vertical Text Placeholder 2"/>
+          <p:cNvSpPr>
+            <a:spLocks noGrp="1"/>
+          </p:cNvSpPr>
+          <p:nvPr>
+            <p:ph type="body" idx="1" orient="vert"/>
+          </p:nvPr>
+        </p:nvSpPr>
+        <p:spPr/>
+        <p:txBody>
+          <a:bodyPr/>
+          <a:lstStyle/>
+          <a:p>
+            <a:r>
+              <a:t>抗饱和不是额外“补丁”，而是 PID 控制器在工程可实施性上的必要组成部分；其设计应遵循：(1) 建立饱和非线性模型；(2) 选择匹配的抗饱和结构（Back-Calculation、Clamping、Observer-based 等）；(3) 通过线性化或小增益定理验证稳定性；(4) 在实际硬件上闭环验证动态性能与鲁棒性。</a:t>
             </a:r>
           </a:p>
         </p:txBody>
